--- a/doc/LuanVan.pptx
+++ b/doc/LuanVan.pptx
@@ -4,22 +4,29 @@
   <p:sldMasterIdLst>
     <p:sldMasterId id="2147484032" r:id="rId1"/>
   </p:sldMasterIdLst>
+  <p:notesMasterIdLst>
+    <p:notesMasterId r:id="rId21"/>
+  </p:notesMasterIdLst>
   <p:sldIdLst>
     <p:sldId id="256" r:id="rId2"/>
     <p:sldId id="257" r:id="rId3"/>
     <p:sldId id="258" r:id="rId4"/>
-    <p:sldId id="259" r:id="rId5"/>
-    <p:sldId id="260" r:id="rId6"/>
-    <p:sldId id="261" r:id="rId7"/>
-    <p:sldId id="262" r:id="rId8"/>
-    <p:sldId id="263" r:id="rId9"/>
-    <p:sldId id="264" r:id="rId10"/>
-    <p:sldId id="265" r:id="rId11"/>
-    <p:sldId id="266" r:id="rId12"/>
-    <p:sldId id="267" r:id="rId13"/>
-    <p:sldId id="268" r:id="rId14"/>
-    <p:sldId id="269" r:id="rId15"/>
-    <p:sldId id="270" r:id="rId16"/>
+    <p:sldId id="274" r:id="rId5"/>
+    <p:sldId id="259" r:id="rId6"/>
+    <p:sldId id="260" r:id="rId7"/>
+    <p:sldId id="261" r:id="rId8"/>
+    <p:sldId id="262" r:id="rId9"/>
+    <p:sldId id="263" r:id="rId10"/>
+    <p:sldId id="264" r:id="rId11"/>
+    <p:sldId id="265" r:id="rId12"/>
+    <p:sldId id="266" r:id="rId13"/>
+    <p:sldId id="267" r:id="rId14"/>
+    <p:sldId id="268" r:id="rId15"/>
+    <p:sldId id="273" r:id="rId16"/>
+    <p:sldId id="272" r:id="rId17"/>
+    <p:sldId id="269" r:id="rId18"/>
+    <p:sldId id="270" r:id="rId19"/>
+    <p:sldId id="271" r:id="rId20"/>
   </p:sldIdLst>
   <p:sldSz cx="9144000" cy="6858000" type="screen4x3"/>
   <p:notesSz cx="6858000" cy="9144000"/>
@@ -869,7 +876,7 @@
 </file>
 
 <file path=ppt/diagrams/colors2.xml><?xml version="1.0" encoding="utf-8"?>
-<dgm:colorsDef xmlns:dgm="http://schemas.openxmlformats.org/drawingml/2006/diagram" xmlns:a="http://schemas.openxmlformats.org/drawingml/2006/main" uniqueId="urn:microsoft.com/office/officeart/2005/8/colors/colorful1">
+<dgm:colorsDef xmlns:dgm="http://schemas.openxmlformats.org/drawingml/2006/diagram" xmlns:a="http://schemas.openxmlformats.org/drawingml/2006/main" uniqueId="urn:microsoft.com/office/officeart/2005/8/colors/colorful1#1">
   <dgm:title val=""/>
   <dgm:desc val=""/>
   <dgm:catLst>
@@ -2535,7 +2542,7 @@
 </file>
 
 <file path=ppt/diagrams/colors4.xml><?xml version="1.0" encoding="utf-8"?>
-<dgm:colorsDef xmlns:dgm="http://schemas.openxmlformats.org/drawingml/2006/diagram" xmlns:a="http://schemas.openxmlformats.org/drawingml/2006/main" uniqueId="urn:microsoft.com/office/officeart/2005/8/colors/colorful1">
+<dgm:colorsDef xmlns:dgm="http://schemas.openxmlformats.org/drawingml/2006/diagram" xmlns:a="http://schemas.openxmlformats.org/drawingml/2006/main" uniqueId="urn:microsoft.com/office/officeart/2005/8/colors/colorful1#2">
   <dgm:title val=""/>
   <dgm:desc val=""/>
   <dgm:catLst>
@@ -4194,7 +4201,7 @@
   <dgm:whole/>
   <dgm:extLst>
     <a:ext uri="http://schemas.microsoft.com/office/drawing/2008/diagram">
-      <dsp:dataModelExt xmlns:dsp="http://schemas.microsoft.com/office/drawing/2008/diagram" relId="rId6" minVer="http://schemas.openxmlformats.org/drawingml/2006/diagram"/>
+      <dsp:dataModelExt xmlns:dsp="http://schemas.microsoft.com/office/drawing/2008/diagram" relId="rId7" minVer="http://schemas.openxmlformats.org/drawingml/2006/diagram"/>
     </a:ext>
   </dgm:extLst>
 </dgm:dataModel>
@@ -4204,7 +4211,7 @@
 <dgm:dataModel xmlns:dgm="http://schemas.openxmlformats.org/drawingml/2006/diagram" xmlns:a="http://schemas.openxmlformats.org/drawingml/2006/main">
   <dgm:ptLst>
     <dgm:pt modelId="{70478196-7655-4812-942F-6C403D3FE353}" type="doc">
-      <dgm:prSet loTypeId="urn:microsoft.com/office/officeart/2011/layout/RadialPictureList" loCatId="picture" qsTypeId="urn:microsoft.com/office/officeart/2005/8/quickstyle/simple1" qsCatId="simple" csTypeId="urn:microsoft.com/office/officeart/2005/8/colors/colorful1" csCatId="colorful" phldr="1"/>
+      <dgm:prSet loTypeId="urn:microsoft.com/office/officeart/2011/layout/RadialPictureList" loCatId="picture" qsTypeId="urn:microsoft.com/office/officeart/2005/8/quickstyle/simple1" qsCatId="simple" csTypeId="urn:microsoft.com/office/officeart/2005/8/colors/colorful1#1" csCatId="colorful" phldr="1"/>
       <dgm:spPr/>
       <dgm:t>
         <a:bodyPr/>
@@ -4780,7 +4787,7 @@
 <dgm:dataModel xmlns:dgm="http://schemas.openxmlformats.org/drawingml/2006/diagram" xmlns:a="http://schemas.openxmlformats.org/drawingml/2006/main">
   <dgm:ptLst>
     <dgm:pt modelId="{2119FBD4-AB0B-4F7E-AB40-020EEC7C5E5F}" type="doc">
-      <dgm:prSet loTypeId="urn:microsoft.com/office/officeart/2008/layout/VerticalCurvedList" loCatId="list" qsTypeId="urn:microsoft.com/office/officeart/2009/2/quickstyle/3d8" qsCatId="3D" csTypeId="urn:microsoft.com/office/officeart/2005/8/colors/colorful1" csCatId="colorful" phldr="1"/>
+      <dgm:prSet loTypeId="urn:microsoft.com/office/officeart/2008/layout/VerticalCurvedList" loCatId="list" qsTypeId="urn:microsoft.com/office/officeart/2009/2/quickstyle/3d8" qsCatId="3D" csTypeId="urn:microsoft.com/office/officeart/2005/8/colors/colorful1#2" csCatId="colorful" phldr="1"/>
       <dgm:spPr/>
       <dgm:t>
         <a:bodyPr/>
@@ -4927,11 +4934,39 @@
         <a:lstStyle/>
         <a:p>
           <a:r>
+            <a:rPr lang="en-US" sz="3000" err="1" smtClean="0">
+              <a:latin typeface="Times New Roman" pitchFamily="18" charset="0"/>
+              <a:cs typeface="Times New Roman" pitchFamily="18" charset="0"/>
+            </a:rPr>
+            <a:t>Biển</a:t>
+          </a:r>
+          <a:r>
             <a:rPr lang="en-US" sz="3000" smtClean="0">
               <a:latin typeface="Times New Roman" pitchFamily="18" charset="0"/>
               <a:cs typeface="Times New Roman" pitchFamily="18" charset="0"/>
             </a:rPr>
-            <a:t>Biển diển ảnh</a:t>
+            <a:t> </a:t>
+          </a:r>
+          <a:r>
+            <a:rPr lang="en-US" sz="3000" err="1" smtClean="0">
+              <a:latin typeface="Times New Roman" pitchFamily="18" charset="0"/>
+              <a:cs typeface="Times New Roman" pitchFamily="18" charset="0"/>
+            </a:rPr>
+            <a:t>diễn</a:t>
+          </a:r>
+          <a:r>
+            <a:rPr lang="en-US" sz="3000" smtClean="0">
+              <a:latin typeface="Times New Roman" pitchFamily="18" charset="0"/>
+              <a:cs typeface="Times New Roman" pitchFamily="18" charset="0"/>
+            </a:rPr>
+            <a:t> </a:t>
+          </a:r>
+          <a:r>
+            <a:rPr lang="en-US" sz="3000" err="1" smtClean="0">
+              <a:latin typeface="Times New Roman" pitchFamily="18" charset="0"/>
+              <a:cs typeface="Times New Roman" pitchFamily="18" charset="0"/>
+            </a:rPr>
+            <a:t>ảnh</a:t>
           </a:r>
           <a:endParaRPr lang="en-US" sz="3000">
             <a:latin typeface="Times New Roman" pitchFamily="18" charset="0"/>
@@ -7474,11 +7509,39 @@
             </a:spcAft>
           </a:pPr>
           <a:r>
+            <a:rPr lang="en-US" sz="3000" kern="1200" err="1" smtClean="0">
+              <a:latin typeface="Times New Roman" pitchFamily="18" charset="0"/>
+              <a:cs typeface="Times New Roman" pitchFamily="18" charset="0"/>
+            </a:rPr>
+            <a:t>Biển</a:t>
+          </a:r>
+          <a:r>
             <a:rPr lang="en-US" sz="3000" kern="1200" smtClean="0">
               <a:latin typeface="Times New Roman" pitchFamily="18" charset="0"/>
               <a:cs typeface="Times New Roman" pitchFamily="18" charset="0"/>
             </a:rPr>
-            <a:t>Biển diển ảnh</a:t>
+            <a:t> </a:t>
+          </a:r>
+          <a:r>
+            <a:rPr lang="en-US" sz="3000" kern="1200" err="1" smtClean="0">
+              <a:latin typeface="Times New Roman" pitchFamily="18" charset="0"/>
+              <a:cs typeface="Times New Roman" pitchFamily="18" charset="0"/>
+            </a:rPr>
+            <a:t>diễn</a:t>
+          </a:r>
+          <a:r>
+            <a:rPr lang="en-US" sz="3000" kern="1200" smtClean="0">
+              <a:latin typeface="Times New Roman" pitchFamily="18" charset="0"/>
+              <a:cs typeface="Times New Roman" pitchFamily="18" charset="0"/>
+            </a:rPr>
+            <a:t> </a:t>
+          </a:r>
+          <a:r>
+            <a:rPr lang="en-US" sz="3000" kern="1200" err="1" smtClean="0">
+              <a:latin typeface="Times New Roman" pitchFamily="18" charset="0"/>
+              <a:cs typeface="Times New Roman" pitchFamily="18" charset="0"/>
+            </a:rPr>
+            <a:t>ảnh</a:t>
           </a:r>
           <a:endParaRPr lang="en-US" sz="3000" kern="1200">
             <a:latin typeface="Times New Roman" pitchFamily="18" charset="0"/>
@@ -15094,6 +15157,439 @@
 </dgm:styleDef>
 </file>
 
+<file path=ppt/notesMasters/notesMaster1.xml><?xml version="1.0" encoding="utf-8"?>
+<p:notesMaster xmlns:a="http://schemas.openxmlformats.org/drawingml/2006/main" xmlns:r="http://schemas.openxmlformats.org/officeDocument/2006/relationships" xmlns:p="http://schemas.openxmlformats.org/presentationml/2006/main">
+  <p:cSld>
+    <p:bg>
+      <p:bgRef idx="1001">
+        <a:schemeClr val="bg1"/>
+      </p:bgRef>
+    </p:bg>
+    <p:spTree>
+      <p:nvGrpSpPr>
+        <p:cNvPr id="1" name=""/>
+        <p:cNvGrpSpPr/>
+        <p:nvPr/>
+      </p:nvGrpSpPr>
+      <p:grpSpPr>
+        <a:xfrm>
+          <a:off x="0" y="0"/>
+          <a:ext cx="0" cy="0"/>
+          <a:chOff x="0" y="0"/>
+          <a:chExt cx="0" cy="0"/>
+        </a:xfrm>
+      </p:grpSpPr>
+      <p:sp>
+        <p:nvSpPr>
+          <p:cNvPr id="2" name="Header Placeholder 1"/>
+          <p:cNvSpPr>
+            <a:spLocks noGrp="1"/>
+          </p:cNvSpPr>
+          <p:nvPr>
+            <p:ph type="hdr" sz="quarter"/>
+          </p:nvPr>
+        </p:nvSpPr>
+        <p:spPr>
+          <a:xfrm>
+            <a:off x="0" y="0"/>
+            <a:ext cx="2971800" cy="457200"/>
+          </a:xfrm>
+          <a:prstGeom prst="rect">
+            <a:avLst/>
+          </a:prstGeom>
+        </p:spPr>
+        <p:txBody>
+          <a:bodyPr vert="horz" lIns="91440" tIns="45720" rIns="91440" bIns="45720" rtlCol="0"/>
+          <a:lstStyle>
+            <a:lvl1pPr algn="l">
+              <a:defRPr sz="1200"/>
+            </a:lvl1pPr>
+          </a:lstStyle>
+          <a:p>
+            <a:endParaRPr lang="en-US"/>
+          </a:p>
+        </p:txBody>
+      </p:sp>
+      <p:sp>
+        <p:nvSpPr>
+          <p:cNvPr id="3" name="Date Placeholder 2"/>
+          <p:cNvSpPr>
+            <a:spLocks noGrp="1"/>
+          </p:cNvSpPr>
+          <p:nvPr>
+            <p:ph type="dt" idx="1"/>
+          </p:nvPr>
+        </p:nvSpPr>
+        <p:spPr>
+          <a:xfrm>
+            <a:off x="3884613" y="0"/>
+            <a:ext cx="2971800" cy="457200"/>
+          </a:xfrm>
+          <a:prstGeom prst="rect">
+            <a:avLst/>
+          </a:prstGeom>
+        </p:spPr>
+        <p:txBody>
+          <a:bodyPr vert="horz" lIns="91440" tIns="45720" rIns="91440" bIns="45720" rtlCol="0"/>
+          <a:lstStyle>
+            <a:lvl1pPr algn="r">
+              <a:defRPr sz="1200"/>
+            </a:lvl1pPr>
+          </a:lstStyle>
+          <a:p>
+            <a:fld id="{699EAECE-9E29-47D5-89FB-ABBD9EFC057C}" type="datetimeFigureOut">
+              <a:rPr lang="en-US" smtClean="0"/>
+              <a:t>2/25/2012</a:t>
+            </a:fld>
+            <a:endParaRPr lang="en-US"/>
+          </a:p>
+        </p:txBody>
+      </p:sp>
+      <p:sp>
+        <p:nvSpPr>
+          <p:cNvPr id="4" name="Slide Image Placeholder 3"/>
+          <p:cNvSpPr>
+            <a:spLocks noGrp="1" noRot="1" noChangeAspect="1"/>
+          </p:cNvSpPr>
+          <p:nvPr>
+            <p:ph type="sldImg" idx="2"/>
+          </p:nvPr>
+        </p:nvSpPr>
+        <p:spPr>
+          <a:xfrm>
+            <a:off x="1143000" y="685800"/>
+            <a:ext cx="4572000" cy="3429000"/>
+          </a:xfrm>
+          <a:prstGeom prst="rect">
+            <a:avLst/>
+          </a:prstGeom>
+          <a:noFill/>
+          <a:ln w="12700">
+            <a:solidFill>
+              <a:prstClr val="black"/>
+            </a:solidFill>
+          </a:ln>
+        </p:spPr>
+        <p:txBody>
+          <a:bodyPr vert="horz" lIns="91440" tIns="45720" rIns="91440" bIns="45720" rtlCol="0" anchor="ctr"/>
+          <a:lstStyle/>
+          <a:p>
+            <a:endParaRPr lang="en-US"/>
+          </a:p>
+        </p:txBody>
+      </p:sp>
+      <p:sp>
+        <p:nvSpPr>
+          <p:cNvPr id="5" name="Notes Placeholder 4"/>
+          <p:cNvSpPr>
+            <a:spLocks noGrp="1"/>
+          </p:cNvSpPr>
+          <p:nvPr>
+            <p:ph type="body" sz="quarter" idx="3"/>
+          </p:nvPr>
+        </p:nvSpPr>
+        <p:spPr>
+          <a:xfrm>
+            <a:off x="685800" y="4343400"/>
+            <a:ext cx="5486400" cy="4114800"/>
+          </a:xfrm>
+          <a:prstGeom prst="rect">
+            <a:avLst/>
+          </a:prstGeom>
+        </p:spPr>
+        <p:txBody>
+          <a:bodyPr vert="horz" lIns="91440" tIns="45720" rIns="91440" bIns="45720" rtlCol="0">
+            <a:normAutofit/>
+          </a:bodyPr>
+          <a:lstStyle/>
+          <a:p>
+            <a:pPr lvl="0"/>
+            <a:r>
+              <a:rPr lang="en-US" smtClean="0"/>
+              <a:t>Click to edit Master text styles</a:t>
+            </a:r>
+          </a:p>
+          <a:p>
+            <a:pPr lvl="1"/>
+            <a:r>
+              <a:rPr lang="en-US" smtClean="0"/>
+              <a:t>Second level</a:t>
+            </a:r>
+          </a:p>
+          <a:p>
+            <a:pPr lvl="2"/>
+            <a:r>
+              <a:rPr lang="en-US" smtClean="0"/>
+              <a:t>Third level</a:t>
+            </a:r>
+          </a:p>
+          <a:p>
+            <a:pPr lvl="3"/>
+            <a:r>
+              <a:rPr lang="en-US" smtClean="0"/>
+              <a:t>Fourth level</a:t>
+            </a:r>
+          </a:p>
+          <a:p>
+            <a:pPr lvl="4"/>
+            <a:r>
+              <a:rPr lang="en-US" smtClean="0"/>
+              <a:t>Fifth level</a:t>
+            </a:r>
+            <a:endParaRPr lang="en-US"/>
+          </a:p>
+        </p:txBody>
+      </p:sp>
+      <p:sp>
+        <p:nvSpPr>
+          <p:cNvPr id="6" name="Footer Placeholder 5"/>
+          <p:cNvSpPr>
+            <a:spLocks noGrp="1"/>
+          </p:cNvSpPr>
+          <p:nvPr>
+            <p:ph type="ftr" sz="quarter" idx="4"/>
+          </p:nvPr>
+        </p:nvSpPr>
+        <p:spPr>
+          <a:xfrm>
+            <a:off x="0" y="8685213"/>
+            <a:ext cx="2971800" cy="457200"/>
+          </a:xfrm>
+          <a:prstGeom prst="rect">
+            <a:avLst/>
+          </a:prstGeom>
+        </p:spPr>
+        <p:txBody>
+          <a:bodyPr vert="horz" lIns="91440" tIns="45720" rIns="91440" bIns="45720" rtlCol="0" anchor="b"/>
+          <a:lstStyle>
+            <a:lvl1pPr algn="l">
+              <a:defRPr sz="1200"/>
+            </a:lvl1pPr>
+          </a:lstStyle>
+          <a:p>
+            <a:endParaRPr lang="en-US"/>
+          </a:p>
+        </p:txBody>
+      </p:sp>
+      <p:sp>
+        <p:nvSpPr>
+          <p:cNvPr id="7" name="Slide Number Placeholder 6"/>
+          <p:cNvSpPr>
+            <a:spLocks noGrp="1"/>
+          </p:cNvSpPr>
+          <p:nvPr>
+            <p:ph type="sldNum" sz="quarter" idx="5"/>
+          </p:nvPr>
+        </p:nvSpPr>
+        <p:spPr>
+          <a:xfrm>
+            <a:off x="3884613" y="8685213"/>
+            <a:ext cx="2971800" cy="457200"/>
+          </a:xfrm>
+          <a:prstGeom prst="rect">
+            <a:avLst/>
+          </a:prstGeom>
+        </p:spPr>
+        <p:txBody>
+          <a:bodyPr vert="horz" lIns="91440" tIns="45720" rIns="91440" bIns="45720" rtlCol="0" anchor="b"/>
+          <a:lstStyle>
+            <a:lvl1pPr algn="r">
+              <a:defRPr sz="1200"/>
+            </a:lvl1pPr>
+          </a:lstStyle>
+          <a:p>
+            <a:fld id="{43F92FD7-FB08-46C7-936D-0D83CD3E3DFC}" type="slidenum">
+              <a:rPr lang="en-US" smtClean="0"/>
+              <a:t>‹#›</a:t>
+            </a:fld>
+            <a:endParaRPr lang="en-US"/>
+          </a:p>
+        </p:txBody>
+      </p:sp>
+    </p:spTree>
+    <p:extLst>
+      <p:ext uri="{BB962C8B-B14F-4D97-AF65-F5344CB8AC3E}">
+        <p14:creationId xmlns:p14="http://schemas.microsoft.com/office/powerpoint/2010/main" val="700945484"/>
+      </p:ext>
+    </p:extLst>
+  </p:cSld>
+  <p:clrMap bg1="lt1" tx1="dk1" bg2="lt2" tx2="dk2" accent1="accent1" accent2="accent2" accent3="accent3" accent4="accent4" accent5="accent5" accent6="accent6" hlink="hlink" folHlink="folHlink"/>
+  <p:notesStyle>
+    <a:lvl1pPr marL="0" algn="l" defTabSz="914400" rtl="0" eaLnBrk="1" latinLnBrk="0" hangingPunct="1">
+      <a:defRPr sz="1200" kern="1200">
+        <a:solidFill>
+          <a:schemeClr val="tx1"/>
+        </a:solidFill>
+        <a:latin typeface="+mn-lt"/>
+        <a:ea typeface="+mn-ea"/>
+        <a:cs typeface="+mn-cs"/>
+      </a:defRPr>
+    </a:lvl1pPr>
+    <a:lvl2pPr marL="457200" algn="l" defTabSz="914400" rtl="0" eaLnBrk="1" latinLnBrk="0" hangingPunct="1">
+      <a:defRPr sz="1200" kern="1200">
+        <a:solidFill>
+          <a:schemeClr val="tx1"/>
+        </a:solidFill>
+        <a:latin typeface="+mn-lt"/>
+        <a:ea typeface="+mn-ea"/>
+        <a:cs typeface="+mn-cs"/>
+      </a:defRPr>
+    </a:lvl2pPr>
+    <a:lvl3pPr marL="914400" algn="l" defTabSz="914400" rtl="0" eaLnBrk="1" latinLnBrk="0" hangingPunct="1">
+      <a:defRPr sz="1200" kern="1200">
+        <a:solidFill>
+          <a:schemeClr val="tx1"/>
+        </a:solidFill>
+        <a:latin typeface="+mn-lt"/>
+        <a:ea typeface="+mn-ea"/>
+        <a:cs typeface="+mn-cs"/>
+      </a:defRPr>
+    </a:lvl3pPr>
+    <a:lvl4pPr marL="1371600" algn="l" defTabSz="914400" rtl="0" eaLnBrk="1" latinLnBrk="0" hangingPunct="1">
+      <a:defRPr sz="1200" kern="1200">
+        <a:solidFill>
+          <a:schemeClr val="tx1"/>
+        </a:solidFill>
+        <a:latin typeface="+mn-lt"/>
+        <a:ea typeface="+mn-ea"/>
+        <a:cs typeface="+mn-cs"/>
+      </a:defRPr>
+    </a:lvl4pPr>
+    <a:lvl5pPr marL="1828800" algn="l" defTabSz="914400" rtl="0" eaLnBrk="1" latinLnBrk="0" hangingPunct="1">
+      <a:defRPr sz="1200" kern="1200">
+        <a:solidFill>
+          <a:schemeClr val="tx1"/>
+        </a:solidFill>
+        <a:latin typeface="+mn-lt"/>
+        <a:ea typeface="+mn-ea"/>
+        <a:cs typeface="+mn-cs"/>
+      </a:defRPr>
+    </a:lvl5pPr>
+    <a:lvl6pPr marL="2286000" algn="l" defTabSz="914400" rtl="0" eaLnBrk="1" latinLnBrk="0" hangingPunct="1">
+      <a:defRPr sz="1200" kern="1200">
+        <a:solidFill>
+          <a:schemeClr val="tx1"/>
+        </a:solidFill>
+        <a:latin typeface="+mn-lt"/>
+        <a:ea typeface="+mn-ea"/>
+        <a:cs typeface="+mn-cs"/>
+      </a:defRPr>
+    </a:lvl6pPr>
+    <a:lvl7pPr marL="2743200" algn="l" defTabSz="914400" rtl="0" eaLnBrk="1" latinLnBrk="0" hangingPunct="1">
+      <a:defRPr sz="1200" kern="1200">
+        <a:solidFill>
+          <a:schemeClr val="tx1"/>
+        </a:solidFill>
+        <a:latin typeface="+mn-lt"/>
+        <a:ea typeface="+mn-ea"/>
+        <a:cs typeface="+mn-cs"/>
+      </a:defRPr>
+    </a:lvl7pPr>
+    <a:lvl8pPr marL="3200400" algn="l" defTabSz="914400" rtl="0" eaLnBrk="1" latinLnBrk="0" hangingPunct="1">
+      <a:defRPr sz="1200" kern="1200">
+        <a:solidFill>
+          <a:schemeClr val="tx1"/>
+        </a:solidFill>
+        <a:latin typeface="+mn-lt"/>
+        <a:ea typeface="+mn-ea"/>
+        <a:cs typeface="+mn-cs"/>
+      </a:defRPr>
+    </a:lvl8pPr>
+    <a:lvl9pPr marL="3657600" algn="l" defTabSz="914400" rtl="0" eaLnBrk="1" latinLnBrk="0" hangingPunct="1">
+      <a:defRPr sz="1200" kern="1200">
+        <a:solidFill>
+          <a:schemeClr val="tx1"/>
+        </a:solidFill>
+        <a:latin typeface="+mn-lt"/>
+        <a:ea typeface="+mn-ea"/>
+        <a:cs typeface="+mn-cs"/>
+      </a:defRPr>
+    </a:lvl9pPr>
+  </p:notesStyle>
+</p:notesMaster>
+</file>
+
+<file path=ppt/notesSlides/notesSlide1.xml><?xml version="1.0" encoding="utf-8"?>
+<p:notes xmlns:a="http://schemas.openxmlformats.org/drawingml/2006/main" xmlns:r="http://schemas.openxmlformats.org/officeDocument/2006/relationships" xmlns:p="http://schemas.openxmlformats.org/presentationml/2006/main">
+  <p:cSld>
+    <p:spTree>
+      <p:nvGrpSpPr>
+        <p:cNvPr id="1" name=""/>
+        <p:cNvGrpSpPr/>
+        <p:nvPr/>
+      </p:nvGrpSpPr>
+      <p:grpSpPr>
+        <a:xfrm>
+          <a:off x="0" y="0"/>
+          <a:ext cx="0" cy="0"/>
+          <a:chOff x="0" y="0"/>
+          <a:chExt cx="0" cy="0"/>
+        </a:xfrm>
+      </p:grpSpPr>
+      <p:sp>
+        <p:nvSpPr>
+          <p:cNvPr id="2" name="Slide Image Placeholder 1"/>
+          <p:cNvSpPr>
+            <a:spLocks noGrp="1" noRot="1" noChangeAspect="1"/>
+          </p:cNvSpPr>
+          <p:nvPr>
+            <p:ph type="sldImg"/>
+          </p:nvPr>
+        </p:nvSpPr>
+        <p:spPr/>
+      </p:sp>
+      <p:sp>
+        <p:nvSpPr>
+          <p:cNvPr id="3" name="Notes Placeholder 2"/>
+          <p:cNvSpPr>
+            <a:spLocks noGrp="1"/>
+          </p:cNvSpPr>
+          <p:nvPr>
+            <p:ph type="body" idx="1"/>
+          </p:nvPr>
+        </p:nvSpPr>
+        <p:spPr/>
+        <p:txBody>
+          <a:bodyPr>
+            <a:normAutofit/>
+          </a:bodyPr>
+          <a:lstStyle/>
+          <a:p>
+            <a:endParaRPr lang="en-US"/>
+          </a:p>
+        </p:txBody>
+      </p:sp>
+      <p:sp>
+        <p:nvSpPr>
+          <p:cNvPr id="4" name="Slide Number Placeholder 3"/>
+          <p:cNvSpPr>
+            <a:spLocks noGrp="1"/>
+          </p:cNvSpPr>
+          <p:nvPr>
+            <p:ph type="sldNum" sz="quarter" idx="10"/>
+          </p:nvPr>
+        </p:nvSpPr>
+        <p:spPr/>
+        <p:txBody>
+          <a:bodyPr/>
+          <a:lstStyle/>
+          <a:p>
+            <a:fld id="{43F92FD7-FB08-46C7-936D-0D83CD3E3DFC}" type="slidenum">
+              <a:rPr lang="en-US" smtClean="0"/>
+              <a:t>2</a:t>
+            </a:fld>
+            <a:endParaRPr lang="en-US"/>
+          </a:p>
+        </p:txBody>
+      </p:sp>
+    </p:spTree>
+  </p:cSld>
+  <p:clrMapOvr>
+    <a:masterClrMapping/>
+  </p:clrMapOvr>
+</p:notes>
+</file>
+
 <file path=ppt/slideLayouts/slideLayout1.xml><?xml version="1.0" encoding="utf-8"?>
 <p:sldLayout xmlns:a="http://schemas.openxmlformats.org/drawingml/2006/main" xmlns:r="http://schemas.openxmlformats.org/officeDocument/2006/relationships" xmlns:p="http://schemas.openxmlformats.org/presentationml/2006/main" type="title" preserve="1">
   <p:cSld name="Title Slide">
@@ -15273,9 +15769,9 @@
           <a:bodyPr/>
           <a:lstStyle/>
           <a:p>
-            <a:fld id="{E32F8A97-E634-4741-B159-AA11CBDD8DA5}" type="datetimeFigureOut">
+            <a:fld id="{6B2C6FC1-37D2-4216-A3AD-146A4447B803}" type="datetime1">
               <a:rPr lang="en-US" smtClean="0"/>
-              <a:t>02/06/2012</a:t>
+              <a:t>2/25/2012</a:t>
             </a:fld>
             <a:endParaRPr lang="en-US"/>
           </a:p>
@@ -15317,6 +15813,7 @@
           <a:p>
             <a:fld id="{51856A66-21D7-4D51-AECF-27815D04D8F4}" type="slidenum">
               <a:rPr lang="en-US" smtClean="0"/>
+              <a:pPr/>
               <a:t>‹#›</a:t>
             </a:fld>
             <a:endParaRPr lang="en-US"/>
@@ -15333,6 +15830,18 @@
   <p:clrMapOvr>
     <a:masterClrMapping/>
   </p:clrMapOvr>
+  <mc:AlternateContent xmlns:mc="http://schemas.openxmlformats.org/markup-compatibility/2006">
+    <mc:Choice xmlns:p14="http://schemas.microsoft.com/office/powerpoint/2010/main" Requires="p14">
+      <p:transition spd="med" p14:dur="700">
+        <p:fade/>
+      </p:transition>
+    </mc:Choice>
+    <mc:Fallback>
+      <p:transition spd="med">
+        <p:fade/>
+      </p:transition>
+    </mc:Fallback>
+  </mc:AlternateContent>
   <p:timing>
     <p:tnLst>
       <p:par>
@@ -15450,9 +15959,9 @@
           <a:bodyPr/>
           <a:lstStyle/>
           <a:p>
-            <a:fld id="{E32F8A97-E634-4741-B159-AA11CBDD8DA5}" type="datetimeFigureOut">
+            <a:fld id="{0D1483BD-837D-4FAC-9271-B6083B26D88C}" type="datetime1">
               <a:rPr lang="en-US" smtClean="0"/>
-              <a:t>02/06/2012</a:t>
+              <a:t>2/25/2012</a:t>
             </a:fld>
             <a:endParaRPr lang="en-US"/>
           </a:p>
@@ -15494,6 +16003,7 @@
           <a:p>
             <a:fld id="{51856A66-21D7-4D51-AECF-27815D04D8F4}" type="slidenum">
               <a:rPr lang="en-US" smtClean="0"/>
+              <a:pPr/>
               <a:t>‹#›</a:t>
             </a:fld>
             <a:endParaRPr lang="en-US"/>
@@ -15510,6 +16020,18 @@
   <p:clrMapOvr>
     <a:masterClrMapping/>
   </p:clrMapOvr>
+  <mc:AlternateContent xmlns:mc="http://schemas.openxmlformats.org/markup-compatibility/2006">
+    <mc:Choice xmlns:p14="http://schemas.microsoft.com/office/powerpoint/2010/main" Requires="p14">
+      <p:transition spd="med" p14:dur="700">
+        <p:fade/>
+      </p:transition>
+    </mc:Choice>
+    <mc:Fallback>
+      <p:transition spd="med">
+        <p:fade/>
+      </p:transition>
+    </mc:Fallback>
+  </mc:AlternateContent>
   <p:timing>
     <p:tnLst>
       <p:par>
@@ -15637,9 +16159,9 @@
           <a:bodyPr/>
           <a:lstStyle/>
           <a:p>
-            <a:fld id="{E32F8A97-E634-4741-B159-AA11CBDD8DA5}" type="datetimeFigureOut">
+            <a:fld id="{3B2C0DC8-3D7E-4D06-BF57-5B532AE3069B}" type="datetime1">
               <a:rPr lang="en-US" smtClean="0"/>
-              <a:t>02/06/2012</a:t>
+              <a:t>2/25/2012</a:t>
             </a:fld>
             <a:endParaRPr lang="en-US"/>
           </a:p>
@@ -15681,6 +16203,7 @@
           <a:p>
             <a:fld id="{51856A66-21D7-4D51-AECF-27815D04D8F4}" type="slidenum">
               <a:rPr lang="en-US" smtClean="0"/>
+              <a:pPr/>
               <a:t>‹#›</a:t>
             </a:fld>
             <a:endParaRPr lang="en-US"/>
@@ -15697,6 +16220,18 @@
   <p:clrMapOvr>
     <a:masterClrMapping/>
   </p:clrMapOvr>
+  <mc:AlternateContent xmlns:mc="http://schemas.openxmlformats.org/markup-compatibility/2006">
+    <mc:Choice xmlns:p14="http://schemas.microsoft.com/office/powerpoint/2010/main" Requires="p14">
+      <p:transition spd="med" p14:dur="700">
+        <p:fade/>
+      </p:transition>
+    </mc:Choice>
+    <mc:Fallback>
+      <p:transition spd="med">
+        <p:fade/>
+      </p:transition>
+    </mc:Fallback>
+  </mc:AlternateContent>
   <p:timing>
     <p:tnLst>
       <p:par>
@@ -15814,9 +16349,9 @@
           <a:bodyPr/>
           <a:lstStyle/>
           <a:p>
-            <a:fld id="{E32F8A97-E634-4741-B159-AA11CBDD8DA5}" type="datetimeFigureOut">
+            <a:fld id="{40F32043-420D-4F24-B1A0-65FC757DCF94}" type="datetime1">
               <a:rPr lang="en-US" smtClean="0"/>
-              <a:t>02/06/2012</a:t>
+              <a:t>2/25/2012</a:t>
             </a:fld>
             <a:endParaRPr lang="en-US"/>
           </a:p>
@@ -15858,6 +16393,7 @@
           <a:p>
             <a:fld id="{51856A66-21D7-4D51-AECF-27815D04D8F4}" type="slidenum">
               <a:rPr lang="en-US" smtClean="0"/>
+              <a:pPr/>
               <a:t>‹#›</a:t>
             </a:fld>
             <a:endParaRPr lang="en-US"/>
@@ -15874,6 +16410,18 @@
   <p:clrMapOvr>
     <a:masterClrMapping/>
   </p:clrMapOvr>
+  <mc:AlternateContent xmlns:mc="http://schemas.openxmlformats.org/markup-compatibility/2006">
+    <mc:Choice xmlns:p14="http://schemas.microsoft.com/office/powerpoint/2010/main" Requires="p14">
+      <p:transition spd="med" p14:dur="700">
+        <p:fade/>
+      </p:transition>
+    </mc:Choice>
+    <mc:Fallback>
+      <p:transition spd="med">
+        <p:fade/>
+      </p:transition>
+    </mc:Fallback>
+  </mc:AlternateContent>
   <p:timing>
     <p:tnLst>
       <p:par>
@@ -16067,9 +16615,9 @@
           <a:bodyPr/>
           <a:lstStyle/>
           <a:p>
-            <a:fld id="{E32F8A97-E634-4741-B159-AA11CBDD8DA5}" type="datetimeFigureOut">
+            <a:fld id="{9DE3DC57-0D04-4BD8-9BDB-CCE33A09F4EE}" type="datetime1">
               <a:rPr lang="en-US" smtClean="0"/>
-              <a:t>02/06/2012</a:t>
+              <a:t>2/25/2012</a:t>
             </a:fld>
             <a:endParaRPr lang="en-US"/>
           </a:p>
@@ -16111,6 +16659,7 @@
           <a:p>
             <a:fld id="{51856A66-21D7-4D51-AECF-27815D04D8F4}" type="slidenum">
               <a:rPr lang="en-US" smtClean="0"/>
+              <a:pPr/>
               <a:t>‹#›</a:t>
             </a:fld>
             <a:endParaRPr lang="en-US"/>
@@ -16127,6 +16676,18 @@
   <p:clrMapOvr>
     <a:masterClrMapping/>
   </p:clrMapOvr>
+  <mc:AlternateContent xmlns:mc="http://schemas.openxmlformats.org/markup-compatibility/2006">
+    <mc:Choice xmlns:p14="http://schemas.microsoft.com/office/powerpoint/2010/main" Requires="p14">
+      <p:transition spd="med" p14:dur="700">
+        <p:fade/>
+      </p:transition>
+    </mc:Choice>
+    <mc:Fallback>
+      <p:transition spd="med">
+        <p:fade/>
+      </p:transition>
+    </mc:Fallback>
+  </mc:AlternateContent>
   <p:timing>
     <p:tnLst>
       <p:par>
@@ -16362,9 +16923,9 @@
           <a:bodyPr/>
           <a:lstStyle/>
           <a:p>
-            <a:fld id="{E32F8A97-E634-4741-B159-AA11CBDD8DA5}" type="datetimeFigureOut">
+            <a:fld id="{2E88498B-5C02-406C-AAB8-9699D1F5FA6D}" type="datetime1">
               <a:rPr lang="en-US" smtClean="0"/>
-              <a:t>02/06/2012</a:t>
+              <a:t>2/25/2012</a:t>
             </a:fld>
             <a:endParaRPr lang="en-US"/>
           </a:p>
@@ -16406,6 +16967,7 @@
           <a:p>
             <a:fld id="{51856A66-21D7-4D51-AECF-27815D04D8F4}" type="slidenum">
               <a:rPr lang="en-US" smtClean="0"/>
+              <a:pPr/>
               <a:t>‹#›</a:t>
             </a:fld>
             <a:endParaRPr lang="en-US"/>
@@ -16422,6 +16984,18 @@
   <p:clrMapOvr>
     <a:masterClrMapping/>
   </p:clrMapOvr>
+  <mc:AlternateContent xmlns:mc="http://schemas.openxmlformats.org/markup-compatibility/2006">
+    <mc:Choice xmlns:p14="http://schemas.microsoft.com/office/powerpoint/2010/main" Requires="p14">
+      <p:transition spd="med" p14:dur="700">
+        <p:fade/>
+      </p:transition>
+    </mc:Choice>
+    <mc:Fallback>
+      <p:transition spd="med">
+        <p:fade/>
+      </p:transition>
+    </mc:Fallback>
+  </mc:AlternateContent>
   <p:timing>
     <p:tnLst>
       <p:par>
@@ -16791,9 +17365,9 @@
           <a:bodyPr/>
           <a:lstStyle/>
           <a:p>
-            <a:fld id="{E32F8A97-E634-4741-B159-AA11CBDD8DA5}" type="datetimeFigureOut">
+            <a:fld id="{329681F1-048B-4C42-AE16-713BCFF71FEB}" type="datetime1">
               <a:rPr lang="en-US" smtClean="0"/>
-              <a:t>02/06/2012</a:t>
+              <a:t>2/25/2012</a:t>
             </a:fld>
             <a:endParaRPr lang="en-US"/>
           </a:p>
@@ -16835,6 +17409,7 @@
           <a:p>
             <a:fld id="{51856A66-21D7-4D51-AECF-27815D04D8F4}" type="slidenum">
               <a:rPr lang="en-US" smtClean="0"/>
+              <a:pPr/>
               <a:t>‹#›</a:t>
             </a:fld>
             <a:endParaRPr lang="en-US"/>
@@ -16851,6 +17426,18 @@
   <p:clrMapOvr>
     <a:masterClrMapping/>
   </p:clrMapOvr>
+  <mc:AlternateContent xmlns:mc="http://schemas.openxmlformats.org/markup-compatibility/2006">
+    <mc:Choice xmlns:p14="http://schemas.microsoft.com/office/powerpoint/2010/main" Requires="p14">
+      <p:transition spd="med" p14:dur="700">
+        <p:fade/>
+      </p:transition>
+    </mc:Choice>
+    <mc:Fallback>
+      <p:transition spd="med">
+        <p:fade/>
+      </p:transition>
+    </mc:Fallback>
+  </mc:AlternateContent>
   <p:timing>
     <p:tnLst>
       <p:par>
@@ -16916,9 +17503,9 @@
           <a:bodyPr/>
           <a:lstStyle/>
           <a:p>
-            <a:fld id="{E32F8A97-E634-4741-B159-AA11CBDD8DA5}" type="datetimeFigureOut">
+            <a:fld id="{3F82A3FF-0588-4E3E-AAE7-F42561B6AA21}" type="datetime1">
               <a:rPr lang="en-US" smtClean="0"/>
-              <a:t>02/06/2012</a:t>
+              <a:t>2/25/2012</a:t>
             </a:fld>
             <a:endParaRPr lang="en-US"/>
           </a:p>
@@ -16960,6 +17547,7 @@
           <a:p>
             <a:fld id="{51856A66-21D7-4D51-AECF-27815D04D8F4}" type="slidenum">
               <a:rPr lang="en-US" smtClean="0"/>
+              <a:pPr/>
               <a:t>‹#›</a:t>
             </a:fld>
             <a:endParaRPr lang="en-US"/>
@@ -16976,6 +17564,18 @@
   <p:clrMapOvr>
     <a:masterClrMapping/>
   </p:clrMapOvr>
+  <mc:AlternateContent xmlns:mc="http://schemas.openxmlformats.org/markup-compatibility/2006">
+    <mc:Choice xmlns:p14="http://schemas.microsoft.com/office/powerpoint/2010/main" Requires="p14">
+      <p:transition spd="med" p14:dur="700">
+        <p:fade/>
+      </p:transition>
+    </mc:Choice>
+    <mc:Fallback>
+      <p:transition spd="med">
+        <p:fade/>
+      </p:transition>
+    </mc:Fallback>
+  </mc:AlternateContent>
   <p:timing>
     <p:tnLst>
       <p:par>
@@ -17018,9 +17618,9 @@
           <a:bodyPr/>
           <a:lstStyle/>
           <a:p>
-            <a:fld id="{E32F8A97-E634-4741-B159-AA11CBDD8DA5}" type="datetimeFigureOut">
+            <a:fld id="{D0D6F38D-0A30-4794-BEBA-581DCADD745E}" type="datetime1">
               <a:rPr lang="en-US" smtClean="0"/>
-              <a:t>02/06/2012</a:t>
+              <a:t>2/25/2012</a:t>
             </a:fld>
             <a:endParaRPr lang="en-US"/>
           </a:p>
@@ -17062,6 +17662,7 @@
           <a:p>
             <a:fld id="{51856A66-21D7-4D51-AECF-27815D04D8F4}" type="slidenum">
               <a:rPr lang="en-US" smtClean="0"/>
+              <a:pPr/>
               <a:t>‹#›</a:t>
             </a:fld>
             <a:endParaRPr lang="en-US"/>
@@ -17078,6 +17679,18 @@
   <p:clrMapOvr>
     <a:masterClrMapping/>
   </p:clrMapOvr>
+  <mc:AlternateContent xmlns:mc="http://schemas.openxmlformats.org/markup-compatibility/2006">
+    <mc:Choice xmlns:p14="http://schemas.microsoft.com/office/powerpoint/2010/main" Requires="p14">
+      <p:transition spd="med" p14:dur="700">
+        <p:fade/>
+      </p:transition>
+    </mc:Choice>
+    <mc:Fallback>
+      <p:transition spd="med">
+        <p:fade/>
+      </p:transition>
+    </mc:Fallback>
+  </mc:AlternateContent>
   <p:timing>
     <p:tnLst>
       <p:par>
@@ -17302,9 +17915,9 @@
           <a:bodyPr/>
           <a:lstStyle/>
           <a:p>
-            <a:fld id="{E32F8A97-E634-4741-B159-AA11CBDD8DA5}" type="datetimeFigureOut">
+            <a:fld id="{0F4A04C3-8625-4C0A-9850-22CE9C3E871B}" type="datetime1">
               <a:rPr lang="en-US" smtClean="0"/>
-              <a:t>02/06/2012</a:t>
+              <a:t>2/25/2012</a:t>
             </a:fld>
             <a:endParaRPr lang="en-US"/>
           </a:p>
@@ -17346,6 +17959,7 @@
           <a:p>
             <a:fld id="{51856A66-21D7-4D51-AECF-27815D04D8F4}" type="slidenum">
               <a:rPr lang="en-US" smtClean="0"/>
+              <a:pPr/>
               <a:t>‹#›</a:t>
             </a:fld>
             <a:endParaRPr lang="en-US"/>
@@ -17362,6 +17976,18 @@
   <p:clrMapOvr>
     <a:masterClrMapping/>
   </p:clrMapOvr>
+  <mc:AlternateContent xmlns:mc="http://schemas.openxmlformats.org/markup-compatibility/2006">
+    <mc:Choice xmlns:p14="http://schemas.microsoft.com/office/powerpoint/2010/main" Requires="p14">
+      <p:transition spd="med" p14:dur="700">
+        <p:fade/>
+      </p:transition>
+    </mc:Choice>
+    <mc:Fallback>
+      <p:transition spd="med">
+        <p:fade/>
+      </p:transition>
+    </mc:Fallback>
+  </mc:AlternateContent>
   <p:timing>
     <p:tnLst>
       <p:par>
@@ -17562,9 +18188,9 @@
           <a:bodyPr/>
           <a:lstStyle/>
           <a:p>
-            <a:fld id="{E32F8A97-E634-4741-B159-AA11CBDD8DA5}" type="datetimeFigureOut">
+            <a:fld id="{9F1FE14C-DFAB-415D-95FF-DF35FF9D04B0}" type="datetime1">
               <a:rPr lang="en-US" smtClean="0"/>
-              <a:t>02/06/2012</a:t>
+              <a:t>2/25/2012</a:t>
             </a:fld>
             <a:endParaRPr lang="en-US"/>
           </a:p>
@@ -17606,6 +18232,7 @@
           <a:p>
             <a:fld id="{51856A66-21D7-4D51-AECF-27815D04D8F4}" type="slidenum">
               <a:rPr lang="en-US" smtClean="0"/>
+              <a:pPr/>
               <a:t>‹#›</a:t>
             </a:fld>
             <a:endParaRPr lang="en-US"/>
@@ -17622,6 +18249,18 @@
   <p:clrMapOvr>
     <a:masterClrMapping/>
   </p:clrMapOvr>
+  <mc:AlternateContent xmlns:mc="http://schemas.openxmlformats.org/markup-compatibility/2006">
+    <mc:Choice xmlns:p14="http://schemas.microsoft.com/office/powerpoint/2010/main" Requires="p14">
+      <p:transition spd="med" p14:dur="700">
+        <p:fade/>
+      </p:transition>
+    </mc:Choice>
+    <mc:Fallback>
+      <p:transition spd="med">
+        <p:fade/>
+      </p:transition>
+    </mc:Fallback>
+  </mc:AlternateContent>
   <p:timing>
     <p:tnLst>
       <p:par>
@@ -17782,9 +18421,9 @@
             </a:lvl1pPr>
           </a:lstStyle>
           <a:p>
-            <a:fld id="{E32F8A97-E634-4741-B159-AA11CBDD8DA5}" type="datetimeFigureOut">
+            <a:fld id="{C3B49C92-741B-4EFF-9EAD-68D94D6FE5DA}" type="datetime1">
               <a:rPr lang="en-US" smtClean="0"/>
-              <a:t>02/06/2012</a:t>
+              <a:t>2/25/2012</a:t>
             </a:fld>
             <a:endParaRPr lang="en-US"/>
           </a:p>
@@ -17862,6 +18501,7 @@
           <a:p>
             <a:fld id="{51856A66-21D7-4D51-AECF-27815D04D8F4}" type="slidenum">
               <a:rPr lang="en-US" smtClean="0"/>
+              <a:pPr/>
               <a:t>‹#›</a:t>
             </a:fld>
             <a:endParaRPr lang="en-US"/>
@@ -17889,6 +18529,18 @@
     <p:sldLayoutId id="2147484042" r:id="rId10"/>
     <p:sldLayoutId id="2147484043" r:id="rId11"/>
   </p:sldLayoutIdLst>
+  <mc:AlternateContent xmlns:mc="http://schemas.openxmlformats.org/markup-compatibility/2006">
+    <mc:Choice xmlns:p14="http://schemas.microsoft.com/office/powerpoint/2010/main" Requires="p14">
+      <p:transition spd="med" p14:dur="700">
+        <p:fade/>
+      </p:transition>
+    </mc:Choice>
+    <mc:Fallback>
+      <p:transition spd="med">
+        <p:fade/>
+      </p:transition>
+    </mc:Fallback>
+  </mc:AlternateContent>
   <p:timing>
     <p:tnLst>
       <p:par>
@@ -17896,6 +18548,7 @@
       </p:par>
     </p:tnLst>
   </p:timing>
+  <p:hf sldNum="0" hdr="0" ftr="0" dt="0"/>
   <p:txStyles>
     <p:titleStyle>
       <a:lvl1pPr algn="ctr" defTabSz="914400" rtl="0" eaLnBrk="1" latinLnBrk="0" hangingPunct="1">
@@ -18190,11 +18843,193 @@
           <a:p>
             <a:pPr algn="ctr"/>
             <a:r>
+              <a:rPr lang="en-US" sz="3200" b="1" err="1" smtClean="0">
+                <a:latin typeface="Times New Roman" pitchFamily="18" charset="0"/>
+                <a:cs typeface="Times New Roman" pitchFamily="18" charset="0"/>
+              </a:rPr>
+              <a:t>XÂY</a:t>
+            </a:r>
+            <a:r>
               <a:rPr lang="en-US" sz="3200" b="1" smtClean="0">
                 <a:latin typeface="Times New Roman" pitchFamily="18" charset="0"/>
                 <a:cs typeface="Times New Roman" pitchFamily="18" charset="0"/>
               </a:rPr>
-              <a:t>XÂY DỰNG ỨNG DỤNG NHẬN DẠNG BIỂN BÁO GIAO THÔNG TRÊN THIẾT BỊ DI ĐỘNG</a:t>
+              <a:t> </a:t>
+            </a:r>
+            <a:r>
+              <a:rPr lang="en-US" sz="3200" b="1" err="1" smtClean="0">
+                <a:latin typeface="Times New Roman" pitchFamily="18" charset="0"/>
+                <a:cs typeface="Times New Roman" pitchFamily="18" charset="0"/>
+              </a:rPr>
+              <a:t>DỰNG</a:t>
+            </a:r>
+            <a:r>
+              <a:rPr lang="en-US" sz="3200" b="1" smtClean="0">
+                <a:latin typeface="Times New Roman" pitchFamily="18" charset="0"/>
+                <a:cs typeface="Times New Roman" pitchFamily="18" charset="0"/>
+              </a:rPr>
+              <a:t> </a:t>
+            </a:r>
+            <a:r>
+              <a:rPr lang="en-US" sz="3200" b="1" err="1" smtClean="0">
+                <a:latin typeface="Times New Roman" pitchFamily="18" charset="0"/>
+                <a:cs typeface="Times New Roman" pitchFamily="18" charset="0"/>
+              </a:rPr>
+              <a:t>ỨNG</a:t>
+            </a:r>
+            <a:r>
+              <a:rPr lang="en-US" sz="3200" b="1" smtClean="0">
+                <a:latin typeface="Times New Roman" pitchFamily="18" charset="0"/>
+                <a:cs typeface="Times New Roman" pitchFamily="18" charset="0"/>
+              </a:rPr>
+              <a:t> </a:t>
+            </a:r>
+            <a:r>
+              <a:rPr lang="en-US" sz="3200" b="1" err="1" smtClean="0">
+                <a:latin typeface="Times New Roman" pitchFamily="18" charset="0"/>
+                <a:cs typeface="Times New Roman" pitchFamily="18" charset="0"/>
+              </a:rPr>
+              <a:t>DỤNG</a:t>
+            </a:r>
+            <a:r>
+              <a:rPr lang="en-US" sz="3200" b="1" smtClean="0">
+                <a:latin typeface="Times New Roman" pitchFamily="18" charset="0"/>
+                <a:cs typeface="Times New Roman" pitchFamily="18" charset="0"/>
+              </a:rPr>
+              <a:t> </a:t>
+            </a:r>
+            <a:r>
+              <a:rPr lang="en-US" sz="3200" b="1" err="1" smtClean="0">
+                <a:latin typeface="Times New Roman" pitchFamily="18" charset="0"/>
+                <a:cs typeface="Times New Roman" pitchFamily="18" charset="0"/>
+              </a:rPr>
+              <a:t>NHẬN</a:t>
+            </a:r>
+            <a:r>
+              <a:rPr lang="en-US" sz="3200" b="1" smtClean="0">
+                <a:latin typeface="Times New Roman" pitchFamily="18" charset="0"/>
+                <a:cs typeface="Times New Roman" pitchFamily="18" charset="0"/>
+              </a:rPr>
+              <a:t> </a:t>
+            </a:r>
+            <a:r>
+              <a:rPr lang="en-US" sz="3200" b="1" err="1" smtClean="0">
+                <a:latin typeface="Times New Roman" pitchFamily="18" charset="0"/>
+                <a:cs typeface="Times New Roman" pitchFamily="18" charset="0"/>
+              </a:rPr>
+              <a:t>DẠNG</a:t>
+            </a:r>
+            <a:r>
+              <a:rPr lang="en-US" sz="3200" b="1" smtClean="0">
+                <a:latin typeface="Times New Roman" pitchFamily="18" charset="0"/>
+                <a:cs typeface="Times New Roman" pitchFamily="18" charset="0"/>
+              </a:rPr>
+              <a:t> </a:t>
+            </a:r>
+            <a:r>
+              <a:rPr lang="en-US" sz="3200" b="1" err="1" smtClean="0">
+                <a:latin typeface="Times New Roman" pitchFamily="18" charset="0"/>
+                <a:cs typeface="Times New Roman" pitchFamily="18" charset="0"/>
+              </a:rPr>
+              <a:t>BIỂN</a:t>
+            </a:r>
+            <a:r>
+              <a:rPr lang="en-US" sz="3200" b="1" smtClean="0">
+                <a:latin typeface="Times New Roman" pitchFamily="18" charset="0"/>
+                <a:cs typeface="Times New Roman" pitchFamily="18" charset="0"/>
+              </a:rPr>
+              <a:t> </a:t>
+            </a:r>
+            <a:r>
+              <a:rPr lang="en-US" sz="3200" b="1" err="1" smtClean="0">
+                <a:latin typeface="Times New Roman" pitchFamily="18" charset="0"/>
+                <a:cs typeface="Times New Roman" pitchFamily="18" charset="0"/>
+              </a:rPr>
+              <a:t>BÁO</a:t>
+            </a:r>
+            <a:r>
+              <a:rPr lang="en-US" sz="3200" b="1" smtClean="0">
+                <a:latin typeface="Times New Roman" pitchFamily="18" charset="0"/>
+                <a:cs typeface="Times New Roman" pitchFamily="18" charset="0"/>
+              </a:rPr>
+              <a:t> </a:t>
+            </a:r>
+            <a:r>
+              <a:rPr lang="en-US" sz="3200" b="1" err="1" smtClean="0">
+                <a:latin typeface="Times New Roman" pitchFamily="18" charset="0"/>
+                <a:cs typeface="Times New Roman" pitchFamily="18" charset="0"/>
+              </a:rPr>
+              <a:t>GIAO</a:t>
+            </a:r>
+            <a:r>
+              <a:rPr lang="en-US" sz="3200" b="1" smtClean="0">
+                <a:latin typeface="Times New Roman" pitchFamily="18" charset="0"/>
+                <a:cs typeface="Times New Roman" pitchFamily="18" charset="0"/>
+              </a:rPr>
+              <a:t> </a:t>
+            </a:r>
+            <a:r>
+              <a:rPr lang="en-US" sz="3200" b="1" err="1" smtClean="0">
+                <a:latin typeface="Times New Roman" pitchFamily="18" charset="0"/>
+                <a:cs typeface="Times New Roman" pitchFamily="18" charset="0"/>
+              </a:rPr>
+              <a:t>THÔNG</a:t>
+            </a:r>
+            <a:r>
+              <a:rPr lang="en-US" sz="3200" b="1" smtClean="0">
+                <a:latin typeface="Times New Roman" pitchFamily="18" charset="0"/>
+                <a:cs typeface="Times New Roman" pitchFamily="18" charset="0"/>
+              </a:rPr>
+              <a:t> </a:t>
+            </a:r>
+            <a:r>
+              <a:rPr lang="en-US" sz="3200" b="1" err="1" smtClean="0">
+                <a:latin typeface="Times New Roman" pitchFamily="18" charset="0"/>
+                <a:cs typeface="Times New Roman" pitchFamily="18" charset="0"/>
+              </a:rPr>
+              <a:t>TRÊN</a:t>
+            </a:r>
+            <a:r>
+              <a:rPr lang="en-US" sz="3200" b="1" smtClean="0">
+                <a:latin typeface="Times New Roman" pitchFamily="18" charset="0"/>
+                <a:cs typeface="Times New Roman" pitchFamily="18" charset="0"/>
+              </a:rPr>
+              <a:t> </a:t>
+            </a:r>
+            <a:r>
+              <a:rPr lang="en-US" sz="3200" b="1" err="1" smtClean="0">
+                <a:latin typeface="Times New Roman" pitchFamily="18" charset="0"/>
+                <a:cs typeface="Times New Roman" pitchFamily="18" charset="0"/>
+              </a:rPr>
+              <a:t>THIẾT</a:t>
+            </a:r>
+            <a:r>
+              <a:rPr lang="en-US" sz="3200" b="1" smtClean="0">
+                <a:latin typeface="Times New Roman" pitchFamily="18" charset="0"/>
+                <a:cs typeface="Times New Roman" pitchFamily="18" charset="0"/>
+              </a:rPr>
+              <a:t> </a:t>
+            </a:r>
+            <a:r>
+              <a:rPr lang="en-US" sz="3200" b="1" err="1" smtClean="0">
+                <a:latin typeface="Times New Roman" pitchFamily="18" charset="0"/>
+                <a:cs typeface="Times New Roman" pitchFamily="18" charset="0"/>
+              </a:rPr>
+              <a:t>BỊ</a:t>
+            </a:r>
+            <a:r>
+              <a:rPr lang="en-US" sz="3200" b="1" smtClean="0">
+                <a:latin typeface="Times New Roman" pitchFamily="18" charset="0"/>
+                <a:cs typeface="Times New Roman" pitchFamily="18" charset="0"/>
+              </a:rPr>
+              <a:t> DI </a:t>
+            </a:r>
+            <a:r>
+              <a:rPr lang="en-US" sz="3200" b="1" err="1" smtClean="0">
+                <a:latin typeface="Times New Roman" pitchFamily="18" charset="0"/>
+                <a:cs typeface="Times New Roman" pitchFamily="18" charset="0"/>
+              </a:rPr>
+              <a:t>ĐỘNG</a:t>
             </a:r>
             <a:endParaRPr lang="en-US" sz="3200" b="1">
               <a:latin typeface="Times New Roman" pitchFamily="18" charset="0"/>
@@ -18226,18 +19061,60 @@
           <a:lstStyle/>
           <a:p>
             <a:r>
+              <a:rPr lang="en-US" sz="1600" i="1" err="1">
+                <a:latin typeface="Times New Roman" pitchFamily="18" charset="0"/>
+                <a:cs typeface="Times New Roman" pitchFamily="18" charset="0"/>
+              </a:rPr>
+              <a:t>Giáo</a:t>
+            </a:r>
+            <a:r>
               <a:rPr lang="en-US" sz="1600" i="1">
                 <a:latin typeface="Times New Roman" pitchFamily="18" charset="0"/>
                 <a:cs typeface="Times New Roman" pitchFamily="18" charset="0"/>
               </a:rPr>
-              <a:t>Giáo viên hướng </a:t>
+              <a:t> </a:t>
+            </a:r>
+            <a:r>
+              <a:rPr lang="en-US" sz="1600" i="1" err="1">
+                <a:latin typeface="Times New Roman" pitchFamily="18" charset="0"/>
+                <a:cs typeface="Times New Roman" pitchFamily="18" charset="0"/>
+              </a:rPr>
+              <a:t>viên</a:t>
+            </a:r>
+            <a:r>
+              <a:rPr lang="en-US" sz="1600" i="1">
+                <a:latin typeface="Times New Roman" pitchFamily="18" charset="0"/>
+                <a:cs typeface="Times New Roman" pitchFamily="18" charset="0"/>
+              </a:rPr>
+              <a:t> </a:t>
+            </a:r>
+            <a:r>
+              <a:rPr lang="en-US" sz="1600" i="1" err="1">
+                <a:latin typeface="Times New Roman" pitchFamily="18" charset="0"/>
+                <a:cs typeface="Times New Roman" pitchFamily="18" charset="0"/>
+              </a:rPr>
+              <a:t>hướng</a:t>
+            </a:r>
+            <a:r>
+              <a:rPr lang="en-US" sz="1600" i="1">
+                <a:latin typeface="Times New Roman" pitchFamily="18" charset="0"/>
+                <a:cs typeface="Times New Roman" pitchFamily="18" charset="0"/>
+              </a:rPr>
+              <a:t> </a:t>
+            </a:r>
+            <a:r>
+              <a:rPr lang="en-US" sz="1600" i="1" err="1" smtClean="0">
+                <a:latin typeface="Times New Roman" pitchFamily="18" charset="0"/>
+                <a:cs typeface="Times New Roman" pitchFamily="18" charset="0"/>
+              </a:rPr>
+              <a:t>dẫn</a:t>
             </a:r>
             <a:r>
               <a:rPr lang="en-US" sz="1600" i="1" smtClean="0">
                 <a:latin typeface="Times New Roman" pitchFamily="18" charset="0"/>
                 <a:cs typeface="Times New Roman" pitchFamily="18" charset="0"/>
               </a:rPr>
-              <a:t>dẫn:</a:t>
+              <a:t>:</a:t>
             </a:r>
           </a:p>
           <a:p>
@@ -18249,7 +19126,7 @@
               <a:t>	</a:t>
             </a:r>
             <a:r>
-              <a:rPr lang="en-US" sz="1600" b="1" smtClean="0">
+              <a:rPr lang="en-US" sz="1600" b="1" err="1" smtClean="0">
                 <a:latin typeface="Times New Roman" pitchFamily="18" charset="0"/>
                 <a:cs typeface="Times New Roman" pitchFamily="18" charset="0"/>
               </a:rPr>
@@ -18260,7 +19137,35 @@
                 <a:latin typeface="Times New Roman" pitchFamily="18" charset="0"/>
                 <a:cs typeface="Times New Roman" pitchFamily="18" charset="0"/>
               </a:rPr>
-              <a:t>. PHAN NGUYỆT </a:t>
+              <a:t>. </a:t>
+            </a:r>
+            <a:r>
+              <a:rPr lang="en-US" sz="1600" b="1" err="1">
+                <a:latin typeface="Times New Roman" pitchFamily="18" charset="0"/>
+                <a:cs typeface="Times New Roman" pitchFamily="18" charset="0"/>
+              </a:rPr>
+              <a:t>PHAN</a:t>
+            </a:r>
+            <a:r>
+              <a:rPr lang="en-US" sz="1600" b="1">
+                <a:latin typeface="Times New Roman" pitchFamily="18" charset="0"/>
+                <a:cs typeface="Times New Roman" pitchFamily="18" charset="0"/>
+              </a:rPr>
+              <a:t> </a:t>
+            </a:r>
+            <a:r>
+              <a:rPr lang="en-US" sz="1600" b="1" err="1">
+                <a:latin typeface="Times New Roman" pitchFamily="18" charset="0"/>
+                <a:cs typeface="Times New Roman" pitchFamily="18" charset="0"/>
+              </a:rPr>
+              <a:t>NGUYỆT</a:t>
+            </a:r>
+            <a:r>
+              <a:rPr lang="en-US" sz="1600" b="1">
+                <a:latin typeface="Times New Roman" pitchFamily="18" charset="0"/>
+                <a:cs typeface="Times New Roman" pitchFamily="18" charset="0"/>
+              </a:rPr>
+              <a:t> </a:t>
             </a:r>
             <a:r>
               <a:rPr lang="en-US" sz="1600" b="1" smtClean="0">
@@ -18278,21 +19183,49 @@
           </a:p>
           <a:p>
             <a:r>
+              <a:rPr lang="en-US" sz="1600" i="1" err="1" smtClean="0">
+                <a:latin typeface="Times New Roman" pitchFamily="18" charset="0"/>
+                <a:cs typeface="Times New Roman" pitchFamily="18" charset="0"/>
+              </a:rPr>
+              <a:t>Sinh</a:t>
+            </a:r>
+            <a:r>
               <a:rPr lang="en-US" sz="1600" i="1" smtClean="0">
                 <a:latin typeface="Times New Roman" pitchFamily="18" charset="0"/>
                 <a:cs typeface="Times New Roman" pitchFamily="18" charset="0"/>
               </a:rPr>
-              <a:t>Sinh </a:t>
+              <a:t> </a:t>
+            </a:r>
+            <a:r>
+              <a:rPr lang="en-US" sz="1600" i="1" err="1">
+                <a:latin typeface="Times New Roman" pitchFamily="18" charset="0"/>
+                <a:cs typeface="Times New Roman" pitchFamily="18" charset="0"/>
+              </a:rPr>
+              <a:t>viên</a:t>
             </a:r>
             <a:r>
               <a:rPr lang="en-US" sz="1600" i="1">
                 <a:latin typeface="Times New Roman" pitchFamily="18" charset="0"/>
                 <a:cs typeface="Times New Roman" pitchFamily="18" charset="0"/>
               </a:rPr>
-              <a:t>viên thực </a:t>
+              <a:t> </a:t>
             </a:r>
             <a:r>
-              <a:rPr lang="en-US" sz="1600" i="1" smtClean="0">
+              <a:rPr lang="en-US" sz="1600" i="1" err="1">
+                <a:latin typeface="Times New Roman" pitchFamily="18" charset="0"/>
+                <a:cs typeface="Times New Roman" pitchFamily="18" charset="0"/>
+              </a:rPr>
+              <a:t>thực</a:t>
+            </a:r>
+            <a:r>
+              <a:rPr lang="en-US" sz="1600" i="1">
+                <a:latin typeface="Times New Roman" pitchFamily="18" charset="0"/>
+                <a:cs typeface="Times New Roman" pitchFamily="18" charset="0"/>
+              </a:rPr>
+              <a:t> </a:t>
+            </a:r>
+            <a:r>
+              <a:rPr lang="en-US" sz="1600" i="1" err="1" smtClean="0">
                 <a:latin typeface="Times New Roman" pitchFamily="18" charset="0"/>
                 <a:cs typeface="Times New Roman" pitchFamily="18" charset="0"/>
               </a:rPr>
@@ -18315,18 +19248,32 @@
               <a:t>	</a:t>
             </a:r>
             <a:r>
+              <a:rPr lang="en-US" sz="1600" b="1" err="1" smtClean="0">
+                <a:latin typeface="Times New Roman" pitchFamily="18" charset="0"/>
+                <a:cs typeface="Times New Roman" pitchFamily="18" charset="0"/>
+              </a:rPr>
+              <a:t>NGUYỄN</a:t>
+            </a:r>
+            <a:r>
               <a:rPr lang="en-US" sz="1600" b="1" smtClean="0">
                 <a:latin typeface="Times New Roman" pitchFamily="18" charset="0"/>
                 <a:cs typeface="Times New Roman" pitchFamily="18" charset="0"/>
               </a:rPr>
-              <a:t>NGUYỄN </a:t>
+              <a:t> </a:t>
+            </a:r>
+            <a:r>
+              <a:rPr lang="en-US" sz="1600" b="1" err="1">
+                <a:latin typeface="Times New Roman" pitchFamily="18" charset="0"/>
+                <a:cs typeface="Times New Roman" pitchFamily="18" charset="0"/>
+              </a:rPr>
+              <a:t>BÁ</a:t>
             </a:r>
             <a:r>
               <a:rPr lang="en-US" sz="1600" b="1">
                 <a:latin typeface="Times New Roman" pitchFamily="18" charset="0"/>
                 <a:cs typeface="Times New Roman" pitchFamily="18" charset="0"/>
               </a:rPr>
-              <a:t>BÁ </a:t>
+              <a:t> </a:t>
             </a:r>
             <a:r>
               <a:rPr lang="en-US" sz="1600" b="1" smtClean="0">
@@ -18349,25 +19296,46 @@
               <a:t>	</a:t>
             </a:r>
             <a:r>
+              <a:rPr lang="en-US" sz="1600" b="1" err="1" smtClean="0">
+                <a:latin typeface="Times New Roman" pitchFamily="18" charset="0"/>
+                <a:cs typeface="Times New Roman" pitchFamily="18" charset="0"/>
+              </a:rPr>
+              <a:t>ĐỖ</a:t>
+            </a:r>
+            <a:r>
               <a:rPr lang="en-US" sz="1600" b="1" smtClean="0">
                 <a:latin typeface="Times New Roman" pitchFamily="18" charset="0"/>
                 <a:cs typeface="Times New Roman" pitchFamily="18" charset="0"/>
               </a:rPr>
-              <a:t>ĐỖ </a:t>
+              <a:t> </a:t>
+            </a:r>
+            <a:r>
+              <a:rPr lang="en-US" sz="1600" b="1" err="1">
+                <a:latin typeface="Times New Roman" pitchFamily="18" charset="0"/>
+                <a:cs typeface="Times New Roman" pitchFamily="18" charset="0"/>
+              </a:rPr>
+              <a:t>TRƯỜNG</a:t>
             </a:r>
             <a:r>
               <a:rPr lang="en-US" sz="1600" b="1">
                 <a:latin typeface="Times New Roman" pitchFamily="18" charset="0"/>
                 <a:cs typeface="Times New Roman" pitchFamily="18" charset="0"/>
               </a:rPr>
-              <a:t>TRƯỜNG </a:t>
+              <a:t> </a:t>
+            </a:r>
+            <a:r>
+              <a:rPr lang="en-US" sz="1600" b="1" err="1" smtClean="0">
+                <a:latin typeface="Times New Roman" pitchFamily="18" charset="0"/>
+                <a:cs typeface="Times New Roman" pitchFamily="18" charset="0"/>
+              </a:rPr>
+              <a:t>GIANG</a:t>
             </a:r>
             <a:r>
               <a:rPr lang="en-US" sz="1600" b="1" smtClean="0">
                 <a:latin typeface="Times New Roman" pitchFamily="18" charset="0"/>
                 <a:cs typeface="Times New Roman" pitchFamily="18" charset="0"/>
               </a:rPr>
-              <a:t>GIANG - 07520094</a:t>
+              <a:t> - 07520094</a:t>
             </a:r>
           </a:p>
           <a:p>
@@ -18420,10 +19388,16 @@
           <a:lstStyle/>
           <a:p>
             <a:r>
-              <a:rPr lang="en-US" b="1" smtClean="0"/>
+              <a:rPr lang="en-US" b="1" smtClean="0">
+                <a:latin typeface="Times New Roman" pitchFamily="18" charset="0"/>
+                <a:cs typeface="Times New Roman" pitchFamily="18" charset="0"/>
+              </a:rPr>
               <a:t>Luận văn tốt nghiệp 2012 </a:t>
             </a:r>
-            <a:endParaRPr lang="en-US" b="1"/>
+            <a:endParaRPr lang="en-US" b="1">
+              <a:latin typeface="Times New Roman" pitchFamily="18" charset="0"/>
+              <a:cs typeface="Times New Roman" pitchFamily="18" charset="0"/>
+            </a:endParaRPr>
           </a:p>
         </p:txBody>
       </p:sp>
@@ -18532,6 +19506,18 @@
   <p:clrMapOvr>
     <a:masterClrMapping/>
   </p:clrMapOvr>
+  <mc:AlternateContent xmlns:mc="http://schemas.openxmlformats.org/markup-compatibility/2006">
+    <mc:Choice xmlns:p14="http://schemas.microsoft.com/office/powerpoint/2010/main" Requires="p14">
+      <p:transition spd="med" p14:dur="700">
+        <p:fade/>
+      </p:transition>
+    </mc:Choice>
+    <mc:Fallback>
+      <p:transition spd="med">
+        <p:fade/>
+      </p:transition>
+    </mc:Fallback>
+  </mc:AlternateContent>
   <p:timing>
     <p:tnLst>
       <p:par>
@@ -18543,6 +19529,609 @@
 </file>
 
 <file path=ppt/slides/slide10.xml><?xml version="1.0" encoding="utf-8"?>
+<p:sld xmlns:a="http://schemas.openxmlformats.org/drawingml/2006/main" xmlns:r="http://schemas.openxmlformats.org/officeDocument/2006/relationships" xmlns:p="http://schemas.openxmlformats.org/presentationml/2006/main">
+  <p:cSld>
+    <p:spTree>
+      <p:nvGrpSpPr>
+        <p:cNvPr id="1" name=""/>
+        <p:cNvGrpSpPr/>
+        <p:nvPr/>
+      </p:nvGrpSpPr>
+      <p:grpSpPr>
+        <a:xfrm>
+          <a:off x="0" y="0"/>
+          <a:ext cx="0" cy="0"/>
+          <a:chOff x="0" y="0"/>
+          <a:chExt cx="0" cy="0"/>
+        </a:xfrm>
+      </p:grpSpPr>
+      <p:sp>
+        <p:nvSpPr>
+          <p:cNvPr id="7" name="Rectangle 6"/>
+          <p:cNvSpPr/>
+          <p:nvPr/>
+        </p:nvSpPr>
+        <p:spPr>
+          <a:xfrm>
+            <a:off x="0" y="76200"/>
+            <a:ext cx="8077200" cy="381000"/>
+          </a:xfrm>
+          <a:prstGeom prst="rect">
+            <a:avLst/>
+          </a:prstGeom>
+          <a:solidFill>
+            <a:schemeClr val="accent1"/>
+          </a:solidFill>
+          <a:ln>
+            <a:noFill/>
+          </a:ln>
+        </p:spPr>
+        <p:style>
+          <a:lnRef idx="2">
+            <a:schemeClr val="accent1">
+              <a:shade val="50000"/>
+            </a:schemeClr>
+          </a:lnRef>
+          <a:fillRef idx="1">
+            <a:schemeClr val="accent1"/>
+          </a:fillRef>
+          <a:effectRef idx="0">
+            <a:schemeClr val="accent1"/>
+          </a:effectRef>
+          <a:fontRef idx="minor">
+            <a:schemeClr val="lt1"/>
+          </a:fontRef>
+        </p:style>
+        <p:txBody>
+          <a:bodyPr rtlCol="0" anchor="ctr"/>
+          <a:lstStyle/>
+          <a:p>
+            <a:r>
+              <a:rPr lang="en-US" b="1" smtClean="0">
+                <a:latin typeface="Times New Roman" pitchFamily="18" charset="0"/>
+                <a:cs typeface="Times New Roman" pitchFamily="18" charset="0"/>
+              </a:rPr>
+              <a:t>Mô hình giải quyết bài toán</a:t>
+            </a:r>
+            <a:endParaRPr lang="en-US" b="1">
+              <a:latin typeface="Times New Roman" pitchFamily="18" charset="0"/>
+              <a:cs typeface="Times New Roman" pitchFamily="18" charset="0"/>
+            </a:endParaRPr>
+          </a:p>
+        </p:txBody>
+      </p:sp>
+      <p:cxnSp>
+        <p:nvCxnSpPr>
+          <p:cNvPr id="9" name="Straight Connector 8"/>
+          <p:cNvCxnSpPr/>
+          <p:nvPr/>
+        </p:nvCxnSpPr>
+        <p:spPr>
+          <a:xfrm>
+            <a:off x="0" y="533400"/>
+            <a:ext cx="9144000" cy="0"/>
+          </a:xfrm>
+          <a:prstGeom prst="line">
+            <a:avLst/>
+          </a:prstGeom>
+          <a:ln w="34925">
+            <a:solidFill>
+              <a:schemeClr val="accent1"/>
+            </a:solidFill>
+          </a:ln>
+        </p:spPr>
+        <p:style>
+          <a:lnRef idx="1">
+            <a:schemeClr val="accent3"/>
+          </a:lnRef>
+          <a:fillRef idx="0">
+            <a:schemeClr val="accent3"/>
+          </a:fillRef>
+          <a:effectRef idx="0">
+            <a:schemeClr val="accent3"/>
+          </a:effectRef>
+          <a:fontRef idx="minor">
+            <a:schemeClr val="tx1"/>
+          </a:fontRef>
+        </p:style>
+      </p:cxnSp>
+      <p:pic>
+        <p:nvPicPr>
+          <p:cNvPr id="6146" name="Picture 2"/>
+          <p:cNvPicPr>
+            <a:picLocks noChangeAspect="1" noChangeArrowheads="1"/>
+          </p:cNvPicPr>
+          <p:nvPr/>
+        </p:nvPicPr>
+        <p:blipFill>
+          <a:blip r:embed="rId2">
+            <a:extLst>
+              <a:ext uri="{28A0092B-C50C-407E-A947-70E740481C1C}">
+                <a14:useLocalDpi xmlns:a14="http://schemas.microsoft.com/office/drawing/2010/main" val="0"/>
+              </a:ext>
+            </a:extLst>
+          </a:blip>
+          <a:srcRect/>
+          <a:stretch>
+            <a:fillRect/>
+          </a:stretch>
+        </p:blipFill>
+        <p:spPr bwMode="auto">
+          <a:xfrm>
+            <a:off x="1899557" y="2971800"/>
+            <a:ext cx="762000" cy="762000"/>
+          </a:xfrm>
+          <a:prstGeom prst="rect">
+            <a:avLst/>
+          </a:prstGeom>
+          <a:noFill/>
+          <a:ln>
+            <a:noFill/>
+          </a:ln>
+          <a:effectLst/>
+          <a:extLst>
+            <a:ext uri="{909E8E84-426E-40DD-AFC4-6F175D3DCCD1}">
+              <a14:hiddenFill xmlns:a14="http://schemas.microsoft.com/office/drawing/2010/main">
+                <a:solidFill>
+                  <a:schemeClr val="accent1"/>
+                </a:solidFill>
+              </a14:hiddenFill>
+            </a:ext>
+            <a:ext uri="{91240B29-F687-4F45-9708-019B960494DF}">
+              <a14:hiddenLine xmlns:a14="http://schemas.microsoft.com/office/drawing/2010/main" w="9525">
+                <a:solidFill>
+                  <a:schemeClr val="tx1"/>
+                </a:solidFill>
+                <a:miter lim="800000"/>
+                <a:headEnd/>
+                <a:tailEnd/>
+              </a14:hiddenLine>
+            </a:ext>
+            <a:ext uri="{AF507438-7753-43E0-B8FC-AC1667EBCBE1}">
+              <a14:hiddenEffects xmlns:a14="http://schemas.microsoft.com/office/drawing/2010/main">
+                <a:effectLst>
+                  <a:outerShdw dist="35921" dir="2700000" algn="ctr" rotWithShape="0">
+                    <a:schemeClr val="bg2"/>
+                  </a:outerShdw>
+                </a:effectLst>
+              </a14:hiddenEffects>
+            </a:ext>
+          </a:extLst>
+        </p:spPr>
+      </p:pic>
+      <p:pic>
+        <p:nvPicPr>
+          <p:cNvPr id="6147" name="Picture 3"/>
+          <p:cNvPicPr>
+            <a:picLocks noChangeAspect="1" noChangeArrowheads="1"/>
+          </p:cNvPicPr>
+          <p:nvPr/>
+        </p:nvPicPr>
+        <p:blipFill>
+          <a:blip r:embed="rId3">
+            <a:extLst>
+              <a:ext uri="{28A0092B-C50C-407E-A947-70E740481C1C}">
+                <a14:useLocalDpi xmlns:a14="http://schemas.microsoft.com/office/drawing/2010/main" val="0"/>
+              </a:ext>
+            </a:extLst>
+          </a:blip>
+          <a:srcRect/>
+          <a:stretch>
+            <a:fillRect/>
+          </a:stretch>
+        </p:blipFill>
+        <p:spPr bwMode="auto">
+          <a:xfrm>
+            <a:off x="2661557" y="3124200"/>
+            <a:ext cx="762000" cy="762000"/>
+          </a:xfrm>
+          <a:prstGeom prst="rect">
+            <a:avLst/>
+          </a:prstGeom>
+          <a:noFill/>
+          <a:ln>
+            <a:noFill/>
+          </a:ln>
+          <a:effectLst/>
+          <a:extLst>
+            <a:ext uri="{909E8E84-426E-40DD-AFC4-6F175D3DCCD1}">
+              <a14:hiddenFill xmlns:a14="http://schemas.microsoft.com/office/drawing/2010/main">
+                <a:solidFill>
+                  <a:schemeClr val="accent1"/>
+                </a:solidFill>
+              </a14:hiddenFill>
+            </a:ext>
+            <a:ext uri="{91240B29-F687-4F45-9708-019B960494DF}">
+              <a14:hiddenLine xmlns:a14="http://schemas.microsoft.com/office/drawing/2010/main" w="9525">
+                <a:solidFill>
+                  <a:schemeClr val="tx1"/>
+                </a:solidFill>
+                <a:miter lim="800000"/>
+                <a:headEnd/>
+                <a:tailEnd/>
+              </a14:hiddenLine>
+            </a:ext>
+            <a:ext uri="{AF507438-7753-43E0-B8FC-AC1667EBCBE1}">
+              <a14:hiddenEffects xmlns:a14="http://schemas.microsoft.com/office/drawing/2010/main">
+                <a:effectLst>
+                  <a:outerShdw dist="35921" dir="2700000" algn="ctr" rotWithShape="0">
+                    <a:schemeClr val="bg2"/>
+                  </a:outerShdw>
+                </a:effectLst>
+              </a14:hiddenEffects>
+            </a:ext>
+          </a:extLst>
+        </p:spPr>
+      </p:pic>
+      <p:pic>
+        <p:nvPicPr>
+          <p:cNvPr id="6148" name="Picture 4"/>
+          <p:cNvPicPr>
+            <a:picLocks noChangeAspect="1" noChangeArrowheads="1"/>
+          </p:cNvPicPr>
+          <p:nvPr/>
+        </p:nvPicPr>
+        <p:blipFill>
+          <a:blip r:embed="rId4">
+            <a:extLst>
+              <a:ext uri="{28A0092B-C50C-407E-A947-70E740481C1C}">
+                <a14:useLocalDpi xmlns:a14="http://schemas.microsoft.com/office/drawing/2010/main" val="0"/>
+              </a:ext>
+            </a:extLst>
+          </a:blip>
+          <a:srcRect/>
+          <a:stretch>
+            <a:fillRect/>
+          </a:stretch>
+        </p:blipFill>
+        <p:spPr bwMode="auto">
+          <a:xfrm>
+            <a:off x="1943100" y="3733800"/>
+            <a:ext cx="762000" cy="762000"/>
+          </a:xfrm>
+          <a:prstGeom prst="rect">
+            <a:avLst/>
+          </a:prstGeom>
+          <a:noFill/>
+          <a:ln>
+            <a:noFill/>
+          </a:ln>
+          <a:effectLst/>
+          <a:extLst>
+            <a:ext uri="{909E8E84-426E-40DD-AFC4-6F175D3DCCD1}">
+              <a14:hiddenFill xmlns:a14="http://schemas.microsoft.com/office/drawing/2010/main">
+                <a:solidFill>
+                  <a:schemeClr val="accent1"/>
+                </a:solidFill>
+              </a14:hiddenFill>
+            </a:ext>
+            <a:ext uri="{91240B29-F687-4F45-9708-019B960494DF}">
+              <a14:hiddenLine xmlns:a14="http://schemas.microsoft.com/office/drawing/2010/main" w="9525">
+                <a:solidFill>
+                  <a:schemeClr val="tx1"/>
+                </a:solidFill>
+                <a:miter lim="800000"/>
+                <a:headEnd/>
+                <a:tailEnd/>
+              </a14:hiddenLine>
+            </a:ext>
+            <a:ext uri="{AF507438-7753-43E0-B8FC-AC1667EBCBE1}">
+              <a14:hiddenEffects xmlns:a14="http://schemas.microsoft.com/office/drawing/2010/main">
+                <a:effectLst>
+                  <a:outerShdw dist="35921" dir="2700000" algn="ctr" rotWithShape="0">
+                    <a:schemeClr val="bg2"/>
+                  </a:outerShdw>
+                </a:effectLst>
+              </a14:hiddenEffects>
+            </a:ext>
+          </a:extLst>
+        </p:spPr>
+      </p:pic>
+      <p:sp>
+        <p:nvSpPr>
+          <p:cNvPr id="10" name="TextBox 9"/>
+          <p:cNvSpPr txBox="1"/>
+          <p:nvPr/>
+        </p:nvSpPr>
+        <p:spPr>
+          <a:xfrm>
+            <a:off x="794657" y="1066800"/>
+            <a:ext cx="2971800" cy="1015663"/>
+          </a:xfrm>
+          <a:prstGeom prst="rect">
+            <a:avLst/>
+          </a:prstGeom>
+          <a:noFill/>
+        </p:spPr>
+        <p:txBody>
+          <a:bodyPr wrap="square" rtlCol="0">
+            <a:spAutoFit/>
+          </a:bodyPr>
+          <a:lstStyle/>
+          <a:p>
+            <a:r>
+              <a:rPr lang="en-US" sz="3000" b="1" smtClean="0">
+                <a:solidFill>
+                  <a:srgbClr val="FF0000"/>
+                </a:solidFill>
+                <a:latin typeface="Times New Roman" pitchFamily="18" charset="0"/>
+                <a:cs typeface="Times New Roman" pitchFamily="18" charset="0"/>
+              </a:rPr>
+              <a:t>Làm sao phát hiện biển báo ?</a:t>
+            </a:r>
+            <a:endParaRPr lang="en-US" sz="3000" b="1">
+              <a:solidFill>
+                <a:srgbClr val="FF0000"/>
+              </a:solidFill>
+              <a:latin typeface="Times New Roman" pitchFamily="18" charset="0"/>
+              <a:cs typeface="Times New Roman" pitchFamily="18" charset="0"/>
+            </a:endParaRPr>
+          </a:p>
+        </p:txBody>
+      </p:sp>
+      <p:pic>
+        <p:nvPicPr>
+          <p:cNvPr id="6149" name="Picture 5"/>
+          <p:cNvPicPr>
+            <a:picLocks noChangeAspect="1" noChangeArrowheads="1"/>
+          </p:cNvPicPr>
+          <p:nvPr/>
+        </p:nvPicPr>
+        <p:blipFill>
+          <a:blip r:embed="rId5">
+            <a:extLst>
+              <a:ext uri="{28A0092B-C50C-407E-A947-70E740481C1C}">
+                <a14:useLocalDpi xmlns:a14="http://schemas.microsoft.com/office/drawing/2010/main" val="0"/>
+              </a:ext>
+            </a:extLst>
+          </a:blip>
+          <a:srcRect/>
+          <a:stretch>
+            <a:fillRect/>
+          </a:stretch>
+        </p:blipFill>
+        <p:spPr bwMode="auto">
+          <a:xfrm>
+            <a:off x="3423558" y="2362200"/>
+            <a:ext cx="1416935" cy="990600"/>
+          </a:xfrm>
+          <a:prstGeom prst="rect">
+            <a:avLst/>
+          </a:prstGeom>
+          <a:noFill/>
+          <a:ln>
+            <a:noFill/>
+          </a:ln>
+          <a:effectLst/>
+          <a:extLst>
+            <a:ext uri="{909E8E84-426E-40DD-AFC4-6F175D3DCCD1}">
+              <a14:hiddenFill xmlns:a14="http://schemas.microsoft.com/office/drawing/2010/main">
+                <a:solidFill>
+                  <a:schemeClr val="accent1"/>
+                </a:solidFill>
+              </a14:hiddenFill>
+            </a:ext>
+            <a:ext uri="{91240B29-F687-4F45-9708-019B960494DF}">
+              <a14:hiddenLine xmlns:a14="http://schemas.microsoft.com/office/drawing/2010/main" w="9525">
+                <a:solidFill>
+                  <a:schemeClr val="tx1"/>
+                </a:solidFill>
+                <a:miter lim="800000"/>
+                <a:headEnd/>
+                <a:tailEnd/>
+              </a14:hiddenLine>
+            </a:ext>
+            <a:ext uri="{AF507438-7753-43E0-B8FC-AC1667EBCBE1}">
+              <a14:hiddenEffects xmlns:a14="http://schemas.microsoft.com/office/drawing/2010/main">
+                <a:effectLst>
+                  <a:outerShdw dist="35921" dir="2700000" algn="ctr" rotWithShape="0">
+                    <a:schemeClr val="bg2"/>
+                  </a:outerShdw>
+                </a:effectLst>
+              </a14:hiddenEffects>
+            </a:ext>
+          </a:extLst>
+        </p:spPr>
+      </p:pic>
+      <p:pic>
+        <p:nvPicPr>
+          <p:cNvPr id="6150" name="Picture 6"/>
+          <p:cNvPicPr>
+            <a:picLocks noChangeAspect="1" noChangeArrowheads="1"/>
+          </p:cNvPicPr>
+          <p:nvPr/>
+        </p:nvPicPr>
+        <p:blipFill>
+          <a:blip r:embed="rId6">
+            <a:extLst>
+              <a:ext uri="{28A0092B-C50C-407E-A947-70E740481C1C}">
+                <a14:useLocalDpi xmlns:a14="http://schemas.microsoft.com/office/drawing/2010/main" val="0"/>
+              </a:ext>
+            </a:extLst>
+          </a:blip>
+          <a:srcRect/>
+          <a:stretch>
+            <a:fillRect/>
+          </a:stretch>
+        </p:blipFill>
+        <p:spPr bwMode="auto">
+          <a:xfrm>
+            <a:off x="3423557" y="4114800"/>
+            <a:ext cx="1643743" cy="914400"/>
+          </a:xfrm>
+          <a:prstGeom prst="rect">
+            <a:avLst/>
+          </a:prstGeom>
+          <a:noFill/>
+          <a:ln>
+            <a:noFill/>
+          </a:ln>
+          <a:effectLst/>
+          <a:extLst>
+            <a:ext uri="{909E8E84-426E-40DD-AFC4-6F175D3DCCD1}">
+              <a14:hiddenFill xmlns:a14="http://schemas.microsoft.com/office/drawing/2010/main">
+                <a:solidFill>
+                  <a:schemeClr val="accent1"/>
+                </a:solidFill>
+              </a14:hiddenFill>
+            </a:ext>
+            <a:ext uri="{91240B29-F687-4F45-9708-019B960494DF}">
+              <a14:hiddenLine xmlns:a14="http://schemas.microsoft.com/office/drawing/2010/main" w="9525">
+                <a:solidFill>
+                  <a:schemeClr val="tx1"/>
+                </a:solidFill>
+                <a:miter lim="800000"/>
+                <a:headEnd/>
+                <a:tailEnd/>
+              </a14:hiddenLine>
+            </a:ext>
+            <a:ext uri="{AF507438-7753-43E0-B8FC-AC1667EBCBE1}">
+              <a14:hiddenEffects xmlns:a14="http://schemas.microsoft.com/office/drawing/2010/main">
+                <a:effectLst>
+                  <a:outerShdw dist="35921" dir="2700000" algn="ctr" rotWithShape="0">
+                    <a:schemeClr val="bg2"/>
+                  </a:outerShdw>
+                </a:effectLst>
+              </a14:hiddenEffects>
+            </a:ext>
+          </a:extLst>
+        </p:spPr>
+      </p:pic>
+      <p:sp>
+        <p:nvSpPr>
+          <p:cNvPr id="12" name="TextBox 11"/>
+          <p:cNvSpPr txBox="1"/>
+          <p:nvPr/>
+        </p:nvSpPr>
+        <p:spPr>
+          <a:xfrm>
+            <a:off x="5519669" y="1897797"/>
+            <a:ext cx="3112089" cy="369332"/>
+          </a:xfrm>
+          <a:prstGeom prst="rect">
+            <a:avLst/>
+          </a:prstGeom>
+          <a:noFill/>
+        </p:spPr>
+        <p:txBody>
+          <a:bodyPr wrap="square" rtlCol="0">
+            <a:spAutoFit/>
+          </a:bodyPr>
+          <a:lstStyle/>
+          <a:p>
+            <a:r>
+              <a:rPr lang="en-US" b="1" smtClean="0">
+                <a:latin typeface="Times New Roman" pitchFamily="18" charset="0"/>
+                <a:cs typeface="Times New Roman" pitchFamily="18" charset="0"/>
+              </a:rPr>
+              <a:t>Đặc trưng hình học ?</a:t>
+            </a:r>
+            <a:endParaRPr lang="en-US" b="1">
+              <a:latin typeface="Times New Roman" pitchFamily="18" charset="0"/>
+              <a:cs typeface="Times New Roman" pitchFamily="18" charset="0"/>
+            </a:endParaRPr>
+          </a:p>
+        </p:txBody>
+      </p:sp>
+      <p:sp>
+        <p:nvSpPr>
+          <p:cNvPr id="13" name="TextBox 12"/>
+          <p:cNvSpPr txBox="1"/>
+          <p:nvPr/>
+        </p:nvSpPr>
+        <p:spPr>
+          <a:xfrm>
+            <a:off x="5530555" y="4844534"/>
+            <a:ext cx="3112089" cy="369332"/>
+          </a:xfrm>
+          <a:prstGeom prst="rect">
+            <a:avLst/>
+          </a:prstGeom>
+          <a:noFill/>
+        </p:spPr>
+        <p:txBody>
+          <a:bodyPr wrap="square" rtlCol="0">
+            <a:spAutoFit/>
+          </a:bodyPr>
+          <a:lstStyle/>
+          <a:p>
+            <a:r>
+              <a:rPr lang="en-US" b="1" smtClean="0">
+                <a:latin typeface="Times New Roman" pitchFamily="18" charset="0"/>
+                <a:cs typeface="Times New Roman" pitchFamily="18" charset="0"/>
+              </a:rPr>
+              <a:t>Đặc trưng màu sắc ?</a:t>
+            </a:r>
+            <a:endParaRPr lang="en-US" b="1">
+              <a:latin typeface="Times New Roman" pitchFamily="18" charset="0"/>
+              <a:cs typeface="Times New Roman" pitchFamily="18" charset="0"/>
+            </a:endParaRPr>
+          </a:p>
+        </p:txBody>
+      </p:sp>
+      <p:sp>
+        <p:nvSpPr>
+          <p:cNvPr id="15" name="Slide Number Placeholder 14"/>
+          <p:cNvSpPr>
+            <a:spLocks noGrp="1"/>
+          </p:cNvSpPr>
+          <p:nvPr>
+            <p:ph type="sldNum" sz="quarter" idx="12"/>
+          </p:nvPr>
+        </p:nvSpPr>
+        <p:spPr/>
+        <p:txBody>
+          <a:bodyPr/>
+          <a:lstStyle/>
+          <a:p>
+            <a:fld id="{51856A66-21D7-4D51-AECF-27815D04D8F4}" type="slidenum">
+              <a:rPr lang="en-US" smtClean="0">
+                <a:latin typeface="Times New Roman" pitchFamily="18" charset="0"/>
+                <a:cs typeface="Times New Roman" pitchFamily="18" charset="0"/>
+              </a:rPr>
+              <a:pPr/>
+              <a:t>10</a:t>
+            </a:fld>
+            <a:endParaRPr lang="en-US">
+              <a:latin typeface="Times New Roman" pitchFamily="18" charset="0"/>
+              <a:cs typeface="Times New Roman" pitchFamily="18" charset="0"/>
+            </a:endParaRPr>
+          </a:p>
+        </p:txBody>
+      </p:sp>
+    </p:spTree>
+    <p:extLst>
+      <p:ext uri="{BB962C8B-B14F-4D97-AF65-F5344CB8AC3E}">
+        <p14:creationId xmlns:p14="http://schemas.microsoft.com/office/powerpoint/2010/main" val="2307107978"/>
+      </p:ext>
+    </p:extLst>
+  </p:cSld>
+  <p:clrMapOvr>
+    <a:masterClrMapping/>
+  </p:clrMapOvr>
+  <mc:AlternateContent xmlns:mc="http://schemas.openxmlformats.org/markup-compatibility/2006">
+    <mc:Choice xmlns:p14="http://schemas.microsoft.com/office/powerpoint/2010/main" Requires="p14">
+      <p:transition spd="med" p14:dur="700">
+        <p:fade/>
+      </p:transition>
+    </mc:Choice>
+    <mc:Fallback>
+      <p:transition spd="med">
+        <p:fade/>
+      </p:transition>
+    </mc:Fallback>
+  </mc:AlternateContent>
+  <p:timing>
+    <p:tnLst>
+      <p:par>
+        <p:cTn id="1" dur="indefinite" restart="never" nodeType="tmRoot"/>
+      </p:par>
+    </p:tnLst>
+  </p:timing>
+</p:sld>
+</file>
+
+<file path=ppt/slides/slide11.xml><?xml version="1.0" encoding="utf-8"?>
 <p:sld xmlns:a="http://schemas.openxmlformats.org/drawingml/2006/main" xmlns:r="http://schemas.openxmlformats.org/officeDocument/2006/relationships" xmlns:p="http://schemas.openxmlformats.org/presentationml/2006/main">
   <p:cSld>
     <p:spTree>
@@ -18601,10 +20190,16 @@
           <a:lstStyle/>
           <a:p>
             <a:r>
-              <a:rPr lang="en-US" b="1" smtClean="0"/>
+              <a:rPr lang="en-US" b="1" smtClean="0">
+                <a:latin typeface="Times New Roman" pitchFamily="18" charset="0"/>
+                <a:cs typeface="Times New Roman" pitchFamily="18" charset="0"/>
+              </a:rPr>
               <a:t>Mô hình giải quyết bài toán</a:t>
             </a:r>
-            <a:endParaRPr lang="en-US" b="1"/>
+            <a:endParaRPr lang="en-US" b="1">
+              <a:latin typeface="Times New Roman" pitchFamily="18" charset="0"/>
+              <a:cs typeface="Times New Roman" pitchFamily="18" charset="0"/>
+            </a:endParaRPr>
           </a:p>
         </p:txBody>
       </p:sp>
@@ -18666,14 +20261,23 @@
           <a:lstStyle/>
           <a:p>
             <a:r>
-              <a:rPr lang="en-US" b="1"/>
+              <a:rPr lang="en-US" b="1">
+                <a:latin typeface="Times New Roman" pitchFamily="18" charset="0"/>
+                <a:cs typeface="Times New Roman" pitchFamily="18" charset="0"/>
+              </a:rPr>
               <a:t>Phát hiện biên ảnh bằng </a:t>
             </a:r>
             <a:r>
-              <a:rPr lang="en-US" b="1" smtClean="0"/>
+              <a:rPr lang="en-US" b="1" smtClean="0">
+                <a:latin typeface="Times New Roman" pitchFamily="18" charset="0"/>
+                <a:cs typeface="Times New Roman" pitchFamily="18" charset="0"/>
+              </a:rPr>
               <a:t>phương pháp Canny</a:t>
             </a:r>
-            <a:endParaRPr lang="en-US"/>
+            <a:endParaRPr lang="en-US">
+              <a:latin typeface="Times New Roman" pitchFamily="18" charset="0"/>
+              <a:cs typeface="Times New Roman" pitchFamily="18" charset="0"/>
+            </a:endParaRPr>
           </a:p>
         </p:txBody>
       </p:sp>
@@ -18743,6 +20347,36 @@
           </a:prstGeom>
         </p:spPr>
       </p:pic>
+      <p:sp>
+        <p:nvSpPr>
+          <p:cNvPr id="10" name="Slide Number Placeholder 9"/>
+          <p:cNvSpPr>
+            <a:spLocks noGrp="1"/>
+          </p:cNvSpPr>
+          <p:nvPr>
+            <p:ph type="sldNum" sz="quarter" idx="12"/>
+          </p:nvPr>
+        </p:nvSpPr>
+        <p:spPr/>
+        <p:txBody>
+          <a:bodyPr/>
+          <a:lstStyle/>
+          <a:p>
+            <a:fld id="{51856A66-21D7-4D51-AECF-27815D04D8F4}" type="slidenum">
+              <a:rPr lang="en-US" smtClean="0">
+                <a:latin typeface="Times New Roman" pitchFamily="18" charset="0"/>
+                <a:cs typeface="Times New Roman" pitchFamily="18" charset="0"/>
+              </a:rPr>
+              <a:pPr/>
+              <a:t>11</a:t>
+            </a:fld>
+            <a:endParaRPr lang="en-US">
+              <a:latin typeface="Times New Roman" pitchFamily="18" charset="0"/>
+              <a:cs typeface="Times New Roman" pitchFamily="18" charset="0"/>
+            </a:endParaRPr>
+          </a:p>
+        </p:txBody>
+      </p:sp>
     </p:spTree>
     <p:extLst>
       <p:ext uri="{BB962C8B-B14F-4D97-AF65-F5344CB8AC3E}">
@@ -18753,6 +20387,18 @@
   <p:clrMapOvr>
     <a:masterClrMapping/>
   </p:clrMapOvr>
+  <mc:AlternateContent xmlns:mc="http://schemas.openxmlformats.org/markup-compatibility/2006">
+    <mc:Choice xmlns:p14="http://schemas.microsoft.com/office/powerpoint/2010/main" Requires="p14">
+      <p:transition spd="med" p14:dur="700">
+        <p:fade/>
+      </p:transition>
+    </mc:Choice>
+    <mc:Fallback>
+      <p:transition spd="med">
+        <p:fade/>
+      </p:transition>
+    </mc:Fallback>
+  </mc:AlternateContent>
   <p:timing>
     <p:tnLst>
       <p:par>
@@ -19015,7 +20661,7 @@
 </p:sld>
 </file>
 
-<file path=ppt/slides/slide11.xml><?xml version="1.0" encoding="utf-8"?>
+<file path=ppt/slides/slide12.xml><?xml version="1.0" encoding="utf-8"?>
 <p:sld xmlns:a="http://schemas.openxmlformats.org/drawingml/2006/main" xmlns:r="http://schemas.openxmlformats.org/officeDocument/2006/relationships" xmlns:p="http://schemas.openxmlformats.org/presentationml/2006/main">
   <p:cSld>
     <p:spTree>
@@ -19077,10 +20723,16 @@
           <a:lstStyle/>
           <a:p>
             <a:r>
-              <a:rPr lang="en-US" b="1" smtClean="0"/>
+              <a:rPr lang="en-US" b="1" smtClean="0">
+                <a:latin typeface="Times New Roman" pitchFamily="18" charset="0"/>
+                <a:cs typeface="Times New Roman" pitchFamily="18" charset="0"/>
+              </a:rPr>
               <a:t>Mô hình giải quyết bài toán</a:t>
             </a:r>
-            <a:endParaRPr lang="en-US" b="1"/>
+            <a:endParaRPr lang="en-US" b="1">
+              <a:latin typeface="Times New Roman" pitchFamily="18" charset="0"/>
+              <a:cs typeface="Times New Roman" pitchFamily="18" charset="0"/>
+            </a:endParaRPr>
           </a:p>
         </p:txBody>
       </p:sp>
@@ -19131,7 +20783,7 @@
         <p:spPr>
           <a:xfrm>
             <a:off x="228600" y="762000"/>
-            <a:ext cx="3048000" cy="646331"/>
+            <a:ext cx="3810000" cy="646331"/>
           </a:xfrm>
           <a:prstGeom prst="rect">
             <a:avLst/>
@@ -19149,6 +20801,8 @@
                 <a:solidFill>
                   <a:srgbClr val="FF0000"/>
                 </a:solidFill>
+                <a:latin typeface="Times New Roman" pitchFamily="18" charset="0"/>
+                <a:cs typeface="Times New Roman" pitchFamily="18" charset="0"/>
               </a:rPr>
               <a:t>Cải tiến: </a:t>
             </a:r>
@@ -19157,6 +20811,8 @@
                 <a:solidFill>
                   <a:srgbClr val="FF0000"/>
                 </a:solidFill>
+                <a:latin typeface="Times New Roman" pitchFamily="18" charset="0"/>
+                <a:cs typeface="Times New Roman" pitchFamily="18" charset="0"/>
               </a:rPr>
               <a:t>Kết hợp đặc trưng màu với phương pháp Canny</a:t>
             </a:r>
@@ -19164,6 +20820,8 @@
               <a:solidFill>
                 <a:srgbClr val="FF0000"/>
               </a:solidFill>
+              <a:latin typeface="Times New Roman" pitchFamily="18" charset="0"/>
+              <a:cs typeface="Times New Roman" pitchFamily="18" charset="0"/>
             </a:endParaRPr>
           </a:p>
         </p:txBody>
@@ -19311,6 +20969,36 @@
           </a:prstGeom>
         </p:spPr>
       </p:pic>
+      <p:sp>
+        <p:nvSpPr>
+          <p:cNvPr id="11" name="Slide Number Placeholder 10"/>
+          <p:cNvSpPr>
+            <a:spLocks noGrp="1"/>
+          </p:cNvSpPr>
+          <p:nvPr>
+            <p:ph type="sldNum" sz="quarter" idx="12"/>
+          </p:nvPr>
+        </p:nvSpPr>
+        <p:spPr/>
+        <p:txBody>
+          <a:bodyPr/>
+          <a:lstStyle/>
+          <a:p>
+            <a:fld id="{51856A66-21D7-4D51-AECF-27815D04D8F4}" type="slidenum">
+              <a:rPr lang="en-US" smtClean="0">
+                <a:latin typeface="Times New Roman" pitchFamily="18" charset="0"/>
+                <a:cs typeface="Times New Roman" pitchFamily="18" charset="0"/>
+              </a:rPr>
+              <a:pPr/>
+              <a:t>12</a:t>
+            </a:fld>
+            <a:endParaRPr lang="en-US">
+              <a:latin typeface="Times New Roman" pitchFamily="18" charset="0"/>
+              <a:cs typeface="Times New Roman" pitchFamily="18" charset="0"/>
+            </a:endParaRPr>
+          </a:p>
+        </p:txBody>
+      </p:sp>
     </p:spTree>
     <p:extLst>
       <p:ext uri="{BB962C8B-B14F-4D97-AF65-F5344CB8AC3E}">
@@ -19321,6 +21009,18 @@
   <p:clrMapOvr>
     <a:masterClrMapping/>
   </p:clrMapOvr>
+  <mc:AlternateContent xmlns:mc="http://schemas.openxmlformats.org/markup-compatibility/2006">
+    <mc:Choice xmlns:p14="http://schemas.microsoft.com/office/powerpoint/2010/main" Requires="p14">
+      <p:transition spd="med" p14:dur="700">
+        <p:fade/>
+      </p:transition>
+    </mc:Choice>
+    <mc:Fallback>
+      <p:transition spd="med">
+        <p:fade/>
+      </p:transition>
+    </mc:Fallback>
+  </mc:AlternateContent>
   <p:timing>
     <p:tnLst>
       <p:par>
@@ -19600,7 +21300,7 @@
 </p:sld>
 </file>
 
-<file path=ppt/slides/slide12.xml><?xml version="1.0" encoding="utf-8"?>
+<file path=ppt/slides/slide13.xml><?xml version="1.0" encoding="utf-8"?>
 <p:sld xmlns:a="http://schemas.openxmlformats.org/drawingml/2006/main" xmlns:r="http://schemas.openxmlformats.org/officeDocument/2006/relationships" xmlns:p="http://schemas.openxmlformats.org/presentationml/2006/main">
   <p:cSld>
     <p:spTree>
@@ -19659,10 +21359,16 @@
           <a:lstStyle/>
           <a:p>
             <a:r>
-              <a:rPr lang="en-US" b="1" smtClean="0"/>
+              <a:rPr lang="en-US" b="1" smtClean="0">
+                <a:latin typeface="Times New Roman" pitchFamily="18" charset="0"/>
+                <a:cs typeface="Times New Roman" pitchFamily="18" charset="0"/>
+              </a:rPr>
               <a:t>Mô hình giải quyết bài toán</a:t>
             </a:r>
-            <a:endParaRPr lang="en-US" b="1"/>
+            <a:endParaRPr lang="en-US" b="1">
+              <a:latin typeface="Times New Roman" pitchFamily="18" charset="0"/>
+              <a:cs typeface="Times New Roman" pitchFamily="18" charset="0"/>
+            </a:endParaRPr>
           </a:p>
         </p:txBody>
       </p:sp>
@@ -19724,10 +21430,16 @@
           <a:lstStyle/>
           <a:p>
             <a:r>
-              <a:rPr lang="en-US" b="1" smtClean="0"/>
+              <a:rPr lang="en-US" b="1" smtClean="0">
+                <a:latin typeface="Times New Roman" pitchFamily="18" charset="0"/>
+                <a:cs typeface="Times New Roman" pitchFamily="18" charset="0"/>
+              </a:rPr>
               <a:t>Xử lý tiền nhận dạng  và nhận dạng</a:t>
             </a:r>
-            <a:endParaRPr lang="en-US"/>
+            <a:endParaRPr lang="en-US">
+              <a:latin typeface="Times New Roman" pitchFamily="18" charset="0"/>
+              <a:cs typeface="Times New Roman" pitchFamily="18" charset="0"/>
+            </a:endParaRPr>
           </a:p>
         </p:txBody>
       </p:sp>
@@ -19983,6 +21695,8 @@
                 <a:solidFill>
                   <a:srgbClr val="FF0000"/>
                 </a:solidFill>
+                <a:latin typeface="Times New Roman" pitchFamily="18" charset="0"/>
+                <a:cs typeface="Times New Roman" pitchFamily="18" charset="0"/>
               </a:rPr>
               <a:t>Mẫu biển báo nhận dạng được!</a:t>
             </a:r>
@@ -19990,6 +21704,8 @@
               <a:solidFill>
                 <a:srgbClr val="FF0000"/>
               </a:solidFill>
+              <a:latin typeface="Times New Roman" pitchFamily="18" charset="0"/>
+              <a:cs typeface="Times New Roman" pitchFamily="18" charset="0"/>
             </a:endParaRPr>
           </a:p>
         </p:txBody>
@@ -20021,6 +21737,8 @@
                 <a:solidFill>
                   <a:srgbClr val="FF0000"/>
                 </a:solidFill>
+                <a:latin typeface="Times New Roman" pitchFamily="18" charset="0"/>
+                <a:cs typeface="Times New Roman" pitchFamily="18" charset="0"/>
               </a:rPr>
               <a:t>Biến đổi -&gt;</a:t>
             </a:r>
@@ -20028,6 +21746,38 @@
               <a:solidFill>
                 <a:srgbClr val="FF0000"/>
               </a:solidFill>
+              <a:latin typeface="Times New Roman" pitchFamily="18" charset="0"/>
+              <a:cs typeface="Times New Roman" pitchFamily="18" charset="0"/>
+            </a:endParaRPr>
+          </a:p>
+        </p:txBody>
+      </p:sp>
+      <p:sp>
+        <p:nvSpPr>
+          <p:cNvPr id="13" name="Slide Number Placeholder 12"/>
+          <p:cNvSpPr>
+            <a:spLocks noGrp="1"/>
+          </p:cNvSpPr>
+          <p:nvPr>
+            <p:ph type="sldNum" sz="quarter" idx="12"/>
+          </p:nvPr>
+        </p:nvSpPr>
+        <p:spPr/>
+        <p:txBody>
+          <a:bodyPr/>
+          <a:lstStyle/>
+          <a:p>
+            <a:fld id="{51856A66-21D7-4D51-AECF-27815D04D8F4}" type="slidenum">
+              <a:rPr lang="en-US" smtClean="0">
+                <a:latin typeface="Times New Roman" pitchFamily="18" charset="0"/>
+                <a:cs typeface="Times New Roman" pitchFamily="18" charset="0"/>
+              </a:rPr>
+              <a:pPr/>
+              <a:t>13</a:t>
+            </a:fld>
+            <a:endParaRPr lang="en-US">
+              <a:latin typeface="Times New Roman" pitchFamily="18" charset="0"/>
+              <a:cs typeface="Times New Roman" pitchFamily="18" charset="0"/>
             </a:endParaRPr>
           </a:p>
         </p:txBody>
@@ -20042,6 +21792,18 @@
   <p:clrMapOvr>
     <a:masterClrMapping/>
   </p:clrMapOvr>
+  <mc:AlternateContent xmlns:mc="http://schemas.openxmlformats.org/markup-compatibility/2006">
+    <mc:Choice xmlns:p14="http://schemas.microsoft.com/office/powerpoint/2010/main" Requires="p14">
+      <p:transition spd="med" p14:dur="700">
+        <p:fade/>
+      </p:transition>
+    </mc:Choice>
+    <mc:Fallback>
+      <p:transition spd="med">
+        <p:fade/>
+      </p:transition>
+    </mc:Fallback>
+  </mc:AlternateContent>
   <p:timing>
     <p:tnLst>
       <p:par>
@@ -20378,7 +22140,7 @@
 </p:sld>
 </file>
 
-<file path=ppt/slides/slide13.xml><?xml version="1.0" encoding="utf-8"?>
+<file path=ppt/slides/slide14.xml><?xml version="1.0" encoding="utf-8"?>
 <p:sld xmlns:a="http://schemas.openxmlformats.org/drawingml/2006/main" xmlns:r="http://schemas.openxmlformats.org/officeDocument/2006/relationships" xmlns:p="http://schemas.openxmlformats.org/presentationml/2006/main">
   <p:cSld>
     <p:spTree>
@@ -20437,10 +22199,699 @@
           <a:lstStyle/>
           <a:p>
             <a:r>
-              <a:rPr lang="en-US" b="1" smtClean="0"/>
-              <a:t>Kết quả thực nghiệm – Hướng phát triển</a:t>
+              <a:rPr lang="en-US" b="1" smtClean="0">
+                <a:latin typeface="Times New Roman" pitchFamily="18" charset="0"/>
+                <a:cs typeface="Times New Roman" pitchFamily="18" charset="0"/>
+              </a:rPr>
+              <a:t>Cài đặt</a:t>
             </a:r>
-            <a:endParaRPr lang="en-US" b="1"/>
+            <a:endParaRPr lang="en-US" b="1">
+              <a:latin typeface="Times New Roman" pitchFamily="18" charset="0"/>
+              <a:cs typeface="Times New Roman" pitchFamily="18" charset="0"/>
+            </a:endParaRPr>
+          </a:p>
+        </p:txBody>
+      </p:sp>
+      <p:cxnSp>
+        <p:nvCxnSpPr>
+          <p:cNvPr id="9" name="Straight Connector 8"/>
+          <p:cNvCxnSpPr/>
+          <p:nvPr/>
+        </p:nvCxnSpPr>
+        <p:spPr>
+          <a:xfrm>
+            <a:off x="0" y="533400"/>
+            <a:ext cx="9144000" cy="0"/>
+          </a:xfrm>
+          <a:prstGeom prst="line">
+            <a:avLst/>
+          </a:prstGeom>
+          <a:ln w="34925">
+            <a:solidFill>
+              <a:schemeClr val="accent3"/>
+            </a:solidFill>
+          </a:ln>
+        </p:spPr>
+        <p:style>
+          <a:lnRef idx="1">
+            <a:schemeClr val="accent3"/>
+          </a:lnRef>
+          <a:fillRef idx="0">
+            <a:schemeClr val="accent3"/>
+          </a:fillRef>
+          <a:effectRef idx="0">
+            <a:schemeClr val="accent3"/>
+          </a:effectRef>
+          <a:fontRef idx="minor">
+            <a:schemeClr val="tx1"/>
+          </a:fontRef>
+        </p:style>
+      </p:cxnSp>
+      <p:sp>
+        <p:nvSpPr>
+          <p:cNvPr id="13" name="Slide Number Placeholder 12"/>
+          <p:cNvSpPr>
+            <a:spLocks noGrp="1"/>
+          </p:cNvSpPr>
+          <p:nvPr>
+            <p:ph type="sldNum" sz="quarter" idx="12"/>
+          </p:nvPr>
+        </p:nvSpPr>
+        <p:spPr/>
+        <p:txBody>
+          <a:bodyPr/>
+          <a:lstStyle/>
+          <a:p>
+            <a:fld id="{51856A66-21D7-4D51-AECF-27815D04D8F4}" type="slidenum">
+              <a:rPr lang="en-US" smtClean="0">
+                <a:latin typeface="Times New Roman" pitchFamily="18" charset="0"/>
+                <a:cs typeface="Times New Roman" pitchFamily="18" charset="0"/>
+              </a:rPr>
+              <a:pPr/>
+              <a:t>14</a:t>
+            </a:fld>
+            <a:endParaRPr lang="en-US">
+              <a:latin typeface="Times New Roman" pitchFamily="18" charset="0"/>
+              <a:cs typeface="Times New Roman" pitchFamily="18" charset="0"/>
+            </a:endParaRPr>
+          </a:p>
+        </p:txBody>
+      </p:sp>
+      <p:sp>
+        <p:nvSpPr>
+          <p:cNvPr id="14" name="TextBox 13"/>
+          <p:cNvSpPr txBox="1"/>
+          <p:nvPr/>
+        </p:nvSpPr>
+        <p:spPr>
+          <a:xfrm>
+            <a:off x="765175" y="1309450"/>
+            <a:ext cx="3799114" cy="923330"/>
+          </a:xfrm>
+          <a:prstGeom prst="rect">
+            <a:avLst/>
+          </a:prstGeom>
+          <a:noFill/>
+        </p:spPr>
+        <p:txBody>
+          <a:bodyPr wrap="square" rtlCol="0">
+            <a:spAutoFit/>
+          </a:bodyPr>
+          <a:lstStyle/>
+          <a:p>
+            <a:pPr marL="285750" indent="-285750">
+              <a:buFontTx/>
+              <a:buChar char="-"/>
+            </a:pPr>
+            <a:r>
+              <a:rPr lang="en-US" b="1" smtClean="0">
+                <a:latin typeface="Times New Roman" pitchFamily="18" charset="0"/>
+                <a:cs typeface="Times New Roman" pitchFamily="18" charset="0"/>
+              </a:rPr>
+              <a:t>IDE : Eclipse</a:t>
+            </a:r>
+          </a:p>
+          <a:p>
+            <a:pPr marL="285750" indent="-285750">
+              <a:buFontTx/>
+              <a:buChar char="-"/>
+            </a:pPr>
+            <a:r>
+              <a:rPr lang="en-US" b="1" smtClean="0">
+                <a:latin typeface="Times New Roman" pitchFamily="18" charset="0"/>
+                <a:cs typeface="Times New Roman" pitchFamily="18" charset="0"/>
+              </a:rPr>
+              <a:t>OS: Android 2.2</a:t>
+            </a:r>
+          </a:p>
+          <a:p>
+            <a:pPr marL="285750" indent="-285750">
+              <a:buFontTx/>
+              <a:buChar char="-"/>
+            </a:pPr>
+            <a:r>
+              <a:rPr lang="en-US" b="1" smtClean="0">
+                <a:latin typeface="Times New Roman" pitchFamily="18" charset="0"/>
+                <a:cs typeface="Times New Roman" pitchFamily="18" charset="0"/>
+              </a:rPr>
+              <a:t>Ngôn ngữ : Java</a:t>
+            </a:r>
+          </a:p>
+        </p:txBody>
+      </p:sp>
+      <p:sp>
+        <p:nvSpPr>
+          <p:cNvPr id="15" name="TextBox 14"/>
+          <p:cNvSpPr txBox="1"/>
+          <p:nvPr/>
+        </p:nvSpPr>
+        <p:spPr>
+          <a:xfrm>
+            <a:off x="612775" y="3276600"/>
+            <a:ext cx="3799114" cy="1754326"/>
+          </a:xfrm>
+          <a:prstGeom prst="rect">
+            <a:avLst/>
+          </a:prstGeom>
+          <a:noFill/>
+        </p:spPr>
+        <p:txBody>
+          <a:bodyPr wrap="square" rtlCol="0">
+            <a:spAutoFit/>
+          </a:bodyPr>
+          <a:lstStyle/>
+          <a:p>
+            <a:pPr marL="285750" indent="-285750">
+              <a:buFontTx/>
+              <a:buChar char="-"/>
+            </a:pPr>
+            <a:r>
+              <a:rPr lang="en-US" b="1">
+                <a:latin typeface="Times New Roman" pitchFamily="18" charset="0"/>
+                <a:cs typeface="Times New Roman" pitchFamily="18" charset="0"/>
+              </a:rPr>
+              <a:t>Vi xử lý 600 MHz, RAM </a:t>
+            </a:r>
+            <a:r>
+              <a:rPr lang="en-US" b="1" smtClean="0">
+                <a:latin typeface="Times New Roman" pitchFamily="18" charset="0"/>
+                <a:cs typeface="Times New Roman" pitchFamily="18" charset="0"/>
+              </a:rPr>
+              <a:t>512MB</a:t>
+            </a:r>
+          </a:p>
+          <a:p>
+            <a:pPr marL="285750" indent="-285750">
+              <a:buFontTx/>
+              <a:buChar char="-"/>
+            </a:pPr>
+            <a:r>
+              <a:rPr lang="vi-VN" b="1">
+                <a:latin typeface="Times New Roman" pitchFamily="18" charset="0"/>
+                <a:cs typeface="Times New Roman" pitchFamily="18" charset="0"/>
+              </a:rPr>
+              <a:t>Hệ điều hành Android </a:t>
+            </a:r>
+            <a:r>
+              <a:rPr lang="en-US" b="1" smtClean="0">
+                <a:latin typeface="Times New Roman" pitchFamily="18" charset="0"/>
+                <a:cs typeface="Times New Roman" pitchFamily="18" charset="0"/>
+              </a:rPr>
+              <a:t>2.2 trở lên</a:t>
+            </a:r>
+          </a:p>
+          <a:p>
+            <a:pPr marL="285750" indent="-285750">
+              <a:buFontTx/>
+              <a:buChar char="-"/>
+            </a:pPr>
+            <a:r>
+              <a:rPr lang="vi-VN" b="1">
+                <a:latin typeface="Times New Roman" pitchFamily="18" charset="0"/>
+                <a:cs typeface="Times New Roman" pitchFamily="18" charset="0"/>
+              </a:rPr>
+              <a:t>Máy ảnh 5 Megapixel, tự động lấy nét, đèn flash LED.</a:t>
+            </a:r>
+            <a:endParaRPr lang="en-US" b="1">
+              <a:latin typeface="Times New Roman" pitchFamily="18" charset="0"/>
+              <a:cs typeface="Times New Roman" pitchFamily="18" charset="0"/>
+            </a:endParaRPr>
+          </a:p>
+          <a:p>
+            <a:pPr marL="285750" indent="-285750">
+              <a:buFontTx/>
+              <a:buChar char="-"/>
+            </a:pPr>
+            <a:endParaRPr lang="en-US" b="1">
+              <a:latin typeface="Times New Roman" pitchFamily="18" charset="0"/>
+              <a:cs typeface="Times New Roman" pitchFamily="18" charset="0"/>
+            </a:endParaRPr>
+          </a:p>
+          <a:p>
+            <a:pPr marL="285750" indent="-285750">
+              <a:buFontTx/>
+              <a:buChar char="-"/>
+            </a:pPr>
+            <a:endParaRPr lang="en-US" b="1" smtClean="0">
+              <a:latin typeface="Times New Roman" pitchFamily="18" charset="0"/>
+              <a:cs typeface="Times New Roman" pitchFamily="18" charset="0"/>
+            </a:endParaRPr>
+          </a:p>
+        </p:txBody>
+      </p:sp>
+      <p:sp>
+        <p:nvSpPr>
+          <p:cNvPr id="3" name="AutoShape 2" descr="data:image/jpeg;base64,/9j/4AAQSkZJRgABAQAAAQABAAD/2wCEAAkGBhASEBUQEhQVFRUQFBgUFBQXEhcXFBQYFBQVFhUUFhQXHScfFxklHRUUHy8gIycpLCwuFR41NTAqNSYrLCkBCQoKDgwOFw8PGikcHBwpLCwpLCwvKSwpKSksKSwpKSkuKSktKSksKSwpKSkpLCkpLCwsKSkpKSkpLCwsKSwpKf/AABEIAOEA4QMBIgACEQEDEQH/xAAcAAEAAQUBAQAAAAAAAAAAAAAABQIDBAYHCAH/xABOEAABAwICBAgHCwoGAgMAAAABAAIDBBESIQUGMUEHEyJRYXGRoTJScoGSsbIUFTQ1QmJzgqLB0RcjQ1N0k7PC0uEWJDNUg/Bj0wglRP/EABkBAQADAQEAAAAAAAAAAAAAAAABAgQDBf/EACsRAQEAAgEDAQgBBQEAAAAAAAABAhEDBBIhMRMyM0FhgbHwURQiQnHhBf/aAAwDAQACEQMRAD8A7iiIgIiICIiAiIgIiICIiAiIgIiICIiAiIgIiICIiAiIgIiICIiAiIgIiICIiAiIgIipkkDRdxAHOTYdqCpFHTaxUjPCniH/ACtv2ArDbrxo4mwqY79Z3eZBOoooa1UP+5h/et/FP8U0P+5h/et/FBKoov8AxTQ/7mH9638Vch0/Sv8ABmjdbmeD6kEgixhpOH9Yz0gjNJQk4RIwnmxi/Ze6DJREQEREBERAREQEREBERBRLK1rS5xADRckmwAG0knYtJ0vws0sZLYWOnI+UDgj8ziCT2KE4WNYnGUUTDZjAHy2+U52bWnoAsbfOHMtAihLiGtFyVaRaRu9Rww1ZPIhhaOY43HtuPUsd3C3X+LCPqO/qUPDoBoHLJJ5hkO3aVU7Q8XMfSKnS2ktHwuV42tgP1HD1OVf5X679XB6D/wCtQvvPFzH0iqfeqHmPpFNHanPyv136uD0H/wBaok4YK0ZlkIHQ11+9xUN70xcx9IqL0vRxtbkD6RTSNNjdwuaQkBDSxuIZHixiHTcki/mURLNNOcUr3vJ3ucT61AaNkaLvebNbmTa5N9jWjeTzdB2AErLdrW4ZRxMA+eXvd9lzR3KDxEuyh9YHaQPvUpJq2cTg0TODXOaHcUxuLCSMQDpbgG1xcLUf8X1Hiw/u3f1r6dcar/x/uz97lG0WtsGrT/1cvoR/+xZujdTWyEiR0kIAuC6EOB6OQ82K0Q631XPH+6CrdrRWA2IaCNxhF+xNm21N1dcRcRzWOYvGwG3SOMyPQn+GXfq5fQj/APYtTOtlV8zP/wAQVubXOqa0uvHkCf8AT5uops222r1eDI8ZDgTIGYXRtFwWPdiDmvcMsFrG3hBR79HrTvynVmwthP1H/wBaN4S6nfFAfqyD1SJtMreaLWquojiikJaNsTyXRkc1js6xZdW1S16p66kdUjkGG/HxnMxloxHZm5pGYNs+sFefYdd4pxgkj4p52Oa7EwnmIdm3ruVPcGlW6Oqni+TV0k7HD50bHPaeuwePOiLquqy8LWjgSGmR9hfKOw7XELL0VwkUE8rYWuc10hs3G2wJ3C4JzK4Fo/NwHjC3aMu+yu1ETmi4uCMwRtBGYKnRp6hRQepOnTWUENQfCc3DJ5bCWP7S0nzqcVVRERAREQEREHBNdZi7SNSTulLfQAaPUrmg6YBhk3uNh1D+/qWLrZ8YVX07/aUlol4MDei4PafxV46RktYXODWi5cbAc5K+1NC+Nwa8WvmOlWuNLSHDaDceZXq7S0kz2ukI5IsABYAKPO1kHrBrAaf82xjXPc27XPJLW5kXLARiNxvNsthvlqur+t8z5+JnAJe4gEC2E81huU/rJoV8kgljzuACL7OnqzWLo7VXiZhUyOjc/C4CNjsViRhD3OAw3sTkCfNbN52p52n2PuFC6dJt5j3AlTMbbBRVfbGMhnizsL+ARt2qU1qzz4I6Ce0gfce1XBB85varR+T5P8xUjFqvG5uMueLjEdm8X5lyzzmPmuOeUx9WH7n+c3tT3P8AOb2rpNJwBtcxr3VDgXNDrBrTa4va529iyB/8fov9xJ6LU7vonblxp/nN7VIv0tObnjALh4ye8WEjGsLRnkAGggbiugj/AOP8P6+TsZ+CjNI8DtNDJxbpZTdocCCwZEkbMPOFz5Oacc7spdK5ZzGbrS6yZ8xbctuMhZzzfYMmuJDdmxoAWNUaBqJI3tjYXEHCbBxwm+YNhkciup6vcDzGBlTDUSMc4XacMTi0HeC5mR6lkN4FnNxYKyZuNxe6wZm47TsU3O3HeMTvc8OCxatzOBLbHDe9rm1hc7lcfqnUi12gXDiNueAYn7twzK7XT8AoZiwVUwx3xZMsb7bghYGnuDV9MY8VXUOxB4aQ5jSPBLhk3YeT1532m7PlmGPdlLqOmONyuo4vpHRktO4NkFnHO2d8iRsI5wexb3qvVlk0MoFzxco9KB7Ce+6g+EDRXEyRkySSGRrrukcCbNIsBYDxitm1AphJV0cZ2SB7D9aGQfer8XJOTGZY+lWyxuFuNQ8Jwu8k+oqerYQRcbwoasiLJXtO0ON+vep4M/ykU17h8hgI3tc1mJpPQQCPMuo37gTrr008G+KbF1CRv4sd2rpC4rwQ13F6SkhOyohNul0ZDh3Y12pVqlERFCBERAREQeftbPjCp+nf7StaM0hxZId4LtvQedXdbPjCq+nf7Si3K7pGzOeDmMwdhVC1llQ9vguI6j9yue+UvjnsH4InbYCVThUD74y+MewfgnvjL4x7B+CIT5URX+GOp3suWMdIy+MewfgsQ1b3StBdfwubxHJSok/J8n+YrfKV4bAOmIewtDPyfJ/mK3GpltFH9APZXHOb0z8vrHXdNaYrIYGmmp2yNEAe6R0zW4CG3P5s5usBfbvUO3XgxaCZX3LnyDCy+d3PmcwE35gCfMtmnhb7jcSTb3Obi42cUb7uZaHWUtL7wUt2niWysIbjdZtpZbHFfEc77TvV3RPay1M1BRitE0j3Qlhma512PDnBrgG7rFwWNrlXjj4nNJs+na4dRe4j1qU4Q4Ife2o427mENu0utf8AOstm2x222Farrm3A+mAvb3IzI7rE5Kmc3NK5eiXg088nR+j43FhqYXSyPHhCOMHIHcTZ2fUsyXTL6TSlNRl73w17JMGN2JzJIhiOfMRb0uhQ+gYovdujy4HjDQODXYjkLyFzQNh37rqR1tjgGktG4rl7XTuY7EbsAY0vNhkchvB2K09Exa1X0jJpGKpqXTSRGOeWGNjHYWx8UAQXDftF+pQM2tT6ygo6l/hOdUMJ8bAWNxdyktXtWYNIwTVgdJAK5zwY4ZZGMkDSW4pmscA9xN72Av51rumNJxvo6ZkbGx+5pZ6dzGZMBjER5I6cXTndU5fcq2Pq0jhVzNM7xo3nvaprg1+H0PW7+G9Q3Cl/p0R54X+timeDX4fQ9bv4b1y6P4M+/wCa68vv39+S9wi6MMGkpRultK3qff1EEeZUaKfj0fVR74DFVN/43hr/ALLytr4bKDlU1QBtD4nHqs9vretU1JIdUmA+DUxSQn/kYQO+y1/Jz+Rq/W8RpKlmvYCUNcfmycg9zyvRC8v1AdxTTscywPQ5hwnvC9J6FrxPTRTj9LGx/pNBI7VFRWaiIoQIiICIiDz9rZ8YVX07/aUW5SmtnxhVfTv9pRbleLxYcvi+uXxSkRTlLq62SljnE8MbnSSMcJpQwWbgw4RYk3u6/UFbg1XldI6HjKdr2loAdUNAkxi7TGRcPBFsxzqEIcrGZ/rN+t7DlsH+Gn8YWCamIawvdIKhvFsAdhs5+51yMhcqLrdG8VMz87DJixf6UmO1mHbkLKCoI/J8n+YrY9PuLWQ9NM31Fa6djfJ/mK2/Tuj3Se52ttf3Gx1jvAGwdOYSY72z8vvR1V88zmFmJojfAWAYTcF0WEEm2y5uoil1avodui5ngkRlvGMBsHcY6RjwDYmxIy61o8Gl9Lt/NiewjGHMQuIDcIsXFpJ2t3k5q4/T+lmtLnT5NtfkQG1zYbGJ21fujZ6nRWk6qOKkrJaf3PE5hlfEJOOqBH4LXBwwsvkSRvVjhDmLqiIgH/Rtl9I5fNXYNLVUfGtqmhuLDymRAm22wEa317mx2ZhBdbw3BpLunoF93Ss3Py+ym9bXwx7/AA012iZpaagqad7Y6mijBZxgJjka9tnxvw5gHnHOesX9G6PqpK4aQrnQl0MToqeCHGY2B98b3Ofm5xBI6j0LO1kpawsLqYljo9rWMYQ4Hma5pzHQuaz616SaSDUOBGRBhhBFue7Mlbj5O/Hu1pOWPbdNu0Xo/SlAx9NQyUz6dz3PhM4lEtPjNy3kDDIAcxf77LXNbNCiioqWEPMjzNPJLIRbjJJGxlxA3DIAdSxP8YVuG/u1wdldvueE78yDgts2LB0rpQ1DmGapfKGtNrxNYGEluWFoANxtPzelRyZS42GM8o/hK+D6OPPTu9bFN8Gnw+h63fw3qE4Svg2jf2d3rYpvg0+MKDynfw3rn0XwZ9/zV+T3r+/J1LhYoOM0Y92+B7JfNiwO7nnsXGtE1ZjmjkG1j2u7CvROnKDj6WaD9bE9g63NIHfZea4z2rZFIn9ZKQMqamMbONMjPJmaJG+0exdX4JNIcbouNu+B74j5nYm/Ze1cx06cZpp/9xSBp8uneWey5q2rgRrrOqqY87JWjta7+RQX0dXREUKiIiAiIg8/a2fGFV9O/wBpRbtik9bPjCq+nf7SjHq8XWHL4qnKlSlcc9uEANs4E3dfaPki3Rn2qvjY8bTg5IAxNxeFlys7ZXz7VYRQheglYHHGzE07g7C4cxDrH1LGqZouNaWNc0DFfE/F8h1tjQqysCr2j/u4oViu+T5P8xW5ayTNb7lc5ge33JG2xJAuADtG/o6Vprvk+SfaK6bSy3hiHNGz2AtXS8XtLlGTqMu3VaU2siytEBY+O43Gdwb+ZXxPGQQI7HKxxk7xe99u9biyO5tbuWW2jatl6KT5s39R9GtaH01NCMLHcm97EZZ7St70bpaGYD84GuOWF21vn3hQz6ayzKamuL27lj6r/wA7Hkk3l/1s4Oe/KJep00YmmUysLAcLruuTzYWjbmtI1o0rA+rhqI3AgYTJyb2s8XJaRttfLoC2YNFtgV+No5h2LDyYzix16tmHFc/LmE1cGwNa2QOcXOJYWu/Ngh7bNu3DmHEkg53aLck3xYa4AuJeRiaPBYMzY5C/gm+9dgDRzDsX0tHMOxeNzdd2X0asel+ri/CYwtp9HNIIIp3XByIzZuU1wafGFB5Tv4b1i8Np/OU3kSe0xZXBp8YUHW7+HIt3QXfBjf53+azc81yWfvo9CLzjrTQcRX1EOwNmeW+S4429zgvRy4pwwUGDSDZd08LXfWYSw9wZ2rbHCIxrsejo3b6WqwnoZUMLezE0LO4Nq3idLxjYJ2PiPnGId7GqI0JU3hngIuJms35gseHBw6credWfdZgqYagfoZmP8zXAkdgt51Kz0oi+NcCLjYdi+qqgiIgIiIPPutnxhVfTv9pRj1J62fGFV9PJ7RUY9XXWHL4vrl8UpEREBYFXtH/dxWesCr2j/u4qEMV3yfJ/mK6bq8YyIRJ4GFt87fIFhfmvZcyd8nyT7RW5srSyBjgL2awdWQBOXMt/Q+uf+mTqJvTedIGINNo2MdjwsDSMRaLZkDda+ZWIxatTaQdxjA3A4PI8EEOAN8yNg2LY2TWF1uw12+Ltl9hnfLOewYVdbJdmGywPdBKyYpFw5bqNnTYLkbLkNUg2lbbeotk+F4JGSlaedrjtC8LqctvaxxsiqhiBlDHC4zuAbXyO9K+Snie6NsTg425RkJFyRtaT0qK1i0g6ExlrRaQuDnODi1uEAgEMzufuUFJrDIOVggJGfgS3NgCLHn3eZeRljbhZMZfPrdKct3lLLrTVOHBtpKbyJPaYsng0+MKDrd/DesDhknLzSOIwl0TyWna0ksJHmWfwafGFB1u/hyL0Og8cGP3/ADWbn+Jk9CLm/DXQXp4Jx+jlMZ6pG3HfH3rpC1vhFoOO0ZUNtcsYJR1xODz3B3atbO4foiS0o+cCPv8AuV7TMXJKjqaSzg7mIPYpzSMdx1q7o7dqRpHj9HU0u8xNa7ymch3e0qcXPeBXSGKhfCTnTzOFuZrwHD7WNdCVHMREQEREHnzWo/5+q/aJPbKjXqS1p+H1X7RJ7ZUa9XdFhy+L65fFIIiIBWBVjlDz+orPKw5vDb1qEMJ3yfJ/mK2ykqLMZ5I9QWqP+T5J9orZ9U9KxxzxukcGNDXDEQSATG4A2bntI2dy3dDl23K/Rn5pvSSp64A7e9TVHUtdfoUrpTT1Iykczj2vdNC5zAWkvdjbZpybyBfZey0ij0lhK2Tl9rLda0njtxmm28aLbFaparM9GS2nReh4jAOWbTRtda7RYuYDm23LsTvK0CeoEc0jWm4ZI9ovvDXuA7gvN5eWZSyNnT47uk4Jrmwz6P7LGFThdkbWKo1f1hcyQFrbh5LX2zcGm1rb7bbqnTszjVvaLYWgAbARmTY26CF5XLx/2XLfn+Gzi6mTn9jr7/ZsEFWS0G6uurjbatZiqZAC1pFyDa9rXt87LtWYzSlR+eErKVsbYrRuZLEXudycJa1puCBcEc/mXmXp7y43KXWluXKYZzHW9uc8MMt5YPJk9pqlODQf/YUPW7+G9a9wnTYnw+S/1tWycGXw6i6z7D16fRTXBjP31Yup+Lk9Aq3UQB7HRu2PaWnqcCD3FXF8K1MzzDLTmN7onbY3Fh62EtPqU412KFp6LHzZfcq+EOh4nSdQN0jhKP8AkaHH7WJRtDMQ0jp2bs1deN14Gq7BXTwE5TRB4HTG78Hu7F2RefNUa3iNK0smwPfxZ6pQY8/O7uXoNVqtERFCBERB581p+H1X7RJ7ZUa9SWtJ/wA/VftEntlRjlddZK+KpypUpEREArDm8NvWsxYdT4TfKHrUIYb93UfaKyqUNcDilZGW2sHh3K6i3Za3esO+zqPtFZMOipnC4YbHYTyR2ustPTZdvd5045zbLZT5F3uiDk/Odfoyt0W8ypirOkZEi42GxtcdB2pHq+8nlPjH1i4/ZB9azWatMDcTpt9rCM3vt+U4Lp7eT/LZItQztLQ4yxtOd2Oa7ELOI3ZEkWPn6M/sGkeRc5ZXtzLKp9AROcGtdK5ztgAZc9QzV0UlOyPOMuHjuJ3kZXbYLHnl3NXHy9iLg0gTnxsTCL8l+O+TiBm3nAB8/nWbS6XIwjHG8ONiGh+IZeEcQtYWAWI+ggJJDntub2DmkDoF23t51VHRtyAleLm2bGkZ9TgsmfFuejvOp87tqRqdLkWALRfe6+EZtGdusnqacisOXSzr342Dq/OjYDzjZuVuehe0kCVhI+a8d4usCaGcnLC7yZGnuJB7lnnBr1x26f1Et3MtIvXGq4ziScuScua+HJbvwZfDqLrPsPXOtPh4c0Pa5psciCObnXRODL4dRdZ9h618OPbhIyc2XdnbHoFfCvqpXRwcl4aaC09POP0kboyemNwcO6Q9i0ShdmRzj1Lr3C9QY9H8YNsErH+Z14z7bexcSqah7GY2WuOcXy3q0WiSrXFobI3wo3XHWCCO9elKCrEsUcrdkrGvHU9ocPWvMtJMZae58K2fW0kbPOF3bgt0jx2i4M7mIOiP1HEN+zhUUrbERFCoiIg896zfDqn9ok9sqNcpTW1ttIVX07z2uJ+9RRKuuoKpVRVBKlKrF0L5i6FTdMSgV4uhYVSbvaPnDuzWSSsSU/nG+UiGA07Oo+1/dSM2mHnDYAYWhuZJ8EWvsVGitFGZjg08tpu0EgB1/Cbc7DkLE5ZZ7bixLC6N2GRpaQc2uBaewqqtSlZrK98LIg3CWYeViuDhZh8HDlz7VgHSkxbhxb77Mr7Oa6x5ZWk5EbM9g7geaypxDnChDJg0lMxwcHA23G9iDkWkcxBIPWqa/WWZmbXNY1ziQwYiwAknDyrkgX3kqh8rS0AWuNpyzUJp1+bRzAntP9kGfLrZO5rmmRtn22A5WINgdu7fe+055rFZpl4IPGbDf/uSiYXgOuRccypeQdgt50E83WR+MPc5rrODi1wydYi7TYbDa3nU3rNwjOrCCWRtw2DbZckB3JOFgv4QtzAdK0RX5Jg5oFsx1W2Wy9fnQZ2mtK8c2Nv6sOF73BxG/NkuicGXw+i6z7D1z/Q+q1TOQ4Mc1l83uFm+YnwuoLovB5HbStOwbGSOA6hE+3cFMTHfF8RfFCEbrNo/j6OeHfJC8Dyg27ftALze8YmEc42fcvUV15x1j0d7nrJ4N0crsPkk4mfZLVMTGDq/E8MLXtIBPJvvDm22bty6twH13IqaY/IkbI0dDwWn2G9q5vTPuwdC2ngvreK0sGbqmN7POAJG+wR51N9E2eHcERFVUREQcR4UdGmHSDpLcmoaJGndcAMeOu4B+sFqPGL0BrboOmq4OKnOG3KY8eGx3jDo5wciuH6c1TqKdxDS2Zm5zDY26WOzB6r9atKtKji9Wy9YskjxkWuHW0q0ak9PYpSzcS+Y1he6lbnqn25BAPSCUEjjWLUOsQeYg96tMqjYXzO+wyVMs9wgntAtwSOHObjqOz7x5ltDJnWsCbc18uxaJo7SANmuu1zfBdbuzy8x2qfh02Rk4NPSCW9xuO9ExNl3QPRH4L4QPFb6DfwUaNOx8x7W/ivvv3H0/Z/FE+GeYm+Iz92z8E4lniR/umf0rB9+o+n7P4p79RdPd+KHhm8SzxI/3TP6VUI2+Kz92z8Fge/UXT3fih03F0/Z/FDwkMuZvot/BVCQjZl1AD1KMOnIuntb+KtyawxjYCfrD7roJSokNiSSctpN1TwYUJfpMSbomySH0TGO9/coFtdUVTxBAwuLvksBLj1u+SOnLrXYNQ9UvcMBxkGaaxkI2NA8GNp5hc57yeYBRVbWzoSvhcFTjCqoqXKeGPV4h7K5gycBFL0EX4tx6xyfqt511MyDnWPW00U0bopAHMkaWuadhB9XXuQecaOosbHYfWsun0maeogqR/8AnlY8jnaHZjzguH1lJ646hzUTi9l5ICeTIBcsG5soGw/O2Ho2LWxNcWPN2qy71RDK1zQ9pu1wDmkbCCLg9irWo8FVTK/RUHGZ4MUbDvLGPLWX6gLfVW3KqgiIgs1FGx/hNBUdNqrSv2s71Log1yTg/oTtj71Zdwa6PP6M+kVtKINSPBho/wAR3pFPyYaP8R3pFbaiDUfyX6P8R3pFWZ+CyjPggjrJW6Ig5vU8EzfklvaVGVHA9KfBc3/vnXW0QcYfwMVW57O3+6o/IxV+Mz0l2pEHFPyM1fOz00/IzV87PTXa0U7HE/yM1nOz019/IxV+Mz012tFA4sOBeq8ZnpLIg4GpgeUWHz3+9dhRBpGhtS6iAYWuY1u8NAaD12Ga2Sm0U8DlP7P7qTRBGyaJcdjz2f3WHLq/KdkvrU8iDVn6sVB/S95Vl+qdT+u71t6INJfqdVn9Oe5Q1TwQYzcuaCduEBvcMl09EGmaJ1OqYGNjbNZjBZrdwHmWx0NFMy2KS/Rt9akEQEREBERAREQEREBERAREQEREBERAREQEREBERAREQEREBERAREQEREBERAREQEREBERAREQEREBERAREQEREBERAREQEREBERAREQEREH//Z"/>
+          <p:cNvSpPr>
+            <a:spLocks noChangeAspect="1" noChangeArrowheads="1"/>
+          </p:cNvSpPr>
+          <p:nvPr/>
+        </p:nvSpPr>
+        <p:spPr bwMode="auto">
+          <a:xfrm>
+            <a:off x="155575" y="-144463"/>
+            <a:ext cx="304800" cy="304801"/>
+          </a:xfrm>
+          <a:prstGeom prst="rect">
+            <a:avLst/>
+          </a:prstGeom>
+          <a:noFill/>
+          <a:extLst>
+            <a:ext uri="{909E8E84-426E-40DD-AFC4-6F175D3DCCD1}">
+              <a14:hiddenFill xmlns:a14="http://schemas.microsoft.com/office/drawing/2010/main">
+                <a:solidFill>
+                  <a:srgbClr val="FFFFFF"/>
+                </a:solidFill>
+              </a14:hiddenFill>
+            </a:ext>
+          </a:extLst>
+        </p:spPr>
+        <p:txBody>
+          <a:bodyPr vert="horz" wrap="square" lIns="91440" tIns="45720" rIns="91440" bIns="45720" numCol="1" anchor="t" anchorCtr="0" compatLnSpc="1">
+            <a:prstTxWarp prst="textNoShape">
+              <a:avLst/>
+            </a:prstTxWarp>
+          </a:bodyPr>
+          <a:lstStyle/>
+          <a:p>
+            <a:endParaRPr lang="en-US"/>
+          </a:p>
+        </p:txBody>
+      </p:sp>
+      <p:sp>
+        <p:nvSpPr>
+          <p:cNvPr id="4" name="AutoShape 4" descr="data:image/jpeg;base64,/9j/4AAQSkZJRgABAQAAAQABAAD/2wCEAAkGBhASEBUQEhQVFRUQFBgUFBQXEhcXFBQYFBQVFhUUFhQXHScfFxklHRUUHy8gIycpLCwuFR41NTAqNSYrLCkBCQoKDgwOFw8PGikcHBwpLCwpLCwvKSwpKSksKSwpKSkuKSktKSksKSwpKSkpLCkpLCwsKSkpKSkpLCwsKSwpKf/AABEIAOEA4QMBIgACEQEDEQH/xAAcAAEAAQUBAQAAAAAAAAAAAAAABQIDBAYHCAH/xABOEAABAwICBAgHCwoGAgMAAAABAAIDBBESIQUGMUEHEyJRYXGRoTJScoGSsbIUFTQ1QmJzgqLB0RcjQ1N0k7PC0uEWJDNUg/Bj0wglRP/EABkBAQADAQEAAAAAAAAAAAAAAAABAgQDBf/EACsRAQEAAgEDAQgBBQEAAAAAAAABAhEDBBIhMRMyM0FhgbHwURQiQnHhBf/aAAwDAQACEQMRAD8A7iiIgIiICIiAiIgIiICIiAiIgIiICIiAiIgIiICIiAiIgIiICIiAiIgIiICIiAiIgIipkkDRdxAHOTYdqCpFHTaxUjPCniH/ACtv2ArDbrxo4mwqY79Z3eZBOoooa1UP+5h/et/FP8U0P+5h/et/FBKoov8AxTQ/7mH9638Vch0/Sv8ABmjdbmeD6kEgixhpOH9Yz0gjNJQk4RIwnmxi/Ze6DJREQEREBERAREQEREBERBRLK1rS5xADRckmwAG0knYtJ0vws0sZLYWOnI+UDgj8ziCT2KE4WNYnGUUTDZjAHy2+U52bWnoAsbfOHMtAihLiGtFyVaRaRu9Rww1ZPIhhaOY43HtuPUsd3C3X+LCPqO/qUPDoBoHLJJ5hkO3aVU7Q8XMfSKnS2ktHwuV42tgP1HD1OVf5X679XB6D/wCtQvvPFzH0iqfeqHmPpFNHanPyv136uD0H/wBaok4YK0ZlkIHQ11+9xUN70xcx9IqL0vRxtbkD6RTSNNjdwuaQkBDSxuIZHixiHTcki/mURLNNOcUr3vJ3ucT61AaNkaLvebNbmTa5N9jWjeTzdB2AErLdrW4ZRxMA+eXvd9lzR3KDxEuyh9YHaQPvUpJq2cTg0TODXOaHcUxuLCSMQDpbgG1xcLUf8X1Hiw/u3f1r6dcar/x/uz97lG0WtsGrT/1cvoR/+xZujdTWyEiR0kIAuC6EOB6OQ82K0Q631XPH+6CrdrRWA2IaCNxhF+xNm21N1dcRcRzWOYvGwG3SOMyPQn+GXfq5fQj/APYtTOtlV8zP/wAQVubXOqa0uvHkCf8AT5uops222r1eDI8ZDgTIGYXRtFwWPdiDmvcMsFrG3hBR79HrTvynVmwthP1H/wBaN4S6nfFAfqyD1SJtMreaLWquojiikJaNsTyXRkc1js6xZdW1S16p66kdUjkGG/HxnMxloxHZm5pGYNs+sFefYdd4pxgkj4p52Oa7EwnmIdm3ruVPcGlW6Oqni+TV0k7HD50bHPaeuwePOiLquqy8LWjgSGmR9hfKOw7XELL0VwkUE8rYWuc10hs3G2wJ3C4JzK4Fo/NwHjC3aMu+yu1ETmi4uCMwRtBGYKnRp6hRQepOnTWUENQfCc3DJ5bCWP7S0nzqcVVRERAREQEREHBNdZi7SNSTulLfQAaPUrmg6YBhk3uNh1D+/qWLrZ8YVX07/aUlol4MDei4PafxV46RktYXODWi5cbAc5K+1NC+Nwa8WvmOlWuNLSHDaDceZXq7S0kz2ukI5IsABYAKPO1kHrBrAaf82xjXPc27XPJLW5kXLARiNxvNsthvlqur+t8z5+JnAJe4gEC2E81huU/rJoV8kgljzuACL7OnqzWLo7VXiZhUyOjc/C4CNjsViRhD3OAw3sTkCfNbN52p52n2PuFC6dJt5j3AlTMbbBRVfbGMhnizsL+ARt2qU1qzz4I6Ce0gfce1XBB85varR+T5P8xUjFqvG5uMueLjEdm8X5lyzzmPmuOeUx9WH7n+c3tT3P8AOb2rpNJwBtcxr3VDgXNDrBrTa4va529iyB/8fov9xJ6LU7vonblxp/nN7VIv0tObnjALh4ye8WEjGsLRnkAGggbiugj/AOP8P6+TsZ+CjNI8DtNDJxbpZTdocCCwZEkbMPOFz5Oacc7spdK5ZzGbrS6yZ8xbctuMhZzzfYMmuJDdmxoAWNUaBqJI3tjYXEHCbBxwm+YNhkciup6vcDzGBlTDUSMc4XacMTi0HeC5mR6lkN4FnNxYKyZuNxe6wZm47TsU3O3HeMTvc8OCxatzOBLbHDe9rm1hc7lcfqnUi12gXDiNueAYn7twzK7XT8AoZiwVUwx3xZMsb7bghYGnuDV9MY8VXUOxB4aQ5jSPBLhk3YeT1532m7PlmGPdlLqOmONyuo4vpHRktO4NkFnHO2d8iRsI5wexb3qvVlk0MoFzxco9KB7Ce+6g+EDRXEyRkySSGRrrukcCbNIsBYDxitm1AphJV0cZ2SB7D9aGQfer8XJOTGZY+lWyxuFuNQ8Jwu8k+oqerYQRcbwoasiLJXtO0ON+vep4M/ykU17h8hgI3tc1mJpPQQCPMuo37gTrr008G+KbF1CRv4sd2rpC4rwQ13F6SkhOyohNul0ZDh3Y12pVqlERFCBERAREQeftbPjCp+nf7StaM0hxZId4LtvQedXdbPjCq+nf7Si3K7pGzOeDmMwdhVC1llQ9vguI6j9yue+UvjnsH4InbYCVThUD74y+MewfgnvjL4x7B+CIT5URX+GOp3suWMdIy+MewfgsQ1b3StBdfwubxHJSok/J8n+YrfKV4bAOmIewtDPyfJ/mK3GpltFH9APZXHOb0z8vrHXdNaYrIYGmmp2yNEAe6R0zW4CG3P5s5usBfbvUO3XgxaCZX3LnyDCy+d3PmcwE35gCfMtmnhb7jcSTb3Obi42cUb7uZaHWUtL7wUt2niWysIbjdZtpZbHFfEc77TvV3RPay1M1BRitE0j3Qlhma512PDnBrgG7rFwWNrlXjj4nNJs+na4dRe4j1qU4Q4Ife2o427mENu0utf8AOstm2x222Farrm3A+mAvb3IzI7rE5Kmc3NK5eiXg088nR+j43FhqYXSyPHhCOMHIHcTZ2fUsyXTL6TSlNRl73w17JMGN2JzJIhiOfMRb0uhQ+gYovdujy4HjDQODXYjkLyFzQNh37rqR1tjgGktG4rl7XTuY7EbsAY0vNhkchvB2K09Exa1X0jJpGKpqXTSRGOeWGNjHYWx8UAQXDftF+pQM2tT6ygo6l/hOdUMJ8bAWNxdyktXtWYNIwTVgdJAK5zwY4ZZGMkDSW4pmscA9xN72Av51rumNJxvo6ZkbGx+5pZ6dzGZMBjER5I6cXTndU5fcq2Pq0jhVzNM7xo3nvaprg1+H0PW7+G9Q3Cl/p0R54X+timeDX4fQ9bv4b1y6P4M+/wCa68vv39+S9wi6MMGkpRultK3qff1EEeZUaKfj0fVR74DFVN/43hr/ALLytr4bKDlU1QBtD4nHqs9vretU1JIdUmA+DUxSQn/kYQO+y1/Jz+Rq/W8RpKlmvYCUNcfmycg9zyvRC8v1AdxTTscywPQ5hwnvC9J6FrxPTRTj9LGx/pNBI7VFRWaiIoQIiICIiDz9rZ8YVX07/aUW5SmtnxhVfTv9pRbleLxYcvi+uXxSkRTlLq62SljnE8MbnSSMcJpQwWbgw4RYk3u6/UFbg1XldI6HjKdr2loAdUNAkxi7TGRcPBFsxzqEIcrGZ/rN+t7DlsH+Gn8YWCamIawvdIKhvFsAdhs5+51yMhcqLrdG8VMz87DJixf6UmO1mHbkLKCoI/J8n+YrY9PuLWQ9NM31Fa6djfJ/mK2/Tuj3Se52ttf3Gx1jvAGwdOYSY72z8vvR1V88zmFmJojfAWAYTcF0WEEm2y5uoil1avodui5ngkRlvGMBsHcY6RjwDYmxIy61o8Gl9Lt/NiewjGHMQuIDcIsXFpJ2t3k5q4/T+lmtLnT5NtfkQG1zYbGJ21fujZ6nRWk6qOKkrJaf3PE5hlfEJOOqBH4LXBwwsvkSRvVjhDmLqiIgH/Rtl9I5fNXYNLVUfGtqmhuLDymRAm22wEa317mx2ZhBdbw3BpLunoF93Ss3Py+ym9bXwx7/AA012iZpaagqad7Y6mijBZxgJjka9tnxvw5gHnHOesX9G6PqpK4aQrnQl0MToqeCHGY2B98b3Ofm5xBI6j0LO1kpawsLqYljo9rWMYQ4Hma5pzHQuaz616SaSDUOBGRBhhBFue7Mlbj5O/Hu1pOWPbdNu0Xo/SlAx9NQyUz6dz3PhM4lEtPjNy3kDDIAcxf77LXNbNCiioqWEPMjzNPJLIRbjJJGxlxA3DIAdSxP8YVuG/u1wdldvueE78yDgts2LB0rpQ1DmGapfKGtNrxNYGEluWFoANxtPzelRyZS42GM8o/hK+D6OPPTu9bFN8Gnw+h63fw3qE4Svg2jf2d3rYpvg0+MKDynfw3rn0XwZ9/zV+T3r+/J1LhYoOM0Y92+B7JfNiwO7nnsXGtE1ZjmjkG1j2u7CvROnKDj6WaD9bE9g63NIHfZea4z2rZFIn9ZKQMqamMbONMjPJmaJG+0exdX4JNIcbouNu+B74j5nYm/Ze1cx06cZpp/9xSBp8uneWey5q2rgRrrOqqY87JWjta7+RQX0dXREUKiIiAiIg8/a2fGFV9O/wBpRbtik9bPjCq+nf7SjHq8XWHL4qnKlSlcc9uEANs4E3dfaPki3Rn2qvjY8bTg5IAxNxeFlys7ZXz7VYRQheglYHHGzE07g7C4cxDrH1LGqZouNaWNc0DFfE/F8h1tjQqysCr2j/u4oViu+T5P8xW5ayTNb7lc5ge33JG2xJAuADtG/o6Vprvk+SfaK6bSy3hiHNGz2AtXS8XtLlGTqMu3VaU2siytEBY+O43Gdwb+ZXxPGQQI7HKxxk7xe99u9biyO5tbuWW2jatl6KT5s39R9GtaH01NCMLHcm97EZZ7St70bpaGYD84GuOWF21vn3hQz6ayzKamuL27lj6r/wA7Hkk3l/1s4Oe/KJep00YmmUysLAcLruuTzYWjbmtI1o0rA+rhqI3AgYTJyb2s8XJaRttfLoC2YNFtgV+No5h2LDyYzix16tmHFc/LmE1cGwNa2QOcXOJYWu/Ngh7bNu3DmHEkg53aLck3xYa4AuJeRiaPBYMzY5C/gm+9dgDRzDsX0tHMOxeNzdd2X0asel+ri/CYwtp9HNIIIp3XByIzZuU1wafGFB5Tv4b1i8Np/OU3kSe0xZXBp8YUHW7+HIt3QXfBjf53+azc81yWfvo9CLzjrTQcRX1EOwNmeW+S4429zgvRy4pwwUGDSDZd08LXfWYSw9wZ2rbHCIxrsejo3b6WqwnoZUMLezE0LO4Nq3idLxjYJ2PiPnGId7GqI0JU3hngIuJms35gseHBw6credWfdZgqYagfoZmP8zXAkdgt51Kz0oi+NcCLjYdi+qqgiIgIiIPPutnxhVfTv9pRj1J62fGFV9PJ7RUY9XXWHL4vrl8UpEREBYFXtH/dxWesCr2j/u4qEMV3yfJ/mK6bq8YyIRJ4GFt87fIFhfmvZcyd8nyT7RW5srSyBjgL2awdWQBOXMt/Q+uf+mTqJvTedIGINNo2MdjwsDSMRaLZkDda+ZWIxatTaQdxjA3A4PI8EEOAN8yNg2LY2TWF1uw12+Ltl9hnfLOewYVdbJdmGywPdBKyYpFw5bqNnTYLkbLkNUg2lbbeotk+F4JGSlaedrjtC8LqctvaxxsiqhiBlDHC4zuAbXyO9K+Snie6NsTg425RkJFyRtaT0qK1i0g6ExlrRaQuDnODi1uEAgEMzufuUFJrDIOVggJGfgS3NgCLHn3eZeRljbhZMZfPrdKct3lLLrTVOHBtpKbyJPaYsng0+MKDrd/DesDhknLzSOIwl0TyWna0ksJHmWfwafGFB1u/hyL0Og8cGP3/ADWbn+Jk9CLm/DXQXp4Jx+jlMZ6pG3HfH3rpC1vhFoOO0ZUNtcsYJR1xODz3B3atbO4foiS0o+cCPv8AuV7TMXJKjqaSzg7mIPYpzSMdx1q7o7dqRpHj9HU0u8xNa7ymch3e0qcXPeBXSGKhfCTnTzOFuZrwHD7WNdCVHMREQEREHnzWo/5+q/aJPbKjXqS1p+H1X7RJ7ZUa9XdFhy+L65fFIIiIBWBVjlDz+orPKw5vDb1qEMJ3yfJ/mK2ykqLMZ5I9QWqP+T5J9orZ9U9KxxzxukcGNDXDEQSATG4A2bntI2dy3dDl23K/Rn5pvSSp64A7e9TVHUtdfoUrpTT1Iykczj2vdNC5zAWkvdjbZpybyBfZey0ij0lhK2Tl9rLda0njtxmm28aLbFaparM9GS2nReh4jAOWbTRtda7RYuYDm23LsTvK0CeoEc0jWm4ZI9ovvDXuA7gvN5eWZSyNnT47uk4Jrmwz6P7LGFThdkbWKo1f1hcyQFrbh5LX2zcGm1rb7bbqnTszjVvaLYWgAbARmTY26CF5XLx/2XLfn+Gzi6mTn9jr7/ZsEFWS0G6uurjbatZiqZAC1pFyDa9rXt87LtWYzSlR+eErKVsbYrRuZLEXudycJa1puCBcEc/mXmXp7y43KXWluXKYZzHW9uc8MMt5YPJk9pqlODQf/YUPW7+G9a9wnTYnw+S/1tWycGXw6i6z7D16fRTXBjP31Yup+Lk9Aq3UQB7HRu2PaWnqcCD3FXF8K1MzzDLTmN7onbY3Fh62EtPqU412KFp6LHzZfcq+EOh4nSdQN0jhKP8AkaHH7WJRtDMQ0jp2bs1deN14Gq7BXTwE5TRB4HTG78Hu7F2RefNUa3iNK0smwPfxZ6pQY8/O7uXoNVqtERFCBERB581p+H1X7RJ7ZUa9SWtJ/wA/VftEntlRjlddZK+KpypUpEREArDm8NvWsxYdT4TfKHrUIYb93UfaKyqUNcDilZGW2sHh3K6i3Za3esO+zqPtFZMOipnC4YbHYTyR2ustPTZdvd5045zbLZT5F3uiDk/Odfoyt0W8ypirOkZEi42GxtcdB2pHq+8nlPjH1i4/ZB9azWatMDcTpt9rCM3vt+U4Lp7eT/LZItQztLQ4yxtOd2Oa7ELOI3ZEkWPn6M/sGkeRc5ZXtzLKp9AROcGtdK5ztgAZc9QzV0UlOyPOMuHjuJ3kZXbYLHnl3NXHy9iLg0gTnxsTCL8l+O+TiBm3nAB8/nWbS6XIwjHG8ONiGh+IZeEcQtYWAWI+ggJJDntub2DmkDoF23t51VHRtyAleLm2bGkZ9TgsmfFuejvOp87tqRqdLkWALRfe6+EZtGdusnqacisOXSzr342Dq/OjYDzjZuVuehe0kCVhI+a8d4usCaGcnLC7yZGnuJB7lnnBr1x26f1Et3MtIvXGq4ziScuScua+HJbvwZfDqLrPsPXOtPh4c0Pa5psciCObnXRODL4dRdZ9h618OPbhIyc2XdnbHoFfCvqpXRwcl4aaC09POP0kboyemNwcO6Q9i0ShdmRzj1Lr3C9QY9H8YNsErH+Z14z7bexcSqah7GY2WuOcXy3q0WiSrXFobI3wo3XHWCCO9elKCrEsUcrdkrGvHU9ocPWvMtJMZae58K2fW0kbPOF3bgt0jx2i4M7mIOiP1HEN+zhUUrbERFCoiIg896zfDqn9ok9sqNcpTW1ttIVX07z2uJ+9RRKuuoKpVRVBKlKrF0L5i6FTdMSgV4uhYVSbvaPnDuzWSSsSU/nG+UiGA07Oo+1/dSM2mHnDYAYWhuZJ8EWvsVGitFGZjg08tpu0EgB1/Cbc7DkLE5ZZ7bixLC6N2GRpaQc2uBaewqqtSlZrK98LIg3CWYeViuDhZh8HDlz7VgHSkxbhxb77Mr7Oa6x5ZWk5EbM9g7geaypxDnChDJg0lMxwcHA23G9iDkWkcxBIPWqa/WWZmbXNY1ziQwYiwAknDyrkgX3kqh8rS0AWuNpyzUJp1+bRzAntP9kGfLrZO5rmmRtn22A5WINgdu7fe+055rFZpl4IPGbDf/uSiYXgOuRccypeQdgt50E83WR+MPc5rrODi1wydYi7TYbDa3nU3rNwjOrCCWRtw2DbZckB3JOFgv4QtzAdK0RX5Jg5oFsx1W2Wy9fnQZ2mtK8c2Nv6sOF73BxG/NkuicGXw+i6z7D1z/Q+q1TOQ4Mc1l83uFm+YnwuoLovB5HbStOwbGSOA6hE+3cFMTHfF8RfFCEbrNo/j6OeHfJC8Dyg27ftALze8YmEc42fcvUV15x1j0d7nrJ4N0crsPkk4mfZLVMTGDq/E8MLXtIBPJvvDm22bty6twH13IqaY/IkbI0dDwWn2G9q5vTPuwdC2ngvreK0sGbqmN7POAJG+wR51N9E2eHcERFVUREQcR4UdGmHSDpLcmoaJGndcAMeOu4B+sFqPGL0BrboOmq4OKnOG3KY8eGx3jDo5wciuH6c1TqKdxDS2Zm5zDY26WOzB6r9atKtKji9Wy9YskjxkWuHW0q0ak9PYpSzcS+Y1he6lbnqn25BAPSCUEjjWLUOsQeYg96tMqjYXzO+wyVMs9wgntAtwSOHObjqOz7x5ltDJnWsCbc18uxaJo7SANmuu1zfBdbuzy8x2qfh02Rk4NPSCW9xuO9ExNl3QPRH4L4QPFb6DfwUaNOx8x7W/ivvv3H0/Z/FE+GeYm+Iz92z8E4lniR/umf0rB9+o+n7P4p79RdPd+KHhm8SzxI/3TP6VUI2+Kz92z8Fge/UXT3fih03F0/Z/FDwkMuZvot/BVCQjZl1AD1KMOnIuntb+KtyawxjYCfrD7roJSokNiSSctpN1TwYUJfpMSbomySH0TGO9/coFtdUVTxBAwuLvksBLj1u+SOnLrXYNQ9UvcMBxkGaaxkI2NA8GNp5hc57yeYBRVbWzoSvhcFTjCqoqXKeGPV4h7K5gycBFL0EX4tx6xyfqt511MyDnWPW00U0bopAHMkaWuadhB9XXuQecaOosbHYfWsun0maeogqR/8AnlY8jnaHZjzguH1lJ646hzUTi9l5ICeTIBcsG5soGw/O2Ho2LWxNcWPN2qy71RDK1zQ9pu1wDmkbCCLg9irWo8FVTK/RUHGZ4MUbDvLGPLWX6gLfVW3KqgiIgs1FGx/hNBUdNqrSv2s71Log1yTg/oTtj71Zdwa6PP6M+kVtKINSPBho/wAR3pFPyYaP8R3pFbaiDUfyX6P8R3pFWZ+CyjPggjrJW6Ig5vU8EzfklvaVGVHA9KfBc3/vnXW0QcYfwMVW57O3+6o/IxV+Mz0l2pEHFPyM1fOz00/IzV87PTXa0U7HE/yM1nOz019/IxV+Mz012tFA4sOBeq8ZnpLIg4GpgeUWHz3+9dhRBpGhtS6iAYWuY1u8NAaD12Ga2Sm0U8DlP7P7qTRBGyaJcdjz2f3WHLq/KdkvrU8iDVn6sVB/S95Vl+qdT+u71t6INJfqdVn9Oe5Q1TwQYzcuaCduEBvcMl09EGmaJ1OqYGNjbNZjBZrdwHmWx0NFMy2KS/Rt9akEQEREBERAREQEREBERAREQEREBERAREQEREBERAREQEREBERAREQEREBERAREQEREBERAREQEREBERAREQEREBERAREQEREBERAREQEREH//Z"/>
+          <p:cNvSpPr>
+            <a:spLocks noChangeAspect="1" noChangeArrowheads="1"/>
+          </p:cNvSpPr>
+          <p:nvPr/>
+        </p:nvSpPr>
+        <p:spPr bwMode="auto">
+          <a:xfrm>
+            <a:off x="307975" y="7937"/>
+            <a:ext cx="304800" cy="304801"/>
+          </a:xfrm>
+          <a:prstGeom prst="rect">
+            <a:avLst/>
+          </a:prstGeom>
+          <a:noFill/>
+          <a:extLst>
+            <a:ext uri="{909E8E84-426E-40DD-AFC4-6F175D3DCCD1}">
+              <a14:hiddenFill xmlns:a14="http://schemas.microsoft.com/office/drawing/2010/main">
+                <a:solidFill>
+                  <a:srgbClr val="FFFFFF"/>
+                </a:solidFill>
+              </a14:hiddenFill>
+            </a:ext>
+          </a:extLst>
+        </p:spPr>
+        <p:txBody>
+          <a:bodyPr vert="horz" wrap="square" lIns="91440" tIns="45720" rIns="91440" bIns="45720" numCol="1" anchor="t" anchorCtr="0" compatLnSpc="1">
+            <a:prstTxWarp prst="textNoShape">
+              <a:avLst/>
+            </a:prstTxWarp>
+          </a:bodyPr>
+          <a:lstStyle/>
+          <a:p>
+            <a:endParaRPr lang="en-US"/>
+          </a:p>
+        </p:txBody>
+      </p:sp>
+      <p:sp>
+        <p:nvSpPr>
+          <p:cNvPr id="5" name="AutoShape 6" descr="data:image/jpeg;base64,/9j/4AAQSkZJRgABAQAAAQABAAD/2wCEAAkGBhASEBUQEhQVFRUQFBgUFBQXEhcXFBQYFBQVFhUUFhQXHScfFxklHRUUHy8gIycpLCwuFR41NTAqNSYrLCkBCQoKDgwOFw8PGikcHBwpLCwpLCwvKSwpKSksKSwpKSkuKSktKSksKSwpKSkpLCkpLCwsKSkpKSkpLCwsKSwpKf/AABEIAOEA4QMBIgACEQEDEQH/xAAcAAEAAQUBAQAAAAAAAAAAAAAABQIDBAYHCAH/xABOEAABAwICBAgHCwoGAgMAAAABAAIDBBESIQUGMUEHEyJRYXGRoTJScoGSsbIUFTQ1QmJzgqLB0RcjQ1N0k7PC0uEWJDNUg/Bj0wglRP/EABkBAQADAQEAAAAAAAAAAAAAAAABAgQDBf/EACsRAQEAAgEDAQgBBQEAAAAAAAABAhEDBBIhMRMyM0FhgbHwURQiQnHhBf/aAAwDAQACEQMRAD8A7iiIgIiICIiAiIgIiICIiAiIgIiICIiAiIgIiICIiAiIgIiICIiAiIgIiICIiAiIgIipkkDRdxAHOTYdqCpFHTaxUjPCniH/ACtv2ArDbrxo4mwqY79Z3eZBOoooa1UP+5h/et/FP8U0P+5h/et/FBKoov8AxTQ/7mH9638Vch0/Sv8ABmjdbmeD6kEgixhpOH9Yz0gjNJQk4RIwnmxi/Ze6DJREQEREBERAREQEREBERBRLK1rS5xADRckmwAG0knYtJ0vws0sZLYWOnI+UDgj8ziCT2KE4WNYnGUUTDZjAHy2+U52bWnoAsbfOHMtAihLiGtFyVaRaRu9Rww1ZPIhhaOY43HtuPUsd3C3X+LCPqO/qUPDoBoHLJJ5hkO3aVU7Q8XMfSKnS2ktHwuV42tgP1HD1OVf5X679XB6D/wCtQvvPFzH0iqfeqHmPpFNHanPyv136uD0H/wBaok4YK0ZlkIHQ11+9xUN70xcx9IqL0vRxtbkD6RTSNNjdwuaQkBDSxuIZHixiHTcki/mURLNNOcUr3vJ3ucT61AaNkaLvebNbmTa5N9jWjeTzdB2AErLdrW4ZRxMA+eXvd9lzR3KDxEuyh9YHaQPvUpJq2cTg0TODXOaHcUxuLCSMQDpbgG1xcLUf8X1Hiw/u3f1r6dcar/x/uz97lG0WtsGrT/1cvoR/+xZujdTWyEiR0kIAuC6EOB6OQ82K0Q631XPH+6CrdrRWA2IaCNxhF+xNm21N1dcRcRzWOYvGwG3SOMyPQn+GXfq5fQj/APYtTOtlV8zP/wAQVubXOqa0uvHkCf8AT5uops222r1eDI8ZDgTIGYXRtFwWPdiDmvcMsFrG3hBR79HrTvynVmwthP1H/wBaN4S6nfFAfqyD1SJtMreaLWquojiikJaNsTyXRkc1js6xZdW1S16p66kdUjkGG/HxnMxloxHZm5pGYNs+sFefYdd4pxgkj4p52Oa7EwnmIdm3ruVPcGlW6Oqni+TV0k7HD50bHPaeuwePOiLquqy8LWjgSGmR9hfKOw7XELL0VwkUE8rYWuc10hs3G2wJ3C4JzK4Fo/NwHjC3aMu+yu1ETmi4uCMwRtBGYKnRp6hRQepOnTWUENQfCc3DJ5bCWP7S0nzqcVVRERAREQEREHBNdZi7SNSTulLfQAaPUrmg6YBhk3uNh1D+/qWLrZ8YVX07/aUlol4MDei4PafxV46RktYXODWi5cbAc5K+1NC+Nwa8WvmOlWuNLSHDaDceZXq7S0kz2ukI5IsABYAKPO1kHrBrAaf82xjXPc27XPJLW5kXLARiNxvNsthvlqur+t8z5+JnAJe4gEC2E81huU/rJoV8kgljzuACL7OnqzWLo7VXiZhUyOjc/C4CNjsViRhD3OAw3sTkCfNbN52p52n2PuFC6dJt5j3AlTMbbBRVfbGMhnizsL+ARt2qU1qzz4I6Ce0gfce1XBB85varR+T5P8xUjFqvG5uMueLjEdm8X5lyzzmPmuOeUx9WH7n+c3tT3P8AOb2rpNJwBtcxr3VDgXNDrBrTa4va529iyB/8fov9xJ6LU7vonblxp/nN7VIv0tObnjALh4ye8WEjGsLRnkAGggbiugj/AOP8P6+TsZ+CjNI8DtNDJxbpZTdocCCwZEkbMPOFz5Oacc7spdK5ZzGbrS6yZ8xbctuMhZzzfYMmuJDdmxoAWNUaBqJI3tjYXEHCbBxwm+YNhkciup6vcDzGBlTDUSMc4XacMTi0HeC5mR6lkN4FnNxYKyZuNxe6wZm47TsU3O3HeMTvc8OCxatzOBLbHDe9rm1hc7lcfqnUi12gXDiNueAYn7twzK7XT8AoZiwVUwx3xZMsb7bghYGnuDV9MY8VXUOxB4aQ5jSPBLhk3YeT1532m7PlmGPdlLqOmONyuo4vpHRktO4NkFnHO2d8iRsI5wexb3qvVlk0MoFzxco9KB7Ce+6g+EDRXEyRkySSGRrrukcCbNIsBYDxitm1AphJV0cZ2SB7D9aGQfer8XJOTGZY+lWyxuFuNQ8Jwu8k+oqerYQRcbwoasiLJXtO0ON+vep4M/ykU17h8hgI3tc1mJpPQQCPMuo37gTrr008G+KbF1CRv4sd2rpC4rwQ13F6SkhOyohNul0ZDh3Y12pVqlERFCBERAREQeftbPjCp+nf7StaM0hxZId4LtvQedXdbPjCq+nf7Si3K7pGzOeDmMwdhVC1llQ9vguI6j9yue+UvjnsH4InbYCVThUD74y+MewfgnvjL4x7B+CIT5URX+GOp3suWMdIy+MewfgsQ1b3StBdfwubxHJSok/J8n+YrfKV4bAOmIewtDPyfJ/mK3GpltFH9APZXHOb0z8vrHXdNaYrIYGmmp2yNEAe6R0zW4CG3P5s5usBfbvUO3XgxaCZX3LnyDCy+d3PmcwE35gCfMtmnhb7jcSTb3Obi42cUb7uZaHWUtL7wUt2niWysIbjdZtpZbHFfEc77TvV3RPay1M1BRitE0j3Qlhma512PDnBrgG7rFwWNrlXjj4nNJs+na4dRe4j1qU4Q4Ife2o427mENu0utf8AOstm2x222Farrm3A+mAvb3IzI7rE5Kmc3NK5eiXg088nR+j43FhqYXSyPHhCOMHIHcTZ2fUsyXTL6TSlNRl73w17JMGN2JzJIhiOfMRb0uhQ+gYovdujy4HjDQODXYjkLyFzQNh37rqR1tjgGktG4rl7XTuY7EbsAY0vNhkchvB2K09Exa1X0jJpGKpqXTSRGOeWGNjHYWx8UAQXDftF+pQM2tT6ygo6l/hOdUMJ8bAWNxdyktXtWYNIwTVgdJAK5zwY4ZZGMkDSW4pmscA9xN72Av51rumNJxvo6ZkbGx+5pZ6dzGZMBjER5I6cXTndU5fcq2Pq0jhVzNM7xo3nvaprg1+H0PW7+G9Q3Cl/p0R54X+timeDX4fQ9bv4b1y6P4M+/wCa68vv39+S9wi6MMGkpRultK3qff1EEeZUaKfj0fVR74DFVN/43hr/ALLytr4bKDlU1QBtD4nHqs9vretU1JIdUmA+DUxSQn/kYQO+y1/Jz+Rq/W8RpKlmvYCUNcfmycg9zyvRC8v1AdxTTscywPQ5hwnvC9J6FrxPTRTj9LGx/pNBI7VFRWaiIoQIiICIiDz9rZ8YVX07/aUW5SmtnxhVfTv9pRbleLxYcvi+uXxSkRTlLq62SljnE8MbnSSMcJpQwWbgw4RYk3u6/UFbg1XldI6HjKdr2loAdUNAkxi7TGRcPBFsxzqEIcrGZ/rN+t7DlsH+Gn8YWCamIawvdIKhvFsAdhs5+51yMhcqLrdG8VMz87DJixf6UmO1mHbkLKCoI/J8n+YrY9PuLWQ9NM31Fa6djfJ/mK2/Tuj3Se52ttf3Gx1jvAGwdOYSY72z8vvR1V88zmFmJojfAWAYTcF0WEEm2y5uoil1avodui5ngkRlvGMBsHcY6RjwDYmxIy61o8Gl9Lt/NiewjGHMQuIDcIsXFpJ2t3k5q4/T+lmtLnT5NtfkQG1zYbGJ21fujZ6nRWk6qOKkrJaf3PE5hlfEJOOqBH4LXBwwsvkSRvVjhDmLqiIgH/Rtl9I5fNXYNLVUfGtqmhuLDymRAm22wEa317mx2ZhBdbw3BpLunoF93Ss3Py+ym9bXwx7/AA012iZpaagqad7Y6mijBZxgJjka9tnxvw5gHnHOesX9G6PqpK4aQrnQl0MToqeCHGY2B98b3Ofm5xBI6j0LO1kpawsLqYljo9rWMYQ4Hma5pzHQuaz616SaSDUOBGRBhhBFue7Mlbj5O/Hu1pOWPbdNu0Xo/SlAx9NQyUz6dz3PhM4lEtPjNy3kDDIAcxf77LXNbNCiioqWEPMjzNPJLIRbjJJGxlxA3DIAdSxP8YVuG/u1wdldvueE78yDgts2LB0rpQ1DmGapfKGtNrxNYGEluWFoANxtPzelRyZS42GM8o/hK+D6OPPTu9bFN8Gnw+h63fw3qE4Svg2jf2d3rYpvg0+MKDynfw3rn0XwZ9/zV+T3r+/J1LhYoOM0Y92+B7JfNiwO7nnsXGtE1ZjmjkG1j2u7CvROnKDj6WaD9bE9g63NIHfZea4z2rZFIn9ZKQMqamMbONMjPJmaJG+0exdX4JNIcbouNu+B74j5nYm/Ze1cx06cZpp/9xSBp8uneWey5q2rgRrrOqqY87JWjta7+RQX0dXREUKiIiAiIg8/a2fGFV9O/wBpRbtik9bPjCq+nf7SjHq8XWHL4qnKlSlcc9uEANs4E3dfaPki3Rn2qvjY8bTg5IAxNxeFlys7ZXz7VYRQheglYHHGzE07g7C4cxDrH1LGqZouNaWNc0DFfE/F8h1tjQqysCr2j/u4oViu+T5P8xW5ayTNb7lc5ge33JG2xJAuADtG/o6Vprvk+SfaK6bSy3hiHNGz2AtXS8XtLlGTqMu3VaU2siytEBY+O43Gdwb+ZXxPGQQI7HKxxk7xe99u9biyO5tbuWW2jatl6KT5s39R9GtaH01NCMLHcm97EZZ7St70bpaGYD84GuOWF21vn3hQz6ayzKamuL27lj6r/wA7Hkk3l/1s4Oe/KJep00YmmUysLAcLruuTzYWjbmtI1o0rA+rhqI3AgYTJyb2s8XJaRttfLoC2YNFtgV+No5h2LDyYzix16tmHFc/LmE1cGwNa2QOcXOJYWu/Ngh7bNu3DmHEkg53aLck3xYa4AuJeRiaPBYMzY5C/gm+9dgDRzDsX0tHMOxeNzdd2X0asel+ri/CYwtp9HNIIIp3XByIzZuU1wafGFB5Tv4b1i8Np/OU3kSe0xZXBp8YUHW7+HIt3QXfBjf53+azc81yWfvo9CLzjrTQcRX1EOwNmeW+S4429zgvRy4pwwUGDSDZd08LXfWYSw9wZ2rbHCIxrsejo3b6WqwnoZUMLezE0LO4Nq3idLxjYJ2PiPnGId7GqI0JU3hngIuJms35gseHBw6credWfdZgqYagfoZmP8zXAkdgt51Kz0oi+NcCLjYdi+qqgiIgIiIPPutnxhVfTv9pRj1J62fGFV9PJ7RUY9XXWHL4vrl8UpEREBYFXtH/dxWesCr2j/u4qEMV3yfJ/mK6bq8YyIRJ4GFt87fIFhfmvZcyd8nyT7RW5srSyBjgL2awdWQBOXMt/Q+uf+mTqJvTedIGINNo2MdjwsDSMRaLZkDda+ZWIxatTaQdxjA3A4PI8EEOAN8yNg2LY2TWF1uw12+Ltl9hnfLOewYVdbJdmGywPdBKyYpFw5bqNnTYLkbLkNUg2lbbeotk+F4JGSlaedrjtC8LqctvaxxsiqhiBlDHC4zuAbXyO9K+Snie6NsTg425RkJFyRtaT0qK1i0g6ExlrRaQuDnODi1uEAgEMzufuUFJrDIOVggJGfgS3NgCLHn3eZeRljbhZMZfPrdKct3lLLrTVOHBtpKbyJPaYsng0+MKDrd/DesDhknLzSOIwl0TyWna0ksJHmWfwafGFB1u/hyL0Og8cGP3/ADWbn+Jk9CLm/DXQXp4Jx+jlMZ6pG3HfH3rpC1vhFoOO0ZUNtcsYJR1xODz3B3atbO4foiS0o+cCPv8AuV7TMXJKjqaSzg7mIPYpzSMdx1q7o7dqRpHj9HU0u8xNa7ymch3e0qcXPeBXSGKhfCTnTzOFuZrwHD7WNdCVHMREQEREHnzWo/5+q/aJPbKjXqS1p+H1X7RJ7ZUa9XdFhy+L65fFIIiIBWBVjlDz+orPKw5vDb1qEMJ3yfJ/mK2ykqLMZ5I9QWqP+T5J9orZ9U9KxxzxukcGNDXDEQSATG4A2bntI2dy3dDl23K/Rn5pvSSp64A7e9TVHUtdfoUrpTT1Iykczj2vdNC5zAWkvdjbZpybyBfZey0ij0lhK2Tl9rLda0njtxmm28aLbFaparM9GS2nReh4jAOWbTRtda7RYuYDm23LsTvK0CeoEc0jWm4ZI9ovvDXuA7gvN5eWZSyNnT47uk4Jrmwz6P7LGFThdkbWKo1f1hcyQFrbh5LX2zcGm1rb7bbqnTszjVvaLYWgAbARmTY26CF5XLx/2XLfn+Gzi6mTn9jr7/ZsEFWS0G6uurjbatZiqZAC1pFyDa9rXt87LtWYzSlR+eErKVsbYrRuZLEXudycJa1puCBcEc/mXmXp7y43KXWluXKYZzHW9uc8MMt5YPJk9pqlODQf/YUPW7+G9a9wnTYnw+S/1tWycGXw6i6z7D16fRTXBjP31Yup+Lk9Aq3UQB7HRu2PaWnqcCD3FXF8K1MzzDLTmN7onbY3Fh62EtPqU412KFp6LHzZfcq+EOh4nSdQN0jhKP8AkaHH7WJRtDMQ0jp2bs1deN14Gq7BXTwE5TRB4HTG78Hu7F2RefNUa3iNK0smwPfxZ6pQY8/O7uXoNVqtERFCBERB581p+H1X7RJ7ZUa9SWtJ/wA/VftEntlRjlddZK+KpypUpEREArDm8NvWsxYdT4TfKHrUIYb93UfaKyqUNcDilZGW2sHh3K6i3Za3esO+zqPtFZMOipnC4YbHYTyR2ustPTZdvd5045zbLZT5F3uiDk/Odfoyt0W8ypirOkZEi42GxtcdB2pHq+8nlPjH1i4/ZB9azWatMDcTpt9rCM3vt+U4Lp7eT/LZItQztLQ4yxtOd2Oa7ELOI3ZEkWPn6M/sGkeRc5ZXtzLKp9AROcGtdK5ztgAZc9QzV0UlOyPOMuHjuJ3kZXbYLHnl3NXHy9iLg0gTnxsTCL8l+O+TiBm3nAB8/nWbS6XIwjHG8ONiGh+IZeEcQtYWAWI+ggJJDntub2DmkDoF23t51VHRtyAleLm2bGkZ9TgsmfFuejvOp87tqRqdLkWALRfe6+EZtGdusnqacisOXSzr342Dq/OjYDzjZuVuehe0kCVhI+a8d4usCaGcnLC7yZGnuJB7lnnBr1x26f1Et3MtIvXGq4ziScuScua+HJbvwZfDqLrPsPXOtPh4c0Pa5psciCObnXRODL4dRdZ9h618OPbhIyc2XdnbHoFfCvqpXRwcl4aaC09POP0kboyemNwcO6Q9i0ShdmRzj1Lr3C9QY9H8YNsErH+Z14z7bexcSqah7GY2WuOcXy3q0WiSrXFobI3wo3XHWCCO9elKCrEsUcrdkrGvHU9ocPWvMtJMZae58K2fW0kbPOF3bgt0jx2i4M7mIOiP1HEN+zhUUrbERFCoiIg896zfDqn9ok9sqNcpTW1ttIVX07z2uJ+9RRKuuoKpVRVBKlKrF0L5i6FTdMSgV4uhYVSbvaPnDuzWSSsSU/nG+UiGA07Oo+1/dSM2mHnDYAYWhuZJ8EWvsVGitFGZjg08tpu0EgB1/Cbc7DkLE5ZZ7bixLC6N2GRpaQc2uBaewqqtSlZrK98LIg3CWYeViuDhZh8HDlz7VgHSkxbhxb77Mr7Oa6x5ZWk5EbM9g7geaypxDnChDJg0lMxwcHA23G9iDkWkcxBIPWqa/WWZmbXNY1ziQwYiwAknDyrkgX3kqh8rS0AWuNpyzUJp1+bRzAntP9kGfLrZO5rmmRtn22A5WINgdu7fe+055rFZpl4IPGbDf/uSiYXgOuRccypeQdgt50E83WR+MPc5rrODi1wydYi7TYbDa3nU3rNwjOrCCWRtw2DbZckB3JOFgv4QtzAdK0RX5Jg5oFsx1W2Wy9fnQZ2mtK8c2Nv6sOF73BxG/NkuicGXw+i6z7D1z/Q+q1TOQ4Mc1l83uFm+YnwuoLovB5HbStOwbGSOA6hE+3cFMTHfF8RfFCEbrNo/j6OeHfJC8Dyg27ftALze8YmEc42fcvUV15x1j0d7nrJ4N0crsPkk4mfZLVMTGDq/E8MLXtIBPJvvDm22bty6twH13IqaY/IkbI0dDwWn2G9q5vTPuwdC2ngvreK0sGbqmN7POAJG+wR51N9E2eHcERFVUREQcR4UdGmHSDpLcmoaJGndcAMeOu4B+sFqPGL0BrboOmq4OKnOG3KY8eGx3jDo5wciuH6c1TqKdxDS2Zm5zDY26WOzB6r9atKtKji9Wy9YskjxkWuHW0q0ak9PYpSzcS+Y1he6lbnqn25BAPSCUEjjWLUOsQeYg96tMqjYXzO+wyVMs9wgntAtwSOHObjqOz7x5ltDJnWsCbc18uxaJo7SANmuu1zfBdbuzy8x2qfh02Rk4NPSCW9xuO9ExNl3QPRH4L4QPFb6DfwUaNOx8x7W/ivvv3H0/Z/FE+GeYm+Iz92z8E4lniR/umf0rB9+o+n7P4p79RdPd+KHhm8SzxI/3TP6VUI2+Kz92z8Fge/UXT3fih03F0/Z/FDwkMuZvot/BVCQjZl1AD1KMOnIuntb+KtyawxjYCfrD7roJSokNiSSctpN1TwYUJfpMSbomySH0TGO9/coFtdUVTxBAwuLvksBLj1u+SOnLrXYNQ9UvcMBxkGaaxkI2NA8GNp5hc57yeYBRVbWzoSvhcFTjCqoqXKeGPV4h7K5gycBFL0EX4tx6xyfqt511MyDnWPW00U0bopAHMkaWuadhB9XXuQecaOosbHYfWsun0maeogqR/8AnlY8jnaHZjzguH1lJ646hzUTi9l5ICeTIBcsG5soGw/O2Ho2LWxNcWPN2qy71RDK1zQ9pu1wDmkbCCLg9irWo8FVTK/RUHGZ4MUbDvLGPLWX6gLfVW3KqgiIgs1FGx/hNBUdNqrSv2s71Log1yTg/oTtj71Zdwa6PP6M+kVtKINSPBho/wAR3pFPyYaP8R3pFbaiDUfyX6P8R3pFWZ+CyjPggjrJW6Ig5vU8EzfklvaVGVHA9KfBc3/vnXW0QcYfwMVW57O3+6o/IxV+Mz0l2pEHFPyM1fOz00/IzV87PTXa0U7HE/yM1nOz019/IxV+Mz012tFA4sOBeq8ZnpLIg4GpgeUWHz3+9dhRBpGhtS6iAYWuY1u8NAaD12Ga2Sm0U8DlP7P7qTRBGyaJcdjz2f3WHLq/KdkvrU8iDVn6sVB/S95Vl+qdT+u71t6INJfqdVn9Oe5Q1TwQYzcuaCduEBvcMl09EGmaJ1OqYGNjbNZjBZrdwHmWx0NFMy2KS/Rt9akEQEREBERAREQEREBERAREQEREBERAREQEREBERAREQEREBERAREQEREBERAREQEREBERAREQEREBERAREQEREBERAREQEREBERAREQEREH//Z"/>
+          <p:cNvSpPr>
+            <a:spLocks noChangeAspect="1" noChangeArrowheads="1"/>
+          </p:cNvSpPr>
+          <p:nvPr/>
+        </p:nvSpPr>
+        <p:spPr bwMode="auto">
+          <a:xfrm>
+            <a:off x="460375" y="160337"/>
+            <a:ext cx="304800" cy="304801"/>
+          </a:xfrm>
+          <a:prstGeom prst="rect">
+            <a:avLst/>
+          </a:prstGeom>
+          <a:noFill/>
+          <a:extLst>
+            <a:ext uri="{909E8E84-426E-40DD-AFC4-6F175D3DCCD1}">
+              <a14:hiddenFill xmlns:a14="http://schemas.microsoft.com/office/drawing/2010/main">
+                <a:solidFill>
+                  <a:srgbClr val="FFFFFF"/>
+                </a:solidFill>
+              </a14:hiddenFill>
+            </a:ext>
+          </a:extLst>
+        </p:spPr>
+        <p:txBody>
+          <a:bodyPr vert="horz" wrap="square" lIns="91440" tIns="45720" rIns="91440" bIns="45720" numCol="1" anchor="t" anchorCtr="0" compatLnSpc="1">
+            <a:prstTxWarp prst="textNoShape">
+              <a:avLst/>
+            </a:prstTxWarp>
+          </a:bodyPr>
+          <a:lstStyle/>
+          <a:p>
+            <a:endParaRPr lang="en-US"/>
+          </a:p>
+        </p:txBody>
+      </p:sp>
+      <p:pic>
+        <p:nvPicPr>
+          <p:cNvPr id="2057" name="Picture 9" descr="http://www.a2zphones.co.uk/wp-content/uploads/2012/01/wildfire-s-htc-deals.jpg"/>
+          <p:cNvPicPr>
+            <a:picLocks noChangeAspect="1" noChangeArrowheads="1"/>
+          </p:cNvPicPr>
+          <p:nvPr/>
+        </p:nvPicPr>
+        <p:blipFill>
+          <a:blip r:embed="rId2">
+            <a:extLst>
+              <a:ext uri="{28A0092B-C50C-407E-A947-70E740481C1C}">
+                <a14:useLocalDpi xmlns:a14="http://schemas.microsoft.com/office/drawing/2010/main" val="0"/>
+              </a:ext>
+            </a:extLst>
+          </a:blip>
+          <a:srcRect/>
+          <a:stretch>
+            <a:fillRect/>
+          </a:stretch>
+        </p:blipFill>
+        <p:spPr bwMode="auto">
+          <a:xfrm>
+            <a:off x="4194810" y="1123950"/>
+            <a:ext cx="4762500" cy="4762500"/>
+          </a:xfrm>
+          <a:prstGeom prst="rect">
+            <a:avLst/>
+          </a:prstGeom>
+          <a:noFill/>
+          <a:extLst>
+            <a:ext uri="{909E8E84-426E-40DD-AFC4-6F175D3DCCD1}">
+              <a14:hiddenFill xmlns:a14="http://schemas.microsoft.com/office/drawing/2010/main">
+                <a:solidFill>
+                  <a:srgbClr val="FFFFFF"/>
+                </a:solidFill>
+              </a14:hiddenFill>
+            </a:ext>
+          </a:extLst>
+        </p:spPr>
+      </p:pic>
+      <p:sp>
+        <p:nvSpPr>
+          <p:cNvPr id="8" name="Rectangle 7"/>
+          <p:cNvSpPr/>
+          <p:nvPr/>
+        </p:nvSpPr>
+        <p:spPr>
+          <a:xfrm>
+            <a:off x="174625" y="762000"/>
+            <a:ext cx="4526915" cy="523220"/>
+          </a:xfrm>
+          <a:prstGeom prst="rect">
+            <a:avLst/>
+          </a:prstGeom>
+          <a:noFill/>
+        </p:spPr>
+        <p:txBody>
+          <a:bodyPr wrap="square" lIns="91440" tIns="45720" rIns="91440" bIns="45720">
+            <a:spAutoFit/>
+          </a:bodyPr>
+          <a:lstStyle/>
+          <a:p>
+            <a:pPr algn="ctr"/>
+            <a:r>
+              <a:rPr lang="en-US" sz="2800" b="1" cap="none" spc="0" smtClean="0">
+                <a:ln w="1905"/>
+                <a:gradFill>
+                  <a:gsLst>
+                    <a:gs pos="0">
+                      <a:schemeClr val="accent6">
+                        <a:shade val="20000"/>
+                        <a:satMod val="200000"/>
+                      </a:schemeClr>
+                    </a:gs>
+                    <a:gs pos="78000">
+                      <a:schemeClr val="accent6">
+                        <a:tint val="90000"/>
+                        <a:shade val="89000"/>
+                        <a:satMod val="220000"/>
+                      </a:schemeClr>
+                    </a:gs>
+                    <a:gs pos="100000">
+                      <a:schemeClr val="accent6">
+                        <a:tint val="12000"/>
+                        <a:satMod val="255000"/>
+                      </a:schemeClr>
+                    </a:gs>
+                  </a:gsLst>
+                  <a:lin ang="5400000"/>
+                </a:gradFill>
+                <a:effectLst>
+                  <a:innerShdw blurRad="69850" dist="43180" dir="5400000">
+                    <a:srgbClr val="000000">
+                      <a:alpha val="65000"/>
+                    </a:srgbClr>
+                  </a:innerShdw>
+                </a:effectLst>
+              </a:rPr>
+              <a:t>Môi trường phát triển</a:t>
+            </a:r>
+            <a:endParaRPr lang="en-US" sz="2800" b="1" cap="none" spc="0">
+              <a:ln w="1905"/>
+              <a:gradFill>
+                <a:gsLst>
+                  <a:gs pos="0">
+                    <a:schemeClr val="accent6">
+                      <a:shade val="20000"/>
+                      <a:satMod val="200000"/>
+                    </a:schemeClr>
+                  </a:gs>
+                  <a:gs pos="78000">
+                    <a:schemeClr val="accent6">
+                      <a:tint val="90000"/>
+                      <a:shade val="89000"/>
+                      <a:satMod val="220000"/>
+                    </a:schemeClr>
+                  </a:gs>
+                  <a:gs pos="100000">
+                    <a:schemeClr val="accent6">
+                      <a:tint val="12000"/>
+                      <a:satMod val="255000"/>
+                    </a:schemeClr>
+                  </a:gs>
+                </a:gsLst>
+                <a:lin ang="5400000"/>
+              </a:gradFill>
+              <a:effectLst>
+                <a:innerShdw blurRad="69850" dist="43180" dir="5400000">
+                  <a:srgbClr val="000000">
+                    <a:alpha val="65000"/>
+                  </a:srgbClr>
+                </a:innerShdw>
+              </a:effectLst>
+            </a:endParaRPr>
+          </a:p>
+        </p:txBody>
+      </p:sp>
+      <p:sp>
+        <p:nvSpPr>
+          <p:cNvPr id="22" name="Rectangle 21"/>
+          <p:cNvSpPr/>
+          <p:nvPr/>
+        </p:nvSpPr>
+        <p:spPr>
+          <a:xfrm>
+            <a:off x="121285" y="2590800"/>
+            <a:ext cx="4526915" cy="523220"/>
+          </a:xfrm>
+          <a:prstGeom prst="rect">
+            <a:avLst/>
+          </a:prstGeom>
+          <a:noFill/>
+        </p:spPr>
+        <p:txBody>
+          <a:bodyPr wrap="square" lIns="91440" tIns="45720" rIns="91440" bIns="45720">
+            <a:spAutoFit/>
+          </a:bodyPr>
+          <a:lstStyle/>
+          <a:p>
+            <a:pPr algn="ctr"/>
+            <a:r>
+              <a:rPr lang="en-US" sz="2800" b="1" cap="none" spc="0" smtClean="0">
+                <a:ln w="1905"/>
+                <a:gradFill>
+                  <a:gsLst>
+                    <a:gs pos="0">
+                      <a:schemeClr val="accent6">
+                        <a:shade val="20000"/>
+                        <a:satMod val="200000"/>
+                      </a:schemeClr>
+                    </a:gs>
+                    <a:gs pos="78000">
+                      <a:schemeClr val="accent6">
+                        <a:tint val="90000"/>
+                        <a:shade val="89000"/>
+                        <a:satMod val="220000"/>
+                      </a:schemeClr>
+                    </a:gs>
+                    <a:gs pos="100000">
+                      <a:schemeClr val="accent6">
+                        <a:tint val="12000"/>
+                        <a:satMod val="255000"/>
+                      </a:schemeClr>
+                    </a:gs>
+                  </a:gsLst>
+                  <a:lin ang="5400000"/>
+                </a:gradFill>
+                <a:effectLst>
+                  <a:innerShdw blurRad="69850" dist="43180" dir="5400000">
+                    <a:srgbClr val="000000">
+                      <a:alpha val="65000"/>
+                    </a:srgbClr>
+                  </a:innerShdw>
+                </a:effectLst>
+              </a:rPr>
+              <a:t>Cấu hình smartphone</a:t>
+            </a:r>
+            <a:endParaRPr lang="en-US" sz="2800" b="1" cap="none" spc="0">
+              <a:ln w="1905"/>
+              <a:gradFill>
+                <a:gsLst>
+                  <a:gs pos="0">
+                    <a:schemeClr val="accent6">
+                      <a:shade val="20000"/>
+                      <a:satMod val="200000"/>
+                    </a:schemeClr>
+                  </a:gs>
+                  <a:gs pos="78000">
+                    <a:schemeClr val="accent6">
+                      <a:tint val="90000"/>
+                      <a:shade val="89000"/>
+                      <a:satMod val="220000"/>
+                    </a:schemeClr>
+                  </a:gs>
+                  <a:gs pos="100000">
+                    <a:schemeClr val="accent6">
+                      <a:tint val="12000"/>
+                      <a:satMod val="255000"/>
+                    </a:schemeClr>
+                  </a:gs>
+                </a:gsLst>
+                <a:lin ang="5400000"/>
+              </a:gradFill>
+              <a:effectLst>
+                <a:innerShdw blurRad="69850" dist="43180" dir="5400000">
+                  <a:srgbClr val="000000">
+                    <a:alpha val="65000"/>
+                  </a:srgbClr>
+                </a:innerShdw>
+              </a:effectLst>
+            </a:endParaRPr>
+          </a:p>
+        </p:txBody>
+      </p:sp>
+    </p:spTree>
+    <p:extLst>
+      <p:ext uri="{BB962C8B-B14F-4D97-AF65-F5344CB8AC3E}">
+        <p14:creationId xmlns:p14="http://schemas.microsoft.com/office/powerpoint/2010/main" val="1158253562"/>
+      </p:ext>
+    </p:extLst>
+  </p:cSld>
+  <p:clrMapOvr>
+    <a:masterClrMapping/>
+  </p:clrMapOvr>
+  <mc:AlternateContent xmlns:mc="http://schemas.openxmlformats.org/markup-compatibility/2006">
+    <mc:Choice xmlns:p14="http://schemas.microsoft.com/office/powerpoint/2010/main" Requires="p14">
+      <p:transition spd="med" p14:dur="700">
+        <p:fade/>
+      </p:transition>
+    </mc:Choice>
+    <mc:Fallback>
+      <p:transition spd="med">
+        <p:fade/>
+      </p:transition>
+    </mc:Fallback>
+  </mc:AlternateContent>
+  <p:timing>
+    <p:tnLst>
+      <p:par>
+        <p:cTn id="1" dur="indefinite" restart="never" nodeType="tmRoot"/>
+      </p:par>
+    </p:tnLst>
+  </p:timing>
+</p:sld>
+</file>
+
+<file path=ppt/slides/slide15.xml><?xml version="1.0" encoding="utf-8"?>
+<p:sld xmlns:a="http://schemas.openxmlformats.org/drawingml/2006/main" xmlns:r="http://schemas.openxmlformats.org/officeDocument/2006/relationships" xmlns:p="http://schemas.openxmlformats.org/presentationml/2006/main">
+  <p:cSld>
+    <p:spTree>
+      <p:nvGrpSpPr>
+        <p:cNvPr id="1" name=""/>
+        <p:cNvGrpSpPr/>
+        <p:nvPr/>
+      </p:nvGrpSpPr>
+      <p:grpSpPr>
+        <a:xfrm>
+          <a:off x="0" y="0"/>
+          <a:ext cx="0" cy="0"/>
+          <a:chOff x="0" y="0"/>
+          <a:chExt cx="0" cy="0"/>
+        </a:xfrm>
+      </p:grpSpPr>
+      <p:sp>
+        <p:nvSpPr>
+          <p:cNvPr id="7" name="Rectangle 6"/>
+          <p:cNvSpPr/>
+          <p:nvPr/>
+        </p:nvSpPr>
+        <p:spPr>
+          <a:xfrm>
+            <a:off x="0" y="76200"/>
+            <a:ext cx="8077200" cy="381000"/>
+          </a:xfrm>
+          <a:prstGeom prst="rect">
+            <a:avLst/>
+          </a:prstGeom>
+          <a:solidFill>
+            <a:schemeClr val="accent3"/>
+          </a:solidFill>
+          <a:ln>
+            <a:noFill/>
+          </a:ln>
+        </p:spPr>
+        <p:style>
+          <a:lnRef idx="2">
+            <a:schemeClr val="accent1">
+              <a:shade val="50000"/>
+            </a:schemeClr>
+          </a:lnRef>
+          <a:fillRef idx="1">
+            <a:schemeClr val="accent1"/>
+          </a:fillRef>
+          <a:effectRef idx="0">
+            <a:schemeClr val="accent1"/>
+          </a:effectRef>
+          <a:fontRef idx="minor">
+            <a:schemeClr val="lt1"/>
+          </a:fontRef>
+        </p:style>
+        <p:txBody>
+          <a:bodyPr rtlCol="0" anchor="ctr"/>
+          <a:lstStyle/>
+          <a:p>
+            <a:r>
+              <a:rPr lang="en-US" b="1" smtClean="0">
+                <a:latin typeface="Times New Roman" pitchFamily="18" charset="0"/>
+                <a:cs typeface="Times New Roman" pitchFamily="18" charset="0"/>
+              </a:rPr>
+              <a:t>Kết quả thực nghiệm</a:t>
+            </a:r>
+            <a:endParaRPr lang="en-US" b="1">
+              <a:latin typeface="Times New Roman" pitchFamily="18" charset="0"/>
+              <a:cs typeface="Times New Roman" pitchFamily="18" charset="0"/>
+            </a:endParaRPr>
           </a:p>
         </p:txBody>
       </p:sp>
@@ -20533,28 +22984,7 @@
                 <a:latin typeface="Times New Roman" pitchFamily="18" charset="0"/>
                 <a:cs typeface="Times New Roman" pitchFamily="18" charset="0"/>
               </a:rPr>
-              <a:t>M</a:t>
-            </a:r>
-            <a:r>
-              <a:rPr lang="en-US" b="1">
-                <a:latin typeface="Times New Roman" pitchFamily="18" charset="0"/>
-                <a:cs typeface="Times New Roman" pitchFamily="18" charset="0"/>
-              </a:rPr>
-              <a:t>ạng </a:t>
-            </a:r>
-            <a:r>
-              <a:rPr lang="en-US" b="1">
-                <a:latin typeface="Times New Roman" pitchFamily="18" charset="0"/>
-                <a:cs typeface="Times New Roman" pitchFamily="18" charset="0"/>
-              </a:rPr>
-              <a:t>noron sẽ được chọn số  noron lớp ẩn là 80 và đại lượng ước lượng trung bình bình phương tối thiểu là nhỏ </a:t>
-            </a:r>
-            <a:r>
-              <a:rPr lang="en-US" b="1">
-                <a:latin typeface="Times New Roman" pitchFamily="18" charset="0"/>
-                <a:cs typeface="Times New Roman" pitchFamily="18" charset="0"/>
-              </a:rPr>
-              <a:t>hơn </a:t>
+              <a:t>Mạng noron sẽ được chọn số  noron lớp ẩn là 80 và đại lượng ước lượng trung bình bình phương tối thiểu là nhỏ hơn </a:t>
             </a:r>
             <a:r>
               <a:rPr lang="en-US" b="1" smtClean="0">
@@ -20862,23 +23292,71 @@
           <a:lstStyle/>
           <a:p>
             <a:r>
-              <a:rPr lang="en-US" b="1" smtClean="0"/>
+              <a:rPr lang="en-US" b="1" smtClean="0">
+                <a:latin typeface="Times New Roman" pitchFamily="18" charset="0"/>
+                <a:cs typeface="Times New Roman" pitchFamily="18" charset="0"/>
+              </a:rPr>
               <a:t>Tập mẩu biển báo thử nghiệm</a:t>
             </a:r>
-            <a:endParaRPr lang="en-US"/>
+            <a:endParaRPr lang="en-US">
+              <a:latin typeface="Times New Roman" pitchFamily="18" charset="0"/>
+              <a:cs typeface="Times New Roman" pitchFamily="18" charset="0"/>
+            </a:endParaRPr>
+          </a:p>
+        </p:txBody>
+      </p:sp>
+      <p:sp>
+        <p:nvSpPr>
+          <p:cNvPr id="13" name="Slide Number Placeholder 12"/>
+          <p:cNvSpPr>
+            <a:spLocks noGrp="1"/>
+          </p:cNvSpPr>
+          <p:nvPr>
+            <p:ph type="sldNum" sz="quarter" idx="12"/>
+          </p:nvPr>
+        </p:nvSpPr>
+        <p:spPr/>
+        <p:txBody>
+          <a:bodyPr/>
+          <a:lstStyle/>
+          <a:p>
+            <a:fld id="{51856A66-21D7-4D51-AECF-27815D04D8F4}" type="slidenum">
+              <a:rPr lang="en-US" smtClean="0">
+                <a:latin typeface="Times New Roman" pitchFamily="18" charset="0"/>
+                <a:cs typeface="Times New Roman" pitchFamily="18" charset="0"/>
+              </a:rPr>
+              <a:pPr/>
+              <a:t>15</a:t>
+            </a:fld>
+            <a:endParaRPr lang="en-US">
+              <a:latin typeface="Times New Roman" pitchFamily="18" charset="0"/>
+              <a:cs typeface="Times New Roman" pitchFamily="18" charset="0"/>
+            </a:endParaRPr>
           </a:p>
         </p:txBody>
       </p:sp>
     </p:spTree>
     <p:extLst>
       <p:ext uri="{BB962C8B-B14F-4D97-AF65-F5344CB8AC3E}">
-        <p14:creationId xmlns:p14="http://schemas.microsoft.com/office/powerpoint/2010/main" val="1158253562"/>
+        <p14:creationId xmlns:p14="http://schemas.microsoft.com/office/powerpoint/2010/main" val="4080198264"/>
       </p:ext>
     </p:extLst>
   </p:cSld>
   <p:clrMapOvr>
     <a:masterClrMapping/>
   </p:clrMapOvr>
+  <mc:AlternateContent xmlns:mc="http://schemas.openxmlformats.org/markup-compatibility/2006">
+    <mc:Choice xmlns:p14="http://schemas.microsoft.com/office/powerpoint/2010/main" Requires="p14">
+      <p:transition spd="med" p14:dur="700">
+        <p:fade/>
+      </p:transition>
+    </mc:Choice>
+    <mc:Fallback>
+      <p:transition spd="med">
+        <p:fade/>
+      </p:transition>
+    </mc:Fallback>
+  </mc:AlternateContent>
   <p:timing>
     <p:tnLst>
       <p:par>
@@ -20889,7 +23367,1154 @@
 </p:sld>
 </file>
 
-<file path=ppt/slides/slide14.xml><?xml version="1.0" encoding="utf-8"?>
+<file path=ppt/slides/slide16.xml><?xml version="1.0" encoding="utf-8"?>
+<p:sld xmlns:a="http://schemas.openxmlformats.org/drawingml/2006/main" xmlns:r="http://schemas.openxmlformats.org/officeDocument/2006/relationships" xmlns:p="http://schemas.openxmlformats.org/presentationml/2006/main">
+  <p:cSld>
+    <p:spTree>
+      <p:nvGrpSpPr>
+        <p:cNvPr id="1" name=""/>
+        <p:cNvGrpSpPr/>
+        <p:nvPr/>
+      </p:nvGrpSpPr>
+      <p:grpSpPr>
+        <a:xfrm>
+          <a:off x="0" y="0"/>
+          <a:ext cx="0" cy="0"/>
+          <a:chOff x="0" y="0"/>
+          <a:chExt cx="0" cy="0"/>
+        </a:xfrm>
+      </p:grpSpPr>
+      <p:sp>
+        <p:nvSpPr>
+          <p:cNvPr id="7" name="Rectangle 6"/>
+          <p:cNvSpPr/>
+          <p:nvPr/>
+        </p:nvSpPr>
+        <p:spPr>
+          <a:xfrm>
+            <a:off x="0" y="76200"/>
+            <a:ext cx="8077200" cy="381000"/>
+          </a:xfrm>
+          <a:prstGeom prst="rect">
+            <a:avLst/>
+          </a:prstGeom>
+          <a:solidFill>
+            <a:schemeClr val="accent3"/>
+          </a:solidFill>
+          <a:ln>
+            <a:noFill/>
+          </a:ln>
+        </p:spPr>
+        <p:style>
+          <a:lnRef idx="2">
+            <a:schemeClr val="accent1">
+              <a:shade val="50000"/>
+            </a:schemeClr>
+          </a:lnRef>
+          <a:fillRef idx="1">
+            <a:schemeClr val="accent1"/>
+          </a:fillRef>
+          <a:effectRef idx="0">
+            <a:schemeClr val="accent1"/>
+          </a:effectRef>
+          <a:fontRef idx="minor">
+            <a:schemeClr val="lt1"/>
+          </a:fontRef>
+        </p:style>
+        <p:txBody>
+          <a:bodyPr rtlCol="0" anchor="ctr"/>
+          <a:lstStyle/>
+          <a:p>
+            <a:r>
+              <a:rPr lang="en-US" b="1" smtClean="0">
+                <a:latin typeface="Times New Roman" pitchFamily="18" charset="0"/>
+                <a:cs typeface="Times New Roman" pitchFamily="18" charset="0"/>
+              </a:rPr>
+              <a:t>Hướng phát triển và mở rộng</a:t>
+            </a:r>
+            <a:endParaRPr lang="en-US" b="1">
+              <a:latin typeface="Times New Roman" pitchFamily="18" charset="0"/>
+              <a:cs typeface="Times New Roman" pitchFamily="18" charset="0"/>
+            </a:endParaRPr>
+          </a:p>
+        </p:txBody>
+      </p:sp>
+      <p:cxnSp>
+        <p:nvCxnSpPr>
+          <p:cNvPr id="9" name="Straight Connector 8"/>
+          <p:cNvCxnSpPr/>
+          <p:nvPr/>
+        </p:nvCxnSpPr>
+        <p:spPr>
+          <a:xfrm>
+            <a:off x="0" y="533400"/>
+            <a:ext cx="9144000" cy="0"/>
+          </a:xfrm>
+          <a:prstGeom prst="line">
+            <a:avLst/>
+          </a:prstGeom>
+          <a:ln w="34925">
+            <a:solidFill>
+              <a:schemeClr val="accent3"/>
+            </a:solidFill>
+          </a:ln>
+        </p:spPr>
+        <p:style>
+          <a:lnRef idx="1">
+            <a:schemeClr val="accent3"/>
+          </a:lnRef>
+          <a:fillRef idx="0">
+            <a:schemeClr val="accent3"/>
+          </a:fillRef>
+          <a:effectRef idx="0">
+            <a:schemeClr val="accent3"/>
+          </a:effectRef>
+          <a:fontRef idx="minor">
+            <a:schemeClr val="tx1"/>
+          </a:fontRef>
+        </p:style>
+      </p:cxnSp>
+      <p:sp>
+        <p:nvSpPr>
+          <p:cNvPr id="13" name="Slide Number Placeholder 12"/>
+          <p:cNvSpPr>
+            <a:spLocks noGrp="1"/>
+          </p:cNvSpPr>
+          <p:nvPr>
+            <p:ph type="sldNum" sz="quarter" idx="12"/>
+          </p:nvPr>
+        </p:nvSpPr>
+        <p:spPr/>
+        <p:txBody>
+          <a:bodyPr/>
+          <a:lstStyle/>
+          <a:p>
+            <a:fld id="{51856A66-21D7-4D51-AECF-27815D04D8F4}" type="slidenum">
+              <a:rPr lang="en-US" smtClean="0">
+                <a:latin typeface="Times New Roman" pitchFamily="18" charset="0"/>
+                <a:cs typeface="Times New Roman" pitchFamily="18" charset="0"/>
+              </a:rPr>
+              <a:pPr/>
+              <a:t>16</a:t>
+            </a:fld>
+            <a:endParaRPr lang="en-US">
+              <a:latin typeface="Times New Roman" pitchFamily="18" charset="0"/>
+              <a:cs typeface="Times New Roman" pitchFamily="18" charset="0"/>
+            </a:endParaRPr>
+          </a:p>
+        </p:txBody>
+      </p:sp>
+      <p:pic>
+        <p:nvPicPr>
+          <p:cNvPr id="1026" name="Picture 2"/>
+          <p:cNvPicPr>
+            <a:picLocks noChangeAspect="1" noChangeArrowheads="1"/>
+          </p:cNvPicPr>
+          <p:nvPr/>
+        </p:nvPicPr>
+        <p:blipFill>
+          <a:blip r:embed="rId2">
+            <a:extLst>
+              <a:ext uri="{28A0092B-C50C-407E-A947-70E740481C1C}">
+                <a14:useLocalDpi xmlns:a14="http://schemas.microsoft.com/office/drawing/2010/main" val="0"/>
+              </a:ext>
+            </a:extLst>
+          </a:blip>
+          <a:srcRect/>
+          <a:stretch>
+            <a:fillRect/>
+          </a:stretch>
+        </p:blipFill>
+        <p:spPr bwMode="auto">
+          <a:xfrm>
+            <a:off x="4743450" y="631191"/>
+            <a:ext cx="1895475" cy="638175"/>
+          </a:xfrm>
+          <a:prstGeom prst="rect">
+            <a:avLst/>
+          </a:prstGeom>
+          <a:noFill/>
+          <a:ln>
+            <a:noFill/>
+          </a:ln>
+          <a:effectLst/>
+          <a:extLst>
+            <a:ext uri="{909E8E84-426E-40DD-AFC4-6F175D3DCCD1}">
+              <a14:hiddenFill xmlns:a14="http://schemas.microsoft.com/office/drawing/2010/main">
+                <a:solidFill>
+                  <a:schemeClr val="accent1"/>
+                </a:solidFill>
+              </a14:hiddenFill>
+            </a:ext>
+            <a:ext uri="{91240B29-F687-4F45-9708-019B960494DF}">
+              <a14:hiddenLine xmlns:a14="http://schemas.microsoft.com/office/drawing/2010/main" w="9525">
+                <a:solidFill>
+                  <a:schemeClr val="tx1"/>
+                </a:solidFill>
+                <a:miter lim="800000"/>
+                <a:headEnd/>
+                <a:tailEnd/>
+              </a14:hiddenLine>
+            </a:ext>
+            <a:ext uri="{AF507438-7753-43E0-B8FC-AC1667EBCBE1}">
+              <a14:hiddenEffects xmlns:a14="http://schemas.microsoft.com/office/drawing/2010/main">
+                <a:effectLst>
+                  <a:outerShdw dist="35921" dir="2700000" algn="ctr" rotWithShape="0">
+                    <a:schemeClr val="bg2"/>
+                  </a:outerShdw>
+                </a:effectLst>
+              </a14:hiddenEffects>
+            </a:ext>
+          </a:extLst>
+        </p:spPr>
+      </p:pic>
+      <p:sp>
+        <p:nvSpPr>
+          <p:cNvPr id="5" name="Rectangle 4"/>
+          <p:cNvSpPr/>
+          <p:nvPr/>
+        </p:nvSpPr>
+        <p:spPr>
+          <a:xfrm>
+            <a:off x="304800" y="2007870"/>
+            <a:ext cx="2226273" cy="553998"/>
+          </a:xfrm>
+          <a:prstGeom prst="rect">
+            <a:avLst/>
+          </a:prstGeom>
+          <a:noFill/>
+        </p:spPr>
+        <p:txBody>
+          <a:bodyPr wrap="square" lIns="91440" tIns="45720" rIns="91440" bIns="45720">
+            <a:spAutoFit/>
+          </a:bodyPr>
+          <a:lstStyle/>
+          <a:p>
+            <a:pPr algn="ctr"/>
+            <a:r>
+              <a:rPr lang="en-US" sz="3000" b="1" cap="all" spc="0" smtClean="0">
+                <a:ln w="9000" cmpd="sng">
+                  <a:solidFill>
+                    <a:schemeClr val="accent4">
+                      <a:shade val="50000"/>
+                      <a:satMod val="120000"/>
+                    </a:schemeClr>
+                  </a:solidFill>
+                  <a:prstDash val="solid"/>
+                </a:ln>
+                <a:gradFill>
+                  <a:gsLst>
+                    <a:gs pos="0">
+                      <a:schemeClr val="accent4">
+                        <a:shade val="20000"/>
+                        <a:satMod val="245000"/>
+                      </a:schemeClr>
+                    </a:gs>
+                    <a:gs pos="43000">
+                      <a:schemeClr val="accent4">
+                        <a:satMod val="255000"/>
+                      </a:schemeClr>
+                    </a:gs>
+                    <a:gs pos="48000">
+                      <a:schemeClr val="accent4">
+                        <a:shade val="85000"/>
+                        <a:satMod val="255000"/>
+                      </a:schemeClr>
+                    </a:gs>
+                    <a:gs pos="100000">
+                      <a:schemeClr val="accent4">
+                        <a:shade val="20000"/>
+                        <a:satMod val="245000"/>
+                      </a:schemeClr>
+                    </a:gs>
+                  </a:gsLst>
+                  <a:lin ang="5400000"/>
+                </a:gradFill>
+                <a:effectLst>
+                  <a:reflection blurRad="12700" stA="28000" endPos="45000" dist="1000" dir="5400000" sy="-100000" algn="bl" rotWithShape="0"/>
+                </a:effectLst>
+              </a:rPr>
+              <a:t>Giải quyết</a:t>
+            </a:r>
+            <a:endParaRPr lang="en-US" sz="3000" b="1" cap="all" spc="0">
+              <a:ln w="9000" cmpd="sng">
+                <a:solidFill>
+                  <a:schemeClr val="accent4">
+                    <a:shade val="50000"/>
+                    <a:satMod val="120000"/>
+                  </a:schemeClr>
+                </a:solidFill>
+                <a:prstDash val="solid"/>
+              </a:ln>
+              <a:gradFill>
+                <a:gsLst>
+                  <a:gs pos="0">
+                    <a:schemeClr val="accent4">
+                      <a:shade val="20000"/>
+                      <a:satMod val="245000"/>
+                    </a:schemeClr>
+                  </a:gs>
+                  <a:gs pos="43000">
+                    <a:schemeClr val="accent4">
+                      <a:satMod val="255000"/>
+                    </a:schemeClr>
+                  </a:gs>
+                  <a:gs pos="48000">
+                    <a:schemeClr val="accent4">
+                      <a:shade val="85000"/>
+                      <a:satMod val="255000"/>
+                    </a:schemeClr>
+                  </a:gs>
+                  <a:gs pos="100000">
+                    <a:schemeClr val="accent4">
+                      <a:shade val="20000"/>
+                      <a:satMod val="245000"/>
+                    </a:schemeClr>
+                  </a:gs>
+                </a:gsLst>
+                <a:lin ang="5400000"/>
+              </a:gradFill>
+              <a:effectLst>
+                <a:reflection blurRad="12700" stA="28000" endPos="45000" dist="1000" dir="5400000" sy="-100000" algn="bl" rotWithShape="0"/>
+              </a:effectLst>
+            </a:endParaRPr>
+          </a:p>
+        </p:txBody>
+      </p:sp>
+      <p:sp>
+        <p:nvSpPr>
+          <p:cNvPr id="6" name="TextBox 5"/>
+          <p:cNvSpPr txBox="1"/>
+          <p:nvPr/>
+        </p:nvSpPr>
+        <p:spPr>
+          <a:xfrm>
+            <a:off x="4572000" y="1306629"/>
+            <a:ext cx="3338414" cy="369332"/>
+          </a:xfrm>
+          <a:prstGeom prst="rect">
+            <a:avLst/>
+          </a:prstGeom>
+          <a:noFill/>
+        </p:spPr>
+        <p:txBody>
+          <a:bodyPr wrap="none" rtlCol="0">
+            <a:spAutoFit/>
+          </a:bodyPr>
+          <a:lstStyle/>
+          <a:p>
+            <a:r>
+              <a:rPr lang="en-US" b="1" smtClean="0">
+                <a:latin typeface="Times New Roman" pitchFamily="18" charset="0"/>
+                <a:cs typeface="Times New Roman" pitchFamily="18" charset="0"/>
+              </a:rPr>
+              <a:t>Hiệu ứng </a:t>
+            </a:r>
+            <a:r>
+              <a:rPr lang="en-US" b="1">
+                <a:latin typeface="Times New Roman" pitchFamily="18" charset="0"/>
+                <a:cs typeface="Times New Roman" pitchFamily="18" charset="0"/>
+              </a:rPr>
+              <a:t>perspective projection</a:t>
+            </a:r>
+          </a:p>
+        </p:txBody>
+      </p:sp>
+      <p:pic>
+        <p:nvPicPr>
+          <p:cNvPr id="1027" name="Picture 3"/>
+          <p:cNvPicPr>
+            <a:picLocks noChangeAspect="1" noChangeArrowheads="1"/>
+          </p:cNvPicPr>
+          <p:nvPr/>
+        </p:nvPicPr>
+        <p:blipFill>
+          <a:blip r:embed="rId3">
+            <a:extLst>
+              <a:ext uri="{28A0092B-C50C-407E-A947-70E740481C1C}">
+                <a14:useLocalDpi xmlns:a14="http://schemas.microsoft.com/office/drawing/2010/main" val="0"/>
+              </a:ext>
+            </a:extLst>
+          </a:blip>
+          <a:srcRect/>
+          <a:stretch>
+            <a:fillRect/>
+          </a:stretch>
+        </p:blipFill>
+        <p:spPr bwMode="auto">
+          <a:xfrm>
+            <a:off x="2599653" y="1052948"/>
+            <a:ext cx="1854046" cy="876693"/>
+          </a:xfrm>
+          <a:prstGeom prst="rect">
+            <a:avLst/>
+          </a:prstGeom>
+          <a:noFill/>
+          <a:ln>
+            <a:noFill/>
+          </a:ln>
+          <a:effectLst/>
+          <a:extLst>
+            <a:ext uri="{909E8E84-426E-40DD-AFC4-6F175D3DCCD1}">
+              <a14:hiddenFill xmlns:a14="http://schemas.microsoft.com/office/drawing/2010/main">
+                <a:solidFill>
+                  <a:schemeClr val="accent1"/>
+                </a:solidFill>
+              </a14:hiddenFill>
+            </a:ext>
+            <a:ext uri="{91240B29-F687-4F45-9708-019B960494DF}">
+              <a14:hiddenLine xmlns:a14="http://schemas.microsoft.com/office/drawing/2010/main" w="9525">
+                <a:solidFill>
+                  <a:schemeClr val="tx1"/>
+                </a:solidFill>
+                <a:miter lim="800000"/>
+                <a:headEnd/>
+                <a:tailEnd/>
+              </a14:hiddenLine>
+            </a:ext>
+            <a:ext uri="{AF507438-7753-43E0-B8FC-AC1667EBCBE1}">
+              <a14:hiddenEffects xmlns:a14="http://schemas.microsoft.com/office/drawing/2010/main">
+                <a:effectLst>
+                  <a:outerShdw dist="35921" dir="2700000" algn="ctr" rotWithShape="0">
+                    <a:schemeClr val="bg2"/>
+                  </a:outerShdw>
+                </a:effectLst>
+              </a14:hiddenEffects>
+            </a:ext>
+          </a:extLst>
+        </p:spPr>
+      </p:pic>
+      <p:sp>
+        <p:nvSpPr>
+          <p:cNvPr id="19" name="TextBox 18"/>
+          <p:cNvSpPr txBox="1"/>
+          <p:nvPr/>
+        </p:nvSpPr>
+        <p:spPr>
+          <a:xfrm>
+            <a:off x="4583430" y="3505200"/>
+            <a:ext cx="2682145" cy="369332"/>
+          </a:xfrm>
+          <a:prstGeom prst="rect">
+            <a:avLst/>
+          </a:prstGeom>
+          <a:noFill/>
+        </p:spPr>
+        <p:txBody>
+          <a:bodyPr wrap="none" rtlCol="0">
+            <a:spAutoFit/>
+          </a:bodyPr>
+          <a:lstStyle/>
+          <a:p>
+            <a:r>
+              <a:rPr lang="en-US" b="1" smtClean="0">
+                <a:latin typeface="Times New Roman" pitchFamily="18" charset="0"/>
+                <a:cs typeface="Times New Roman" pitchFamily="18" charset="0"/>
+              </a:rPr>
+              <a:t>Tác động của môi trường</a:t>
+            </a:r>
+            <a:endParaRPr lang="en-US" b="1">
+              <a:latin typeface="Times New Roman" pitchFamily="18" charset="0"/>
+              <a:cs typeface="Times New Roman" pitchFamily="18" charset="0"/>
+            </a:endParaRPr>
+          </a:p>
+        </p:txBody>
+      </p:sp>
+      <p:pic>
+        <p:nvPicPr>
+          <p:cNvPr id="1028" name="Picture 4"/>
+          <p:cNvPicPr>
+            <a:picLocks noChangeAspect="1" noChangeArrowheads="1"/>
+          </p:cNvPicPr>
+          <p:nvPr/>
+        </p:nvPicPr>
+        <p:blipFill>
+          <a:blip r:embed="rId4">
+            <a:extLst>
+              <a:ext uri="{28A0092B-C50C-407E-A947-70E740481C1C}">
+                <a14:useLocalDpi xmlns:a14="http://schemas.microsoft.com/office/drawing/2010/main" val="0"/>
+              </a:ext>
+            </a:extLst>
+          </a:blip>
+          <a:srcRect/>
+          <a:stretch>
+            <a:fillRect/>
+          </a:stretch>
+        </p:blipFill>
+        <p:spPr bwMode="auto">
+          <a:xfrm>
+            <a:off x="2599653" y="1999769"/>
+            <a:ext cx="1515147" cy="583786"/>
+          </a:xfrm>
+          <a:prstGeom prst="rect">
+            <a:avLst/>
+          </a:prstGeom>
+          <a:noFill/>
+          <a:ln>
+            <a:noFill/>
+          </a:ln>
+          <a:effectLst/>
+          <a:extLst>
+            <a:ext uri="{909E8E84-426E-40DD-AFC4-6F175D3DCCD1}">
+              <a14:hiddenFill xmlns:a14="http://schemas.microsoft.com/office/drawing/2010/main">
+                <a:solidFill>
+                  <a:schemeClr val="accent1"/>
+                </a:solidFill>
+              </a14:hiddenFill>
+            </a:ext>
+            <a:ext uri="{91240B29-F687-4F45-9708-019B960494DF}">
+              <a14:hiddenLine xmlns:a14="http://schemas.microsoft.com/office/drawing/2010/main" w="9525">
+                <a:solidFill>
+                  <a:schemeClr val="tx1"/>
+                </a:solidFill>
+                <a:miter lim="800000"/>
+                <a:headEnd/>
+                <a:tailEnd/>
+              </a14:hiddenLine>
+            </a:ext>
+            <a:ext uri="{AF507438-7753-43E0-B8FC-AC1667EBCBE1}">
+              <a14:hiddenEffects xmlns:a14="http://schemas.microsoft.com/office/drawing/2010/main">
+                <a:effectLst>
+                  <a:outerShdw dist="35921" dir="2700000" algn="ctr" rotWithShape="0">
+                    <a:schemeClr val="bg2"/>
+                  </a:outerShdw>
+                </a:effectLst>
+              </a14:hiddenEffects>
+            </a:ext>
+          </a:extLst>
+        </p:spPr>
+      </p:pic>
+      <p:pic>
+        <p:nvPicPr>
+          <p:cNvPr id="1029" name="Picture 5"/>
+          <p:cNvPicPr>
+            <a:picLocks noChangeAspect="1" noChangeArrowheads="1"/>
+          </p:cNvPicPr>
+          <p:nvPr/>
+        </p:nvPicPr>
+        <p:blipFill>
+          <a:blip r:embed="rId5" cstate="print">
+            <a:extLst>
+              <a:ext uri="{28A0092B-C50C-407E-A947-70E740481C1C}">
+                <a14:useLocalDpi xmlns:a14="http://schemas.microsoft.com/office/drawing/2010/main" val="0"/>
+              </a:ext>
+            </a:extLst>
+          </a:blip>
+          <a:srcRect/>
+          <a:stretch>
+            <a:fillRect/>
+          </a:stretch>
+        </p:blipFill>
+        <p:spPr bwMode="auto">
+          <a:xfrm>
+            <a:off x="4743450" y="1907541"/>
+            <a:ext cx="1809750" cy="1442444"/>
+          </a:xfrm>
+          <a:prstGeom prst="rect">
+            <a:avLst/>
+          </a:prstGeom>
+          <a:noFill/>
+          <a:ln>
+            <a:noFill/>
+          </a:ln>
+          <a:effectLst/>
+          <a:extLst>
+            <a:ext uri="{909E8E84-426E-40DD-AFC4-6F175D3DCCD1}">
+              <a14:hiddenFill xmlns:a14="http://schemas.microsoft.com/office/drawing/2010/main">
+                <a:solidFill>
+                  <a:schemeClr val="accent1"/>
+                </a:solidFill>
+              </a14:hiddenFill>
+            </a:ext>
+            <a:ext uri="{91240B29-F687-4F45-9708-019B960494DF}">
+              <a14:hiddenLine xmlns:a14="http://schemas.microsoft.com/office/drawing/2010/main" w="9525">
+                <a:solidFill>
+                  <a:schemeClr val="tx1"/>
+                </a:solidFill>
+                <a:miter lim="800000"/>
+                <a:headEnd/>
+                <a:tailEnd/>
+              </a14:hiddenLine>
+            </a:ext>
+            <a:ext uri="{AF507438-7753-43E0-B8FC-AC1667EBCBE1}">
+              <a14:hiddenEffects xmlns:a14="http://schemas.microsoft.com/office/drawing/2010/main">
+                <a:effectLst>
+                  <a:outerShdw dist="35921" dir="2700000" algn="ctr" rotWithShape="0">
+                    <a:schemeClr val="bg2"/>
+                  </a:outerShdw>
+                </a:effectLst>
+              </a14:hiddenEffects>
+            </a:ext>
+          </a:extLst>
+        </p:spPr>
+      </p:pic>
+      <p:sp>
+        <p:nvSpPr>
+          <p:cNvPr id="22" name="Rectangle 21"/>
+          <p:cNvSpPr/>
+          <p:nvPr/>
+        </p:nvSpPr>
+        <p:spPr>
+          <a:xfrm>
+            <a:off x="373380" y="5257800"/>
+            <a:ext cx="2226273" cy="553998"/>
+          </a:xfrm>
+          <a:prstGeom prst="rect">
+            <a:avLst/>
+          </a:prstGeom>
+          <a:noFill/>
+        </p:spPr>
+        <p:txBody>
+          <a:bodyPr wrap="square" lIns="91440" tIns="45720" rIns="91440" bIns="45720">
+            <a:spAutoFit/>
+          </a:bodyPr>
+          <a:lstStyle/>
+          <a:p>
+            <a:pPr algn="ctr"/>
+            <a:r>
+              <a:rPr lang="en-US" sz="3000" b="1" cap="all" spc="0" smtClean="0">
+                <a:ln w="9000" cmpd="sng">
+                  <a:solidFill>
+                    <a:schemeClr val="accent4">
+                      <a:shade val="50000"/>
+                      <a:satMod val="120000"/>
+                    </a:schemeClr>
+                  </a:solidFill>
+                  <a:prstDash val="solid"/>
+                </a:ln>
+                <a:gradFill>
+                  <a:gsLst>
+                    <a:gs pos="0">
+                      <a:schemeClr val="accent4">
+                        <a:shade val="20000"/>
+                        <a:satMod val="245000"/>
+                      </a:schemeClr>
+                    </a:gs>
+                    <a:gs pos="43000">
+                      <a:schemeClr val="accent4">
+                        <a:satMod val="255000"/>
+                      </a:schemeClr>
+                    </a:gs>
+                    <a:gs pos="48000">
+                      <a:schemeClr val="accent4">
+                        <a:shade val="85000"/>
+                        <a:satMod val="255000"/>
+                      </a:schemeClr>
+                    </a:gs>
+                    <a:gs pos="100000">
+                      <a:schemeClr val="accent4">
+                        <a:shade val="20000"/>
+                        <a:satMod val="245000"/>
+                      </a:schemeClr>
+                    </a:gs>
+                  </a:gsLst>
+                  <a:lin ang="5400000"/>
+                </a:gradFill>
+                <a:effectLst>
+                  <a:reflection blurRad="12700" stA="28000" endPos="45000" dist="1000" dir="5400000" sy="-100000" algn="bl" rotWithShape="0"/>
+                </a:effectLst>
+              </a:rPr>
+              <a:t>Mở rộng</a:t>
+            </a:r>
+            <a:endParaRPr lang="en-US" sz="3000" b="1" cap="all" spc="0">
+              <a:ln w="9000" cmpd="sng">
+                <a:solidFill>
+                  <a:schemeClr val="accent4">
+                    <a:shade val="50000"/>
+                    <a:satMod val="120000"/>
+                  </a:schemeClr>
+                </a:solidFill>
+                <a:prstDash val="solid"/>
+              </a:ln>
+              <a:gradFill>
+                <a:gsLst>
+                  <a:gs pos="0">
+                    <a:schemeClr val="accent4">
+                      <a:shade val="20000"/>
+                      <a:satMod val="245000"/>
+                    </a:schemeClr>
+                  </a:gs>
+                  <a:gs pos="43000">
+                    <a:schemeClr val="accent4">
+                      <a:satMod val="255000"/>
+                    </a:schemeClr>
+                  </a:gs>
+                  <a:gs pos="48000">
+                    <a:schemeClr val="accent4">
+                      <a:shade val="85000"/>
+                      <a:satMod val="255000"/>
+                    </a:schemeClr>
+                  </a:gs>
+                  <a:gs pos="100000">
+                    <a:schemeClr val="accent4">
+                      <a:shade val="20000"/>
+                      <a:satMod val="245000"/>
+                    </a:schemeClr>
+                  </a:gs>
+                </a:gsLst>
+                <a:lin ang="5400000"/>
+              </a:gradFill>
+              <a:effectLst>
+                <a:reflection blurRad="12700" stA="28000" endPos="45000" dist="1000" dir="5400000" sy="-100000" algn="bl" rotWithShape="0"/>
+              </a:effectLst>
+            </a:endParaRPr>
+          </a:p>
+        </p:txBody>
+      </p:sp>
+      <p:pic>
+        <p:nvPicPr>
+          <p:cNvPr id="1031" name="Picture 7" descr="http://www.esavv.com/public/images/software-development/mobileWeClient-ServerSoftware.jpg"/>
+          <p:cNvPicPr>
+            <a:picLocks noChangeAspect="1" noChangeArrowheads="1"/>
+          </p:cNvPicPr>
+          <p:nvPr/>
+        </p:nvPicPr>
+        <p:blipFill>
+          <a:blip r:embed="rId6">
+            <a:extLst>
+              <a:ext uri="{28A0092B-C50C-407E-A947-70E740481C1C}">
+                <a14:useLocalDpi xmlns:a14="http://schemas.microsoft.com/office/drawing/2010/main" val="0"/>
+              </a:ext>
+            </a:extLst>
+          </a:blip>
+          <a:srcRect/>
+          <a:stretch>
+            <a:fillRect/>
+          </a:stretch>
+        </p:blipFill>
+        <p:spPr bwMode="auto">
+          <a:xfrm>
+            <a:off x="3168967" y="4439424"/>
+            <a:ext cx="2828925" cy="2190750"/>
+          </a:xfrm>
+          <a:prstGeom prst="rect">
+            <a:avLst/>
+          </a:prstGeom>
+          <a:noFill/>
+          <a:extLst>
+            <a:ext uri="{909E8E84-426E-40DD-AFC4-6F175D3DCCD1}">
+              <a14:hiddenFill xmlns:a14="http://schemas.microsoft.com/office/drawing/2010/main">
+                <a:solidFill>
+                  <a:srgbClr val="FFFFFF"/>
+                </a:solidFill>
+              </a14:hiddenFill>
+            </a:ext>
+          </a:extLst>
+        </p:spPr>
+      </p:pic>
+    </p:spTree>
+    <p:extLst>
+      <p:ext uri="{BB962C8B-B14F-4D97-AF65-F5344CB8AC3E}">
+        <p14:creationId xmlns:p14="http://schemas.microsoft.com/office/powerpoint/2010/main" val="4191139809"/>
+      </p:ext>
+    </p:extLst>
+  </p:cSld>
+  <p:clrMapOvr>
+    <a:masterClrMapping/>
+  </p:clrMapOvr>
+  <mc:AlternateContent xmlns:mc="http://schemas.openxmlformats.org/markup-compatibility/2006">
+    <mc:Choice xmlns:p14="http://schemas.microsoft.com/office/powerpoint/2010/main" Requires="p14">
+      <p:transition spd="med" p14:dur="700">
+        <p:fade/>
+      </p:transition>
+    </mc:Choice>
+    <mc:Fallback>
+      <p:transition spd="med">
+        <p:fade/>
+      </p:transition>
+    </mc:Fallback>
+  </mc:AlternateContent>
+  <p:timing>
+    <p:tnLst>
+      <p:par>
+        <p:cTn id="1" dur="indefinite" restart="never" nodeType="tmRoot">
+          <p:childTnLst>
+            <p:seq concurrent="1" nextAc="seek">
+              <p:cTn id="2" dur="indefinite" nodeType="mainSeq">
+                <p:childTnLst>
+                  <p:par>
+                    <p:cTn id="3" fill="hold">
+                      <p:stCondLst>
+                        <p:cond delay="indefinite"/>
+                      </p:stCondLst>
+                      <p:childTnLst>
+                        <p:par>
+                          <p:cTn id="4" fill="hold">
+                            <p:stCondLst>
+                              <p:cond delay="0"/>
+                            </p:stCondLst>
+                            <p:childTnLst>
+                              <p:par>
+                                <p:cTn id="5" presetID="10" presetClass="entr" presetSubtype="0" fill="hold" grpId="0" nodeType="clickEffect">
+                                  <p:stCondLst>
+                                    <p:cond delay="0"/>
+                                  </p:stCondLst>
+                                  <p:childTnLst>
+                                    <p:set>
+                                      <p:cBhvr>
+                                        <p:cTn id="6" dur="1" fill="hold">
+                                          <p:stCondLst>
+                                            <p:cond delay="0"/>
+                                          </p:stCondLst>
+                                        </p:cTn>
+                                        <p:tgtEl>
+                                          <p:spTgt spid="5"/>
+                                        </p:tgtEl>
+                                        <p:attrNameLst>
+                                          <p:attrName>style.visibility</p:attrName>
+                                        </p:attrNameLst>
+                                      </p:cBhvr>
+                                      <p:to>
+                                        <p:strVal val="visible"/>
+                                      </p:to>
+                                    </p:set>
+                                    <p:animEffect transition="in" filter="fade">
+                                      <p:cBhvr>
+                                        <p:cTn id="7" dur="500"/>
+                                        <p:tgtEl>
+                                          <p:spTgt spid="5"/>
+                                        </p:tgtEl>
+                                      </p:cBhvr>
+                                    </p:animEffect>
+                                  </p:childTnLst>
+                                </p:cTn>
+                              </p:par>
+                              <p:par>
+                                <p:cTn id="8" presetID="10" presetClass="entr" presetSubtype="0" fill="hold" nodeType="withEffect">
+                                  <p:stCondLst>
+                                    <p:cond delay="0"/>
+                                  </p:stCondLst>
+                                  <p:childTnLst>
+                                    <p:set>
+                                      <p:cBhvr>
+                                        <p:cTn id="9" dur="1" fill="hold">
+                                          <p:stCondLst>
+                                            <p:cond delay="0"/>
+                                          </p:stCondLst>
+                                        </p:cTn>
+                                        <p:tgtEl>
+                                          <p:spTgt spid="1027"/>
+                                        </p:tgtEl>
+                                        <p:attrNameLst>
+                                          <p:attrName>style.visibility</p:attrName>
+                                        </p:attrNameLst>
+                                      </p:cBhvr>
+                                      <p:to>
+                                        <p:strVal val="visible"/>
+                                      </p:to>
+                                    </p:set>
+                                    <p:animEffect transition="in" filter="fade">
+                                      <p:cBhvr>
+                                        <p:cTn id="10" dur="500"/>
+                                        <p:tgtEl>
+                                          <p:spTgt spid="1027"/>
+                                        </p:tgtEl>
+                                      </p:cBhvr>
+                                    </p:animEffect>
+                                  </p:childTnLst>
+                                </p:cTn>
+                              </p:par>
+                              <p:par>
+                                <p:cTn id="11" presetID="10" presetClass="entr" presetSubtype="0" fill="hold" nodeType="withEffect">
+                                  <p:stCondLst>
+                                    <p:cond delay="0"/>
+                                  </p:stCondLst>
+                                  <p:childTnLst>
+                                    <p:set>
+                                      <p:cBhvr>
+                                        <p:cTn id="12" dur="1" fill="hold">
+                                          <p:stCondLst>
+                                            <p:cond delay="0"/>
+                                          </p:stCondLst>
+                                        </p:cTn>
+                                        <p:tgtEl>
+                                          <p:spTgt spid="1026"/>
+                                        </p:tgtEl>
+                                        <p:attrNameLst>
+                                          <p:attrName>style.visibility</p:attrName>
+                                        </p:attrNameLst>
+                                      </p:cBhvr>
+                                      <p:to>
+                                        <p:strVal val="visible"/>
+                                      </p:to>
+                                    </p:set>
+                                    <p:animEffect transition="in" filter="fade">
+                                      <p:cBhvr>
+                                        <p:cTn id="13" dur="500"/>
+                                        <p:tgtEl>
+                                          <p:spTgt spid="1026"/>
+                                        </p:tgtEl>
+                                      </p:cBhvr>
+                                    </p:animEffect>
+                                  </p:childTnLst>
+                                </p:cTn>
+                              </p:par>
+                              <p:par>
+                                <p:cTn id="14" presetID="10" presetClass="entr" presetSubtype="0" fill="hold" grpId="0" nodeType="withEffect">
+                                  <p:stCondLst>
+                                    <p:cond delay="0"/>
+                                  </p:stCondLst>
+                                  <p:childTnLst>
+                                    <p:set>
+                                      <p:cBhvr>
+                                        <p:cTn id="15" dur="1" fill="hold">
+                                          <p:stCondLst>
+                                            <p:cond delay="0"/>
+                                          </p:stCondLst>
+                                        </p:cTn>
+                                        <p:tgtEl>
+                                          <p:spTgt spid="6"/>
+                                        </p:tgtEl>
+                                        <p:attrNameLst>
+                                          <p:attrName>style.visibility</p:attrName>
+                                        </p:attrNameLst>
+                                      </p:cBhvr>
+                                      <p:to>
+                                        <p:strVal val="visible"/>
+                                      </p:to>
+                                    </p:set>
+                                    <p:animEffect transition="in" filter="fade">
+                                      <p:cBhvr>
+                                        <p:cTn id="16" dur="500"/>
+                                        <p:tgtEl>
+                                          <p:spTgt spid="6"/>
+                                        </p:tgtEl>
+                                      </p:cBhvr>
+                                    </p:animEffect>
+                                  </p:childTnLst>
+                                </p:cTn>
+                              </p:par>
+                              <p:par>
+                                <p:cTn id="17" presetID="10" presetClass="entr" presetSubtype="0" fill="hold" nodeType="withEffect">
+                                  <p:stCondLst>
+                                    <p:cond delay="0"/>
+                                  </p:stCondLst>
+                                  <p:childTnLst>
+                                    <p:set>
+                                      <p:cBhvr>
+                                        <p:cTn id="18" dur="1" fill="hold">
+                                          <p:stCondLst>
+                                            <p:cond delay="0"/>
+                                          </p:stCondLst>
+                                        </p:cTn>
+                                        <p:tgtEl>
+                                          <p:spTgt spid="1029"/>
+                                        </p:tgtEl>
+                                        <p:attrNameLst>
+                                          <p:attrName>style.visibility</p:attrName>
+                                        </p:attrNameLst>
+                                      </p:cBhvr>
+                                      <p:to>
+                                        <p:strVal val="visible"/>
+                                      </p:to>
+                                    </p:set>
+                                    <p:animEffect transition="in" filter="fade">
+                                      <p:cBhvr>
+                                        <p:cTn id="19" dur="500"/>
+                                        <p:tgtEl>
+                                          <p:spTgt spid="1029"/>
+                                        </p:tgtEl>
+                                      </p:cBhvr>
+                                    </p:animEffect>
+                                  </p:childTnLst>
+                                </p:cTn>
+                              </p:par>
+                              <p:par>
+                                <p:cTn id="20" presetID="10" presetClass="entr" presetSubtype="0" fill="hold" nodeType="withEffect">
+                                  <p:stCondLst>
+                                    <p:cond delay="0"/>
+                                  </p:stCondLst>
+                                  <p:childTnLst>
+                                    <p:set>
+                                      <p:cBhvr>
+                                        <p:cTn id="21" dur="1" fill="hold">
+                                          <p:stCondLst>
+                                            <p:cond delay="0"/>
+                                          </p:stCondLst>
+                                        </p:cTn>
+                                        <p:tgtEl>
+                                          <p:spTgt spid="1028"/>
+                                        </p:tgtEl>
+                                        <p:attrNameLst>
+                                          <p:attrName>style.visibility</p:attrName>
+                                        </p:attrNameLst>
+                                      </p:cBhvr>
+                                      <p:to>
+                                        <p:strVal val="visible"/>
+                                      </p:to>
+                                    </p:set>
+                                    <p:animEffect transition="in" filter="fade">
+                                      <p:cBhvr>
+                                        <p:cTn id="22" dur="500"/>
+                                        <p:tgtEl>
+                                          <p:spTgt spid="1028"/>
+                                        </p:tgtEl>
+                                      </p:cBhvr>
+                                    </p:animEffect>
+                                  </p:childTnLst>
+                                </p:cTn>
+                              </p:par>
+                              <p:par>
+                                <p:cTn id="23" presetID="10" presetClass="entr" presetSubtype="0" fill="hold" grpId="0" nodeType="withEffect">
+                                  <p:stCondLst>
+                                    <p:cond delay="0"/>
+                                  </p:stCondLst>
+                                  <p:childTnLst>
+                                    <p:set>
+                                      <p:cBhvr>
+                                        <p:cTn id="24" dur="1" fill="hold">
+                                          <p:stCondLst>
+                                            <p:cond delay="0"/>
+                                          </p:stCondLst>
+                                        </p:cTn>
+                                        <p:tgtEl>
+                                          <p:spTgt spid="19"/>
+                                        </p:tgtEl>
+                                        <p:attrNameLst>
+                                          <p:attrName>style.visibility</p:attrName>
+                                        </p:attrNameLst>
+                                      </p:cBhvr>
+                                      <p:to>
+                                        <p:strVal val="visible"/>
+                                      </p:to>
+                                    </p:set>
+                                    <p:animEffect transition="in" filter="fade">
+                                      <p:cBhvr>
+                                        <p:cTn id="25" dur="500"/>
+                                        <p:tgtEl>
+                                          <p:spTgt spid="19"/>
+                                        </p:tgtEl>
+                                      </p:cBhvr>
+                                    </p:animEffect>
+                                  </p:childTnLst>
+                                </p:cTn>
+                              </p:par>
+                            </p:childTnLst>
+                          </p:cTn>
+                        </p:par>
+                      </p:childTnLst>
+                    </p:cTn>
+                  </p:par>
+                  <p:par>
+                    <p:cTn id="26" fill="hold">
+                      <p:stCondLst>
+                        <p:cond delay="indefinite"/>
+                      </p:stCondLst>
+                      <p:childTnLst>
+                        <p:par>
+                          <p:cTn id="27" fill="hold">
+                            <p:stCondLst>
+                              <p:cond delay="0"/>
+                            </p:stCondLst>
+                            <p:childTnLst>
+                              <p:par>
+                                <p:cTn id="28" presetID="10" presetClass="entr" presetSubtype="0" fill="hold" nodeType="clickEffect">
+                                  <p:stCondLst>
+                                    <p:cond delay="0"/>
+                                  </p:stCondLst>
+                                  <p:childTnLst>
+                                    <p:set>
+                                      <p:cBhvr>
+                                        <p:cTn id="29" dur="1" fill="hold">
+                                          <p:stCondLst>
+                                            <p:cond delay="0"/>
+                                          </p:stCondLst>
+                                        </p:cTn>
+                                        <p:tgtEl>
+                                          <p:spTgt spid="1031"/>
+                                        </p:tgtEl>
+                                        <p:attrNameLst>
+                                          <p:attrName>style.visibility</p:attrName>
+                                        </p:attrNameLst>
+                                      </p:cBhvr>
+                                      <p:to>
+                                        <p:strVal val="visible"/>
+                                      </p:to>
+                                    </p:set>
+                                    <p:animEffect transition="in" filter="fade">
+                                      <p:cBhvr>
+                                        <p:cTn id="30" dur="500"/>
+                                        <p:tgtEl>
+                                          <p:spTgt spid="1031"/>
+                                        </p:tgtEl>
+                                      </p:cBhvr>
+                                    </p:animEffect>
+                                  </p:childTnLst>
+                                </p:cTn>
+                              </p:par>
+                              <p:par>
+                                <p:cTn id="31" presetID="10" presetClass="entr" presetSubtype="0" fill="hold" grpId="0" nodeType="withEffect">
+                                  <p:stCondLst>
+                                    <p:cond delay="0"/>
+                                  </p:stCondLst>
+                                  <p:childTnLst>
+                                    <p:set>
+                                      <p:cBhvr>
+                                        <p:cTn id="32" dur="1" fill="hold">
+                                          <p:stCondLst>
+                                            <p:cond delay="0"/>
+                                          </p:stCondLst>
+                                        </p:cTn>
+                                        <p:tgtEl>
+                                          <p:spTgt spid="22"/>
+                                        </p:tgtEl>
+                                        <p:attrNameLst>
+                                          <p:attrName>style.visibility</p:attrName>
+                                        </p:attrNameLst>
+                                      </p:cBhvr>
+                                      <p:to>
+                                        <p:strVal val="visible"/>
+                                      </p:to>
+                                    </p:set>
+                                    <p:animEffect transition="in" filter="fade">
+                                      <p:cBhvr>
+                                        <p:cTn id="33" dur="500"/>
+                                        <p:tgtEl>
+                                          <p:spTgt spid="22"/>
+                                        </p:tgtEl>
+                                      </p:cBhvr>
+                                    </p:animEffect>
+                                  </p:childTnLst>
+                                </p:cTn>
+                              </p:par>
+                            </p:childTnLst>
+                          </p:cTn>
+                        </p:par>
+                      </p:childTnLst>
+                    </p:cTn>
+                  </p:par>
+                </p:childTnLst>
+              </p:cTn>
+              <p:prevCondLst>
+                <p:cond evt="onPrev" delay="0">
+                  <p:tgtEl>
+                    <p:sldTgt/>
+                  </p:tgtEl>
+                </p:cond>
+              </p:prevCondLst>
+              <p:nextCondLst>
+                <p:cond evt="onNext" delay="0">
+                  <p:tgtEl>
+                    <p:sldTgt/>
+                  </p:tgtEl>
+                </p:cond>
+              </p:nextCondLst>
+            </p:seq>
+          </p:childTnLst>
+        </p:cTn>
+      </p:par>
+    </p:tnLst>
+    <p:bldLst>
+      <p:bldP spid="5" grpId="0"/>
+      <p:bldP spid="6" grpId="0"/>
+      <p:bldP spid="19" grpId="0"/>
+      <p:bldP spid="22" grpId="0"/>
+    </p:bldLst>
+  </p:timing>
+</p:sld>
+</file>
+
+<file path=ppt/slides/slide17.xml><?xml version="1.0" encoding="utf-8"?>
 <p:sld xmlns:a="http://schemas.openxmlformats.org/drawingml/2006/main" xmlns:r="http://schemas.openxmlformats.org/officeDocument/2006/relationships" xmlns:p="http://schemas.openxmlformats.org/presentationml/2006/main">
   <p:cSld>
     <p:spTree>
@@ -20951,10 +24576,16 @@
           <a:lstStyle/>
           <a:p>
             <a:r>
-              <a:rPr lang="en-US" b="1" smtClean="0"/>
+              <a:rPr lang="en-US" b="1" smtClean="0">
+                <a:latin typeface="Times New Roman" pitchFamily="18" charset="0"/>
+                <a:cs typeface="Times New Roman" pitchFamily="18" charset="0"/>
+              </a:rPr>
               <a:t>Demo</a:t>
             </a:r>
-            <a:endParaRPr lang="en-US" b="1"/>
+            <a:endParaRPr lang="en-US" b="1">
+              <a:latin typeface="Times New Roman" pitchFamily="18" charset="0"/>
+              <a:cs typeface="Times New Roman" pitchFamily="18" charset="0"/>
+            </a:endParaRPr>
           </a:p>
         </p:txBody>
       </p:sp>
@@ -21257,6 +24888,30 @@
           </a:extLst>
         </p:spPr>
       </p:pic>
+      <p:sp>
+        <p:nvSpPr>
+          <p:cNvPr id="11" name="Slide Number Placeholder 10"/>
+          <p:cNvSpPr>
+            <a:spLocks noGrp="1"/>
+          </p:cNvSpPr>
+          <p:nvPr>
+            <p:ph type="sldNum" sz="quarter" idx="12"/>
+          </p:nvPr>
+        </p:nvSpPr>
+        <p:spPr/>
+        <p:txBody>
+          <a:bodyPr/>
+          <a:lstStyle/>
+          <a:p>
+            <a:fld id="{51856A66-21D7-4D51-AECF-27815D04D8F4}" type="slidenum">
+              <a:rPr lang="en-US" smtClean="0"/>
+              <a:pPr/>
+              <a:t>17</a:t>
+            </a:fld>
+            <a:endParaRPr lang="en-US"/>
+          </a:p>
+        </p:txBody>
+      </p:sp>
     </p:spTree>
     <p:extLst>
       <p:ext uri="{BB962C8B-B14F-4D97-AF65-F5344CB8AC3E}">
@@ -21267,6 +24922,18 @@
   <p:clrMapOvr>
     <a:masterClrMapping/>
   </p:clrMapOvr>
+  <mc:AlternateContent xmlns:mc="http://schemas.openxmlformats.org/markup-compatibility/2006">
+    <mc:Choice xmlns:p14="http://schemas.microsoft.com/office/powerpoint/2010/main" Requires="p14">
+      <p:transition spd="med" p14:dur="700">
+        <p:fade/>
+      </p:transition>
+    </mc:Choice>
+    <mc:Fallback>
+      <p:transition spd="med">
+        <p:fade/>
+      </p:transition>
+    </mc:Fallback>
+  </mc:AlternateContent>
   <p:timing>
     <p:tnLst>
       <p:par>
@@ -21550,7 +25217,7 @@
 </p:sld>
 </file>
 
-<file path=ppt/slides/slide15.xml><?xml version="1.0" encoding="utf-8"?>
+<file path=ppt/slides/slide18.xml><?xml version="1.0" encoding="utf-8"?>
 <p:sld xmlns:a="http://schemas.openxmlformats.org/drawingml/2006/main" xmlns:r="http://schemas.openxmlformats.org/officeDocument/2006/relationships" xmlns:p="http://schemas.openxmlformats.org/presentationml/2006/main">
   <p:cSld>
     <p:spTree>
@@ -21609,10 +25276,16 @@
           <a:lstStyle/>
           <a:p>
             <a:r>
-              <a:rPr lang="en-US" b="1" smtClean="0"/>
+              <a:rPr lang="en-US" b="1" smtClean="0">
+                <a:latin typeface="Times New Roman" pitchFamily="18" charset="0"/>
+                <a:cs typeface="Times New Roman" pitchFamily="18" charset="0"/>
+              </a:rPr>
               <a:t>Thank you</a:t>
             </a:r>
-            <a:endParaRPr lang="en-US" b="1"/>
+            <a:endParaRPr lang="en-US" b="1">
+              <a:latin typeface="Times New Roman" pitchFamily="18" charset="0"/>
+              <a:cs typeface="Times New Roman" pitchFamily="18" charset="0"/>
+            </a:endParaRPr>
           </a:p>
         </p:txBody>
       </p:sp>
@@ -21774,6 +25447,30 @@
           </a:p>
         </p:txBody>
       </p:sp>
+      <p:sp>
+        <p:nvSpPr>
+          <p:cNvPr id="6" name="Slide Number Placeholder 5"/>
+          <p:cNvSpPr>
+            <a:spLocks noGrp="1"/>
+          </p:cNvSpPr>
+          <p:nvPr>
+            <p:ph type="sldNum" sz="quarter" idx="12"/>
+          </p:nvPr>
+        </p:nvSpPr>
+        <p:spPr/>
+        <p:txBody>
+          <a:bodyPr/>
+          <a:lstStyle/>
+          <a:p>
+            <a:fld id="{51856A66-21D7-4D51-AECF-27815D04D8F4}" type="slidenum">
+              <a:rPr lang="en-US" smtClean="0"/>
+              <a:pPr/>
+              <a:t>18</a:t>
+            </a:fld>
+            <a:endParaRPr lang="en-US"/>
+          </a:p>
+        </p:txBody>
+      </p:sp>
     </p:spTree>
     <p:extLst>
       <p:ext uri="{BB962C8B-B14F-4D97-AF65-F5344CB8AC3E}">
@@ -21784,6 +25481,531 @@
   <p:clrMapOvr>
     <a:masterClrMapping/>
   </p:clrMapOvr>
+  <mc:AlternateContent xmlns:mc="http://schemas.openxmlformats.org/markup-compatibility/2006">
+    <mc:Choice xmlns:p14="http://schemas.microsoft.com/office/powerpoint/2010/main" Requires="p14">
+      <p:transition spd="med" p14:dur="700">
+        <p:fade/>
+      </p:transition>
+    </mc:Choice>
+    <mc:Fallback>
+      <p:transition spd="med">
+        <p:fade/>
+      </p:transition>
+    </mc:Fallback>
+  </mc:AlternateContent>
+  <p:timing>
+    <p:tnLst>
+      <p:par>
+        <p:cTn id="1" dur="indefinite" restart="never" nodeType="tmRoot"/>
+      </p:par>
+    </p:tnLst>
+  </p:timing>
+</p:sld>
+</file>
+
+<file path=ppt/slides/slide19.xml><?xml version="1.0" encoding="utf-8"?>
+<p:sld xmlns:a="http://schemas.openxmlformats.org/drawingml/2006/main" xmlns:r="http://schemas.openxmlformats.org/officeDocument/2006/relationships" xmlns:p="http://schemas.openxmlformats.org/presentationml/2006/main">
+  <p:cSld>
+    <p:spTree>
+      <p:nvGrpSpPr>
+        <p:cNvPr id="1" name=""/>
+        <p:cNvGrpSpPr/>
+        <p:nvPr/>
+      </p:nvGrpSpPr>
+      <p:grpSpPr>
+        <a:xfrm>
+          <a:off x="0" y="0"/>
+          <a:ext cx="0" cy="0"/>
+          <a:chOff x="0" y="0"/>
+          <a:chExt cx="0" cy="0"/>
+        </a:xfrm>
+      </p:grpSpPr>
+      <p:sp>
+        <p:nvSpPr>
+          <p:cNvPr id="7" name="Rectangle 6"/>
+          <p:cNvSpPr/>
+          <p:nvPr/>
+        </p:nvSpPr>
+        <p:spPr>
+          <a:xfrm>
+            <a:off x="0" y="76200"/>
+            <a:ext cx="8077200" cy="381000"/>
+          </a:xfrm>
+          <a:prstGeom prst="rect">
+            <a:avLst/>
+          </a:prstGeom>
+          <a:solidFill>
+            <a:schemeClr val="accent3"/>
+          </a:solidFill>
+          <a:ln>
+            <a:noFill/>
+          </a:ln>
+        </p:spPr>
+        <p:style>
+          <a:lnRef idx="2">
+            <a:schemeClr val="accent1">
+              <a:shade val="50000"/>
+            </a:schemeClr>
+          </a:lnRef>
+          <a:fillRef idx="1">
+            <a:schemeClr val="accent1"/>
+          </a:fillRef>
+          <a:effectRef idx="0">
+            <a:schemeClr val="accent1"/>
+          </a:effectRef>
+          <a:fontRef idx="minor">
+            <a:schemeClr val="lt1"/>
+          </a:fontRef>
+        </p:style>
+        <p:txBody>
+          <a:bodyPr rtlCol="0" anchor="ctr"/>
+          <a:lstStyle/>
+          <a:p>
+            <a:r>
+              <a:rPr lang="en-US" b="1" smtClean="0">
+                <a:latin typeface="Times New Roman" pitchFamily="18" charset="0"/>
+                <a:cs typeface="Times New Roman" pitchFamily="18" charset="0"/>
+              </a:rPr>
+              <a:t>Tài liệu tham khảo</a:t>
+            </a:r>
+            <a:endParaRPr lang="en-US" b="1">
+              <a:latin typeface="Times New Roman" pitchFamily="18" charset="0"/>
+              <a:cs typeface="Times New Roman" pitchFamily="18" charset="0"/>
+            </a:endParaRPr>
+          </a:p>
+        </p:txBody>
+      </p:sp>
+      <p:cxnSp>
+        <p:nvCxnSpPr>
+          <p:cNvPr id="9" name="Straight Connector 8"/>
+          <p:cNvCxnSpPr/>
+          <p:nvPr/>
+        </p:nvCxnSpPr>
+        <p:spPr>
+          <a:xfrm>
+            <a:off x="0" y="533400"/>
+            <a:ext cx="9144000" cy="0"/>
+          </a:xfrm>
+          <a:prstGeom prst="line">
+            <a:avLst/>
+          </a:prstGeom>
+          <a:ln w="34925">
+            <a:solidFill>
+              <a:schemeClr val="accent3"/>
+            </a:solidFill>
+          </a:ln>
+        </p:spPr>
+        <p:style>
+          <a:lnRef idx="1">
+            <a:schemeClr val="accent3"/>
+          </a:lnRef>
+          <a:fillRef idx="0">
+            <a:schemeClr val="accent3"/>
+          </a:fillRef>
+          <a:effectRef idx="0">
+            <a:schemeClr val="accent3"/>
+          </a:effectRef>
+          <a:fontRef idx="minor">
+            <a:schemeClr val="tx1"/>
+          </a:fontRef>
+        </p:style>
+      </p:cxnSp>
+      <p:sp>
+        <p:nvSpPr>
+          <p:cNvPr id="13" name="Slide Number Placeholder 12"/>
+          <p:cNvSpPr>
+            <a:spLocks noGrp="1"/>
+          </p:cNvSpPr>
+          <p:nvPr>
+            <p:ph type="sldNum" sz="quarter" idx="12"/>
+          </p:nvPr>
+        </p:nvSpPr>
+        <p:spPr/>
+        <p:txBody>
+          <a:bodyPr/>
+          <a:lstStyle/>
+          <a:p>
+            <a:fld id="{51856A66-21D7-4D51-AECF-27815D04D8F4}" type="slidenum">
+              <a:rPr lang="en-US" smtClean="0">
+                <a:latin typeface="Times New Roman" pitchFamily="18" charset="0"/>
+                <a:cs typeface="Times New Roman" pitchFamily="18" charset="0"/>
+              </a:rPr>
+              <a:pPr/>
+              <a:t>19</a:t>
+            </a:fld>
+            <a:endParaRPr lang="en-US">
+              <a:latin typeface="Times New Roman" pitchFamily="18" charset="0"/>
+              <a:cs typeface="Times New Roman" pitchFamily="18" charset="0"/>
+            </a:endParaRPr>
+          </a:p>
+        </p:txBody>
+      </p:sp>
+      <p:sp>
+        <p:nvSpPr>
+          <p:cNvPr id="3" name="TextBox 2"/>
+          <p:cNvSpPr txBox="1"/>
+          <p:nvPr/>
+        </p:nvSpPr>
+        <p:spPr>
+          <a:xfrm>
+            <a:off x="457200" y="685247"/>
+            <a:ext cx="7696200" cy="2308324"/>
+          </a:xfrm>
+          <a:prstGeom prst="rect">
+            <a:avLst/>
+          </a:prstGeom>
+          <a:noFill/>
+        </p:spPr>
+        <p:txBody>
+          <a:bodyPr wrap="square" rtlCol="0">
+            <a:spAutoFit/>
+          </a:bodyPr>
+          <a:lstStyle/>
+          <a:p>
+            <a:r>
+              <a:rPr lang="en-US" b="1">
+                <a:latin typeface="Times New Roman" pitchFamily="18" charset="0"/>
+                <a:cs typeface="Times New Roman" pitchFamily="18" charset="0"/>
+              </a:rPr>
+              <a:t>[Tiếng </a:t>
+            </a:r>
+            <a:r>
+              <a:rPr lang="en-US" b="1" smtClean="0">
+                <a:latin typeface="Times New Roman" pitchFamily="18" charset="0"/>
+                <a:cs typeface="Times New Roman" pitchFamily="18" charset="0"/>
+              </a:rPr>
+              <a:t>Việt]</a:t>
+            </a:r>
+            <a:endParaRPr lang="en-US">
+              <a:latin typeface="Times New Roman" pitchFamily="18" charset="0"/>
+              <a:cs typeface="Times New Roman" pitchFamily="18" charset="0"/>
+            </a:endParaRPr>
+          </a:p>
+          <a:p>
+            <a:pPr marL="285750" indent="-285750">
+              <a:buFont typeface="Arial" pitchFamily="34" charset="0"/>
+              <a:buChar char="•"/>
+            </a:pPr>
+            <a:r>
+              <a:rPr lang="en-US" smtClean="0">
+                <a:latin typeface="Times New Roman" pitchFamily="18" charset="0"/>
+                <a:cs typeface="Times New Roman" pitchFamily="18" charset="0"/>
+              </a:rPr>
+              <a:t>Giáo </a:t>
+            </a:r>
+            <a:r>
+              <a:rPr lang="en-US">
+                <a:latin typeface="Times New Roman" pitchFamily="18" charset="0"/>
+                <a:cs typeface="Times New Roman" pitchFamily="18" charset="0"/>
+              </a:rPr>
+              <a:t>trình xử lý ảnh , TS Phạm Việt Bình – TS Đỗ Năng Toàn, Đại Học Thái Nguyên, </a:t>
+            </a:r>
+            <a:r>
+              <a:rPr lang="en-US" smtClean="0">
+                <a:latin typeface="Times New Roman" pitchFamily="18" charset="0"/>
+                <a:cs typeface="Times New Roman" pitchFamily="18" charset="0"/>
+              </a:rPr>
+              <a:t>2007.</a:t>
+            </a:r>
+          </a:p>
+          <a:p>
+            <a:pPr marL="285750" indent="-285750">
+              <a:buFont typeface="Arial" pitchFamily="34" charset="0"/>
+              <a:buChar char="•"/>
+            </a:pPr>
+            <a:endParaRPr lang="en-US" smtClean="0">
+              <a:latin typeface="Times New Roman" pitchFamily="18" charset="0"/>
+              <a:cs typeface="Times New Roman" pitchFamily="18" charset="0"/>
+            </a:endParaRPr>
+          </a:p>
+          <a:p>
+            <a:pPr marL="285750" indent="-285750">
+              <a:buFont typeface="Arial" pitchFamily="34" charset="0"/>
+              <a:buChar char="•"/>
+            </a:pPr>
+            <a:r>
+              <a:rPr lang="en-US" smtClean="0">
+                <a:latin typeface="Times New Roman" pitchFamily="18" charset="0"/>
+                <a:cs typeface="Times New Roman" pitchFamily="18" charset="0"/>
+              </a:rPr>
+              <a:t>Giáo </a:t>
+            </a:r>
+            <a:r>
+              <a:rPr lang="en-US">
+                <a:latin typeface="Times New Roman" pitchFamily="18" charset="0"/>
+                <a:cs typeface="Times New Roman" pitchFamily="18" charset="0"/>
+              </a:rPr>
+              <a:t>trình xử lý ảnh, tập thể tác giá, Học Viện Công Nghệ Bưu Chính Viễn Thông, lưu hành nội bộ, </a:t>
+            </a:r>
+            <a:r>
+              <a:rPr lang="en-US" smtClean="0">
+                <a:latin typeface="Times New Roman" pitchFamily="18" charset="0"/>
+                <a:cs typeface="Times New Roman" pitchFamily="18" charset="0"/>
+              </a:rPr>
+              <a:t>2006.</a:t>
+            </a:r>
+          </a:p>
+          <a:p>
+            <a:pPr marL="285750" indent="-285750">
+              <a:buFont typeface="Arial" pitchFamily="34" charset="0"/>
+              <a:buChar char="•"/>
+            </a:pPr>
+            <a:endParaRPr lang="en-US" smtClean="0">
+              <a:latin typeface="Times New Roman" pitchFamily="18" charset="0"/>
+              <a:cs typeface="Times New Roman" pitchFamily="18" charset="0"/>
+            </a:endParaRPr>
+          </a:p>
+          <a:p>
+            <a:pPr marL="285750" indent="-285750">
+              <a:buFont typeface="Arial" pitchFamily="34" charset="0"/>
+              <a:buChar char="•"/>
+            </a:pPr>
+            <a:r>
+              <a:rPr lang="en-US" smtClean="0">
+                <a:latin typeface="Times New Roman" pitchFamily="18" charset="0"/>
+                <a:cs typeface="Times New Roman" pitchFamily="18" charset="0"/>
+              </a:rPr>
+              <a:t>Lý </a:t>
+            </a:r>
+            <a:r>
+              <a:rPr lang="en-US">
+                <a:latin typeface="Times New Roman" pitchFamily="18" charset="0"/>
+                <a:cs typeface="Times New Roman" pitchFamily="18" charset="0"/>
+              </a:rPr>
+              <a:t>thuyết mạng noron, Nguyễn Thanh Cẩm.</a:t>
+            </a:r>
+          </a:p>
+        </p:txBody>
+      </p:sp>
+      <p:sp>
+        <p:nvSpPr>
+          <p:cNvPr id="4" name="TextBox 3"/>
+          <p:cNvSpPr txBox="1"/>
+          <p:nvPr/>
+        </p:nvSpPr>
+        <p:spPr>
+          <a:xfrm>
+            <a:off x="405493" y="3233872"/>
+            <a:ext cx="7924800" cy="3693319"/>
+          </a:xfrm>
+          <a:prstGeom prst="rect">
+            <a:avLst/>
+          </a:prstGeom>
+          <a:noFill/>
+        </p:spPr>
+        <p:txBody>
+          <a:bodyPr wrap="square" rtlCol="0">
+            <a:spAutoFit/>
+          </a:bodyPr>
+          <a:lstStyle/>
+          <a:p>
+            <a:r>
+              <a:rPr lang="en-US" b="1">
+                <a:latin typeface="Times New Roman" pitchFamily="18" charset="0"/>
+                <a:cs typeface="Times New Roman" pitchFamily="18" charset="0"/>
+              </a:rPr>
+              <a:t>[Tiếng </a:t>
+            </a:r>
+            <a:r>
+              <a:rPr lang="en-US" b="1" smtClean="0">
+                <a:latin typeface="Times New Roman" pitchFamily="18" charset="0"/>
+                <a:cs typeface="Times New Roman" pitchFamily="18" charset="0"/>
+              </a:rPr>
+              <a:t>Anh]</a:t>
+            </a:r>
+          </a:p>
+          <a:p>
+            <a:pPr marL="285750" indent="-285750">
+              <a:buFont typeface="Arial" pitchFamily="34" charset="0"/>
+              <a:buChar char="•"/>
+            </a:pPr>
+            <a:r>
+              <a:rPr lang="en-US" smtClean="0">
+                <a:latin typeface="Times New Roman" pitchFamily="18" charset="0"/>
+                <a:cs typeface="Times New Roman" pitchFamily="18" charset="0"/>
+              </a:rPr>
+              <a:t>An </a:t>
+            </a:r>
+            <a:r>
+              <a:rPr lang="en-US">
+                <a:latin typeface="Times New Roman" pitchFamily="18" charset="0"/>
+                <a:cs typeface="Times New Roman" pitchFamily="18" charset="0"/>
+              </a:rPr>
+              <a:t>introduction to neural networks: Pattern learning with the back-propagation algorithm - </a:t>
+            </a:r>
+            <a:r>
+              <a:rPr lang="en-US" u="sng">
+                <a:latin typeface="Times New Roman" pitchFamily="18" charset="0"/>
+                <a:cs typeface="Times New Roman" pitchFamily="18" charset="0"/>
+                <a:hlinkClick r:id="rId2"/>
+              </a:rPr>
+              <a:t>http://</a:t>
+            </a:r>
+            <a:r>
+              <a:rPr lang="en-US" u="sng" smtClean="0">
+                <a:latin typeface="Times New Roman" pitchFamily="18" charset="0"/>
+                <a:cs typeface="Times New Roman" pitchFamily="18" charset="0"/>
+                <a:hlinkClick r:id="rId2"/>
+              </a:rPr>
+              <a:t>www.ibm.com/developerworks/library/l-neural/</a:t>
+            </a:r>
+            <a:endParaRPr lang="en-US" u="sng" smtClean="0">
+              <a:latin typeface="Times New Roman" pitchFamily="18" charset="0"/>
+              <a:cs typeface="Times New Roman" pitchFamily="18" charset="0"/>
+            </a:endParaRPr>
+          </a:p>
+          <a:p>
+            <a:pPr marL="285750" indent="-285750">
+              <a:buFont typeface="Arial" pitchFamily="34" charset="0"/>
+              <a:buChar char="•"/>
+            </a:pPr>
+            <a:endParaRPr lang="en-US" u="sng" smtClean="0">
+              <a:latin typeface="Times New Roman" pitchFamily="18" charset="0"/>
+              <a:cs typeface="Times New Roman" pitchFamily="18" charset="0"/>
+            </a:endParaRPr>
+          </a:p>
+          <a:p>
+            <a:pPr marL="285750" indent="-285750">
+              <a:buFont typeface="Arial" pitchFamily="34" charset="0"/>
+              <a:buChar char="•"/>
+            </a:pPr>
+            <a:r>
+              <a:rPr lang="en-US" smtClean="0">
+                <a:latin typeface="Times New Roman" pitchFamily="18" charset="0"/>
+                <a:cs typeface="Times New Roman" pitchFamily="18" charset="0"/>
+              </a:rPr>
+              <a:t>Android </a:t>
+            </a:r>
+            <a:r>
+              <a:rPr lang="en-US">
+                <a:latin typeface="Times New Roman" pitchFamily="18" charset="0"/>
+                <a:cs typeface="Times New Roman" pitchFamily="18" charset="0"/>
+              </a:rPr>
+              <a:t>technical resources </a:t>
+            </a:r>
+            <a:r>
+              <a:rPr lang="en-US" u="sng" smtClean="0">
+                <a:latin typeface="Times New Roman" pitchFamily="18" charset="0"/>
+                <a:cs typeface="Times New Roman" pitchFamily="18" charset="0"/>
+                <a:hlinkClick r:id="rId3"/>
+              </a:rPr>
+              <a:t>http</a:t>
+            </a:r>
+            <a:r>
+              <a:rPr lang="en-US" u="sng">
+                <a:latin typeface="Times New Roman" pitchFamily="18" charset="0"/>
+                <a:cs typeface="Times New Roman" pitchFamily="18" charset="0"/>
+                <a:hlinkClick r:id="rId3"/>
+              </a:rPr>
+              <a:t>://</a:t>
+            </a:r>
+            <a:r>
+              <a:rPr lang="en-US" u="sng" smtClean="0">
+                <a:latin typeface="Times New Roman" pitchFamily="18" charset="0"/>
+                <a:cs typeface="Times New Roman" pitchFamily="18" charset="0"/>
+                <a:hlinkClick r:id="rId3"/>
+              </a:rPr>
+              <a:t>developer.android.com/resources/browser.html?tag=tutorial</a:t>
+            </a:r>
+            <a:endParaRPr lang="en-US" u="sng" smtClean="0">
+              <a:latin typeface="Times New Roman" pitchFamily="18" charset="0"/>
+              <a:cs typeface="Times New Roman" pitchFamily="18" charset="0"/>
+            </a:endParaRPr>
+          </a:p>
+          <a:p>
+            <a:pPr marL="285750" indent="-285750">
+              <a:buFont typeface="Arial" pitchFamily="34" charset="0"/>
+              <a:buChar char="•"/>
+            </a:pPr>
+            <a:endParaRPr lang="en-US" u="sng" smtClean="0">
+              <a:latin typeface="Times New Roman" pitchFamily="18" charset="0"/>
+              <a:cs typeface="Times New Roman" pitchFamily="18" charset="0"/>
+            </a:endParaRPr>
+          </a:p>
+          <a:p>
+            <a:pPr marL="285750" indent="-285750">
+              <a:buFont typeface="Arial" pitchFamily="34" charset="0"/>
+              <a:buChar char="•"/>
+            </a:pPr>
+            <a:r>
+              <a:rPr lang="en-US" smtClean="0">
+                <a:latin typeface="Times New Roman" pitchFamily="18" charset="0"/>
+                <a:cs typeface="Times New Roman" pitchFamily="18" charset="0"/>
+              </a:rPr>
+              <a:t>Color-Based </a:t>
+            </a:r>
+            <a:r>
+              <a:rPr lang="en-US">
+                <a:latin typeface="Times New Roman" pitchFamily="18" charset="0"/>
+                <a:cs typeface="Times New Roman" pitchFamily="18" charset="0"/>
+              </a:rPr>
+              <a:t>Road Sign Detection and Tracking, Luis David Lopez and Olac Fuentes, Computer Science Department University of </a:t>
+            </a:r>
+            <a:r>
+              <a:rPr lang="en-US" smtClean="0">
+                <a:latin typeface="Times New Roman" pitchFamily="18" charset="0"/>
+                <a:cs typeface="Times New Roman" pitchFamily="18" charset="0"/>
+              </a:rPr>
+              <a:t>Texas</a:t>
+            </a:r>
+          </a:p>
+          <a:p>
+            <a:pPr marL="285750" indent="-285750">
+              <a:buFont typeface="Arial" pitchFamily="34" charset="0"/>
+              <a:buChar char="•"/>
+            </a:pPr>
+            <a:endParaRPr lang="en-US" smtClean="0">
+              <a:latin typeface="Times New Roman" pitchFamily="18" charset="0"/>
+              <a:cs typeface="Times New Roman" pitchFamily="18" charset="0"/>
+            </a:endParaRPr>
+          </a:p>
+          <a:p>
+            <a:pPr marL="285750" indent="-285750">
+              <a:buFont typeface="Arial" pitchFamily="34" charset="0"/>
+              <a:buChar char="•"/>
+            </a:pPr>
+            <a:r>
+              <a:rPr lang="en-US" smtClean="0">
+                <a:latin typeface="Times New Roman" pitchFamily="18" charset="0"/>
+                <a:cs typeface="Times New Roman" pitchFamily="18" charset="0"/>
+              </a:rPr>
+              <a:t>Traffic </a:t>
+            </a:r>
+            <a:r>
+              <a:rPr lang="en-US">
+                <a:latin typeface="Times New Roman" pitchFamily="18" charset="0"/>
+                <a:cs typeface="Times New Roman" pitchFamily="18" charset="0"/>
+              </a:rPr>
+              <a:t>Sign Recognition Using Neural network on OpenCV: Toward Intelligent Vehicle/Driver Assistance System, Auranuch Lorsakul - Jackrit Suthakorn</a:t>
+            </a:r>
+          </a:p>
+          <a:p>
+            <a:endParaRPr lang="en-US"/>
+          </a:p>
+        </p:txBody>
+      </p:sp>
+    </p:spTree>
+    <p:extLst>
+      <p:ext uri="{BB962C8B-B14F-4D97-AF65-F5344CB8AC3E}">
+        <p14:creationId xmlns:p14="http://schemas.microsoft.com/office/powerpoint/2010/main" val="459544379"/>
+      </p:ext>
+    </p:extLst>
+  </p:cSld>
+  <p:clrMapOvr>
+    <a:masterClrMapping/>
+  </p:clrMapOvr>
+  <mc:AlternateContent xmlns:mc="http://schemas.openxmlformats.org/markup-compatibility/2006">
+    <mc:Choice xmlns:p14="http://schemas.microsoft.com/office/powerpoint/2010/main" Requires="p14">
+      <p:transition spd="med" p14:dur="700">
+        <p:fade/>
+      </p:transition>
+    </mc:Choice>
+    <mc:Fallback>
+      <p:transition spd="med">
+        <p:fade/>
+      </p:transition>
+    </mc:Fallback>
+  </mc:AlternateContent>
   <p:timing>
     <p:tnLst>
       <p:par>
@@ -21856,10 +26078,30 @@
           <a:lstStyle/>
           <a:p>
             <a:r>
-              <a:rPr lang="en-US" b="1" smtClean="0"/>
-              <a:t>Mục lục</a:t>
+              <a:rPr lang="en-US" b="1" err="1" smtClean="0">
+                <a:latin typeface="Times New Roman" pitchFamily="18" charset="0"/>
+                <a:cs typeface="Times New Roman" pitchFamily="18" charset="0"/>
+              </a:rPr>
+              <a:t>Mục</a:t>
             </a:r>
-            <a:endParaRPr lang="en-US" b="1"/>
+            <a:r>
+              <a:rPr lang="en-US" b="1" smtClean="0">
+                <a:latin typeface="Times New Roman" pitchFamily="18" charset="0"/>
+                <a:cs typeface="Times New Roman" pitchFamily="18" charset="0"/>
+              </a:rPr>
+              <a:t> </a:t>
+            </a:r>
+            <a:r>
+              <a:rPr lang="en-US" b="1" err="1" smtClean="0">
+                <a:latin typeface="Times New Roman" pitchFamily="18" charset="0"/>
+                <a:cs typeface="Times New Roman" pitchFamily="18" charset="0"/>
+              </a:rPr>
+              <a:t>lục</a:t>
+            </a:r>
+            <a:endParaRPr lang="en-US" b="1">
+              <a:latin typeface="Times New Roman" pitchFamily="18" charset="0"/>
+              <a:cs typeface="Times New Roman" pitchFamily="18" charset="0"/>
+            </a:endParaRPr>
           </a:p>
         </p:txBody>
       </p:sp>
@@ -21919,10 +26161,40 @@
         </p:xfrm>
         <a:graphic>
           <a:graphicData uri="http://schemas.openxmlformats.org/drawingml/2006/diagram">
-            <dgm:relIds xmlns:dgm="http://schemas.openxmlformats.org/drawingml/2006/diagram" xmlns:r="http://schemas.openxmlformats.org/officeDocument/2006/relationships" r:dm="rId2" r:lo="rId3" r:qs="rId4" r:cs="rId5"/>
+            <dgm:relIds xmlns:dgm="http://schemas.openxmlformats.org/drawingml/2006/diagram" xmlns:r="http://schemas.openxmlformats.org/officeDocument/2006/relationships" r:dm="rId3" r:lo="rId4" r:qs="rId5" r:cs="rId6"/>
           </a:graphicData>
         </a:graphic>
       </p:graphicFrame>
+      <p:sp>
+        <p:nvSpPr>
+          <p:cNvPr id="8" name="Slide Number Placeholder 7"/>
+          <p:cNvSpPr>
+            <a:spLocks noGrp="1"/>
+          </p:cNvSpPr>
+          <p:nvPr>
+            <p:ph type="sldNum" sz="quarter" idx="12"/>
+          </p:nvPr>
+        </p:nvSpPr>
+        <p:spPr/>
+        <p:txBody>
+          <a:bodyPr/>
+          <a:lstStyle/>
+          <a:p>
+            <a:fld id="{51856A66-21D7-4D51-AECF-27815D04D8F4}" type="slidenum">
+              <a:rPr lang="en-US" smtClean="0">
+                <a:latin typeface="Times New Roman" pitchFamily="18" charset="0"/>
+                <a:cs typeface="Times New Roman" pitchFamily="18" charset="0"/>
+              </a:rPr>
+              <a:pPr/>
+              <a:t>2</a:t>
+            </a:fld>
+            <a:endParaRPr lang="en-US">
+              <a:latin typeface="Times New Roman" pitchFamily="18" charset="0"/>
+              <a:cs typeface="Times New Roman" pitchFamily="18" charset="0"/>
+            </a:endParaRPr>
+          </a:p>
+        </p:txBody>
+      </p:sp>
     </p:spTree>
     <p:extLst>
       <p:ext uri="{BB962C8B-B14F-4D97-AF65-F5344CB8AC3E}">
@@ -21933,6 +26205,18 @@
   <p:clrMapOvr>
     <a:masterClrMapping/>
   </p:clrMapOvr>
+  <mc:AlternateContent xmlns:mc="http://schemas.openxmlformats.org/markup-compatibility/2006">
+    <mc:Choice xmlns:p14="http://schemas.microsoft.com/office/powerpoint/2010/main" Requires="p14">
+      <p:transition spd="med" p14:dur="700">
+        <p:fade/>
+      </p:transition>
+    </mc:Choice>
+    <mc:Fallback>
+      <p:transition spd="med">
+        <p:fade/>
+      </p:transition>
+    </mc:Fallback>
+  </mc:AlternateContent>
   <p:timing>
     <p:tnLst>
       <p:par>
@@ -22005,10 +26289,44 @@
           <a:lstStyle/>
           <a:p>
             <a:r>
-              <a:rPr lang="en-US" b="1" smtClean="0"/>
-              <a:t>Đặt vấn đề</a:t>
+              <a:rPr lang="en-US" b="1" dirty="0" err="1" smtClean="0">
+                <a:latin typeface="Times New Roman" pitchFamily="18" charset="0"/>
+                <a:cs typeface="Times New Roman" pitchFamily="18" charset="0"/>
+              </a:rPr>
+              <a:t>Đặt</a:t>
             </a:r>
-            <a:endParaRPr lang="en-US" b="1"/>
+            <a:r>
+              <a:rPr lang="en-US" b="1" dirty="0" smtClean="0">
+                <a:latin typeface="Times New Roman" pitchFamily="18" charset="0"/>
+                <a:cs typeface="Times New Roman" pitchFamily="18" charset="0"/>
+              </a:rPr>
+              <a:t> </a:t>
+            </a:r>
+            <a:r>
+              <a:rPr lang="en-US" b="1" dirty="0" err="1" smtClean="0">
+                <a:latin typeface="Times New Roman" pitchFamily="18" charset="0"/>
+                <a:cs typeface="Times New Roman" pitchFamily="18" charset="0"/>
+              </a:rPr>
+              <a:t>vấn</a:t>
+            </a:r>
+            <a:r>
+              <a:rPr lang="en-US" b="1" dirty="0" smtClean="0">
+                <a:latin typeface="Times New Roman" pitchFamily="18" charset="0"/>
+                <a:cs typeface="Times New Roman" pitchFamily="18" charset="0"/>
+              </a:rPr>
+              <a:t> </a:t>
+            </a:r>
+            <a:r>
+              <a:rPr lang="en-US" b="1" dirty="0" err="1" smtClean="0">
+                <a:latin typeface="Times New Roman" pitchFamily="18" charset="0"/>
+                <a:cs typeface="Times New Roman" pitchFamily="18" charset="0"/>
+              </a:rPr>
+              <a:t>đề</a:t>
+            </a:r>
+            <a:endParaRPr lang="en-US" b="1" dirty="0">
+              <a:latin typeface="Times New Roman" pitchFamily="18" charset="0"/>
+              <a:cs typeface="Times New Roman" pitchFamily="18" charset="0"/>
+            </a:endParaRPr>
           </a:p>
         </p:txBody>
       </p:sp>
@@ -22050,9 +26368,39 @@
           </a:fontRef>
         </p:style>
       </p:cxnSp>
+      <p:sp>
+        <p:nvSpPr>
+          <p:cNvPr id="15" name="Slide Number Placeholder 14"/>
+          <p:cNvSpPr>
+            <a:spLocks noGrp="1"/>
+          </p:cNvSpPr>
+          <p:nvPr>
+            <p:ph type="sldNum" sz="quarter" idx="12"/>
+          </p:nvPr>
+        </p:nvSpPr>
+        <p:spPr/>
+        <p:txBody>
+          <a:bodyPr/>
+          <a:lstStyle/>
+          <a:p>
+            <a:fld id="{51856A66-21D7-4D51-AECF-27815D04D8F4}" type="slidenum">
+              <a:rPr lang="en-US" smtClean="0">
+                <a:latin typeface="Times New Roman" pitchFamily="18" charset="0"/>
+                <a:cs typeface="Times New Roman" pitchFamily="18" charset="0"/>
+              </a:rPr>
+              <a:pPr/>
+              <a:t>3</a:t>
+            </a:fld>
+            <a:endParaRPr lang="en-US">
+              <a:latin typeface="Times New Roman" pitchFamily="18" charset="0"/>
+              <a:cs typeface="Times New Roman" pitchFamily="18" charset="0"/>
+            </a:endParaRPr>
+          </a:p>
+        </p:txBody>
+      </p:sp>
       <p:pic>
         <p:nvPicPr>
-          <p:cNvPr id="2050" name="Picture 2" descr="C:\Users\HoaMua\Desktop\icon_question_man.png"/>
+          <p:cNvPr id="1026" name="Picture 2" descr="http://vnexpress.net/Files/Subject/3B/9E/15/2E/Bienbao_B.jpg"/>
           <p:cNvPicPr>
             <a:picLocks noChangeAspect="1" noChangeArrowheads="1"/>
           </p:cNvPicPr>
@@ -22073,8 +26421,8 @@
         </p:blipFill>
         <p:spPr bwMode="auto">
           <a:xfrm>
-            <a:off x="609600" y="876300"/>
-            <a:ext cx="2781300" cy="1714500"/>
+            <a:off x="2815359" y="2286000"/>
+            <a:ext cx="2381250" cy="2105026"/>
           </a:xfrm>
           <a:prstGeom prst="rect">
             <a:avLst/>
@@ -22091,9 +26439,47 @@
           </a:extLst>
         </p:spPr>
       </p:pic>
+      <p:sp>
+        <p:nvSpPr>
+          <p:cNvPr id="5" name="TextBox 4"/>
+          <p:cNvSpPr txBox="1"/>
+          <p:nvPr/>
+        </p:nvSpPr>
+        <p:spPr>
+          <a:xfrm>
+            <a:off x="5060027" y="2438400"/>
+            <a:ext cx="3017173" cy="1569660"/>
+          </a:xfrm>
+          <a:prstGeom prst="rect">
+            <a:avLst/>
+          </a:prstGeom>
+          <a:noFill/>
+        </p:spPr>
+        <p:txBody>
+          <a:bodyPr wrap="none" rtlCol="0">
+            <a:spAutoFit/>
+          </a:bodyPr>
+          <a:lstStyle/>
+          <a:p>
+            <a:r>
+              <a:rPr lang="en-US" sz="9600" b="1" dirty="0" smtClean="0">
+                <a:latin typeface="Segoe UI" pitchFamily="34" charset="0"/>
+                <a:ea typeface="Segoe UI" pitchFamily="34" charset="0"/>
+                <a:cs typeface="Segoe UI" pitchFamily="34" charset="0"/>
+              </a:rPr>
+              <a:t>= ???</a:t>
+            </a:r>
+            <a:endParaRPr lang="en-US" sz="9600" b="1" dirty="0">
+              <a:latin typeface="Segoe UI" pitchFamily="34" charset="0"/>
+              <a:ea typeface="Segoe UI" pitchFamily="34" charset="0"/>
+              <a:cs typeface="Segoe UI" pitchFamily="34" charset="0"/>
+            </a:endParaRPr>
+          </a:p>
+        </p:txBody>
+      </p:sp>
       <p:pic>
         <p:nvPicPr>
-          <p:cNvPr id="2051" name="Picture 3"/>
+          <p:cNvPr id="1028" name="Picture 4" descr="http://pblgtdb.mt.gov.vn/Uploads/Image/bienbao/Bien-bao-nguy-hiem.gif"/>
           <p:cNvPicPr>
             <a:picLocks noChangeAspect="1" noChangeArrowheads="1"/>
           </p:cNvPicPr>
@@ -22114,72 +26500,8 @@
         </p:blipFill>
         <p:spPr bwMode="auto">
           <a:xfrm>
-            <a:off x="6005093" y="891948"/>
-            <a:ext cx="2075928" cy="1762125"/>
-          </a:xfrm>
-          <a:prstGeom prst="rect">
-            <a:avLst/>
-          </a:prstGeom>
-          <a:noFill/>
-          <a:ln>
-            <a:noFill/>
-          </a:ln>
-          <a:effectLst/>
-          <a:extLst>
-            <a:ext uri="{909E8E84-426E-40DD-AFC4-6F175D3DCCD1}">
-              <a14:hiddenFill xmlns:a14="http://schemas.microsoft.com/office/drawing/2010/main">
-                <a:solidFill>
-                  <a:schemeClr val="accent1"/>
-                </a:solidFill>
-              </a14:hiddenFill>
-            </a:ext>
-            <a:ext uri="{91240B29-F687-4F45-9708-019B960494DF}">
-              <a14:hiddenLine xmlns:a14="http://schemas.microsoft.com/office/drawing/2010/main" w="9525">
-                <a:solidFill>
-                  <a:schemeClr val="tx1"/>
-                </a:solidFill>
-                <a:miter lim="800000"/>
-                <a:headEnd/>
-                <a:tailEnd/>
-              </a14:hiddenLine>
-            </a:ext>
-            <a:ext uri="{AF507438-7753-43E0-B8FC-AC1667EBCBE1}">
-              <a14:hiddenEffects xmlns:a14="http://schemas.microsoft.com/office/drawing/2010/main">
-                <a:effectLst>
-                  <a:outerShdw dist="35921" dir="2700000" algn="ctr" rotWithShape="0">
-                    <a:schemeClr val="bg2"/>
-                  </a:outerShdw>
-                </a:effectLst>
-              </a14:hiddenEffects>
-            </a:ext>
-          </a:extLst>
-        </p:spPr>
-      </p:pic>
-      <p:pic>
-        <p:nvPicPr>
-          <p:cNvPr id="2052" name="Picture 4" descr="C:\Users\HoaMua\Desktop\Got-Idea-Icon.jpg"/>
-          <p:cNvPicPr>
-            <a:picLocks noChangeAspect="1" noChangeArrowheads="1"/>
-          </p:cNvPicPr>
-          <p:nvPr/>
-        </p:nvPicPr>
-        <p:blipFill>
-          <a:blip r:embed="rId4" cstate="print">
-            <a:extLst>
-              <a:ext uri="{28A0092B-C50C-407E-A947-70E740481C1C}">
-                <a14:useLocalDpi xmlns:a14="http://schemas.microsoft.com/office/drawing/2010/main" val="0"/>
-              </a:ext>
-            </a:extLst>
-          </a:blip>
-          <a:srcRect/>
-          <a:stretch>
-            <a:fillRect/>
-          </a:stretch>
-        </p:blipFill>
-        <p:spPr bwMode="auto">
-          <a:xfrm>
-            <a:off x="3904133" y="1905000"/>
-            <a:ext cx="1605643" cy="2007054"/>
+            <a:off x="1905000" y="685800"/>
+            <a:ext cx="3977244" cy="5800148"/>
           </a:xfrm>
           <a:prstGeom prst="rect">
             <a:avLst/>
@@ -22196,408 +26518,122 @@
           </a:extLst>
         </p:spPr>
       </p:pic>
-      <p:grpSp>
-        <p:nvGrpSpPr>
-          <p:cNvPr id="3" name="Group 2"/>
-          <p:cNvGrpSpPr/>
+      <p:pic>
+        <p:nvPicPr>
+          <p:cNvPr id="1030" name="Picture 6" descr="http://pblgtdb.mt.gov.vn/Uploads/Image/bienbao/Bien-hieu-lenh.gif"/>
+          <p:cNvPicPr>
+            <a:picLocks noChangeAspect="1" noChangeArrowheads="1"/>
+          </p:cNvPicPr>
           <p:nvPr/>
-        </p:nvGrpSpPr>
-        <p:grpSpPr>
-          <a:xfrm>
-            <a:off x="3124200" y="4049485"/>
-            <a:ext cx="2673544" cy="2593572"/>
-            <a:chOff x="0" y="2936875"/>
-            <a:chExt cx="4011613" cy="3917950"/>
-          </a:xfrm>
-        </p:grpSpPr>
-        <p:pic>
-          <p:nvPicPr>
-            <p:cNvPr id="8" name="Picture 3"/>
-            <p:cNvPicPr>
-              <a:picLocks noChangeAspect="1"/>
-            </p:cNvPicPr>
-            <p:nvPr/>
-          </p:nvPicPr>
-          <p:blipFill>
-            <a:blip r:embed="rId5" cstate="print">
-              <a:extLst>
-                <a:ext uri="{28A0092B-C50C-407E-A947-70E740481C1C}">
-                  <a14:useLocalDpi xmlns:a14="http://schemas.microsoft.com/office/drawing/2010/main" val="0"/>
-                </a:ext>
-              </a:extLst>
-            </a:blip>
-            <a:srcRect/>
-            <a:stretch>
-              <a:fillRect/>
-            </a:stretch>
-          </p:blipFill>
-          <p:spPr bwMode="auto">
-            <a:xfrm>
-              <a:off x="0" y="2936875"/>
-              <a:ext cx="4011613" cy="3917950"/>
-            </a:xfrm>
-            <a:prstGeom prst="rect">
-              <a:avLst/>
-            </a:prstGeom>
-            <a:noFill/>
-            <a:ln>
-              <a:noFill/>
-            </a:ln>
+        </p:nvPicPr>
+        <p:blipFill>
+          <a:blip r:embed="rId4">
             <a:extLst>
-              <a:ext uri="{909E8E84-426E-40DD-AFC4-6F175D3DCCD1}">
-                <a14:hiddenFill xmlns:a14="http://schemas.microsoft.com/office/drawing/2010/main">
-                  <a:solidFill>
-                    <a:srgbClr val="FFFFFF"/>
-                  </a:solidFill>
-                </a14:hiddenFill>
-              </a:ext>
-              <a:ext uri="{91240B29-F687-4F45-9708-019B960494DF}">
-                <a14:hiddenLine xmlns:a14="http://schemas.microsoft.com/office/drawing/2010/main" w="9525">
-                  <a:solidFill>
-                    <a:srgbClr val="000000"/>
-                  </a:solidFill>
-                  <a:miter lim="800000"/>
-                  <a:headEnd/>
-                  <a:tailEnd/>
-                </a14:hiddenLine>
+              <a:ext uri="{28A0092B-C50C-407E-A947-70E740481C1C}">
+                <a14:useLocalDpi xmlns:a14="http://schemas.microsoft.com/office/drawing/2010/main" val="0"/>
               </a:ext>
             </a:extLst>
-          </p:spPr>
-        </p:pic>
-        <p:grpSp>
-          <p:nvGrpSpPr>
-            <p:cNvPr id="10" name="Group 5"/>
-            <p:cNvGrpSpPr>
-              <a:grpSpLocks/>
-            </p:cNvGrpSpPr>
-            <p:nvPr/>
-          </p:nvGrpSpPr>
-          <p:grpSpPr bwMode="auto">
-            <a:xfrm>
-              <a:off x="1763713" y="3141663"/>
-              <a:ext cx="1587500" cy="2516187"/>
-              <a:chOff x="3131840" y="692696"/>
-              <a:chExt cx="2664296" cy="4176464"/>
-            </a:xfrm>
-          </p:grpSpPr>
-          <p:sp>
-            <p:nvSpPr>
-              <p:cNvPr id="11" name="Rectangle 10"/>
-              <p:cNvSpPr/>
-              <p:nvPr/>
-            </p:nvSpPr>
-            <p:spPr>
-              <a:xfrm>
-                <a:off x="3131840" y="692696"/>
-                <a:ext cx="2664296" cy="4176464"/>
-              </a:xfrm>
-              <a:prstGeom prst="rect">
-                <a:avLst/>
-              </a:prstGeom>
-              <a:gradFill flip="none" rotWithShape="1">
-                <a:gsLst>
-                  <a:gs pos="0">
-                    <a:srgbClr val="FBEAC7"/>
-                  </a:gs>
-                  <a:gs pos="17999">
-                    <a:srgbClr val="FEE7F2"/>
-                  </a:gs>
-                  <a:gs pos="36000">
-                    <a:srgbClr val="FAC77D"/>
-                  </a:gs>
-                  <a:gs pos="61000">
-                    <a:srgbClr val="FBA97D"/>
-                  </a:gs>
-                  <a:gs pos="82001">
-                    <a:srgbClr val="FBD49C"/>
-                  </a:gs>
-                  <a:gs pos="100000">
-                    <a:srgbClr val="FEE7F2"/>
-                  </a:gs>
-                </a:gsLst>
-                <a:path path="circle">
-                  <a:fillToRect l="100000" t="100000"/>
-                </a:path>
-                <a:tileRect r="-100000" b="-100000"/>
-              </a:gradFill>
-              <a:ln>
+          </a:blip>
+          <a:srcRect/>
+          <a:stretch>
+            <a:fillRect/>
+          </a:stretch>
+        </p:blipFill>
+        <p:spPr bwMode="auto">
+          <a:xfrm>
+            <a:off x="3276600" y="682680"/>
+            <a:ext cx="5715000" cy="2419351"/>
+          </a:xfrm>
+          <a:prstGeom prst="rect">
+            <a:avLst/>
+          </a:prstGeom>
+          <a:noFill/>
+          <a:extLst>
+            <a:ext uri="{909E8E84-426E-40DD-AFC4-6F175D3DCCD1}">
+              <a14:hiddenFill xmlns:a14="http://schemas.microsoft.com/office/drawing/2010/main">
                 <a:solidFill>
-                  <a:schemeClr val="bg1">
-                    <a:lumMod val="65000"/>
-                  </a:schemeClr>
+                  <a:srgbClr val="FFFFFF"/>
                 </a:solidFill>
-              </a:ln>
-            </p:spPr>
-            <p:style>
-              <a:lnRef idx="2">
-                <a:schemeClr val="accent1">
-                  <a:shade val="50000"/>
-                </a:schemeClr>
-              </a:lnRef>
-              <a:fillRef idx="1">
-                <a:schemeClr val="accent1"/>
-              </a:fillRef>
-              <a:effectRef idx="0">
-                <a:schemeClr val="accent1"/>
-              </a:effectRef>
-              <a:fontRef idx="minor">
-                <a:schemeClr val="lt1"/>
-              </a:fontRef>
-            </p:style>
-            <p:txBody>
-              <a:bodyPr anchor="ctr"/>
-              <a:lstStyle/>
-              <a:p>
-                <a:pPr algn="ctr" fontAlgn="auto">
-                  <a:spcBef>
-                    <a:spcPts val="0"/>
-                  </a:spcBef>
-                  <a:spcAft>
-                    <a:spcPts val="0"/>
-                  </a:spcAft>
-                  <a:defRPr/>
-                </a:pPr>
-                <a:r>
-                  <a:rPr lang="en-GB" sz="1300" b="1" smtClean="0">
-                    <a:solidFill>
-                      <a:srgbClr val="FF0000"/>
-                    </a:solidFill>
-                  </a:rPr>
-                  <a:t>I have smartphone</a:t>
-                </a:r>
-                <a:endParaRPr lang="en-GB" sz="1300" b="1" dirty="0">
-                  <a:solidFill>
-                    <a:srgbClr val="FF0000"/>
-                  </a:solidFill>
-                </a:endParaRPr>
-              </a:p>
-            </p:txBody>
-          </p:sp>
-          <p:pic>
-            <p:nvPicPr>
-              <p:cNvPr id="12" name="Picture 2"/>
-              <p:cNvPicPr>
-                <a:picLocks noChangeAspect="1"/>
-              </p:cNvPicPr>
-              <p:nvPr/>
-            </p:nvPicPr>
-            <p:blipFill>
-              <a:blip r:embed="rId6" cstate="print">
-                <a:extLst>
-                  <a:ext uri="{28A0092B-C50C-407E-A947-70E740481C1C}">
-                    <a14:useLocalDpi xmlns:a14="http://schemas.microsoft.com/office/drawing/2010/main" val="0"/>
-                  </a:ext>
-                </a:extLst>
-              </a:blip>
-              <a:srcRect/>
-              <a:stretch>
-                <a:fillRect/>
-              </a:stretch>
-            </p:blipFill>
-            <p:spPr bwMode="auto">
-              <a:xfrm>
-                <a:off x="3134389" y="692696"/>
-                <a:ext cx="2659200" cy="271867"/>
-              </a:xfrm>
-              <a:prstGeom prst="rect">
-                <a:avLst/>
-              </a:prstGeom>
-              <a:noFill/>
-              <a:ln>
-                <a:noFill/>
-              </a:ln>
-              <a:extLst>
-                <a:ext uri="{909E8E84-426E-40DD-AFC4-6F175D3DCCD1}">
-                  <a14:hiddenFill xmlns:a14="http://schemas.microsoft.com/office/drawing/2010/main">
-                    <a:solidFill>
-                      <a:srgbClr val="FFFFFF"/>
-                    </a:solidFill>
-                  </a14:hiddenFill>
-                </a:ext>
-                <a:ext uri="{91240B29-F687-4F45-9708-019B960494DF}">
-                  <a14:hiddenLine xmlns:a14="http://schemas.microsoft.com/office/drawing/2010/main" w="9525">
-                    <a:solidFill>
-                      <a:srgbClr val="000000"/>
-                    </a:solidFill>
-                    <a:miter lim="800000"/>
-                    <a:headEnd/>
-                    <a:tailEnd/>
-                  </a14:hiddenLine>
-                </a:ext>
-              </a:extLst>
-            </p:spPr>
-          </p:pic>
-          <p:sp>
-            <p:nvSpPr>
-              <p:cNvPr id="13" name="TextBox 1"/>
-              <p:cNvSpPr txBox="1">
-                <a:spLocks noChangeArrowheads="1"/>
-              </p:cNvSpPr>
-              <p:nvPr/>
-            </p:nvSpPr>
-            <p:spPr bwMode="auto">
-              <a:xfrm>
-                <a:off x="4157593" y="692696"/>
-                <a:ext cx="650088" cy="332009"/>
-              </a:xfrm>
-              <a:prstGeom prst="rect">
-                <a:avLst/>
-              </a:prstGeom>
-              <a:noFill/>
-              <a:ln>
-                <a:noFill/>
-              </a:ln>
-              <a:extLst>
-                <a:ext uri="{909E8E84-426E-40DD-AFC4-6F175D3DCCD1}">
-                  <a14:hiddenFill xmlns:a14="http://schemas.microsoft.com/office/drawing/2010/main">
-                    <a:solidFill>
-                      <a:srgbClr val="FFFFFF"/>
-                    </a:solidFill>
-                  </a14:hiddenFill>
-                </a:ext>
-                <a:ext uri="{91240B29-F687-4F45-9708-019B960494DF}">
-                  <a14:hiddenLine xmlns:a14="http://schemas.microsoft.com/office/drawing/2010/main" w="9525">
-                    <a:solidFill>
-                      <a:srgbClr val="000000"/>
-                    </a:solidFill>
-                    <a:miter lim="800000"/>
-                    <a:headEnd/>
-                    <a:tailEnd/>
-                  </a14:hiddenLine>
-                </a:ext>
-              </a:extLst>
-            </p:spPr>
-            <p:txBody>
-              <a:bodyPr wrap="none">
-                <a:spAutoFit/>
-              </a:bodyPr>
-              <a:lstStyle>
-                <a:lvl1pPr eaLnBrk="0" hangingPunct="0">
-                  <a:defRPr>
-                    <a:solidFill>
-                      <a:schemeClr val="tx1"/>
-                    </a:solidFill>
-                    <a:latin typeface="Calibri" pitchFamily="34" charset="0"/>
-                    <a:cs typeface="Arial" charset="0"/>
-                  </a:defRPr>
-                </a:lvl1pPr>
-                <a:lvl2pPr marL="742950" indent="-285750" eaLnBrk="0" hangingPunct="0">
-                  <a:defRPr>
-                    <a:solidFill>
-                      <a:schemeClr val="tx1"/>
-                    </a:solidFill>
-                    <a:latin typeface="Calibri" pitchFamily="34" charset="0"/>
-                    <a:cs typeface="Arial" charset="0"/>
-                  </a:defRPr>
-                </a:lvl2pPr>
-                <a:lvl3pPr marL="1143000" indent="-228600" eaLnBrk="0" hangingPunct="0">
-                  <a:defRPr>
-                    <a:solidFill>
-                      <a:schemeClr val="tx1"/>
-                    </a:solidFill>
-                    <a:latin typeface="Calibri" pitchFamily="34" charset="0"/>
-                    <a:cs typeface="Arial" charset="0"/>
-                  </a:defRPr>
-                </a:lvl3pPr>
-                <a:lvl4pPr marL="1600200" indent="-228600" eaLnBrk="0" hangingPunct="0">
-                  <a:defRPr>
-                    <a:solidFill>
-                      <a:schemeClr val="tx1"/>
-                    </a:solidFill>
-                    <a:latin typeface="Calibri" pitchFamily="34" charset="0"/>
-                    <a:cs typeface="Arial" charset="0"/>
-                  </a:defRPr>
-                </a:lvl4pPr>
-                <a:lvl5pPr marL="2057400" indent="-228600" eaLnBrk="0" hangingPunct="0">
-                  <a:defRPr>
-                    <a:solidFill>
-                      <a:schemeClr val="tx1"/>
-                    </a:solidFill>
-                    <a:latin typeface="Calibri" pitchFamily="34" charset="0"/>
-                    <a:cs typeface="Arial" charset="0"/>
-                  </a:defRPr>
-                </a:lvl5pPr>
-                <a:lvl6pPr marL="2514600" indent="-228600" eaLnBrk="0" fontAlgn="base" hangingPunct="0">
-                  <a:spcBef>
-                    <a:spcPct val="0"/>
-                  </a:spcBef>
-                  <a:spcAft>
-                    <a:spcPct val="0"/>
-                  </a:spcAft>
-                  <a:defRPr>
-                    <a:solidFill>
-                      <a:schemeClr val="tx1"/>
-                    </a:solidFill>
-                    <a:latin typeface="Calibri" pitchFamily="34" charset="0"/>
-                    <a:cs typeface="Arial" charset="0"/>
-                  </a:defRPr>
-                </a:lvl6pPr>
-                <a:lvl7pPr marL="2971800" indent="-228600" eaLnBrk="0" fontAlgn="base" hangingPunct="0">
-                  <a:spcBef>
-                    <a:spcPct val="0"/>
-                  </a:spcBef>
-                  <a:spcAft>
-                    <a:spcPct val="0"/>
-                  </a:spcAft>
-                  <a:defRPr>
-                    <a:solidFill>
-                      <a:schemeClr val="tx1"/>
-                    </a:solidFill>
-                    <a:latin typeface="Calibri" pitchFamily="34" charset="0"/>
-                    <a:cs typeface="Arial" charset="0"/>
-                  </a:defRPr>
-                </a:lvl7pPr>
-                <a:lvl8pPr marL="3429000" indent="-228600" eaLnBrk="0" fontAlgn="base" hangingPunct="0">
-                  <a:spcBef>
-                    <a:spcPct val="0"/>
-                  </a:spcBef>
-                  <a:spcAft>
-                    <a:spcPct val="0"/>
-                  </a:spcAft>
-                  <a:defRPr>
-                    <a:solidFill>
-                      <a:schemeClr val="tx1"/>
-                    </a:solidFill>
-                    <a:latin typeface="Calibri" pitchFamily="34" charset="0"/>
-                    <a:cs typeface="Arial" charset="0"/>
-                  </a:defRPr>
-                </a:lvl8pPr>
-                <a:lvl9pPr marL="3886200" indent="-228600" eaLnBrk="0" fontAlgn="base" hangingPunct="0">
-                  <a:spcBef>
-                    <a:spcPct val="0"/>
-                  </a:spcBef>
-                  <a:spcAft>
-                    <a:spcPct val="0"/>
-                  </a:spcAft>
-                  <a:defRPr>
-                    <a:solidFill>
-                      <a:schemeClr val="tx1"/>
-                    </a:solidFill>
-                    <a:latin typeface="Calibri" pitchFamily="34" charset="0"/>
-                    <a:cs typeface="Arial" charset="0"/>
-                  </a:defRPr>
-                </a:lvl9pPr>
-              </a:lstStyle>
-              <a:p>
-                <a:pPr algn="ctr" eaLnBrk="1" hangingPunct="1"/>
-                <a:r>
-                  <a:rPr lang="en-GB" sz="700">
-                    <a:solidFill>
-                      <a:srgbClr val="404040"/>
-                    </a:solidFill>
-                  </a:rPr>
-                  <a:t>16:59</a:t>
-                </a:r>
-                <a:endParaRPr lang="en-GB" sz="1600">
-                  <a:solidFill>
-                    <a:srgbClr val="404040"/>
-                  </a:solidFill>
-                </a:endParaRPr>
-              </a:p>
-            </p:txBody>
-          </p:sp>
-        </p:grpSp>
-      </p:grpSp>
+              </a14:hiddenFill>
+            </a:ext>
+          </a:extLst>
+        </p:spPr>
+      </p:pic>
+      <p:pic>
+        <p:nvPicPr>
+          <p:cNvPr id="1032" name="Picture 8" descr="http://pblgtdb.mt.gov.vn/Uploads/Image/bienbao/Bien-chi-dan.gif"/>
+          <p:cNvPicPr>
+            <a:picLocks noChangeAspect="1" noChangeArrowheads="1"/>
+          </p:cNvPicPr>
+          <p:nvPr/>
+        </p:nvPicPr>
+        <p:blipFill>
+          <a:blip r:embed="rId5">
+            <a:extLst>
+              <a:ext uri="{28A0092B-C50C-407E-A947-70E740481C1C}">
+                <a14:useLocalDpi xmlns:a14="http://schemas.microsoft.com/office/drawing/2010/main" val="0"/>
+              </a:ext>
+            </a:extLst>
+          </a:blip>
+          <a:srcRect/>
+          <a:stretch>
+            <a:fillRect/>
+          </a:stretch>
+        </p:blipFill>
+        <p:spPr bwMode="auto">
+          <a:xfrm>
+            <a:off x="3853419" y="533400"/>
+            <a:ext cx="4057650" cy="5978270"/>
+          </a:xfrm>
+          <a:prstGeom prst="rect">
+            <a:avLst/>
+          </a:prstGeom>
+          <a:noFill/>
+          <a:extLst>
+            <a:ext uri="{909E8E84-426E-40DD-AFC4-6F175D3DCCD1}">
+              <a14:hiddenFill xmlns:a14="http://schemas.microsoft.com/office/drawing/2010/main">
+                <a:solidFill>
+                  <a:srgbClr val="FFFFFF"/>
+                </a:solidFill>
+              </a14:hiddenFill>
+            </a:ext>
+          </a:extLst>
+        </p:spPr>
+      </p:pic>
+      <p:sp>
+        <p:nvSpPr>
+          <p:cNvPr id="6" name="TextBox 5"/>
+          <p:cNvSpPr txBox="1"/>
+          <p:nvPr/>
+        </p:nvSpPr>
+        <p:spPr>
+          <a:xfrm>
+            <a:off x="3853419" y="2783502"/>
+            <a:ext cx="1584088" cy="1200329"/>
+          </a:xfrm>
+          <a:prstGeom prst="rect">
+            <a:avLst/>
+          </a:prstGeom>
+          <a:noFill/>
+        </p:spPr>
+        <p:txBody>
+          <a:bodyPr wrap="none" rtlCol="0">
+            <a:spAutoFit/>
+          </a:bodyPr>
+          <a:lstStyle/>
+          <a:p>
+            <a:r>
+              <a:rPr lang="en-US" sz="7200" b="1" dirty="0" smtClean="0">
+                <a:latin typeface="Blackadder ITC" pitchFamily="82" charset="0"/>
+              </a:rPr>
+              <a:t>???</a:t>
+            </a:r>
+            <a:endParaRPr lang="en-US" sz="7200" b="1" dirty="0">
+              <a:latin typeface="Blackadder ITC" pitchFamily="82" charset="0"/>
+            </a:endParaRPr>
+          </a:p>
+        </p:txBody>
+      </p:sp>
     </p:spTree>
     <p:extLst>
       <p:ext uri="{BB962C8B-B14F-4D97-AF65-F5344CB8AC3E}">
@@ -22608,17 +26644,1375 @@
   <p:clrMapOvr>
     <a:masterClrMapping/>
   </p:clrMapOvr>
+  <mc:AlternateContent xmlns:mc="http://schemas.openxmlformats.org/markup-compatibility/2006">
+    <mc:Choice xmlns:p14="http://schemas.microsoft.com/office/powerpoint/2010/main" Requires="p14">
+      <p:transition spd="med" p14:dur="700">
+        <p:fade/>
+      </p:transition>
+    </mc:Choice>
+    <mc:Fallback>
+      <p:transition spd="med">
+        <p:fade/>
+      </p:transition>
+    </mc:Fallback>
+  </mc:AlternateContent>
   <p:timing>
     <p:tnLst>
       <p:par>
-        <p:cTn id="1" dur="indefinite" restart="never" nodeType="tmRoot"/>
+        <p:cTn id="1" dur="indefinite" restart="never" nodeType="tmRoot">
+          <p:childTnLst>
+            <p:seq concurrent="1" nextAc="seek">
+              <p:cTn id="2" dur="indefinite" nodeType="mainSeq">
+                <p:childTnLst>
+                  <p:par>
+                    <p:cTn id="3" fill="hold">
+                      <p:stCondLst>
+                        <p:cond delay="indefinite"/>
+                      </p:stCondLst>
+                      <p:childTnLst>
+                        <p:par>
+                          <p:cTn id="4" fill="hold">
+                            <p:stCondLst>
+                              <p:cond delay="0"/>
+                            </p:stCondLst>
+                            <p:childTnLst>
+                              <p:par>
+                                <p:cTn id="5" presetID="10" presetClass="entr" presetSubtype="0" fill="hold" nodeType="clickEffect">
+                                  <p:stCondLst>
+                                    <p:cond delay="0"/>
+                                  </p:stCondLst>
+                                  <p:childTnLst>
+                                    <p:set>
+                                      <p:cBhvr>
+                                        <p:cTn id="6" dur="1" fill="hold">
+                                          <p:stCondLst>
+                                            <p:cond delay="0"/>
+                                          </p:stCondLst>
+                                        </p:cTn>
+                                        <p:tgtEl>
+                                          <p:spTgt spid="1026"/>
+                                        </p:tgtEl>
+                                        <p:attrNameLst>
+                                          <p:attrName>style.visibility</p:attrName>
+                                        </p:attrNameLst>
+                                      </p:cBhvr>
+                                      <p:to>
+                                        <p:strVal val="visible"/>
+                                      </p:to>
+                                    </p:set>
+                                    <p:animEffect transition="in" filter="fade">
+                                      <p:cBhvr>
+                                        <p:cTn id="7" dur="500"/>
+                                        <p:tgtEl>
+                                          <p:spTgt spid="1026"/>
+                                        </p:tgtEl>
+                                      </p:cBhvr>
+                                    </p:animEffect>
+                                  </p:childTnLst>
+                                </p:cTn>
+                              </p:par>
+                            </p:childTnLst>
+                          </p:cTn>
+                        </p:par>
+                        <p:par>
+                          <p:cTn id="8" fill="hold">
+                            <p:stCondLst>
+                              <p:cond delay="500"/>
+                            </p:stCondLst>
+                            <p:childTnLst>
+                              <p:par>
+                                <p:cTn id="9" presetID="10" presetClass="entr" presetSubtype="0" fill="hold" grpId="0" nodeType="afterEffect">
+                                  <p:stCondLst>
+                                    <p:cond delay="0"/>
+                                  </p:stCondLst>
+                                  <p:childTnLst>
+                                    <p:set>
+                                      <p:cBhvr>
+                                        <p:cTn id="10" dur="1" fill="hold">
+                                          <p:stCondLst>
+                                            <p:cond delay="0"/>
+                                          </p:stCondLst>
+                                        </p:cTn>
+                                        <p:tgtEl>
+                                          <p:spTgt spid="5"/>
+                                        </p:tgtEl>
+                                        <p:attrNameLst>
+                                          <p:attrName>style.visibility</p:attrName>
+                                        </p:attrNameLst>
+                                      </p:cBhvr>
+                                      <p:to>
+                                        <p:strVal val="visible"/>
+                                      </p:to>
+                                    </p:set>
+                                    <p:animEffect transition="in" filter="fade">
+                                      <p:cBhvr>
+                                        <p:cTn id="11" dur="500"/>
+                                        <p:tgtEl>
+                                          <p:spTgt spid="5"/>
+                                        </p:tgtEl>
+                                      </p:cBhvr>
+                                    </p:animEffect>
+                                  </p:childTnLst>
+                                </p:cTn>
+                              </p:par>
+                            </p:childTnLst>
+                          </p:cTn>
+                        </p:par>
+                      </p:childTnLst>
+                    </p:cTn>
+                  </p:par>
+                  <p:par>
+                    <p:cTn id="12" fill="hold">
+                      <p:stCondLst>
+                        <p:cond delay="indefinite"/>
+                      </p:stCondLst>
+                      <p:childTnLst>
+                        <p:par>
+                          <p:cTn id="13" fill="hold">
+                            <p:stCondLst>
+                              <p:cond delay="0"/>
+                            </p:stCondLst>
+                            <p:childTnLst>
+                              <p:par>
+                                <p:cTn id="14" presetID="10" presetClass="exit" presetSubtype="0" fill="hold" nodeType="clickEffect">
+                                  <p:stCondLst>
+                                    <p:cond delay="0"/>
+                                  </p:stCondLst>
+                                  <p:childTnLst>
+                                    <p:animEffect transition="out" filter="fade">
+                                      <p:cBhvr>
+                                        <p:cTn id="15" dur="500"/>
+                                        <p:tgtEl>
+                                          <p:spTgt spid="1026"/>
+                                        </p:tgtEl>
+                                      </p:cBhvr>
+                                    </p:animEffect>
+                                    <p:set>
+                                      <p:cBhvr>
+                                        <p:cTn id="16" dur="1" fill="hold">
+                                          <p:stCondLst>
+                                            <p:cond delay="499"/>
+                                          </p:stCondLst>
+                                        </p:cTn>
+                                        <p:tgtEl>
+                                          <p:spTgt spid="1026"/>
+                                        </p:tgtEl>
+                                        <p:attrNameLst>
+                                          <p:attrName>style.visibility</p:attrName>
+                                        </p:attrNameLst>
+                                      </p:cBhvr>
+                                      <p:to>
+                                        <p:strVal val="hidden"/>
+                                      </p:to>
+                                    </p:set>
+                                  </p:childTnLst>
+                                </p:cTn>
+                              </p:par>
+                              <p:par>
+                                <p:cTn id="17" presetID="10" presetClass="exit" presetSubtype="0" fill="hold" grpId="1" nodeType="withEffect">
+                                  <p:stCondLst>
+                                    <p:cond delay="0"/>
+                                  </p:stCondLst>
+                                  <p:childTnLst>
+                                    <p:animEffect transition="out" filter="fade">
+                                      <p:cBhvr>
+                                        <p:cTn id="18" dur="500"/>
+                                        <p:tgtEl>
+                                          <p:spTgt spid="5"/>
+                                        </p:tgtEl>
+                                      </p:cBhvr>
+                                    </p:animEffect>
+                                    <p:set>
+                                      <p:cBhvr>
+                                        <p:cTn id="19" dur="1" fill="hold">
+                                          <p:stCondLst>
+                                            <p:cond delay="499"/>
+                                          </p:stCondLst>
+                                        </p:cTn>
+                                        <p:tgtEl>
+                                          <p:spTgt spid="5"/>
+                                        </p:tgtEl>
+                                        <p:attrNameLst>
+                                          <p:attrName>style.visibility</p:attrName>
+                                        </p:attrNameLst>
+                                      </p:cBhvr>
+                                      <p:to>
+                                        <p:strVal val="hidden"/>
+                                      </p:to>
+                                    </p:set>
+                                  </p:childTnLst>
+                                </p:cTn>
+                              </p:par>
+                            </p:childTnLst>
+                          </p:cTn>
+                        </p:par>
+                      </p:childTnLst>
+                    </p:cTn>
+                  </p:par>
+                  <p:par>
+                    <p:cTn id="20" fill="hold">
+                      <p:stCondLst>
+                        <p:cond delay="indefinite"/>
+                      </p:stCondLst>
+                      <p:childTnLst>
+                        <p:par>
+                          <p:cTn id="21" fill="hold">
+                            <p:stCondLst>
+                              <p:cond delay="0"/>
+                            </p:stCondLst>
+                            <p:childTnLst>
+                              <p:par>
+                                <p:cTn id="22" presetID="2" presetClass="entr" presetSubtype="4" fill="hold" nodeType="clickEffect">
+                                  <p:stCondLst>
+                                    <p:cond delay="0"/>
+                                  </p:stCondLst>
+                                  <p:childTnLst>
+                                    <p:set>
+                                      <p:cBhvr>
+                                        <p:cTn id="23" dur="1" fill="hold">
+                                          <p:stCondLst>
+                                            <p:cond delay="0"/>
+                                          </p:stCondLst>
+                                        </p:cTn>
+                                        <p:tgtEl>
+                                          <p:spTgt spid="1028"/>
+                                        </p:tgtEl>
+                                        <p:attrNameLst>
+                                          <p:attrName>style.visibility</p:attrName>
+                                        </p:attrNameLst>
+                                      </p:cBhvr>
+                                      <p:to>
+                                        <p:strVal val="visible"/>
+                                      </p:to>
+                                    </p:set>
+                                    <p:anim calcmode="lin" valueType="num">
+                                      <p:cBhvr additive="base">
+                                        <p:cTn id="24" dur="500" fill="hold"/>
+                                        <p:tgtEl>
+                                          <p:spTgt spid="1028"/>
+                                        </p:tgtEl>
+                                        <p:attrNameLst>
+                                          <p:attrName>ppt_x</p:attrName>
+                                        </p:attrNameLst>
+                                      </p:cBhvr>
+                                      <p:tavLst>
+                                        <p:tav tm="0">
+                                          <p:val>
+                                            <p:strVal val="#ppt_x"/>
+                                          </p:val>
+                                        </p:tav>
+                                        <p:tav tm="100000">
+                                          <p:val>
+                                            <p:strVal val="#ppt_x"/>
+                                          </p:val>
+                                        </p:tav>
+                                      </p:tavLst>
+                                    </p:anim>
+                                    <p:anim calcmode="lin" valueType="num">
+                                      <p:cBhvr additive="base">
+                                        <p:cTn id="25" dur="500" fill="hold"/>
+                                        <p:tgtEl>
+                                          <p:spTgt spid="1028"/>
+                                        </p:tgtEl>
+                                        <p:attrNameLst>
+                                          <p:attrName>ppt_y</p:attrName>
+                                        </p:attrNameLst>
+                                      </p:cBhvr>
+                                      <p:tavLst>
+                                        <p:tav tm="0">
+                                          <p:val>
+                                            <p:strVal val="1+#ppt_h/2"/>
+                                          </p:val>
+                                        </p:tav>
+                                        <p:tav tm="100000">
+                                          <p:val>
+                                            <p:strVal val="#ppt_y"/>
+                                          </p:val>
+                                        </p:tav>
+                                      </p:tavLst>
+                                    </p:anim>
+                                  </p:childTnLst>
+                                </p:cTn>
+                              </p:par>
+                            </p:childTnLst>
+                          </p:cTn>
+                        </p:par>
+                        <p:par>
+                          <p:cTn id="26" fill="hold">
+                            <p:stCondLst>
+                              <p:cond delay="500"/>
+                            </p:stCondLst>
+                            <p:childTnLst>
+                              <p:par>
+                                <p:cTn id="27" presetID="42" presetClass="path" presetSubtype="0" accel="50000" decel="50000" fill="hold" nodeType="afterEffect">
+                                  <p:stCondLst>
+                                    <p:cond delay="0"/>
+                                  </p:stCondLst>
+                                  <p:childTnLst>
+                                    <p:animMotion origin="layout" path="M -4.44444E-6 -3.7821E-6 L -0.21736 -0.00069 " pathEditMode="relative" rAng="0" ptsTypes="AA">
+                                      <p:cBhvr>
+                                        <p:cTn id="28" dur="2000" fill="hold"/>
+                                        <p:tgtEl>
+                                          <p:spTgt spid="1028"/>
+                                        </p:tgtEl>
+                                        <p:attrNameLst>
+                                          <p:attrName>ppt_x</p:attrName>
+                                          <p:attrName>ppt_y</p:attrName>
+                                        </p:attrNameLst>
+                                      </p:cBhvr>
+                                      <p:rCtr x="-10868" y="-46"/>
+                                    </p:animMotion>
+                                  </p:childTnLst>
+                                </p:cTn>
+                              </p:par>
+                            </p:childTnLst>
+                          </p:cTn>
+                        </p:par>
+                        <p:par>
+                          <p:cTn id="29" fill="hold">
+                            <p:stCondLst>
+                              <p:cond delay="2500"/>
+                            </p:stCondLst>
+                            <p:childTnLst>
+                              <p:par>
+                                <p:cTn id="30" presetID="42" presetClass="entr" presetSubtype="0" fill="hold" nodeType="afterEffect">
+                                  <p:stCondLst>
+                                    <p:cond delay="0"/>
+                                  </p:stCondLst>
+                                  <p:childTnLst>
+                                    <p:set>
+                                      <p:cBhvr>
+                                        <p:cTn id="31" dur="1" fill="hold">
+                                          <p:stCondLst>
+                                            <p:cond delay="0"/>
+                                          </p:stCondLst>
+                                        </p:cTn>
+                                        <p:tgtEl>
+                                          <p:spTgt spid="1030"/>
+                                        </p:tgtEl>
+                                        <p:attrNameLst>
+                                          <p:attrName>style.visibility</p:attrName>
+                                        </p:attrNameLst>
+                                      </p:cBhvr>
+                                      <p:to>
+                                        <p:strVal val="visible"/>
+                                      </p:to>
+                                    </p:set>
+                                    <p:animEffect transition="in" filter="fade">
+                                      <p:cBhvr>
+                                        <p:cTn id="32" dur="1000"/>
+                                        <p:tgtEl>
+                                          <p:spTgt spid="1030"/>
+                                        </p:tgtEl>
+                                      </p:cBhvr>
+                                    </p:animEffect>
+                                    <p:anim calcmode="lin" valueType="num">
+                                      <p:cBhvr>
+                                        <p:cTn id="33" dur="1000" fill="hold"/>
+                                        <p:tgtEl>
+                                          <p:spTgt spid="1030"/>
+                                        </p:tgtEl>
+                                        <p:attrNameLst>
+                                          <p:attrName>ppt_x</p:attrName>
+                                        </p:attrNameLst>
+                                      </p:cBhvr>
+                                      <p:tavLst>
+                                        <p:tav tm="0">
+                                          <p:val>
+                                            <p:strVal val="#ppt_x"/>
+                                          </p:val>
+                                        </p:tav>
+                                        <p:tav tm="100000">
+                                          <p:val>
+                                            <p:strVal val="#ppt_x"/>
+                                          </p:val>
+                                        </p:tav>
+                                      </p:tavLst>
+                                    </p:anim>
+                                    <p:anim calcmode="lin" valueType="num">
+                                      <p:cBhvr>
+                                        <p:cTn id="34" dur="1000" fill="hold"/>
+                                        <p:tgtEl>
+                                          <p:spTgt spid="1030"/>
+                                        </p:tgtEl>
+                                        <p:attrNameLst>
+                                          <p:attrName>ppt_y</p:attrName>
+                                        </p:attrNameLst>
+                                      </p:cBhvr>
+                                      <p:tavLst>
+                                        <p:tav tm="0">
+                                          <p:val>
+                                            <p:strVal val="#ppt_y+.1"/>
+                                          </p:val>
+                                        </p:tav>
+                                        <p:tav tm="100000">
+                                          <p:val>
+                                            <p:strVal val="#ppt_y"/>
+                                          </p:val>
+                                        </p:tav>
+                                      </p:tavLst>
+                                    </p:anim>
+                                  </p:childTnLst>
+                                </p:cTn>
+                              </p:par>
+                            </p:childTnLst>
+                          </p:cTn>
+                        </p:par>
+                        <p:par>
+                          <p:cTn id="35" fill="hold">
+                            <p:stCondLst>
+                              <p:cond delay="3500"/>
+                            </p:stCondLst>
+                            <p:childTnLst>
+                              <p:par>
+                                <p:cTn id="36" presetID="6" presetClass="emph" presetSubtype="0" fill="hold" nodeType="afterEffect">
+                                  <p:stCondLst>
+                                    <p:cond delay="0"/>
+                                  </p:stCondLst>
+                                  <p:childTnLst>
+                                    <p:animScale>
+                                      <p:cBhvr>
+                                        <p:cTn id="37" dur="2000" fill="hold"/>
+                                        <p:tgtEl>
+                                          <p:spTgt spid="1030"/>
+                                        </p:tgtEl>
+                                      </p:cBhvr>
+                                      <p:by x="50000" y="50000"/>
+                                    </p:animScale>
+                                  </p:childTnLst>
+                                </p:cTn>
+                              </p:par>
+                            </p:childTnLst>
+                          </p:cTn>
+                        </p:par>
+                        <p:par>
+                          <p:cTn id="38" fill="hold">
+                            <p:stCondLst>
+                              <p:cond delay="5500"/>
+                            </p:stCondLst>
+                            <p:childTnLst>
+                              <p:par>
+                                <p:cTn id="39" presetID="42" presetClass="path" presetSubtype="0" accel="50000" decel="50000" fill="hold" nodeType="afterEffect">
+                                  <p:stCondLst>
+                                    <p:cond delay="0"/>
+                                  </p:stCondLst>
+                                  <p:childTnLst>
+                                    <p:animMotion origin="layout" path="M -3.33333E-6 -4.44367E-6 L 0.12084 0.00186 " pathEditMode="relative" rAng="0" ptsTypes="AA">
+                                      <p:cBhvr>
+                                        <p:cTn id="40" dur="2000" fill="hold"/>
+                                        <p:tgtEl>
+                                          <p:spTgt spid="1030"/>
+                                        </p:tgtEl>
+                                        <p:attrNameLst>
+                                          <p:attrName>ppt_x</p:attrName>
+                                          <p:attrName>ppt_y</p:attrName>
+                                        </p:attrNameLst>
+                                      </p:cBhvr>
+                                      <p:rCtr x="6042" y="93"/>
+                                    </p:animMotion>
+                                  </p:childTnLst>
+                                </p:cTn>
+                              </p:par>
+                              <p:par>
+                                <p:cTn id="41" presetID="42" presetClass="entr" presetSubtype="0" fill="hold" nodeType="withEffect">
+                                  <p:stCondLst>
+                                    <p:cond delay="0"/>
+                                  </p:stCondLst>
+                                  <p:childTnLst>
+                                    <p:set>
+                                      <p:cBhvr>
+                                        <p:cTn id="42" dur="1" fill="hold">
+                                          <p:stCondLst>
+                                            <p:cond delay="0"/>
+                                          </p:stCondLst>
+                                        </p:cTn>
+                                        <p:tgtEl>
+                                          <p:spTgt spid="1032"/>
+                                        </p:tgtEl>
+                                        <p:attrNameLst>
+                                          <p:attrName>style.visibility</p:attrName>
+                                        </p:attrNameLst>
+                                      </p:cBhvr>
+                                      <p:to>
+                                        <p:strVal val="visible"/>
+                                      </p:to>
+                                    </p:set>
+                                    <p:animEffect transition="in" filter="fade">
+                                      <p:cBhvr>
+                                        <p:cTn id="43" dur="1000"/>
+                                        <p:tgtEl>
+                                          <p:spTgt spid="1032"/>
+                                        </p:tgtEl>
+                                      </p:cBhvr>
+                                    </p:animEffect>
+                                    <p:anim calcmode="lin" valueType="num">
+                                      <p:cBhvr>
+                                        <p:cTn id="44" dur="1000" fill="hold"/>
+                                        <p:tgtEl>
+                                          <p:spTgt spid="1032"/>
+                                        </p:tgtEl>
+                                        <p:attrNameLst>
+                                          <p:attrName>ppt_x</p:attrName>
+                                        </p:attrNameLst>
+                                      </p:cBhvr>
+                                      <p:tavLst>
+                                        <p:tav tm="0">
+                                          <p:val>
+                                            <p:strVal val="#ppt_x"/>
+                                          </p:val>
+                                        </p:tav>
+                                        <p:tav tm="100000">
+                                          <p:val>
+                                            <p:strVal val="#ppt_x"/>
+                                          </p:val>
+                                        </p:tav>
+                                      </p:tavLst>
+                                    </p:anim>
+                                    <p:anim calcmode="lin" valueType="num">
+                                      <p:cBhvr>
+                                        <p:cTn id="45" dur="1000" fill="hold"/>
+                                        <p:tgtEl>
+                                          <p:spTgt spid="1032"/>
+                                        </p:tgtEl>
+                                        <p:attrNameLst>
+                                          <p:attrName>ppt_y</p:attrName>
+                                        </p:attrNameLst>
+                                      </p:cBhvr>
+                                      <p:tavLst>
+                                        <p:tav tm="0">
+                                          <p:val>
+                                            <p:strVal val="#ppt_y+.1"/>
+                                          </p:val>
+                                        </p:tav>
+                                        <p:tav tm="100000">
+                                          <p:val>
+                                            <p:strVal val="#ppt_y"/>
+                                          </p:val>
+                                        </p:tav>
+                                      </p:tavLst>
+                                    </p:anim>
+                                  </p:childTnLst>
+                                </p:cTn>
+                              </p:par>
+                            </p:childTnLst>
+                          </p:cTn>
+                        </p:par>
+                        <p:par>
+                          <p:cTn id="46" fill="hold">
+                            <p:stCondLst>
+                              <p:cond delay="7500"/>
+                            </p:stCondLst>
+                            <p:childTnLst>
+                              <p:par>
+                                <p:cTn id="47" presetID="6" presetClass="emph" presetSubtype="0" fill="hold" nodeType="afterEffect">
+                                  <p:stCondLst>
+                                    <p:cond delay="0"/>
+                                  </p:stCondLst>
+                                  <p:childTnLst>
+                                    <p:animScale>
+                                      <p:cBhvr>
+                                        <p:cTn id="48" dur="2000" fill="hold"/>
+                                        <p:tgtEl>
+                                          <p:spTgt spid="1032"/>
+                                        </p:tgtEl>
+                                      </p:cBhvr>
+                                      <p:by x="50000" y="50000"/>
+                                    </p:animScale>
+                                  </p:childTnLst>
+                                </p:cTn>
+                              </p:par>
+                            </p:childTnLst>
+                          </p:cTn>
+                        </p:par>
+                        <p:par>
+                          <p:cTn id="49" fill="hold">
+                            <p:stCondLst>
+                              <p:cond delay="9500"/>
+                            </p:stCondLst>
+                            <p:childTnLst>
+                              <p:par>
+                                <p:cTn id="50" presetID="42" presetClass="path" presetSubtype="0" accel="50000" decel="50000" fill="hold" nodeType="afterEffect">
+                                  <p:stCondLst>
+                                    <p:cond delay="0"/>
+                                  </p:stCondLst>
+                                  <p:childTnLst>
+                                    <p:animMotion origin="layout" path="M 8.33333E-7 -9.48415E-7 L 0.13177 0.1307 " pathEditMode="relative" rAng="0" ptsTypes="AA">
+                                      <p:cBhvr>
+                                        <p:cTn id="51" dur="2000" fill="hold"/>
+                                        <p:tgtEl>
+                                          <p:spTgt spid="1032"/>
+                                        </p:tgtEl>
+                                        <p:attrNameLst>
+                                          <p:attrName>ppt_x</p:attrName>
+                                          <p:attrName>ppt_y</p:attrName>
+                                        </p:attrNameLst>
+                                      </p:cBhvr>
+                                      <p:rCtr x="6580" y="6523"/>
+                                    </p:animMotion>
+                                  </p:childTnLst>
+                                </p:cTn>
+                              </p:par>
+                            </p:childTnLst>
+                          </p:cTn>
+                        </p:par>
+                      </p:childTnLst>
+                    </p:cTn>
+                  </p:par>
+                  <p:par>
+                    <p:cTn id="52" fill="hold">
+                      <p:stCondLst>
+                        <p:cond delay="indefinite"/>
+                      </p:stCondLst>
+                      <p:childTnLst>
+                        <p:par>
+                          <p:cTn id="53" fill="hold">
+                            <p:stCondLst>
+                              <p:cond delay="0"/>
+                            </p:stCondLst>
+                            <p:childTnLst>
+                              <p:par>
+                                <p:cTn id="54" presetID="1" presetClass="entr" presetSubtype="0" fill="hold" grpId="0" nodeType="clickEffect">
+                                  <p:stCondLst>
+                                    <p:cond delay="0"/>
+                                  </p:stCondLst>
+                                  <p:childTnLst>
+                                    <p:set>
+                                      <p:cBhvr>
+                                        <p:cTn id="55" dur="1" fill="hold">
+                                          <p:stCondLst>
+                                            <p:cond delay="0"/>
+                                          </p:stCondLst>
+                                        </p:cTn>
+                                        <p:tgtEl>
+                                          <p:spTgt spid="6"/>
+                                        </p:tgtEl>
+                                        <p:attrNameLst>
+                                          <p:attrName>style.visibility</p:attrName>
+                                        </p:attrNameLst>
+                                      </p:cBhvr>
+                                      <p:to>
+                                        <p:strVal val="visible"/>
+                                      </p:to>
+                                    </p:set>
+                                  </p:childTnLst>
+                                </p:cTn>
+                              </p:par>
+                            </p:childTnLst>
+                          </p:cTn>
+                        </p:par>
+                      </p:childTnLst>
+                    </p:cTn>
+                  </p:par>
+                </p:childTnLst>
+              </p:cTn>
+              <p:prevCondLst>
+                <p:cond evt="onPrev" delay="0">
+                  <p:tgtEl>
+                    <p:sldTgt/>
+                  </p:tgtEl>
+                </p:cond>
+              </p:prevCondLst>
+              <p:nextCondLst>
+                <p:cond evt="onNext" delay="0">
+                  <p:tgtEl>
+                    <p:sldTgt/>
+                  </p:tgtEl>
+                </p:cond>
+              </p:nextCondLst>
+            </p:seq>
+          </p:childTnLst>
+        </p:cTn>
       </p:par>
     </p:tnLst>
+    <p:bldLst>
+      <p:bldP spid="5" grpId="0"/>
+      <p:bldP spid="5" grpId="1"/>
+      <p:bldP spid="6" grpId="0"/>
+    </p:bldLst>
   </p:timing>
 </p:sld>
 </file>
 
 <file path=ppt/slides/slide4.xml><?xml version="1.0" encoding="utf-8"?>
+<p:sld xmlns:a="http://schemas.openxmlformats.org/drawingml/2006/main" xmlns:r="http://schemas.openxmlformats.org/officeDocument/2006/relationships" xmlns:p="http://schemas.openxmlformats.org/presentationml/2006/main">
+  <p:cSld>
+    <p:spTree>
+      <p:nvGrpSpPr>
+        <p:cNvPr id="1" name=""/>
+        <p:cNvGrpSpPr/>
+        <p:nvPr/>
+      </p:nvGrpSpPr>
+      <p:grpSpPr>
+        <a:xfrm>
+          <a:off x="0" y="0"/>
+          <a:ext cx="0" cy="0"/>
+          <a:chOff x="0" y="0"/>
+          <a:chExt cx="0" cy="0"/>
+        </a:xfrm>
+      </p:grpSpPr>
+      <p:sp>
+        <p:nvSpPr>
+          <p:cNvPr id="4" name="Rectangle 3"/>
+          <p:cNvSpPr/>
+          <p:nvPr/>
+        </p:nvSpPr>
+        <p:spPr>
+          <a:xfrm>
+            <a:off x="0" y="76200"/>
+            <a:ext cx="8077200" cy="381000"/>
+          </a:xfrm>
+          <a:prstGeom prst="rect">
+            <a:avLst/>
+          </a:prstGeom>
+          <a:solidFill>
+            <a:schemeClr val="tx2">
+              <a:lumMod val="60000"/>
+              <a:lumOff val="40000"/>
+            </a:schemeClr>
+          </a:solidFill>
+          <a:ln>
+            <a:noFill/>
+          </a:ln>
+        </p:spPr>
+        <p:style>
+          <a:lnRef idx="2">
+            <a:schemeClr val="accent1">
+              <a:shade val="50000"/>
+            </a:schemeClr>
+          </a:lnRef>
+          <a:fillRef idx="1">
+            <a:schemeClr val="accent1"/>
+          </a:fillRef>
+          <a:effectRef idx="0">
+            <a:schemeClr val="accent1"/>
+          </a:effectRef>
+          <a:fontRef idx="minor">
+            <a:schemeClr val="lt1"/>
+          </a:fontRef>
+        </p:style>
+        <p:txBody>
+          <a:bodyPr rtlCol="0" anchor="ctr"/>
+          <a:lstStyle/>
+          <a:p>
+            <a:r>
+              <a:rPr lang="en-US" b="1" dirty="0" err="1" smtClean="0">
+                <a:latin typeface="Times New Roman" pitchFamily="18" charset="0"/>
+                <a:cs typeface="Times New Roman" pitchFamily="18" charset="0"/>
+              </a:rPr>
+              <a:t>Đặt</a:t>
+            </a:r>
+            <a:r>
+              <a:rPr lang="en-US" b="1" dirty="0" smtClean="0">
+                <a:latin typeface="Times New Roman" pitchFamily="18" charset="0"/>
+                <a:cs typeface="Times New Roman" pitchFamily="18" charset="0"/>
+              </a:rPr>
+              <a:t> </a:t>
+            </a:r>
+            <a:r>
+              <a:rPr lang="en-US" b="1" dirty="0" err="1" smtClean="0">
+                <a:latin typeface="Times New Roman" pitchFamily="18" charset="0"/>
+                <a:cs typeface="Times New Roman" pitchFamily="18" charset="0"/>
+              </a:rPr>
+              <a:t>vấn</a:t>
+            </a:r>
+            <a:r>
+              <a:rPr lang="en-US" b="1" dirty="0" smtClean="0">
+                <a:latin typeface="Times New Roman" pitchFamily="18" charset="0"/>
+                <a:cs typeface="Times New Roman" pitchFamily="18" charset="0"/>
+              </a:rPr>
+              <a:t> </a:t>
+            </a:r>
+            <a:r>
+              <a:rPr lang="en-US" b="1" dirty="0" err="1" smtClean="0">
+                <a:latin typeface="Times New Roman" pitchFamily="18" charset="0"/>
+                <a:cs typeface="Times New Roman" pitchFamily="18" charset="0"/>
+              </a:rPr>
+              <a:t>đề</a:t>
+            </a:r>
+            <a:endParaRPr lang="en-US" b="1" dirty="0">
+              <a:latin typeface="Times New Roman" pitchFamily="18" charset="0"/>
+              <a:cs typeface="Times New Roman" pitchFamily="18" charset="0"/>
+            </a:endParaRPr>
+          </a:p>
+        </p:txBody>
+      </p:sp>
+      <p:cxnSp>
+        <p:nvCxnSpPr>
+          <p:cNvPr id="5" name="Straight Connector 4"/>
+          <p:cNvCxnSpPr/>
+          <p:nvPr/>
+        </p:nvCxnSpPr>
+        <p:spPr>
+          <a:xfrm>
+            <a:off x="0" y="533400"/>
+            <a:ext cx="9144000" cy="0"/>
+          </a:xfrm>
+          <a:prstGeom prst="line">
+            <a:avLst/>
+          </a:prstGeom>
+          <a:ln w="34925">
+            <a:solidFill>
+              <a:schemeClr val="tx2">
+                <a:lumMod val="60000"/>
+                <a:lumOff val="40000"/>
+              </a:schemeClr>
+            </a:solidFill>
+          </a:ln>
+        </p:spPr>
+        <p:style>
+          <a:lnRef idx="1">
+            <a:schemeClr val="accent3"/>
+          </a:lnRef>
+          <a:fillRef idx="0">
+            <a:schemeClr val="accent3"/>
+          </a:fillRef>
+          <a:effectRef idx="0">
+            <a:schemeClr val="accent3"/>
+          </a:effectRef>
+          <a:fontRef idx="minor">
+            <a:schemeClr val="tx1"/>
+          </a:fontRef>
+        </p:style>
+      </p:cxnSp>
+      <p:pic>
+        <p:nvPicPr>
+          <p:cNvPr id="1026" name="Picture 2" descr="http://www.blogcdn.com/www.engadget.com/media/2011/12/npd-dec-2011.jpg"/>
+          <p:cNvPicPr>
+            <a:picLocks noChangeAspect="1" noChangeArrowheads="1"/>
+          </p:cNvPicPr>
+          <p:nvPr/>
+        </p:nvPicPr>
+        <p:blipFill>
+          <a:blip r:embed="rId2">
+            <a:extLst>
+              <a:ext uri="{28A0092B-C50C-407E-A947-70E740481C1C}">
+                <a14:useLocalDpi xmlns:a14="http://schemas.microsoft.com/office/drawing/2010/main" val="0"/>
+              </a:ext>
+            </a:extLst>
+          </a:blip>
+          <a:srcRect/>
+          <a:stretch>
+            <a:fillRect/>
+          </a:stretch>
+        </p:blipFill>
+        <p:spPr bwMode="auto">
+          <a:xfrm>
+            <a:off x="1807441" y="1679141"/>
+            <a:ext cx="5715000" cy="3438526"/>
+          </a:xfrm>
+          <a:prstGeom prst="rect">
+            <a:avLst/>
+          </a:prstGeom>
+          <a:noFill/>
+          <a:extLst>
+            <a:ext uri="{909E8E84-426E-40DD-AFC4-6F175D3DCCD1}">
+              <a14:hiddenFill xmlns:a14="http://schemas.microsoft.com/office/drawing/2010/main">
+                <a:solidFill>
+                  <a:srgbClr val="FFFFFF"/>
+                </a:solidFill>
+              </a14:hiddenFill>
+            </a:ext>
+          </a:extLst>
+        </p:spPr>
+      </p:pic>
+      <p:pic>
+        <p:nvPicPr>
+          <p:cNvPr id="1028" name="Picture 4" descr="http://www.parksassociates.com/bento/uploads/image/in-the-news/pressreleases/2011/smartphones-pr11.gif"/>
+          <p:cNvPicPr>
+            <a:picLocks noChangeAspect="1" noChangeArrowheads="1"/>
+          </p:cNvPicPr>
+          <p:nvPr/>
+        </p:nvPicPr>
+        <p:blipFill rotWithShape="1">
+          <a:blip r:embed="rId3">
+            <a:extLst>
+              <a:ext uri="{28A0092B-C50C-407E-A947-70E740481C1C}">
+                <a14:useLocalDpi xmlns:a14="http://schemas.microsoft.com/office/drawing/2010/main" val="0"/>
+              </a:ext>
+            </a:extLst>
+          </a:blip>
+          <a:srcRect t="11917"/>
+          <a:stretch/>
+        </p:blipFill>
+        <p:spPr bwMode="auto">
+          <a:xfrm>
+            <a:off x="2024784" y="1905000"/>
+            <a:ext cx="5238750" cy="2986809"/>
+          </a:xfrm>
+          <a:prstGeom prst="rect">
+            <a:avLst/>
+          </a:prstGeom>
+          <a:noFill/>
+          <a:extLst>
+            <a:ext uri="{909E8E84-426E-40DD-AFC4-6F175D3DCCD1}">
+              <a14:hiddenFill xmlns:a14="http://schemas.microsoft.com/office/drawing/2010/main">
+                <a:solidFill>
+                  <a:srgbClr val="FFFFFF"/>
+                </a:solidFill>
+              </a14:hiddenFill>
+            </a:ext>
+          </a:extLst>
+        </p:spPr>
+      </p:pic>
+      <p:sp>
+        <p:nvSpPr>
+          <p:cNvPr id="6" name="TextBox 5"/>
+          <p:cNvSpPr txBox="1"/>
+          <p:nvPr/>
+        </p:nvSpPr>
+        <p:spPr>
+          <a:xfrm>
+            <a:off x="1558802" y="1143000"/>
+            <a:ext cx="6212278" cy="461665"/>
+          </a:xfrm>
+          <a:prstGeom prst="rect">
+            <a:avLst/>
+          </a:prstGeom>
+          <a:noFill/>
+        </p:spPr>
+        <p:txBody>
+          <a:bodyPr wrap="none" rtlCol="0">
+            <a:spAutoFit/>
+          </a:bodyPr>
+          <a:lstStyle/>
+          <a:p>
+            <a:r>
+              <a:rPr lang="en-US" sz="2400" b="1" dirty="0" err="1" smtClean="0"/>
+              <a:t>Ngày</a:t>
+            </a:r>
+            <a:r>
+              <a:rPr lang="en-US" sz="2400" b="1" dirty="0" smtClean="0"/>
+              <a:t> </a:t>
+            </a:r>
+            <a:r>
+              <a:rPr lang="en-US" sz="2400" b="1" dirty="0" err="1" smtClean="0"/>
+              <a:t>càng</a:t>
+            </a:r>
+            <a:r>
+              <a:rPr lang="en-US" sz="2400" b="1" dirty="0" smtClean="0"/>
+              <a:t> </a:t>
+            </a:r>
+            <a:r>
+              <a:rPr lang="en-US" sz="2400" b="1" dirty="0" err="1" smtClean="0"/>
+              <a:t>có</a:t>
+            </a:r>
+            <a:r>
+              <a:rPr lang="en-US" sz="2400" b="1" dirty="0" smtClean="0"/>
+              <a:t> </a:t>
+            </a:r>
+            <a:r>
+              <a:rPr lang="en-US" sz="2400" b="1" dirty="0" err="1" smtClean="0"/>
+              <a:t>nhiều</a:t>
+            </a:r>
+            <a:r>
+              <a:rPr lang="en-US" sz="2400" b="1" dirty="0" smtClean="0"/>
+              <a:t> </a:t>
+            </a:r>
+            <a:r>
+              <a:rPr lang="en-US" sz="2400" b="1" dirty="0" err="1" smtClean="0"/>
+              <a:t>người</a:t>
+            </a:r>
+            <a:r>
+              <a:rPr lang="en-US" sz="2400" b="1" dirty="0" smtClean="0"/>
+              <a:t> </a:t>
+            </a:r>
+            <a:r>
+              <a:rPr lang="en-US" sz="2400" b="1" dirty="0" err="1" smtClean="0"/>
+              <a:t>sử</a:t>
+            </a:r>
+            <a:r>
+              <a:rPr lang="en-US" sz="2400" b="1" dirty="0" smtClean="0"/>
+              <a:t> </a:t>
+            </a:r>
+            <a:r>
+              <a:rPr lang="en-US" sz="2400" b="1" dirty="0" err="1" smtClean="0"/>
+              <a:t>dụng</a:t>
+            </a:r>
+            <a:r>
+              <a:rPr lang="en-US" sz="2400" b="1" dirty="0" smtClean="0"/>
+              <a:t> smartphone</a:t>
+            </a:r>
+            <a:endParaRPr lang="en-US" sz="2400" b="1" dirty="0"/>
+          </a:p>
+        </p:txBody>
+      </p:sp>
+      <p:sp>
+        <p:nvSpPr>
+          <p:cNvPr id="7" name="TextBox 6"/>
+          <p:cNvSpPr txBox="1"/>
+          <p:nvPr/>
+        </p:nvSpPr>
+        <p:spPr>
+          <a:xfrm>
+            <a:off x="2278839" y="5329535"/>
+            <a:ext cx="4772204" cy="461665"/>
+          </a:xfrm>
+          <a:prstGeom prst="rect">
+            <a:avLst/>
+          </a:prstGeom>
+          <a:noFill/>
+        </p:spPr>
+        <p:txBody>
+          <a:bodyPr wrap="none" rtlCol="0">
+            <a:spAutoFit/>
+          </a:bodyPr>
+          <a:lstStyle/>
+          <a:p>
+            <a:r>
+              <a:rPr lang="en-US" sz="2400" b="1" dirty="0" err="1" smtClean="0"/>
+              <a:t>Thị</a:t>
+            </a:r>
+            <a:r>
+              <a:rPr lang="en-US" sz="2400" b="1" dirty="0" smtClean="0"/>
+              <a:t> </a:t>
+            </a:r>
+            <a:r>
+              <a:rPr lang="en-US" sz="2400" b="1" dirty="0" err="1" smtClean="0"/>
+              <a:t>phần</a:t>
+            </a:r>
+            <a:r>
+              <a:rPr lang="en-US" sz="2400" b="1" dirty="0" smtClean="0"/>
+              <a:t> </a:t>
+            </a:r>
+            <a:r>
+              <a:rPr lang="en-US" sz="2400" b="1" dirty="0" err="1" smtClean="0"/>
+              <a:t>của</a:t>
+            </a:r>
+            <a:r>
+              <a:rPr lang="en-US" sz="2400" b="1" dirty="0" smtClean="0"/>
+              <a:t> Android </a:t>
+            </a:r>
+            <a:r>
+              <a:rPr lang="en-US" sz="2400" b="1" dirty="0" err="1" smtClean="0"/>
+              <a:t>đang</a:t>
+            </a:r>
+            <a:r>
+              <a:rPr lang="en-US" sz="2400" b="1" dirty="0" smtClean="0"/>
+              <a:t> </a:t>
+            </a:r>
+            <a:r>
+              <a:rPr lang="en-US" sz="2400" b="1" dirty="0" err="1" smtClean="0"/>
+              <a:t>lớn</a:t>
+            </a:r>
+            <a:r>
+              <a:rPr lang="en-US" sz="2400" b="1" dirty="0" smtClean="0"/>
+              <a:t> </a:t>
+            </a:r>
+            <a:r>
+              <a:rPr lang="en-US" sz="2400" b="1" dirty="0" err="1" smtClean="0"/>
+              <a:t>nhất</a:t>
+            </a:r>
+            <a:endParaRPr lang="en-US" sz="2400" b="1" dirty="0"/>
+          </a:p>
+        </p:txBody>
+      </p:sp>
+    </p:spTree>
+    <p:extLst>
+      <p:ext uri="{BB962C8B-B14F-4D97-AF65-F5344CB8AC3E}">
+        <p14:creationId xmlns:p14="http://schemas.microsoft.com/office/powerpoint/2010/main" val="3036667269"/>
+      </p:ext>
+    </p:extLst>
+  </p:cSld>
+  <p:clrMapOvr>
+    <a:masterClrMapping/>
+  </p:clrMapOvr>
+  <mc:AlternateContent xmlns:mc="http://schemas.openxmlformats.org/markup-compatibility/2006">
+    <mc:Choice xmlns:p14="http://schemas.microsoft.com/office/powerpoint/2010/main" Requires="p14">
+      <p:transition spd="med" p14:dur="700">
+        <p:fade/>
+      </p:transition>
+    </mc:Choice>
+    <mc:Fallback>
+      <p:transition spd="med">
+        <p:fade/>
+      </p:transition>
+    </mc:Fallback>
+  </mc:AlternateContent>
+  <p:timing>
+    <p:tnLst>
+      <p:par>
+        <p:cTn id="1" dur="indefinite" restart="never" nodeType="tmRoot">
+          <p:childTnLst>
+            <p:seq concurrent="1" nextAc="seek">
+              <p:cTn id="2" dur="indefinite" nodeType="mainSeq">
+                <p:childTnLst>
+                  <p:par>
+                    <p:cTn id="3" fill="hold">
+                      <p:stCondLst>
+                        <p:cond delay="indefinite"/>
+                      </p:stCondLst>
+                      <p:childTnLst>
+                        <p:par>
+                          <p:cTn id="4" fill="hold">
+                            <p:stCondLst>
+                              <p:cond delay="0"/>
+                            </p:stCondLst>
+                            <p:childTnLst>
+                              <p:par>
+                                <p:cTn id="5" presetID="10" presetClass="entr" presetSubtype="0" fill="hold" nodeType="clickEffect">
+                                  <p:stCondLst>
+                                    <p:cond delay="0"/>
+                                  </p:stCondLst>
+                                  <p:childTnLst>
+                                    <p:set>
+                                      <p:cBhvr>
+                                        <p:cTn id="6" dur="1" fill="hold">
+                                          <p:stCondLst>
+                                            <p:cond delay="0"/>
+                                          </p:stCondLst>
+                                        </p:cTn>
+                                        <p:tgtEl>
+                                          <p:spTgt spid="1028"/>
+                                        </p:tgtEl>
+                                        <p:attrNameLst>
+                                          <p:attrName>style.visibility</p:attrName>
+                                        </p:attrNameLst>
+                                      </p:cBhvr>
+                                      <p:to>
+                                        <p:strVal val="visible"/>
+                                      </p:to>
+                                    </p:set>
+                                    <p:animEffect transition="in" filter="fade">
+                                      <p:cBhvr>
+                                        <p:cTn id="7" dur="500"/>
+                                        <p:tgtEl>
+                                          <p:spTgt spid="1028"/>
+                                        </p:tgtEl>
+                                      </p:cBhvr>
+                                    </p:animEffect>
+                                  </p:childTnLst>
+                                </p:cTn>
+                              </p:par>
+                              <p:par>
+                                <p:cTn id="8" presetID="10" presetClass="entr" presetSubtype="0" fill="hold" grpId="0" nodeType="withEffect">
+                                  <p:stCondLst>
+                                    <p:cond delay="0"/>
+                                  </p:stCondLst>
+                                  <p:childTnLst>
+                                    <p:set>
+                                      <p:cBhvr>
+                                        <p:cTn id="9" dur="1" fill="hold">
+                                          <p:stCondLst>
+                                            <p:cond delay="0"/>
+                                          </p:stCondLst>
+                                        </p:cTn>
+                                        <p:tgtEl>
+                                          <p:spTgt spid="6"/>
+                                        </p:tgtEl>
+                                        <p:attrNameLst>
+                                          <p:attrName>style.visibility</p:attrName>
+                                        </p:attrNameLst>
+                                      </p:cBhvr>
+                                      <p:to>
+                                        <p:strVal val="visible"/>
+                                      </p:to>
+                                    </p:set>
+                                    <p:animEffect transition="in" filter="fade">
+                                      <p:cBhvr>
+                                        <p:cTn id="10" dur="500"/>
+                                        <p:tgtEl>
+                                          <p:spTgt spid="6"/>
+                                        </p:tgtEl>
+                                      </p:cBhvr>
+                                    </p:animEffect>
+                                  </p:childTnLst>
+                                </p:cTn>
+                              </p:par>
+                            </p:childTnLst>
+                          </p:cTn>
+                        </p:par>
+                      </p:childTnLst>
+                    </p:cTn>
+                  </p:par>
+                  <p:par>
+                    <p:cTn id="11" fill="hold">
+                      <p:stCondLst>
+                        <p:cond delay="indefinite"/>
+                      </p:stCondLst>
+                      <p:childTnLst>
+                        <p:par>
+                          <p:cTn id="12" fill="hold">
+                            <p:stCondLst>
+                              <p:cond delay="0"/>
+                            </p:stCondLst>
+                            <p:childTnLst>
+                              <p:par>
+                                <p:cTn id="13" presetID="10" presetClass="exit" presetSubtype="0" fill="hold" nodeType="clickEffect">
+                                  <p:stCondLst>
+                                    <p:cond delay="0"/>
+                                  </p:stCondLst>
+                                  <p:childTnLst>
+                                    <p:animEffect transition="out" filter="fade">
+                                      <p:cBhvr>
+                                        <p:cTn id="14" dur="500"/>
+                                        <p:tgtEl>
+                                          <p:spTgt spid="1028"/>
+                                        </p:tgtEl>
+                                      </p:cBhvr>
+                                    </p:animEffect>
+                                    <p:set>
+                                      <p:cBhvr>
+                                        <p:cTn id="15" dur="1" fill="hold">
+                                          <p:stCondLst>
+                                            <p:cond delay="499"/>
+                                          </p:stCondLst>
+                                        </p:cTn>
+                                        <p:tgtEl>
+                                          <p:spTgt spid="1028"/>
+                                        </p:tgtEl>
+                                        <p:attrNameLst>
+                                          <p:attrName>style.visibility</p:attrName>
+                                        </p:attrNameLst>
+                                      </p:cBhvr>
+                                      <p:to>
+                                        <p:strVal val="hidden"/>
+                                      </p:to>
+                                    </p:set>
+                                  </p:childTnLst>
+                                </p:cTn>
+                              </p:par>
+                              <p:par>
+                                <p:cTn id="16" presetID="10" presetClass="exit" presetSubtype="0" fill="hold" grpId="1" nodeType="withEffect">
+                                  <p:stCondLst>
+                                    <p:cond delay="0"/>
+                                  </p:stCondLst>
+                                  <p:childTnLst>
+                                    <p:animEffect transition="out" filter="fade">
+                                      <p:cBhvr>
+                                        <p:cTn id="17" dur="500"/>
+                                        <p:tgtEl>
+                                          <p:spTgt spid="6"/>
+                                        </p:tgtEl>
+                                      </p:cBhvr>
+                                    </p:animEffect>
+                                    <p:set>
+                                      <p:cBhvr>
+                                        <p:cTn id="18" dur="1" fill="hold">
+                                          <p:stCondLst>
+                                            <p:cond delay="499"/>
+                                          </p:stCondLst>
+                                        </p:cTn>
+                                        <p:tgtEl>
+                                          <p:spTgt spid="6"/>
+                                        </p:tgtEl>
+                                        <p:attrNameLst>
+                                          <p:attrName>style.visibility</p:attrName>
+                                        </p:attrNameLst>
+                                      </p:cBhvr>
+                                      <p:to>
+                                        <p:strVal val="hidden"/>
+                                      </p:to>
+                                    </p:set>
+                                  </p:childTnLst>
+                                </p:cTn>
+                              </p:par>
+                              <p:par>
+                                <p:cTn id="19" presetID="10" presetClass="entr" presetSubtype="0" fill="hold" nodeType="withEffect">
+                                  <p:stCondLst>
+                                    <p:cond delay="0"/>
+                                  </p:stCondLst>
+                                  <p:childTnLst>
+                                    <p:set>
+                                      <p:cBhvr>
+                                        <p:cTn id="20" dur="1" fill="hold">
+                                          <p:stCondLst>
+                                            <p:cond delay="0"/>
+                                          </p:stCondLst>
+                                        </p:cTn>
+                                        <p:tgtEl>
+                                          <p:spTgt spid="1026"/>
+                                        </p:tgtEl>
+                                        <p:attrNameLst>
+                                          <p:attrName>style.visibility</p:attrName>
+                                        </p:attrNameLst>
+                                      </p:cBhvr>
+                                      <p:to>
+                                        <p:strVal val="visible"/>
+                                      </p:to>
+                                    </p:set>
+                                    <p:animEffect transition="in" filter="fade">
+                                      <p:cBhvr>
+                                        <p:cTn id="21" dur="500"/>
+                                        <p:tgtEl>
+                                          <p:spTgt spid="1026"/>
+                                        </p:tgtEl>
+                                      </p:cBhvr>
+                                    </p:animEffect>
+                                  </p:childTnLst>
+                                </p:cTn>
+                              </p:par>
+                              <p:par>
+                                <p:cTn id="22" presetID="10" presetClass="entr" presetSubtype="0" fill="hold" grpId="0" nodeType="withEffect">
+                                  <p:stCondLst>
+                                    <p:cond delay="0"/>
+                                  </p:stCondLst>
+                                  <p:childTnLst>
+                                    <p:set>
+                                      <p:cBhvr>
+                                        <p:cTn id="23" dur="1" fill="hold">
+                                          <p:stCondLst>
+                                            <p:cond delay="0"/>
+                                          </p:stCondLst>
+                                        </p:cTn>
+                                        <p:tgtEl>
+                                          <p:spTgt spid="7"/>
+                                        </p:tgtEl>
+                                        <p:attrNameLst>
+                                          <p:attrName>style.visibility</p:attrName>
+                                        </p:attrNameLst>
+                                      </p:cBhvr>
+                                      <p:to>
+                                        <p:strVal val="visible"/>
+                                      </p:to>
+                                    </p:set>
+                                    <p:animEffect transition="in" filter="fade">
+                                      <p:cBhvr>
+                                        <p:cTn id="24" dur="500"/>
+                                        <p:tgtEl>
+                                          <p:spTgt spid="7"/>
+                                        </p:tgtEl>
+                                      </p:cBhvr>
+                                    </p:animEffect>
+                                  </p:childTnLst>
+                                </p:cTn>
+                              </p:par>
+                            </p:childTnLst>
+                          </p:cTn>
+                        </p:par>
+                      </p:childTnLst>
+                    </p:cTn>
+                  </p:par>
+                </p:childTnLst>
+              </p:cTn>
+              <p:prevCondLst>
+                <p:cond evt="onPrev" delay="0">
+                  <p:tgtEl>
+                    <p:sldTgt/>
+                  </p:tgtEl>
+                </p:cond>
+              </p:prevCondLst>
+              <p:nextCondLst>
+                <p:cond evt="onNext" delay="0">
+                  <p:tgtEl>
+                    <p:sldTgt/>
+                  </p:tgtEl>
+                </p:cond>
+              </p:nextCondLst>
+            </p:seq>
+          </p:childTnLst>
+        </p:cTn>
+      </p:par>
+    </p:tnLst>
+    <p:bldLst>
+      <p:bldP spid="6" grpId="0"/>
+      <p:bldP spid="6" grpId="1"/>
+      <p:bldP spid="7" grpId="0"/>
+    </p:bldLst>
+  </p:timing>
+</p:sld>
+</file>
+
+<file path=ppt/slides/slide5.xml><?xml version="1.0" encoding="utf-8"?>
 <p:sld xmlns:a="http://schemas.openxmlformats.org/drawingml/2006/main" xmlns:r="http://schemas.openxmlformats.org/officeDocument/2006/relationships" xmlns:p="http://schemas.openxmlformats.org/presentationml/2006/main">
   <p:cSld>
     <p:spTree>
@@ -22677,10 +28071,16 @@
           <a:lstStyle/>
           <a:p>
             <a:r>
-              <a:rPr lang="en-US" b="1" smtClean="0"/>
+              <a:rPr lang="en-US" b="1" smtClean="0">
+                <a:latin typeface="Times New Roman" pitchFamily="18" charset="0"/>
+                <a:cs typeface="Times New Roman" pitchFamily="18" charset="0"/>
+              </a:rPr>
               <a:t>Nền tảng và công nghệ</a:t>
             </a:r>
-            <a:endParaRPr lang="en-US" b="1"/>
+            <a:endParaRPr lang="en-US" b="1">
+              <a:latin typeface="Times New Roman" pitchFamily="18" charset="0"/>
+              <a:cs typeface="Times New Roman" pitchFamily="18" charset="0"/>
+            </a:endParaRPr>
           </a:p>
         </p:txBody>
       </p:sp>
@@ -22748,7 +28148,7 @@
           <p:nvPr>
             <p:extLst>
               <p:ext uri="{D42A27DB-BD31-4B8C-83A1-F6EECF244321}">
-                <p14:modId xmlns:p14="http://schemas.microsoft.com/office/powerpoint/2010/main" val="4230664628"/>
+                <p14:modId xmlns:p14="http://schemas.microsoft.com/office/powerpoint/2010/main" val="935149624"/>
               </p:ext>
             </p:extLst>
           </p:nvPr>
@@ -22845,6 +28245,36 @@
           </a:extLst>
         </p:spPr>
       </p:pic>
+      <p:sp>
+        <p:nvSpPr>
+          <p:cNvPr id="10" name="Slide Number Placeholder 9"/>
+          <p:cNvSpPr>
+            <a:spLocks noGrp="1"/>
+          </p:cNvSpPr>
+          <p:nvPr>
+            <p:ph type="sldNum" sz="quarter" idx="12"/>
+          </p:nvPr>
+        </p:nvSpPr>
+        <p:spPr/>
+        <p:txBody>
+          <a:bodyPr/>
+          <a:lstStyle/>
+          <a:p>
+            <a:fld id="{51856A66-21D7-4D51-AECF-27815D04D8F4}" type="slidenum">
+              <a:rPr lang="en-US" smtClean="0">
+                <a:latin typeface="Times New Roman" pitchFamily="18" charset="0"/>
+                <a:cs typeface="Times New Roman" pitchFamily="18" charset="0"/>
+              </a:rPr>
+              <a:pPr/>
+              <a:t>5</a:t>
+            </a:fld>
+            <a:endParaRPr lang="en-US">
+              <a:latin typeface="Times New Roman" pitchFamily="18" charset="0"/>
+              <a:cs typeface="Times New Roman" pitchFamily="18" charset="0"/>
+            </a:endParaRPr>
+          </a:p>
+        </p:txBody>
+      </p:sp>
     </p:spTree>
     <p:extLst>
       <p:ext uri="{BB962C8B-B14F-4D97-AF65-F5344CB8AC3E}">
@@ -22855,17 +28285,236 @@
   <p:clrMapOvr>
     <a:masterClrMapping/>
   </p:clrMapOvr>
+  <mc:AlternateContent xmlns:mc="http://schemas.openxmlformats.org/markup-compatibility/2006">
+    <mc:Choice xmlns:p14="http://schemas.microsoft.com/office/powerpoint/2010/main" Requires="p14">
+      <p:transition spd="med" p14:dur="700">
+        <p:fade/>
+      </p:transition>
+    </mc:Choice>
+    <mc:Fallback>
+      <p:transition spd="med">
+        <p:fade/>
+      </p:transition>
+    </mc:Fallback>
+  </mc:AlternateContent>
   <p:timing>
     <p:tnLst>
       <p:par>
-        <p:cTn id="1" dur="indefinite" restart="never" nodeType="tmRoot"/>
+        <p:cTn id="1" dur="indefinite" restart="never" nodeType="tmRoot">
+          <p:childTnLst>
+            <p:seq concurrent="1" nextAc="seek">
+              <p:cTn id="2" dur="indefinite" nodeType="mainSeq">
+                <p:childTnLst>
+                  <p:par>
+                    <p:cTn id="3" fill="hold">
+                      <p:stCondLst>
+                        <p:cond delay="indefinite"/>
+                      </p:stCondLst>
+                      <p:childTnLst>
+                        <p:par>
+                          <p:cTn id="4" fill="hold">
+                            <p:stCondLst>
+                              <p:cond delay="0"/>
+                            </p:stCondLst>
+                            <p:childTnLst>
+                              <p:par>
+                                <p:cTn id="5" presetID="10" presetClass="entr" presetSubtype="0" fill="hold" grpId="0" nodeType="clickEffect">
+                                  <p:stCondLst>
+                                    <p:cond delay="0"/>
+                                  </p:stCondLst>
+                                  <p:childTnLst>
+                                    <p:set>
+                                      <p:cBhvr>
+                                        <p:cTn id="6" dur="1" fill="hold">
+                                          <p:stCondLst>
+                                            <p:cond delay="0"/>
+                                          </p:stCondLst>
+                                        </p:cTn>
+                                        <p:tgtEl>
+                                          <p:spTgt spid="6"/>
+                                        </p:tgtEl>
+                                        <p:attrNameLst>
+                                          <p:attrName>style.visibility</p:attrName>
+                                        </p:attrNameLst>
+                                      </p:cBhvr>
+                                      <p:to>
+                                        <p:strVal val="visible"/>
+                                      </p:to>
+                                    </p:set>
+                                    <p:animEffect transition="in" filter="fade">
+                                      <p:cBhvr>
+                                        <p:cTn id="7" dur="500"/>
+                                        <p:tgtEl>
+                                          <p:spTgt spid="6"/>
+                                        </p:tgtEl>
+                                      </p:cBhvr>
+                                    </p:animEffect>
+                                  </p:childTnLst>
+                                </p:cTn>
+                              </p:par>
+                            </p:childTnLst>
+                          </p:cTn>
+                        </p:par>
+                      </p:childTnLst>
+                    </p:cTn>
+                  </p:par>
+                  <p:par>
+                    <p:cTn id="8" fill="hold">
+                      <p:stCondLst>
+                        <p:cond delay="indefinite"/>
+                      </p:stCondLst>
+                      <p:childTnLst>
+                        <p:par>
+                          <p:cTn id="9" fill="hold">
+                            <p:stCondLst>
+                              <p:cond delay="0"/>
+                            </p:stCondLst>
+                            <p:childTnLst>
+                              <p:par>
+                                <p:cTn id="10" presetID="10" presetClass="entr" presetSubtype="0" fill="hold" grpId="0" nodeType="clickEffect">
+                                  <p:stCondLst>
+                                    <p:cond delay="0"/>
+                                  </p:stCondLst>
+                                  <p:childTnLst>
+                                    <p:set>
+                                      <p:cBhvr>
+                                        <p:cTn id="11" dur="1" fill="hold">
+                                          <p:stCondLst>
+                                            <p:cond delay="0"/>
+                                          </p:stCondLst>
+                                        </p:cTn>
+                                        <p:tgtEl>
+                                          <p:spTgt spid="17"/>
+                                        </p:tgtEl>
+                                        <p:attrNameLst>
+                                          <p:attrName>style.visibility</p:attrName>
+                                        </p:attrNameLst>
+                                      </p:cBhvr>
+                                      <p:to>
+                                        <p:strVal val="visible"/>
+                                      </p:to>
+                                    </p:set>
+                                    <p:animEffect transition="in" filter="fade">
+                                      <p:cBhvr>
+                                        <p:cTn id="12" dur="500"/>
+                                        <p:tgtEl>
+                                          <p:spTgt spid="17"/>
+                                        </p:tgtEl>
+                                      </p:cBhvr>
+                                    </p:animEffect>
+                                  </p:childTnLst>
+                                </p:cTn>
+                              </p:par>
+                              <p:par>
+                                <p:cTn id="13" presetID="10" presetClass="entr" presetSubtype="0" fill="hold" nodeType="withEffect">
+                                  <p:stCondLst>
+                                    <p:cond delay="0"/>
+                                  </p:stCondLst>
+                                  <p:childTnLst>
+                                    <p:set>
+                                      <p:cBhvr>
+                                        <p:cTn id="14" dur="1" fill="hold">
+                                          <p:stCondLst>
+                                            <p:cond delay="0"/>
+                                          </p:stCondLst>
+                                        </p:cTn>
+                                        <p:tgtEl>
+                                          <p:spTgt spid="1026"/>
+                                        </p:tgtEl>
+                                        <p:attrNameLst>
+                                          <p:attrName>style.visibility</p:attrName>
+                                        </p:attrNameLst>
+                                      </p:cBhvr>
+                                      <p:to>
+                                        <p:strVal val="visible"/>
+                                      </p:to>
+                                    </p:set>
+                                    <p:animEffect transition="in" filter="fade">
+                                      <p:cBhvr>
+                                        <p:cTn id="15" dur="500"/>
+                                        <p:tgtEl>
+                                          <p:spTgt spid="1026"/>
+                                        </p:tgtEl>
+                                      </p:cBhvr>
+                                    </p:animEffect>
+                                  </p:childTnLst>
+                                </p:cTn>
+                              </p:par>
+                              <p:par>
+                                <p:cTn id="16" presetID="10" presetClass="entr" presetSubtype="0" fill="hold" nodeType="withEffect">
+                                  <p:stCondLst>
+                                    <p:cond delay="0"/>
+                                  </p:stCondLst>
+                                  <p:childTnLst>
+                                    <p:set>
+                                      <p:cBhvr>
+                                        <p:cTn id="17" dur="1" fill="hold">
+                                          <p:stCondLst>
+                                            <p:cond delay="0"/>
+                                          </p:stCondLst>
+                                        </p:cTn>
+                                        <p:tgtEl>
+                                          <p:spTgt spid="1027"/>
+                                        </p:tgtEl>
+                                        <p:attrNameLst>
+                                          <p:attrName>style.visibility</p:attrName>
+                                        </p:attrNameLst>
+                                      </p:cBhvr>
+                                      <p:to>
+                                        <p:strVal val="visible"/>
+                                      </p:to>
+                                    </p:set>
+                                    <p:animEffect transition="in" filter="fade">
+                                      <p:cBhvr>
+                                        <p:cTn id="18" dur="500"/>
+                                        <p:tgtEl>
+                                          <p:spTgt spid="1027"/>
+                                        </p:tgtEl>
+                                      </p:cBhvr>
+                                    </p:animEffect>
+                                  </p:childTnLst>
+                                </p:cTn>
+                              </p:par>
+                            </p:childTnLst>
+                          </p:cTn>
+                        </p:par>
+                      </p:childTnLst>
+                    </p:cTn>
+                  </p:par>
+                </p:childTnLst>
+              </p:cTn>
+              <p:prevCondLst>
+                <p:cond evt="onPrev" delay="0">
+                  <p:tgtEl>
+                    <p:sldTgt/>
+                  </p:tgtEl>
+                </p:cond>
+              </p:prevCondLst>
+              <p:nextCondLst>
+                <p:cond evt="onNext" delay="0">
+                  <p:tgtEl>
+                    <p:sldTgt/>
+                  </p:tgtEl>
+                </p:cond>
+              </p:nextCondLst>
+            </p:seq>
+          </p:childTnLst>
+        </p:cTn>
       </p:par>
     </p:tnLst>
+    <p:bldLst>
+      <p:bldGraphic spid="6" grpId="0">
+        <p:bldAsOne/>
+      </p:bldGraphic>
+      <p:bldGraphic spid="17" grpId="0">
+        <p:bldAsOne/>
+      </p:bldGraphic>
+    </p:bldLst>
   </p:timing>
 </p:sld>
 </file>
 
-<file path=ppt/slides/slide5.xml><?xml version="1.0" encoding="utf-8"?>
+<file path=ppt/slides/slide6.xml><?xml version="1.0" encoding="utf-8"?>
 <p:sld xmlns:a="http://schemas.openxmlformats.org/drawingml/2006/main" xmlns:r="http://schemas.openxmlformats.org/officeDocument/2006/relationships" xmlns:p="http://schemas.openxmlformats.org/presentationml/2006/main">
   <p:cSld>
     <p:spTree>
@@ -22927,10 +28576,16 @@
           <a:lstStyle/>
           <a:p>
             <a:r>
-              <a:rPr lang="en-US" b="1" smtClean="0"/>
+              <a:rPr lang="en-US" b="1" smtClean="0">
+                <a:latin typeface="Times New Roman" pitchFamily="18" charset="0"/>
+                <a:cs typeface="Times New Roman" pitchFamily="18" charset="0"/>
+              </a:rPr>
               <a:t>Xử lý ảnh</a:t>
             </a:r>
-            <a:endParaRPr lang="en-US" b="1"/>
+            <a:endParaRPr lang="en-US" b="1">
+              <a:latin typeface="Times New Roman" pitchFamily="18" charset="0"/>
+              <a:cs typeface="Times New Roman" pitchFamily="18" charset="0"/>
+            </a:endParaRPr>
           </a:p>
         </p:txBody>
       </p:sp>
@@ -23017,12 +28672,142 @@
           <a:lstStyle/>
           <a:p>
             <a:r>
-              <a:rPr lang="en-US" sz="3800" b="1" smtClean="0">
+              <a:rPr lang="en-US" sz="3800" b="1" err="1" smtClean="0">
+                <a:latin typeface="Times New Roman" pitchFamily="18" charset="0"/>
                 <a:cs typeface="Times New Roman" pitchFamily="18" charset="0"/>
               </a:rPr>
-              <a:t>Các bước cơ bản trong xử lý ảnh</a:t>
+              <a:t>Các</a:t>
+            </a:r>
+            <a:r>
+              <a:rPr lang="en-US" sz="3800" b="1" smtClean="0">
+                <a:latin typeface="Times New Roman" pitchFamily="18" charset="0"/>
+                <a:cs typeface="Times New Roman" pitchFamily="18" charset="0"/>
+              </a:rPr>
+              <a:t> </a:t>
+            </a:r>
+            <a:r>
+              <a:rPr lang="en-US" sz="3800" b="1" err="1" smtClean="0">
+                <a:latin typeface="Times New Roman" pitchFamily="18" charset="0"/>
+                <a:cs typeface="Times New Roman" pitchFamily="18" charset="0"/>
+              </a:rPr>
+              <a:t>bước</a:t>
+            </a:r>
+            <a:r>
+              <a:rPr lang="en-US" sz="3800" b="1" smtClean="0">
+                <a:latin typeface="Times New Roman" pitchFamily="18" charset="0"/>
+                <a:cs typeface="Times New Roman" pitchFamily="18" charset="0"/>
+              </a:rPr>
+              <a:t> </a:t>
+            </a:r>
+            <a:r>
+              <a:rPr lang="en-US" sz="3800" b="1" err="1" smtClean="0">
+                <a:latin typeface="Times New Roman" pitchFamily="18" charset="0"/>
+                <a:cs typeface="Times New Roman" pitchFamily="18" charset="0"/>
+              </a:rPr>
+              <a:t>cơ</a:t>
+            </a:r>
+            <a:r>
+              <a:rPr lang="en-US" sz="3800" b="1" smtClean="0">
+                <a:latin typeface="Times New Roman" pitchFamily="18" charset="0"/>
+                <a:cs typeface="Times New Roman" pitchFamily="18" charset="0"/>
+              </a:rPr>
+              <a:t> </a:t>
+            </a:r>
+            <a:r>
+              <a:rPr lang="en-US" sz="3800" b="1" err="1" smtClean="0">
+                <a:latin typeface="Times New Roman" pitchFamily="18" charset="0"/>
+                <a:cs typeface="Times New Roman" pitchFamily="18" charset="0"/>
+              </a:rPr>
+              <a:t>bản</a:t>
+            </a:r>
+            <a:r>
+              <a:rPr lang="en-US" sz="3800" b="1" smtClean="0">
+                <a:latin typeface="Times New Roman" pitchFamily="18" charset="0"/>
+                <a:cs typeface="Times New Roman" pitchFamily="18" charset="0"/>
+              </a:rPr>
+              <a:t> </a:t>
+            </a:r>
+            <a:r>
+              <a:rPr lang="en-US" sz="3800" b="1" err="1" smtClean="0">
+                <a:latin typeface="Times New Roman" pitchFamily="18" charset="0"/>
+                <a:cs typeface="Times New Roman" pitchFamily="18" charset="0"/>
+              </a:rPr>
+              <a:t>trong</a:t>
+            </a:r>
+            <a:r>
+              <a:rPr lang="en-US" sz="3800" b="1" smtClean="0">
+                <a:latin typeface="Times New Roman" pitchFamily="18" charset="0"/>
+                <a:cs typeface="Times New Roman" pitchFamily="18" charset="0"/>
+              </a:rPr>
+              <a:t> </a:t>
+            </a:r>
+            <a:r>
+              <a:rPr lang="en-US" sz="3800" b="1" err="1" smtClean="0">
+                <a:latin typeface="Times New Roman" pitchFamily="18" charset="0"/>
+                <a:cs typeface="Times New Roman" pitchFamily="18" charset="0"/>
+              </a:rPr>
+              <a:t>xử</a:t>
+            </a:r>
+            <a:r>
+              <a:rPr lang="en-US" sz="3800" b="1" smtClean="0">
+                <a:latin typeface="Times New Roman" pitchFamily="18" charset="0"/>
+                <a:cs typeface="Times New Roman" pitchFamily="18" charset="0"/>
+              </a:rPr>
+              <a:t> </a:t>
+            </a:r>
+            <a:r>
+              <a:rPr lang="en-US" sz="3800" b="1" err="1" smtClean="0">
+                <a:latin typeface="Times New Roman" pitchFamily="18" charset="0"/>
+                <a:cs typeface="Times New Roman" pitchFamily="18" charset="0"/>
+              </a:rPr>
+              <a:t>lý</a:t>
+            </a:r>
+            <a:r>
+              <a:rPr lang="en-US" sz="3800" b="1" smtClean="0">
+                <a:latin typeface="Times New Roman" pitchFamily="18" charset="0"/>
+                <a:cs typeface="Times New Roman" pitchFamily="18" charset="0"/>
+              </a:rPr>
+              <a:t> </a:t>
+            </a:r>
+            <a:r>
+              <a:rPr lang="en-US" sz="3800" b="1" err="1" smtClean="0">
+                <a:latin typeface="Times New Roman" pitchFamily="18" charset="0"/>
+                <a:cs typeface="Times New Roman" pitchFamily="18" charset="0"/>
+              </a:rPr>
+              <a:t>ảnh</a:t>
             </a:r>
             <a:endParaRPr lang="en-US" sz="3800" b="1">
+              <a:latin typeface="Times New Roman" pitchFamily="18" charset="0"/>
+              <a:cs typeface="Times New Roman" pitchFamily="18" charset="0"/>
+            </a:endParaRPr>
+          </a:p>
+        </p:txBody>
+      </p:sp>
+      <p:sp>
+        <p:nvSpPr>
+          <p:cNvPr id="8" name="Slide Number Placeholder 7"/>
+          <p:cNvSpPr>
+            <a:spLocks noGrp="1"/>
+          </p:cNvSpPr>
+          <p:nvPr>
+            <p:ph type="sldNum" sz="quarter" idx="12"/>
+          </p:nvPr>
+        </p:nvSpPr>
+        <p:spPr/>
+        <p:txBody>
+          <a:bodyPr/>
+          <a:lstStyle/>
+          <a:p>
+            <a:fld id="{51856A66-21D7-4D51-AECF-27815D04D8F4}" type="slidenum">
+              <a:rPr lang="en-US" smtClean="0">
+                <a:latin typeface="Times New Roman" pitchFamily="18" charset="0"/>
+                <a:cs typeface="Times New Roman" pitchFamily="18" charset="0"/>
+              </a:rPr>
+              <a:pPr/>
+              <a:t>6</a:t>
+            </a:fld>
+            <a:endParaRPr lang="en-US">
+              <a:latin typeface="Times New Roman" pitchFamily="18" charset="0"/>
               <a:cs typeface="Times New Roman" pitchFamily="18" charset="0"/>
             </a:endParaRPr>
           </a:p>
@@ -23038,6 +28823,18 @@
   <p:clrMapOvr>
     <a:masterClrMapping/>
   </p:clrMapOvr>
+  <mc:AlternateContent xmlns:mc="http://schemas.openxmlformats.org/markup-compatibility/2006">
+    <mc:Choice xmlns:p14="http://schemas.microsoft.com/office/powerpoint/2010/main" Requires="p14">
+      <p:transition spd="med" p14:dur="700">
+        <p:fade/>
+      </p:transition>
+    </mc:Choice>
+    <mc:Fallback>
+      <p:transition spd="med">
+        <p:fade/>
+      </p:transition>
+    </mc:Fallback>
+  </mc:AlternateContent>
   <p:timing>
     <p:tnLst>
       <p:par>
@@ -23048,7 +28845,7 @@
 </p:sld>
 </file>
 
-<file path=ppt/slides/slide6.xml><?xml version="1.0" encoding="utf-8"?>
+<file path=ppt/slides/slide7.xml><?xml version="1.0" encoding="utf-8"?>
 <p:sld xmlns:a="http://schemas.openxmlformats.org/drawingml/2006/main" xmlns:r="http://schemas.openxmlformats.org/officeDocument/2006/relationships" xmlns:p="http://schemas.openxmlformats.org/presentationml/2006/main">
   <p:cSld>
     <p:spTree>
@@ -23107,10 +28904,16 @@
           <a:lstStyle/>
           <a:p>
             <a:r>
-              <a:rPr lang="en-US" b="1" smtClean="0"/>
+              <a:rPr lang="en-US" b="1" smtClean="0">
+                <a:latin typeface="Times New Roman" pitchFamily="18" charset="0"/>
+                <a:cs typeface="Times New Roman" pitchFamily="18" charset="0"/>
+              </a:rPr>
               <a:t>Mạng noron</a:t>
             </a:r>
-            <a:endParaRPr lang="en-US" b="1"/>
+            <a:endParaRPr lang="en-US" b="1">
+              <a:latin typeface="Times New Roman" pitchFamily="18" charset="0"/>
+              <a:cs typeface="Times New Roman" pitchFamily="18" charset="0"/>
+            </a:endParaRPr>
           </a:p>
         </p:txBody>
       </p:sp>
@@ -23428,17 +29231,141 @@
           <a:lstStyle/>
           <a:p>
             <a:r>
+              <a:rPr lang="en-US" sz="3000" b="1" err="1" smtClean="0">
+                <a:solidFill>
+                  <a:srgbClr val="FF0000"/>
+                </a:solidFill>
+                <a:latin typeface="Times New Roman" pitchFamily="18" charset="0"/>
+                <a:cs typeface="Times New Roman" pitchFamily="18" charset="0"/>
+              </a:rPr>
+              <a:t>Mạng</a:t>
+            </a:r>
+            <a:r>
               <a:rPr lang="en-US" sz="3000" b="1" smtClean="0">
                 <a:solidFill>
                   <a:srgbClr val="FF0000"/>
                 </a:solidFill>
+                <a:latin typeface="Times New Roman" pitchFamily="18" charset="0"/>
+                <a:cs typeface="Times New Roman" pitchFamily="18" charset="0"/>
               </a:rPr>
-              <a:t>Mạng noron học làm sao ?</a:t>
+              <a:t> </a:t>
+            </a:r>
+            <a:r>
+              <a:rPr lang="en-US" sz="3000" b="1" err="1" smtClean="0">
+                <a:solidFill>
+                  <a:srgbClr val="FF0000"/>
+                </a:solidFill>
+                <a:latin typeface="Times New Roman" pitchFamily="18" charset="0"/>
+                <a:cs typeface="Times New Roman" pitchFamily="18" charset="0"/>
+              </a:rPr>
+              <a:t>noron</a:t>
+            </a:r>
+            <a:r>
+              <a:rPr lang="en-US" sz="3000" b="1" smtClean="0">
+                <a:solidFill>
+                  <a:srgbClr val="FF0000"/>
+                </a:solidFill>
+                <a:latin typeface="Times New Roman" pitchFamily="18" charset="0"/>
+                <a:cs typeface="Times New Roman" pitchFamily="18" charset="0"/>
+              </a:rPr>
+              <a:t> </a:t>
+            </a:r>
+            <a:r>
+              <a:rPr lang="en-US" sz="3000" b="1" err="1" smtClean="0">
+                <a:solidFill>
+                  <a:srgbClr val="FF0000"/>
+                </a:solidFill>
+                <a:latin typeface="Times New Roman" pitchFamily="18" charset="0"/>
+                <a:cs typeface="Times New Roman" pitchFamily="18" charset="0"/>
+              </a:rPr>
+              <a:t>học</a:t>
+            </a:r>
+            <a:r>
+              <a:rPr lang="en-US" sz="3000" b="1" smtClean="0">
+                <a:solidFill>
+                  <a:srgbClr val="FF0000"/>
+                </a:solidFill>
+                <a:latin typeface="Times New Roman" pitchFamily="18" charset="0"/>
+                <a:cs typeface="Times New Roman" pitchFamily="18" charset="0"/>
+              </a:rPr>
+              <a:t> </a:t>
+            </a:r>
+            <a:r>
+              <a:rPr lang="en-US" sz="3000" b="1" err="1" smtClean="0">
+                <a:solidFill>
+                  <a:srgbClr val="FF0000"/>
+                </a:solidFill>
+                <a:latin typeface="Times New Roman" pitchFamily="18" charset="0"/>
+                <a:cs typeface="Times New Roman" pitchFamily="18" charset="0"/>
+              </a:rPr>
+              <a:t>làm</a:t>
+            </a:r>
+            <a:r>
+              <a:rPr lang="en-US" sz="3000" b="1" smtClean="0">
+                <a:solidFill>
+                  <a:srgbClr val="FF0000"/>
+                </a:solidFill>
+                <a:latin typeface="Times New Roman" pitchFamily="18" charset="0"/>
+                <a:cs typeface="Times New Roman" pitchFamily="18" charset="0"/>
+              </a:rPr>
+              <a:t> </a:t>
+            </a:r>
+            <a:r>
+              <a:rPr lang="en-US" sz="3000" b="1" err="1" smtClean="0">
+                <a:solidFill>
+                  <a:srgbClr val="FF0000"/>
+                </a:solidFill>
+                <a:latin typeface="Times New Roman" pitchFamily="18" charset="0"/>
+                <a:cs typeface="Times New Roman" pitchFamily="18" charset="0"/>
+              </a:rPr>
+              <a:t>sao</a:t>
+            </a:r>
+            <a:r>
+              <a:rPr lang="en-US" sz="3000" b="1" smtClean="0">
+                <a:solidFill>
+                  <a:srgbClr val="FF0000"/>
+                </a:solidFill>
+                <a:latin typeface="Times New Roman" pitchFamily="18" charset="0"/>
+                <a:cs typeface="Times New Roman" pitchFamily="18" charset="0"/>
+              </a:rPr>
+              <a:t> ?</a:t>
             </a:r>
             <a:endParaRPr lang="en-US" sz="3000" b="1">
               <a:solidFill>
                 <a:srgbClr val="FF0000"/>
               </a:solidFill>
+              <a:latin typeface="Times New Roman" pitchFamily="18" charset="0"/>
+              <a:cs typeface="Times New Roman" pitchFamily="18" charset="0"/>
+            </a:endParaRPr>
+          </a:p>
+        </p:txBody>
+      </p:sp>
+      <p:sp>
+        <p:nvSpPr>
+          <p:cNvPr id="13" name="Slide Number Placeholder 12"/>
+          <p:cNvSpPr>
+            <a:spLocks noGrp="1"/>
+          </p:cNvSpPr>
+          <p:nvPr>
+            <p:ph type="sldNum" sz="quarter" idx="12"/>
+          </p:nvPr>
+        </p:nvSpPr>
+        <p:spPr/>
+        <p:txBody>
+          <a:bodyPr/>
+          <a:lstStyle/>
+          <a:p>
+            <a:fld id="{51856A66-21D7-4D51-AECF-27815D04D8F4}" type="slidenum">
+              <a:rPr lang="en-US" smtClean="0">
+                <a:latin typeface="Times New Roman" pitchFamily="18" charset="0"/>
+                <a:cs typeface="Times New Roman" pitchFamily="18" charset="0"/>
+              </a:rPr>
+              <a:pPr/>
+              <a:t>7</a:t>
+            </a:fld>
+            <a:endParaRPr lang="en-US">
+              <a:latin typeface="Times New Roman" pitchFamily="18" charset="0"/>
+              <a:cs typeface="Times New Roman" pitchFamily="18" charset="0"/>
             </a:endParaRPr>
           </a:p>
         </p:txBody>
@@ -23453,6 +29380,18 @@
   <p:clrMapOvr>
     <a:masterClrMapping/>
   </p:clrMapOvr>
+  <mc:AlternateContent xmlns:mc="http://schemas.openxmlformats.org/markup-compatibility/2006">
+    <mc:Choice xmlns:p14="http://schemas.microsoft.com/office/powerpoint/2010/main" Requires="p14">
+      <p:transition spd="med" p14:dur="700">
+        <p:fade/>
+      </p:transition>
+    </mc:Choice>
+    <mc:Fallback>
+      <p:transition spd="med">
+        <p:fade/>
+      </p:transition>
+    </mc:Fallback>
+  </mc:AlternateContent>
   <p:timing>
     <p:tnLst>
       <p:par>
@@ -23463,7 +29402,7 @@
 </p:sld>
 </file>
 
-<file path=ppt/slides/slide7.xml><?xml version="1.0" encoding="utf-8"?>
+<file path=ppt/slides/slide8.xml><?xml version="1.0" encoding="utf-8"?>
 <p:sld xmlns:a="http://schemas.openxmlformats.org/drawingml/2006/main" xmlns:r="http://schemas.openxmlformats.org/officeDocument/2006/relationships" xmlns:p="http://schemas.openxmlformats.org/presentationml/2006/main">
   <p:cSld>
     <p:spTree>
@@ -23522,10 +29461,16 @@
           <a:lstStyle/>
           <a:p>
             <a:r>
-              <a:rPr lang="en-US" b="1" smtClean="0"/>
+              <a:rPr lang="en-US" b="1" smtClean="0">
+                <a:latin typeface="Times New Roman" pitchFamily="18" charset="0"/>
+                <a:cs typeface="Times New Roman" pitchFamily="18" charset="0"/>
+              </a:rPr>
               <a:t>Mô hình giải quyết bài toán</a:t>
             </a:r>
-            <a:endParaRPr lang="en-US" b="1"/>
+            <a:endParaRPr lang="en-US" b="1">
+              <a:latin typeface="Times New Roman" pitchFamily="18" charset="0"/>
+              <a:cs typeface="Times New Roman" pitchFamily="18" charset="0"/>
+            </a:endParaRPr>
           </a:p>
         </p:txBody>
       </p:sp>
@@ -23633,6 +29578,36 @@
           </a:p>
         </p:txBody>
       </p:sp>
+      <p:sp>
+        <p:nvSpPr>
+          <p:cNvPr id="8" name="Slide Number Placeholder 7"/>
+          <p:cNvSpPr>
+            <a:spLocks noGrp="1"/>
+          </p:cNvSpPr>
+          <p:nvPr>
+            <p:ph type="sldNum" sz="quarter" idx="12"/>
+          </p:nvPr>
+        </p:nvSpPr>
+        <p:spPr/>
+        <p:txBody>
+          <a:bodyPr/>
+          <a:lstStyle/>
+          <a:p>
+            <a:fld id="{51856A66-21D7-4D51-AECF-27815D04D8F4}" type="slidenum">
+              <a:rPr lang="en-US" smtClean="0">
+                <a:latin typeface="Times New Roman" pitchFamily="18" charset="0"/>
+                <a:cs typeface="Times New Roman" pitchFamily="18" charset="0"/>
+              </a:rPr>
+              <a:pPr/>
+              <a:t>8</a:t>
+            </a:fld>
+            <a:endParaRPr lang="en-US">
+              <a:latin typeface="Times New Roman" pitchFamily="18" charset="0"/>
+              <a:cs typeface="Times New Roman" pitchFamily="18" charset="0"/>
+            </a:endParaRPr>
+          </a:p>
+        </p:txBody>
+      </p:sp>
     </p:spTree>
     <p:extLst>
       <p:ext uri="{BB962C8B-B14F-4D97-AF65-F5344CB8AC3E}">
@@ -23643,6 +29618,18 @@
   <p:clrMapOvr>
     <a:masterClrMapping/>
   </p:clrMapOvr>
+  <mc:AlternateContent xmlns:mc="http://schemas.openxmlformats.org/markup-compatibility/2006">
+    <mc:Choice xmlns:p14="http://schemas.microsoft.com/office/powerpoint/2010/main" Requires="p14">
+      <p:transition spd="med" p14:dur="700">
+        <p:fade/>
+      </p:transition>
+    </mc:Choice>
+    <mc:Fallback>
+      <p:transition spd="med">
+        <p:fade/>
+      </p:transition>
+    </mc:Fallback>
+  </mc:AlternateContent>
   <p:timing>
     <p:tnLst>
       <p:par>
@@ -23653,7 +29640,7 @@
 </p:sld>
 </file>
 
-<file path=ppt/slides/slide8.xml><?xml version="1.0" encoding="utf-8"?>
+<file path=ppt/slides/slide9.xml><?xml version="1.0" encoding="utf-8"?>
 <p:sld xmlns:a="http://schemas.openxmlformats.org/drawingml/2006/main" xmlns:r="http://schemas.openxmlformats.org/officeDocument/2006/relationships" xmlns:p="http://schemas.openxmlformats.org/presentationml/2006/main">
   <p:cSld>
     <p:spTree>
@@ -23715,10 +29702,16 @@
           <a:lstStyle/>
           <a:p>
             <a:r>
-              <a:rPr lang="en-US" b="1" smtClean="0"/>
+              <a:rPr lang="en-US" b="1" smtClean="0">
+                <a:latin typeface="Times New Roman" pitchFamily="18" charset="0"/>
+                <a:cs typeface="Times New Roman" pitchFamily="18" charset="0"/>
+              </a:rPr>
               <a:t>Mô hình giải quyết bài toán</a:t>
             </a:r>
-            <a:endParaRPr lang="en-US" b="1"/>
+            <a:endParaRPr lang="en-US" b="1">
+              <a:latin typeface="Times New Roman" pitchFamily="18" charset="0"/>
+              <a:cs typeface="Times New Roman" pitchFamily="18" charset="0"/>
+            </a:endParaRPr>
           </a:p>
         </p:txBody>
       </p:sp>
@@ -23762,28 +29755,6 @@
       </p:cxnSp>
       <p:pic>
         <p:nvPicPr>
-          <p:cNvPr id="6" name="Picture 5"/>
-          <p:cNvPicPr/>
-          <p:nvPr/>
-        </p:nvPicPr>
-        <p:blipFill>
-          <a:blip r:embed="rId2"/>
-          <a:stretch>
-            <a:fillRect/>
-          </a:stretch>
-        </p:blipFill>
-        <p:spPr>
-          <a:xfrm>
-            <a:off x="609600" y="1066800"/>
-            <a:ext cx="7772400" cy="2590800"/>
-          </a:xfrm>
-          <a:prstGeom prst="rect">
-            <a:avLst/>
-          </a:prstGeom>
-        </p:spPr>
-      </p:pic>
-      <p:pic>
-        <p:nvPicPr>
           <p:cNvPr id="3074" name="Picture 2" descr="http://t2.gstatic.com/images?q=tbn:ANd9GcRX-HgqKF5dqbGM_1GoCRgmWk7cM8M9w72VoBusOfUmjEZCHHJGSQ"/>
           <p:cNvPicPr>
             <a:picLocks noChangeAspect="1" noChangeArrowheads="1"/>
@@ -23791,7 +29762,7 @@
           <p:nvPr/>
         </p:nvPicPr>
         <p:blipFill>
-          <a:blip r:embed="rId3">
+          <a:blip r:embed="rId2">
             <a:extLst>
               <a:ext uri="{28A0092B-C50C-407E-A947-70E740481C1C}">
                 <a14:useLocalDpi xmlns:a14="http://schemas.microsoft.com/office/drawing/2010/main" val="0"/>
@@ -23823,6 +29794,69 @@
           </a:extLst>
         </p:spPr>
       </p:pic>
+      <p:pic>
+        <p:nvPicPr>
+          <p:cNvPr id="1026" name="Picture 2"/>
+          <p:cNvPicPr>
+            <a:picLocks noChangeAspect="1" noChangeArrowheads="1"/>
+          </p:cNvPicPr>
+          <p:nvPr/>
+        </p:nvPicPr>
+        <p:blipFill>
+          <a:blip r:embed="rId3"/>
+          <a:srcRect/>
+          <a:stretch>
+            <a:fillRect/>
+          </a:stretch>
+        </p:blipFill>
+        <p:spPr bwMode="auto">
+          <a:xfrm>
+            <a:off x="457200" y="838200"/>
+            <a:ext cx="8294186" cy="3048000"/>
+          </a:xfrm>
+          <a:prstGeom prst="rect">
+            <a:avLst/>
+          </a:prstGeom>
+          <a:noFill/>
+          <a:ln w="9525">
+            <a:noFill/>
+            <a:miter lim="800000"/>
+            <a:headEnd/>
+            <a:tailEnd/>
+          </a:ln>
+          <a:effectLst/>
+        </p:spPr>
+      </p:pic>
+      <p:sp>
+        <p:nvSpPr>
+          <p:cNvPr id="8" name="Slide Number Placeholder 7"/>
+          <p:cNvSpPr>
+            <a:spLocks noGrp="1"/>
+          </p:cNvSpPr>
+          <p:nvPr>
+            <p:ph type="sldNum" sz="quarter" idx="12"/>
+          </p:nvPr>
+        </p:nvSpPr>
+        <p:spPr/>
+        <p:txBody>
+          <a:bodyPr/>
+          <a:lstStyle/>
+          <a:p>
+            <a:fld id="{51856A66-21D7-4D51-AECF-27815D04D8F4}" type="slidenum">
+              <a:rPr lang="en-US" smtClean="0">
+                <a:latin typeface="Times New Roman" pitchFamily="18" charset="0"/>
+                <a:cs typeface="Times New Roman" pitchFamily="18" charset="0"/>
+              </a:rPr>
+              <a:pPr/>
+              <a:t>9</a:t>
+            </a:fld>
+            <a:endParaRPr lang="en-US">
+              <a:latin typeface="Times New Roman" pitchFamily="18" charset="0"/>
+              <a:cs typeface="Times New Roman" pitchFamily="18" charset="0"/>
+            </a:endParaRPr>
+          </a:p>
+        </p:txBody>
+      </p:sp>
     </p:spTree>
     <p:extLst>
       <p:ext uri="{BB962C8B-B14F-4D97-AF65-F5344CB8AC3E}">
@@ -23833,557 +29867,18 @@
   <p:clrMapOvr>
     <a:masterClrMapping/>
   </p:clrMapOvr>
-  <p:timing>
-    <p:tnLst>
-      <p:par>
-        <p:cTn id="1" dur="indefinite" restart="never" nodeType="tmRoot"/>
-      </p:par>
-    </p:tnLst>
-  </p:timing>
-</p:sld>
-</file>
-
-<file path=ppt/slides/slide9.xml><?xml version="1.0" encoding="utf-8"?>
-<p:sld xmlns:a="http://schemas.openxmlformats.org/drawingml/2006/main" xmlns:r="http://schemas.openxmlformats.org/officeDocument/2006/relationships" xmlns:p="http://schemas.openxmlformats.org/presentationml/2006/main">
-  <p:cSld>
-    <p:spTree>
-      <p:nvGrpSpPr>
-        <p:cNvPr id="1" name=""/>
-        <p:cNvGrpSpPr/>
-        <p:nvPr/>
-      </p:nvGrpSpPr>
-      <p:grpSpPr>
-        <a:xfrm>
-          <a:off x="0" y="0"/>
-          <a:ext cx="0" cy="0"/>
-          <a:chOff x="0" y="0"/>
-          <a:chExt cx="0" cy="0"/>
-        </a:xfrm>
-      </p:grpSpPr>
-      <p:sp>
-        <p:nvSpPr>
-          <p:cNvPr id="7" name="Rectangle 6"/>
-          <p:cNvSpPr/>
-          <p:nvPr/>
-        </p:nvSpPr>
-        <p:spPr>
-          <a:xfrm>
-            <a:off x="0" y="76200"/>
-            <a:ext cx="8077200" cy="381000"/>
-          </a:xfrm>
-          <a:prstGeom prst="rect">
-            <a:avLst/>
-          </a:prstGeom>
-          <a:solidFill>
-            <a:schemeClr val="accent1"/>
-          </a:solidFill>
-          <a:ln>
-            <a:noFill/>
-          </a:ln>
-        </p:spPr>
-        <p:style>
-          <a:lnRef idx="2">
-            <a:schemeClr val="accent1">
-              <a:shade val="50000"/>
-            </a:schemeClr>
-          </a:lnRef>
-          <a:fillRef idx="1">
-            <a:schemeClr val="accent1"/>
-          </a:fillRef>
-          <a:effectRef idx="0">
-            <a:schemeClr val="accent1"/>
-          </a:effectRef>
-          <a:fontRef idx="minor">
-            <a:schemeClr val="lt1"/>
-          </a:fontRef>
-        </p:style>
-        <p:txBody>
-          <a:bodyPr rtlCol="0" anchor="ctr"/>
-          <a:lstStyle/>
-          <a:p>
-            <a:r>
-              <a:rPr lang="en-US" b="1" smtClean="0"/>
-              <a:t>Mô hình giải quyết bài toán</a:t>
-            </a:r>
-            <a:endParaRPr lang="en-US" b="1"/>
-          </a:p>
-        </p:txBody>
-      </p:sp>
-      <p:cxnSp>
-        <p:nvCxnSpPr>
-          <p:cNvPr id="9" name="Straight Connector 8"/>
-          <p:cNvCxnSpPr/>
-          <p:nvPr/>
-        </p:nvCxnSpPr>
-        <p:spPr>
-          <a:xfrm>
-            <a:off x="0" y="533400"/>
-            <a:ext cx="9144000" cy="0"/>
-          </a:xfrm>
-          <a:prstGeom prst="line">
-            <a:avLst/>
-          </a:prstGeom>
-          <a:ln w="34925">
-            <a:solidFill>
-              <a:schemeClr val="accent1"/>
-            </a:solidFill>
-          </a:ln>
-        </p:spPr>
-        <p:style>
-          <a:lnRef idx="1">
-            <a:schemeClr val="accent3"/>
-          </a:lnRef>
-          <a:fillRef idx="0">
-            <a:schemeClr val="accent3"/>
-          </a:fillRef>
-          <a:effectRef idx="0">
-            <a:schemeClr val="accent3"/>
-          </a:effectRef>
-          <a:fontRef idx="minor">
-            <a:schemeClr val="tx1"/>
-          </a:fontRef>
-        </p:style>
-      </p:cxnSp>
-      <p:pic>
-        <p:nvPicPr>
-          <p:cNvPr id="6146" name="Picture 2"/>
-          <p:cNvPicPr>
-            <a:picLocks noChangeAspect="1" noChangeArrowheads="1"/>
-          </p:cNvPicPr>
-          <p:nvPr/>
-        </p:nvPicPr>
-        <p:blipFill>
-          <a:blip r:embed="rId2">
-            <a:extLst>
-              <a:ext uri="{28A0092B-C50C-407E-A947-70E740481C1C}">
-                <a14:useLocalDpi xmlns:a14="http://schemas.microsoft.com/office/drawing/2010/main" val="0"/>
-              </a:ext>
-            </a:extLst>
-          </a:blip>
-          <a:srcRect/>
-          <a:stretch>
-            <a:fillRect/>
-          </a:stretch>
-        </p:blipFill>
-        <p:spPr bwMode="auto">
-          <a:xfrm>
-            <a:off x="1899557" y="2971800"/>
-            <a:ext cx="762000" cy="762000"/>
-          </a:xfrm>
-          <a:prstGeom prst="rect">
-            <a:avLst/>
-          </a:prstGeom>
-          <a:noFill/>
-          <a:ln>
-            <a:noFill/>
-          </a:ln>
-          <a:effectLst/>
-          <a:extLst>
-            <a:ext uri="{909E8E84-426E-40DD-AFC4-6F175D3DCCD1}">
-              <a14:hiddenFill xmlns:a14="http://schemas.microsoft.com/office/drawing/2010/main">
-                <a:solidFill>
-                  <a:schemeClr val="accent1"/>
-                </a:solidFill>
-              </a14:hiddenFill>
-            </a:ext>
-            <a:ext uri="{91240B29-F687-4F45-9708-019B960494DF}">
-              <a14:hiddenLine xmlns:a14="http://schemas.microsoft.com/office/drawing/2010/main" w="9525">
-                <a:solidFill>
-                  <a:schemeClr val="tx1"/>
-                </a:solidFill>
-                <a:miter lim="800000"/>
-                <a:headEnd/>
-                <a:tailEnd/>
-              </a14:hiddenLine>
-            </a:ext>
-            <a:ext uri="{AF507438-7753-43E0-B8FC-AC1667EBCBE1}">
-              <a14:hiddenEffects xmlns:a14="http://schemas.microsoft.com/office/drawing/2010/main">
-                <a:effectLst>
-                  <a:outerShdw dist="35921" dir="2700000" algn="ctr" rotWithShape="0">
-                    <a:schemeClr val="bg2"/>
-                  </a:outerShdw>
-                </a:effectLst>
-              </a14:hiddenEffects>
-            </a:ext>
-          </a:extLst>
-        </p:spPr>
-      </p:pic>
-      <p:pic>
-        <p:nvPicPr>
-          <p:cNvPr id="6147" name="Picture 3"/>
-          <p:cNvPicPr>
-            <a:picLocks noChangeAspect="1" noChangeArrowheads="1"/>
-          </p:cNvPicPr>
-          <p:nvPr/>
-        </p:nvPicPr>
-        <p:blipFill>
-          <a:blip r:embed="rId3">
-            <a:extLst>
-              <a:ext uri="{28A0092B-C50C-407E-A947-70E740481C1C}">
-                <a14:useLocalDpi xmlns:a14="http://schemas.microsoft.com/office/drawing/2010/main" val="0"/>
-              </a:ext>
-            </a:extLst>
-          </a:blip>
-          <a:srcRect/>
-          <a:stretch>
-            <a:fillRect/>
-          </a:stretch>
-        </p:blipFill>
-        <p:spPr bwMode="auto">
-          <a:xfrm>
-            <a:off x="2661557" y="3124200"/>
-            <a:ext cx="762000" cy="762000"/>
-          </a:xfrm>
-          <a:prstGeom prst="rect">
-            <a:avLst/>
-          </a:prstGeom>
-          <a:noFill/>
-          <a:ln>
-            <a:noFill/>
-          </a:ln>
-          <a:effectLst/>
-          <a:extLst>
-            <a:ext uri="{909E8E84-426E-40DD-AFC4-6F175D3DCCD1}">
-              <a14:hiddenFill xmlns:a14="http://schemas.microsoft.com/office/drawing/2010/main">
-                <a:solidFill>
-                  <a:schemeClr val="accent1"/>
-                </a:solidFill>
-              </a14:hiddenFill>
-            </a:ext>
-            <a:ext uri="{91240B29-F687-4F45-9708-019B960494DF}">
-              <a14:hiddenLine xmlns:a14="http://schemas.microsoft.com/office/drawing/2010/main" w="9525">
-                <a:solidFill>
-                  <a:schemeClr val="tx1"/>
-                </a:solidFill>
-                <a:miter lim="800000"/>
-                <a:headEnd/>
-                <a:tailEnd/>
-              </a14:hiddenLine>
-            </a:ext>
-            <a:ext uri="{AF507438-7753-43E0-B8FC-AC1667EBCBE1}">
-              <a14:hiddenEffects xmlns:a14="http://schemas.microsoft.com/office/drawing/2010/main">
-                <a:effectLst>
-                  <a:outerShdw dist="35921" dir="2700000" algn="ctr" rotWithShape="0">
-                    <a:schemeClr val="bg2"/>
-                  </a:outerShdw>
-                </a:effectLst>
-              </a14:hiddenEffects>
-            </a:ext>
-          </a:extLst>
-        </p:spPr>
-      </p:pic>
-      <p:pic>
-        <p:nvPicPr>
-          <p:cNvPr id="6148" name="Picture 4"/>
-          <p:cNvPicPr>
-            <a:picLocks noChangeAspect="1" noChangeArrowheads="1"/>
-          </p:cNvPicPr>
-          <p:nvPr/>
-        </p:nvPicPr>
-        <p:blipFill>
-          <a:blip r:embed="rId4">
-            <a:extLst>
-              <a:ext uri="{28A0092B-C50C-407E-A947-70E740481C1C}">
-                <a14:useLocalDpi xmlns:a14="http://schemas.microsoft.com/office/drawing/2010/main" val="0"/>
-              </a:ext>
-            </a:extLst>
-          </a:blip>
-          <a:srcRect/>
-          <a:stretch>
-            <a:fillRect/>
-          </a:stretch>
-        </p:blipFill>
-        <p:spPr bwMode="auto">
-          <a:xfrm>
-            <a:off x="1943100" y="3733800"/>
-            <a:ext cx="762000" cy="762000"/>
-          </a:xfrm>
-          <a:prstGeom prst="rect">
-            <a:avLst/>
-          </a:prstGeom>
-          <a:noFill/>
-          <a:ln>
-            <a:noFill/>
-          </a:ln>
-          <a:effectLst/>
-          <a:extLst>
-            <a:ext uri="{909E8E84-426E-40DD-AFC4-6F175D3DCCD1}">
-              <a14:hiddenFill xmlns:a14="http://schemas.microsoft.com/office/drawing/2010/main">
-                <a:solidFill>
-                  <a:schemeClr val="accent1"/>
-                </a:solidFill>
-              </a14:hiddenFill>
-            </a:ext>
-            <a:ext uri="{91240B29-F687-4F45-9708-019B960494DF}">
-              <a14:hiddenLine xmlns:a14="http://schemas.microsoft.com/office/drawing/2010/main" w="9525">
-                <a:solidFill>
-                  <a:schemeClr val="tx1"/>
-                </a:solidFill>
-                <a:miter lim="800000"/>
-                <a:headEnd/>
-                <a:tailEnd/>
-              </a14:hiddenLine>
-            </a:ext>
-            <a:ext uri="{AF507438-7753-43E0-B8FC-AC1667EBCBE1}">
-              <a14:hiddenEffects xmlns:a14="http://schemas.microsoft.com/office/drawing/2010/main">
-                <a:effectLst>
-                  <a:outerShdw dist="35921" dir="2700000" algn="ctr" rotWithShape="0">
-                    <a:schemeClr val="bg2"/>
-                  </a:outerShdw>
-                </a:effectLst>
-              </a14:hiddenEffects>
-            </a:ext>
-          </a:extLst>
-        </p:spPr>
-      </p:pic>
-      <p:sp>
-        <p:nvSpPr>
-          <p:cNvPr id="10" name="TextBox 9"/>
-          <p:cNvSpPr txBox="1"/>
-          <p:nvPr/>
-        </p:nvSpPr>
-        <p:spPr>
-          <a:xfrm>
-            <a:off x="794657" y="1066800"/>
-            <a:ext cx="2971800" cy="1015663"/>
-          </a:xfrm>
-          <a:prstGeom prst="rect">
-            <a:avLst/>
-          </a:prstGeom>
-          <a:noFill/>
-        </p:spPr>
-        <p:txBody>
-          <a:bodyPr wrap="square" rtlCol="0">
-            <a:spAutoFit/>
-          </a:bodyPr>
-          <a:lstStyle/>
-          <a:p>
-            <a:r>
-              <a:rPr lang="en-US" sz="3000" b="1" smtClean="0">
-                <a:solidFill>
-                  <a:srgbClr val="FF0000"/>
-                </a:solidFill>
-              </a:rPr>
-              <a:t>Làm sao phát hiện biển báo ?</a:t>
-            </a:r>
-            <a:endParaRPr lang="en-US" sz="3000" b="1">
-              <a:solidFill>
-                <a:srgbClr val="FF0000"/>
-              </a:solidFill>
-            </a:endParaRPr>
-          </a:p>
-        </p:txBody>
-      </p:sp>
-      <p:pic>
-        <p:nvPicPr>
-          <p:cNvPr id="6149" name="Picture 5"/>
-          <p:cNvPicPr>
-            <a:picLocks noChangeAspect="1" noChangeArrowheads="1"/>
-          </p:cNvPicPr>
-          <p:nvPr/>
-        </p:nvPicPr>
-        <p:blipFill>
-          <a:blip r:embed="rId5">
-            <a:extLst>
-              <a:ext uri="{28A0092B-C50C-407E-A947-70E740481C1C}">
-                <a14:useLocalDpi xmlns:a14="http://schemas.microsoft.com/office/drawing/2010/main" val="0"/>
-              </a:ext>
-            </a:extLst>
-          </a:blip>
-          <a:srcRect/>
-          <a:stretch>
-            <a:fillRect/>
-          </a:stretch>
-        </p:blipFill>
-        <p:spPr bwMode="auto">
-          <a:xfrm>
-            <a:off x="3423558" y="2362200"/>
-            <a:ext cx="1416935" cy="990600"/>
-          </a:xfrm>
-          <a:prstGeom prst="rect">
-            <a:avLst/>
-          </a:prstGeom>
-          <a:noFill/>
-          <a:ln>
-            <a:noFill/>
-          </a:ln>
-          <a:effectLst/>
-          <a:extLst>
-            <a:ext uri="{909E8E84-426E-40DD-AFC4-6F175D3DCCD1}">
-              <a14:hiddenFill xmlns:a14="http://schemas.microsoft.com/office/drawing/2010/main">
-                <a:solidFill>
-                  <a:schemeClr val="accent1"/>
-                </a:solidFill>
-              </a14:hiddenFill>
-            </a:ext>
-            <a:ext uri="{91240B29-F687-4F45-9708-019B960494DF}">
-              <a14:hiddenLine xmlns:a14="http://schemas.microsoft.com/office/drawing/2010/main" w="9525">
-                <a:solidFill>
-                  <a:schemeClr val="tx1"/>
-                </a:solidFill>
-                <a:miter lim="800000"/>
-                <a:headEnd/>
-                <a:tailEnd/>
-              </a14:hiddenLine>
-            </a:ext>
-            <a:ext uri="{AF507438-7753-43E0-B8FC-AC1667EBCBE1}">
-              <a14:hiddenEffects xmlns:a14="http://schemas.microsoft.com/office/drawing/2010/main">
-                <a:effectLst>
-                  <a:outerShdw dist="35921" dir="2700000" algn="ctr" rotWithShape="0">
-                    <a:schemeClr val="bg2"/>
-                  </a:outerShdw>
-                </a:effectLst>
-              </a14:hiddenEffects>
-            </a:ext>
-          </a:extLst>
-        </p:spPr>
-      </p:pic>
-      <p:pic>
-        <p:nvPicPr>
-          <p:cNvPr id="6150" name="Picture 6"/>
-          <p:cNvPicPr>
-            <a:picLocks noChangeAspect="1" noChangeArrowheads="1"/>
-          </p:cNvPicPr>
-          <p:nvPr/>
-        </p:nvPicPr>
-        <p:blipFill>
-          <a:blip r:embed="rId6">
-            <a:extLst>
-              <a:ext uri="{28A0092B-C50C-407E-A947-70E740481C1C}">
-                <a14:useLocalDpi xmlns:a14="http://schemas.microsoft.com/office/drawing/2010/main" val="0"/>
-              </a:ext>
-            </a:extLst>
-          </a:blip>
-          <a:srcRect/>
-          <a:stretch>
-            <a:fillRect/>
-          </a:stretch>
-        </p:blipFill>
-        <p:spPr bwMode="auto">
-          <a:xfrm>
-            <a:off x="3423557" y="4114800"/>
-            <a:ext cx="1643743" cy="914400"/>
-          </a:xfrm>
-          <a:prstGeom prst="rect">
-            <a:avLst/>
-          </a:prstGeom>
-          <a:noFill/>
-          <a:ln>
-            <a:noFill/>
-          </a:ln>
-          <a:effectLst/>
-          <a:extLst>
-            <a:ext uri="{909E8E84-426E-40DD-AFC4-6F175D3DCCD1}">
-              <a14:hiddenFill xmlns:a14="http://schemas.microsoft.com/office/drawing/2010/main">
-                <a:solidFill>
-                  <a:schemeClr val="accent1"/>
-                </a:solidFill>
-              </a14:hiddenFill>
-            </a:ext>
-            <a:ext uri="{91240B29-F687-4F45-9708-019B960494DF}">
-              <a14:hiddenLine xmlns:a14="http://schemas.microsoft.com/office/drawing/2010/main" w="9525">
-                <a:solidFill>
-                  <a:schemeClr val="tx1"/>
-                </a:solidFill>
-                <a:miter lim="800000"/>
-                <a:headEnd/>
-                <a:tailEnd/>
-              </a14:hiddenLine>
-            </a:ext>
-            <a:ext uri="{AF507438-7753-43E0-B8FC-AC1667EBCBE1}">
-              <a14:hiddenEffects xmlns:a14="http://schemas.microsoft.com/office/drawing/2010/main">
-                <a:effectLst>
-                  <a:outerShdw dist="35921" dir="2700000" algn="ctr" rotWithShape="0">
-                    <a:schemeClr val="bg2"/>
-                  </a:outerShdw>
-                </a:effectLst>
-              </a14:hiddenEffects>
-            </a:ext>
-          </a:extLst>
-        </p:spPr>
-      </p:pic>
-      <p:sp>
-        <p:nvSpPr>
-          <p:cNvPr id="12" name="TextBox 11"/>
-          <p:cNvSpPr txBox="1"/>
-          <p:nvPr/>
-        </p:nvSpPr>
-        <p:spPr>
-          <a:xfrm>
-            <a:off x="5519669" y="1897797"/>
-            <a:ext cx="3112089" cy="369332"/>
-          </a:xfrm>
-          <a:prstGeom prst="rect">
-            <a:avLst/>
-          </a:prstGeom>
-          <a:noFill/>
-        </p:spPr>
-        <p:txBody>
-          <a:bodyPr wrap="square" rtlCol="0">
-            <a:spAutoFit/>
-          </a:bodyPr>
-          <a:lstStyle/>
-          <a:p>
-            <a:r>
-              <a:rPr lang="en-US" b="1" smtClean="0">
-                <a:latin typeface="Times New Roman" pitchFamily="18" charset="0"/>
-                <a:cs typeface="Times New Roman" pitchFamily="18" charset="0"/>
-              </a:rPr>
-              <a:t>Đặc trưng hình học ?</a:t>
-            </a:r>
-            <a:endParaRPr lang="en-US" b="1">
-              <a:latin typeface="Times New Roman" pitchFamily="18" charset="0"/>
-              <a:cs typeface="Times New Roman" pitchFamily="18" charset="0"/>
-            </a:endParaRPr>
-          </a:p>
-        </p:txBody>
-      </p:sp>
-      <p:sp>
-        <p:nvSpPr>
-          <p:cNvPr id="13" name="TextBox 12"/>
-          <p:cNvSpPr txBox="1"/>
-          <p:nvPr/>
-        </p:nvSpPr>
-        <p:spPr>
-          <a:xfrm>
-            <a:off x="5530555" y="4844534"/>
-            <a:ext cx="3112089" cy="369332"/>
-          </a:xfrm>
-          <a:prstGeom prst="rect">
-            <a:avLst/>
-          </a:prstGeom>
-          <a:noFill/>
-        </p:spPr>
-        <p:txBody>
-          <a:bodyPr wrap="square" rtlCol="0">
-            <a:spAutoFit/>
-          </a:bodyPr>
-          <a:lstStyle/>
-          <a:p>
-            <a:r>
-              <a:rPr lang="en-US" b="1" smtClean="0">
-                <a:latin typeface="Times New Roman" pitchFamily="18" charset="0"/>
-                <a:cs typeface="Times New Roman" pitchFamily="18" charset="0"/>
-              </a:rPr>
-              <a:t>Đặc trưng màu sắc ?</a:t>
-            </a:r>
-            <a:endParaRPr lang="en-US" b="1">
-              <a:latin typeface="Times New Roman" pitchFamily="18" charset="0"/>
-              <a:cs typeface="Times New Roman" pitchFamily="18" charset="0"/>
-            </a:endParaRPr>
-          </a:p>
-        </p:txBody>
-      </p:sp>
-    </p:spTree>
-    <p:extLst>
-      <p:ext uri="{BB962C8B-B14F-4D97-AF65-F5344CB8AC3E}">
-        <p14:creationId xmlns:p14="http://schemas.microsoft.com/office/powerpoint/2010/main" val="2307107978"/>
-      </p:ext>
-    </p:extLst>
-  </p:cSld>
-  <p:clrMapOvr>
-    <a:masterClrMapping/>
-  </p:clrMapOvr>
+  <mc:AlternateContent xmlns:mc="http://schemas.openxmlformats.org/markup-compatibility/2006">
+    <mc:Choice xmlns:p14="http://schemas.microsoft.com/office/powerpoint/2010/main" Requires="p14">
+      <p:transition spd="med" p14:dur="700">
+        <p:fade/>
+      </p:transition>
+    </mc:Choice>
+    <mc:Fallback>
+      <p:transition spd="med">
+        <p:fade/>
+      </p:transition>
+    </mc:Fallback>
+  </mc:AlternateContent>
   <p:timing>
     <p:tnLst>
       <p:par>
@@ -24677,4 +30172,287 @@
   <a:objectDefaults/>
   <a:extraClrSchemeLst/>
 </a:theme>
+</file>
+
+<file path=ppt/theme/theme2.xml><?xml version="1.0" encoding="utf-8"?>
+<a:theme xmlns:a="http://schemas.openxmlformats.org/drawingml/2006/main" name="Office Theme">
+  <a:themeElements>
+    <a:clrScheme name="Office">
+      <a:dk1>
+        <a:sysClr val="windowText" lastClr="000000"/>
+      </a:dk1>
+      <a:lt1>
+        <a:sysClr val="window" lastClr="FFFFFF"/>
+      </a:lt1>
+      <a:dk2>
+        <a:srgbClr val="1F497D"/>
+      </a:dk2>
+      <a:lt2>
+        <a:srgbClr val="EEECE1"/>
+      </a:lt2>
+      <a:accent1>
+        <a:srgbClr val="4F81BD"/>
+      </a:accent1>
+      <a:accent2>
+        <a:srgbClr val="C0504D"/>
+      </a:accent2>
+      <a:accent3>
+        <a:srgbClr val="9BBB59"/>
+      </a:accent3>
+      <a:accent4>
+        <a:srgbClr val="8064A2"/>
+      </a:accent4>
+      <a:accent5>
+        <a:srgbClr val="4BACC6"/>
+      </a:accent5>
+      <a:accent6>
+        <a:srgbClr val="F79646"/>
+      </a:accent6>
+      <a:hlink>
+        <a:srgbClr val="0000FF"/>
+      </a:hlink>
+      <a:folHlink>
+        <a:srgbClr val="800080"/>
+      </a:folHlink>
+    </a:clrScheme>
+    <a:fontScheme name="Office">
+      <a:majorFont>
+        <a:latin typeface="Calibri"/>
+        <a:ea typeface=""/>
+        <a:cs typeface=""/>
+        <a:font script="Jpan" typeface="ＭＳ Ｐゴシック"/>
+        <a:font script="Hang" typeface="맑은 고딕"/>
+        <a:font script="Hans" typeface="宋体"/>
+        <a:font script="Hant" typeface="新細明體"/>
+        <a:font script="Arab" typeface="Times New Roman"/>
+        <a:font script="Hebr" typeface="Times New Roman"/>
+        <a:font script="Thai" typeface="Angsana New"/>
+        <a:font script="Ethi" typeface="Nyala"/>
+        <a:font script="Beng" typeface="Vrinda"/>
+        <a:font script="Gujr" typeface="Shruti"/>
+        <a:font script="Khmr" typeface="MoolBoran"/>
+        <a:font script="Knda" typeface="Tunga"/>
+        <a:font script="Guru" typeface="Raavi"/>
+        <a:font script="Cans" typeface="Euphemia"/>
+        <a:font script="Cher" typeface="Plantagenet Cherokee"/>
+        <a:font script="Yiii" typeface="Microsoft Yi Baiti"/>
+        <a:font script="Tibt" typeface="Microsoft Himalaya"/>
+        <a:font script="Thaa" typeface="MV Boli"/>
+        <a:font script="Deva" typeface="Mangal"/>
+        <a:font script="Telu" typeface="Gautami"/>
+        <a:font script="Taml" typeface="Latha"/>
+        <a:font script="Syrc" typeface="Estrangelo Edessa"/>
+        <a:font script="Orya" typeface="Kalinga"/>
+        <a:font script="Mlym" typeface="Kartika"/>
+        <a:font script="Laoo" typeface="DokChampa"/>
+        <a:font script="Sinh" typeface="Iskoola Pota"/>
+        <a:font script="Mong" typeface="Mongolian Baiti"/>
+        <a:font script="Viet" typeface="Times New Roman"/>
+        <a:font script="Uigh" typeface="Microsoft Uighur"/>
+      </a:majorFont>
+      <a:minorFont>
+        <a:latin typeface="Calibri"/>
+        <a:ea typeface=""/>
+        <a:cs typeface=""/>
+        <a:font script="Jpan" typeface="ＭＳ Ｐゴシック"/>
+        <a:font script="Hang" typeface="맑은 고딕"/>
+        <a:font script="Hans" typeface="宋体"/>
+        <a:font script="Hant" typeface="新細明體"/>
+        <a:font script="Arab" typeface="Arial"/>
+        <a:font script="Hebr" typeface="Arial"/>
+        <a:font script="Thai" typeface="Cordia New"/>
+        <a:font script="Ethi" typeface="Nyala"/>
+        <a:font script="Beng" typeface="Vrinda"/>
+        <a:font script="Gujr" typeface="Shruti"/>
+        <a:font script="Khmr" typeface="DaunPenh"/>
+        <a:font script="Knda" typeface="Tunga"/>
+        <a:font script="Guru" typeface="Raavi"/>
+        <a:font script="Cans" typeface="Euphemia"/>
+        <a:font script="Cher" typeface="Plantagenet Cherokee"/>
+        <a:font script="Yiii" typeface="Microsoft Yi Baiti"/>
+        <a:font script="Tibt" typeface="Microsoft Himalaya"/>
+        <a:font script="Thaa" typeface="MV Boli"/>
+        <a:font script="Deva" typeface="Mangal"/>
+        <a:font script="Telu" typeface="Gautami"/>
+        <a:font script="Taml" typeface="Latha"/>
+        <a:font script="Syrc" typeface="Estrangelo Edessa"/>
+        <a:font script="Orya" typeface="Kalinga"/>
+        <a:font script="Mlym" typeface="Kartika"/>
+        <a:font script="Laoo" typeface="DokChampa"/>
+        <a:font script="Sinh" typeface="Iskoola Pota"/>
+        <a:font script="Mong" typeface="Mongolian Baiti"/>
+        <a:font script="Viet" typeface="Arial"/>
+        <a:font script="Uigh" typeface="Microsoft Uighur"/>
+      </a:minorFont>
+    </a:fontScheme>
+    <a:fmtScheme name="Office">
+      <a:fillStyleLst>
+        <a:solidFill>
+          <a:schemeClr val="phClr"/>
+        </a:solidFill>
+        <a:gradFill rotWithShape="1">
+          <a:gsLst>
+            <a:gs pos="0">
+              <a:schemeClr val="phClr">
+                <a:tint val="50000"/>
+                <a:satMod val="300000"/>
+              </a:schemeClr>
+            </a:gs>
+            <a:gs pos="35000">
+              <a:schemeClr val="phClr">
+                <a:tint val="37000"/>
+                <a:satMod val="300000"/>
+              </a:schemeClr>
+            </a:gs>
+            <a:gs pos="100000">
+              <a:schemeClr val="phClr">
+                <a:tint val="15000"/>
+                <a:satMod val="350000"/>
+              </a:schemeClr>
+            </a:gs>
+          </a:gsLst>
+          <a:lin ang="16200000" scaled="1"/>
+        </a:gradFill>
+        <a:gradFill rotWithShape="1">
+          <a:gsLst>
+            <a:gs pos="0">
+              <a:schemeClr val="phClr">
+                <a:shade val="51000"/>
+                <a:satMod val="130000"/>
+              </a:schemeClr>
+            </a:gs>
+            <a:gs pos="80000">
+              <a:schemeClr val="phClr">
+                <a:shade val="93000"/>
+                <a:satMod val="130000"/>
+              </a:schemeClr>
+            </a:gs>
+            <a:gs pos="100000">
+              <a:schemeClr val="phClr">
+                <a:shade val="94000"/>
+                <a:satMod val="135000"/>
+              </a:schemeClr>
+            </a:gs>
+          </a:gsLst>
+          <a:lin ang="16200000" scaled="0"/>
+        </a:gradFill>
+      </a:fillStyleLst>
+      <a:lnStyleLst>
+        <a:ln w="9525" cap="flat" cmpd="sng" algn="ctr">
+          <a:solidFill>
+            <a:schemeClr val="phClr">
+              <a:shade val="95000"/>
+              <a:satMod val="105000"/>
+            </a:schemeClr>
+          </a:solidFill>
+          <a:prstDash val="solid"/>
+        </a:ln>
+        <a:ln w="25400" cap="flat" cmpd="sng" algn="ctr">
+          <a:solidFill>
+            <a:schemeClr val="phClr"/>
+          </a:solidFill>
+          <a:prstDash val="solid"/>
+        </a:ln>
+        <a:ln w="38100" cap="flat" cmpd="sng" algn="ctr">
+          <a:solidFill>
+            <a:schemeClr val="phClr"/>
+          </a:solidFill>
+          <a:prstDash val="solid"/>
+        </a:ln>
+      </a:lnStyleLst>
+      <a:effectStyleLst>
+        <a:effectStyle>
+          <a:effectLst>
+            <a:outerShdw blurRad="40000" dist="20000" dir="5400000" rotWithShape="0">
+              <a:srgbClr val="000000">
+                <a:alpha val="38000"/>
+              </a:srgbClr>
+            </a:outerShdw>
+          </a:effectLst>
+        </a:effectStyle>
+        <a:effectStyle>
+          <a:effectLst>
+            <a:outerShdw blurRad="40000" dist="23000" dir="5400000" rotWithShape="0">
+              <a:srgbClr val="000000">
+                <a:alpha val="35000"/>
+              </a:srgbClr>
+            </a:outerShdw>
+          </a:effectLst>
+        </a:effectStyle>
+        <a:effectStyle>
+          <a:effectLst>
+            <a:outerShdw blurRad="40000" dist="23000" dir="5400000" rotWithShape="0">
+              <a:srgbClr val="000000">
+                <a:alpha val="35000"/>
+              </a:srgbClr>
+            </a:outerShdw>
+          </a:effectLst>
+          <a:scene3d>
+            <a:camera prst="orthographicFront">
+              <a:rot lat="0" lon="0" rev="0"/>
+            </a:camera>
+            <a:lightRig rig="threePt" dir="t">
+              <a:rot lat="0" lon="0" rev="1200000"/>
+            </a:lightRig>
+          </a:scene3d>
+          <a:sp3d>
+            <a:bevelT w="63500" h="25400"/>
+          </a:sp3d>
+        </a:effectStyle>
+      </a:effectStyleLst>
+      <a:bgFillStyleLst>
+        <a:solidFill>
+          <a:schemeClr val="phClr"/>
+        </a:solidFill>
+        <a:gradFill rotWithShape="1">
+          <a:gsLst>
+            <a:gs pos="0">
+              <a:schemeClr val="phClr">
+                <a:tint val="40000"/>
+                <a:satMod val="350000"/>
+              </a:schemeClr>
+            </a:gs>
+            <a:gs pos="40000">
+              <a:schemeClr val="phClr">
+                <a:tint val="45000"/>
+                <a:shade val="99000"/>
+                <a:satMod val="350000"/>
+              </a:schemeClr>
+            </a:gs>
+            <a:gs pos="100000">
+              <a:schemeClr val="phClr">
+                <a:shade val="20000"/>
+                <a:satMod val="255000"/>
+              </a:schemeClr>
+            </a:gs>
+          </a:gsLst>
+          <a:path path="circle">
+            <a:fillToRect l="50000" t="-80000" r="50000" b="180000"/>
+          </a:path>
+        </a:gradFill>
+        <a:gradFill rotWithShape="1">
+          <a:gsLst>
+            <a:gs pos="0">
+              <a:schemeClr val="phClr">
+                <a:tint val="80000"/>
+                <a:satMod val="300000"/>
+              </a:schemeClr>
+            </a:gs>
+            <a:gs pos="100000">
+              <a:schemeClr val="phClr">
+                <a:shade val="30000"/>
+                <a:satMod val="200000"/>
+              </a:schemeClr>
+            </a:gs>
+          </a:gsLst>
+          <a:path path="circle">
+            <a:fillToRect l="50000" t="50000" r="50000" b="50000"/>
+          </a:path>
+        </a:gradFill>
+      </a:bgFillStyleLst>
+    </a:fmtScheme>
+  </a:themeElements>
+  <a:objectDefaults/>
+  <a:extraClrSchemeLst/>
+</a:theme>
 </file>